--- a/United States VS Canada.pptx
+++ b/United States VS Canada.pptx
@@ -1,65 +1,65 @@
 
 <file path=ppt/presentation.xml><?xml version="1.0" encoding="utf-8"?>
-<p:presentation xmlns:a="http://schemas.openxmlformats.org/drawingml/2006/main" xmlns:r="http://schemas.openxmlformats.org/officeDocument/2006/relationships" xmlns:mc="http://schemas.openxmlformats.org/markup-compatibility/2006" xmlns:mv="urn:schemas-microsoft-com:mac:vml" xmlns:p="http://schemas.openxmlformats.org/presentationml/2006/main" xmlns:c="http://schemas.openxmlformats.org/drawingml/2006/chart" xmlns:dgm="http://schemas.openxmlformats.org/drawingml/2006/diagram" xmlns:o="urn:schemas-microsoft-com:office:office" xmlns:v="urn:schemas-microsoft-com:vml" xmlns:pvml="urn:schemas-microsoft-com:office:powerpoint" xmlns:com="http://schemas.openxmlformats.org/drawingml/2006/compatibility" xmlns:p14="http://schemas.microsoft.com/office/powerpoint/2010/main" xmlns:p15="http://schemas.microsoft.com/office/powerpoint/2012/main" autoCompressPictures="0" embedTrueTypeFonts="1" strictFirstAndLastChars="0" saveSubsetFonts="1">
+<p:presentation xmlns:a="http://schemas.openxmlformats.org/drawingml/2006/main" xmlns:r="http://schemas.openxmlformats.org/officeDocument/2006/relationships" xmlns:p="http://schemas.openxmlformats.org/presentationml/2006/main" strictFirstAndLastChars="0" embedTrueTypeFonts="1" saveSubsetFonts="1" autoCompressPictures="0">
   <p:sldMasterIdLst>
-    <p:sldMasterId id="2147483659" r:id="rId4"/>
+    <p:sldMasterId id="2147483659" r:id="rId1"/>
   </p:sldMasterIdLst>
   <p:notesMasterIdLst>
-    <p:notesMasterId r:id="rId5"/>
+    <p:notesMasterId r:id="rId33"/>
   </p:notesMasterIdLst>
   <p:sldIdLst>
-    <p:sldId id="256" r:id="rId6"/>
-    <p:sldId id="257" r:id="rId7"/>
-    <p:sldId id="258" r:id="rId8"/>
-    <p:sldId id="259" r:id="rId9"/>
-    <p:sldId id="260" r:id="rId10"/>
-    <p:sldId id="261" r:id="rId11"/>
-    <p:sldId id="262" r:id="rId12"/>
-    <p:sldId id="263" r:id="rId13"/>
-    <p:sldId id="264" r:id="rId14"/>
-    <p:sldId id="265" r:id="rId15"/>
-    <p:sldId id="266" r:id="rId16"/>
-    <p:sldId id="267" r:id="rId17"/>
-    <p:sldId id="268" r:id="rId18"/>
-    <p:sldId id="269" r:id="rId19"/>
-    <p:sldId id="270" r:id="rId20"/>
-    <p:sldId id="271" r:id="rId21"/>
-    <p:sldId id="272" r:id="rId22"/>
-    <p:sldId id="273" r:id="rId23"/>
-    <p:sldId id="274" r:id="rId24"/>
-    <p:sldId id="275" r:id="rId25"/>
-    <p:sldId id="276" r:id="rId26"/>
-    <p:sldId id="277" r:id="rId27"/>
-    <p:sldId id="278" r:id="rId28"/>
-    <p:sldId id="279" r:id="rId29"/>
-    <p:sldId id="280" r:id="rId30"/>
-    <p:sldId id="281" r:id="rId31"/>
-    <p:sldId id="282" r:id="rId32"/>
-    <p:sldId id="283" r:id="rId33"/>
-    <p:sldId id="284" r:id="rId34"/>
-    <p:sldId id="285" r:id="rId35"/>
-    <p:sldId id="286" r:id="rId36"/>
+    <p:sldId id="256" r:id="rId2"/>
+    <p:sldId id="257" r:id="rId3"/>
+    <p:sldId id="258" r:id="rId4"/>
+    <p:sldId id="259" r:id="rId5"/>
+    <p:sldId id="260" r:id="rId6"/>
+    <p:sldId id="261" r:id="rId7"/>
+    <p:sldId id="262" r:id="rId8"/>
+    <p:sldId id="263" r:id="rId9"/>
+    <p:sldId id="264" r:id="rId10"/>
+    <p:sldId id="265" r:id="rId11"/>
+    <p:sldId id="266" r:id="rId12"/>
+    <p:sldId id="267" r:id="rId13"/>
+    <p:sldId id="268" r:id="rId14"/>
+    <p:sldId id="269" r:id="rId15"/>
+    <p:sldId id="270" r:id="rId16"/>
+    <p:sldId id="271" r:id="rId17"/>
+    <p:sldId id="272" r:id="rId18"/>
+    <p:sldId id="273" r:id="rId19"/>
+    <p:sldId id="274" r:id="rId20"/>
+    <p:sldId id="275" r:id="rId21"/>
+    <p:sldId id="276" r:id="rId22"/>
+    <p:sldId id="277" r:id="rId23"/>
+    <p:sldId id="278" r:id="rId24"/>
+    <p:sldId id="279" r:id="rId25"/>
+    <p:sldId id="280" r:id="rId26"/>
+    <p:sldId id="281" r:id="rId27"/>
+    <p:sldId id="282" r:id="rId28"/>
+    <p:sldId id="283" r:id="rId29"/>
+    <p:sldId id="284" r:id="rId30"/>
+    <p:sldId id="285" r:id="rId31"/>
+    <p:sldId id="286" r:id="rId32"/>
   </p:sldIdLst>
-  <p:sldSz cy="5143500" cx="9144000"/>
+  <p:sldSz cx="9144000" cy="5143500" type="screen16x9"/>
   <p:notesSz cx="6858000" cy="9144000"/>
   <p:embeddedFontLst>
     <p:embeddedFont>
-      <p:font typeface="Source Code Pro"/>
-      <p:regular r:id="rId37"/>
-      <p:bold r:id="rId38"/>
-      <p:italic r:id="rId39"/>
-      <p:boldItalic r:id="rId40"/>
+      <p:font typeface="Century Gothic" panose="020B0502020202020204" pitchFamily="34" charset="0"/>
+      <p:regular r:id="rId34"/>
+      <p:bold r:id="rId35"/>
+      <p:italic r:id="rId36"/>
+      <p:boldItalic r:id="rId37"/>
     </p:embeddedFont>
     <p:embeddedFont>
-      <p:font typeface="Century Gothic"/>
-      <p:regular r:id="rId41"/>
-      <p:bold r:id="rId42"/>
-      <p:italic r:id="rId43"/>
-      <p:boldItalic r:id="rId44"/>
+      <p:font typeface="Source Code Pro" panose="020B0509030403020204" pitchFamily="49" charset="0"/>
+      <p:regular r:id="rId38"/>
+      <p:bold r:id="rId39"/>
+      <p:italic r:id="rId40"/>
+      <p:boldItalic r:id="rId41"/>
     </p:embeddedFont>
   </p:embeddedFontLst>
   <p:defaultTextStyle>
-    <a:defPPr lvl="0" marR="0" rtl="0" algn="l">
+    <a:defPPr marR="0" lvl="0" algn="l" rtl="0">
       <a:lnSpc>
         <a:spcPct val="100000"/>
       </a:lnSpc>
@@ -70,7 +70,7 @@
         <a:spcPts val="0"/>
       </a:spcAft>
     </a:defPPr>
-    <a:lvl1pPr lvl="0" marR="0" rtl="0" algn="l">
+    <a:lvl1pPr marR="0" lvl="0" algn="l" rtl="0">
       <a:lnSpc>
         <a:spcPct val="100000"/>
       </a:lnSpc>
@@ -84,7 +84,7 @@
         <a:srgbClr val="000000"/>
       </a:buClr>
       <a:buFont typeface="Arial"/>
-      <a:defRPr b="0" i="0" sz="1400" u="none" cap="none" strike="noStrike">
+      <a:defRPr sz="1400" b="0" i="0" u="none" strike="noStrike" cap="none">
         <a:solidFill>
           <a:srgbClr val="000000"/>
         </a:solidFill>
@@ -94,7 +94,7 @@
         <a:sym typeface="Arial"/>
       </a:defRPr>
     </a:lvl1pPr>
-    <a:lvl2pPr lvl="1" marR="0" rtl="0" algn="l">
+    <a:lvl2pPr marR="0" lvl="1" algn="l" rtl="0">
       <a:lnSpc>
         <a:spcPct val="100000"/>
       </a:lnSpc>
@@ -108,7 +108,7 @@
         <a:srgbClr val="000000"/>
       </a:buClr>
       <a:buFont typeface="Arial"/>
-      <a:defRPr b="0" i="0" sz="1400" u="none" cap="none" strike="noStrike">
+      <a:defRPr sz="1400" b="0" i="0" u="none" strike="noStrike" cap="none">
         <a:solidFill>
           <a:srgbClr val="000000"/>
         </a:solidFill>
@@ -118,7 +118,7 @@
         <a:sym typeface="Arial"/>
       </a:defRPr>
     </a:lvl2pPr>
-    <a:lvl3pPr lvl="2" marR="0" rtl="0" algn="l">
+    <a:lvl3pPr marR="0" lvl="2" algn="l" rtl="0">
       <a:lnSpc>
         <a:spcPct val="100000"/>
       </a:lnSpc>
@@ -132,7 +132,7 @@
         <a:srgbClr val="000000"/>
       </a:buClr>
       <a:buFont typeface="Arial"/>
-      <a:defRPr b="0" i="0" sz="1400" u="none" cap="none" strike="noStrike">
+      <a:defRPr sz="1400" b="0" i="0" u="none" strike="noStrike" cap="none">
         <a:solidFill>
           <a:srgbClr val="000000"/>
         </a:solidFill>
@@ -142,7 +142,7 @@
         <a:sym typeface="Arial"/>
       </a:defRPr>
     </a:lvl3pPr>
-    <a:lvl4pPr lvl="3" marR="0" rtl="0" algn="l">
+    <a:lvl4pPr marR="0" lvl="3" algn="l" rtl="0">
       <a:lnSpc>
         <a:spcPct val="100000"/>
       </a:lnSpc>
@@ -156,7 +156,7 @@
         <a:srgbClr val="000000"/>
       </a:buClr>
       <a:buFont typeface="Arial"/>
-      <a:defRPr b="0" i="0" sz="1400" u="none" cap="none" strike="noStrike">
+      <a:defRPr sz="1400" b="0" i="0" u="none" strike="noStrike" cap="none">
         <a:solidFill>
           <a:srgbClr val="000000"/>
         </a:solidFill>
@@ -166,7 +166,7 @@
         <a:sym typeface="Arial"/>
       </a:defRPr>
     </a:lvl4pPr>
-    <a:lvl5pPr lvl="4" marR="0" rtl="0" algn="l">
+    <a:lvl5pPr marR="0" lvl="4" algn="l" rtl="0">
       <a:lnSpc>
         <a:spcPct val="100000"/>
       </a:lnSpc>
@@ -180,7 +180,7 @@
         <a:srgbClr val="000000"/>
       </a:buClr>
       <a:buFont typeface="Arial"/>
-      <a:defRPr b="0" i="0" sz="1400" u="none" cap="none" strike="noStrike">
+      <a:defRPr sz="1400" b="0" i="0" u="none" strike="noStrike" cap="none">
         <a:solidFill>
           <a:srgbClr val="000000"/>
         </a:solidFill>
@@ -190,7 +190,7 @@
         <a:sym typeface="Arial"/>
       </a:defRPr>
     </a:lvl5pPr>
-    <a:lvl6pPr lvl="5" marR="0" rtl="0" algn="l">
+    <a:lvl6pPr marR="0" lvl="5" algn="l" rtl="0">
       <a:lnSpc>
         <a:spcPct val="100000"/>
       </a:lnSpc>
@@ -204,7 +204,7 @@
         <a:srgbClr val="000000"/>
       </a:buClr>
       <a:buFont typeface="Arial"/>
-      <a:defRPr b="0" i="0" sz="1400" u="none" cap="none" strike="noStrike">
+      <a:defRPr sz="1400" b="0" i="0" u="none" strike="noStrike" cap="none">
         <a:solidFill>
           <a:srgbClr val="000000"/>
         </a:solidFill>
@@ -214,7 +214,7 @@
         <a:sym typeface="Arial"/>
       </a:defRPr>
     </a:lvl6pPr>
-    <a:lvl7pPr lvl="6" marR="0" rtl="0" algn="l">
+    <a:lvl7pPr marR="0" lvl="6" algn="l" rtl="0">
       <a:lnSpc>
         <a:spcPct val="100000"/>
       </a:lnSpc>
@@ -228,7 +228,7 @@
         <a:srgbClr val="000000"/>
       </a:buClr>
       <a:buFont typeface="Arial"/>
-      <a:defRPr b="0" i="0" sz="1400" u="none" cap="none" strike="noStrike">
+      <a:defRPr sz="1400" b="0" i="0" u="none" strike="noStrike" cap="none">
         <a:solidFill>
           <a:srgbClr val="000000"/>
         </a:solidFill>
@@ -238,7 +238,7 @@
         <a:sym typeface="Arial"/>
       </a:defRPr>
     </a:lvl7pPr>
-    <a:lvl8pPr lvl="7" marR="0" rtl="0" algn="l">
+    <a:lvl8pPr marR="0" lvl="7" algn="l" rtl="0">
       <a:lnSpc>
         <a:spcPct val="100000"/>
       </a:lnSpc>
@@ -252,7 +252,7 @@
         <a:srgbClr val="000000"/>
       </a:buClr>
       <a:buFont typeface="Arial"/>
-      <a:defRPr b="0" i="0" sz="1400" u="none" cap="none" strike="noStrike">
+      <a:defRPr sz="1400" b="0" i="0" u="none" strike="noStrike" cap="none">
         <a:solidFill>
           <a:srgbClr val="000000"/>
         </a:solidFill>
@@ -262,7 +262,7 @@
         <a:sym typeface="Arial"/>
       </a:defRPr>
     </a:lvl8pPr>
-    <a:lvl9pPr lvl="8" marR="0" rtl="0" algn="l">
+    <a:lvl9pPr marR="0" lvl="8" algn="l" rtl="0">
       <a:lnSpc>
         <a:spcPct val="100000"/>
       </a:lnSpc>
@@ -276,7 +276,7 @@
         <a:srgbClr val="000000"/>
       </a:buClr>
       <a:buFont typeface="Arial"/>
-      <a:defRPr b="0" i="0" sz="1400" u="none" cap="none" strike="noStrike">
+      <a:defRPr sz="1400" b="0" i="0" u="none" strike="noStrike" cap="none">
         <a:solidFill>
           <a:srgbClr val="000000"/>
         </a:solidFill>
@@ -289,7 +289,7 @@
   </p:defaultTextStyle>
   <p:extLst>
     <p:ext uri="{EFAFB233-063F-42B5-8137-9DF3F51BA10A}">
-      <p15:sldGuideLst>
+      <p15:sldGuideLst xmlns:p15="http://schemas.microsoft.com/office/powerpoint/2012/main">
         <p15:guide id="1" orient="horz" pos="1620">
           <p15:clr>
             <a:srgbClr val="A4A3A4"/>
@@ -307,11 +307,16 @@
 </file>
 
 <file path=ppt/notesMasters/notesMaster1.xml><?xml version="1.0" encoding="utf-8"?>
-<p:notesMaster xmlns:a="http://schemas.openxmlformats.org/drawingml/2006/main" xmlns:r="http://schemas.openxmlformats.org/officeDocument/2006/relationships" xmlns:mc="http://schemas.openxmlformats.org/markup-compatibility/2006" xmlns:mv="urn:schemas-microsoft-com:mac:vml" xmlns:p="http://schemas.openxmlformats.org/presentationml/2006/main" xmlns:c="http://schemas.openxmlformats.org/drawingml/2006/chart" xmlns:dgm="http://schemas.openxmlformats.org/drawingml/2006/diagram" xmlns:o="urn:schemas-microsoft-com:office:office" xmlns:v="urn:schemas-microsoft-com:vml" xmlns:pvml="urn:schemas-microsoft-com:office:powerpoint" xmlns:com="http://schemas.openxmlformats.org/drawingml/2006/compatibility" xmlns:p14="http://schemas.microsoft.com/office/powerpoint/2010/main" xmlns:p15="http://schemas.microsoft.com/office/powerpoint/2012/main">
+<p:notesMaster xmlns:a="http://schemas.openxmlformats.org/drawingml/2006/main" xmlns:r="http://schemas.openxmlformats.org/officeDocument/2006/relationships" xmlns:p="http://schemas.openxmlformats.org/presentationml/2006/main">
   <p:cSld>
+    <p:bg>
+      <p:bgRef idx="1001">
+        <a:schemeClr val="bg1"/>
+      </p:bgRef>
+    </p:bg>
     <p:spTree>
       <p:nvGrpSpPr>
-        <p:cNvPr id="2" name="Shape 2"/>
+        <p:cNvPr id="1" name="Shape 2"/>
         <p:cNvGrpSpPr/>
         <p:nvPr/>
       </p:nvGrpSpPr>
@@ -326,9 +331,11 @@
       <p:sp>
         <p:nvSpPr>
           <p:cNvPr id="3" name="Google Shape;3;n"/>
-          <p:cNvSpPr/>
+          <p:cNvSpPr>
+            <a:spLocks noGrp="1" noRot="1" noChangeAspect="1"/>
+          </p:cNvSpPr>
           <p:nvPr>
-            <p:ph idx="2" type="sldImg"/>
+            <p:ph type="sldImg" idx="2"/>
           </p:nvPr>
         </p:nvSpPr>
         <p:spPr>
@@ -337,9 +344,13 @@
             <a:ext cx="6096075" cy="3429000"/>
           </a:xfrm>
           <a:custGeom>
-            <a:rect b="b" l="l" r="r" t="t"/>
+            <a:avLst/>
+            <a:gdLst/>
+            <a:ahLst/>
+            <a:cxnLst/>
+            <a:rect l="l" t="t" r="r" b="b"/>
             <a:pathLst>
-              <a:path extrusionOk="0" h="120000" w="120000">
+              <a:path w="120000" h="120000" extrusionOk="0">
                 <a:moveTo>
                   <a:pt x="0" y="0"/>
                 </a:moveTo>
@@ -357,23 +368,25 @@
             </a:pathLst>
           </a:custGeom>
           <a:noFill/>
-          <a:ln cap="flat" cmpd="sng" w="9525">
+          <a:ln w="9525" cap="flat" cmpd="sng">
             <a:solidFill>
               <a:srgbClr val="000000"/>
             </a:solidFill>
             <a:prstDash val="solid"/>
             <a:round/>
-            <a:headEnd len="sm" w="sm" type="none"/>
-            <a:tailEnd len="sm" w="sm" type="none"/>
+            <a:headEnd type="none" w="sm" len="sm"/>
+            <a:tailEnd type="none" w="sm" len="sm"/>
           </a:ln>
         </p:spPr>
       </p:sp>
       <p:sp>
         <p:nvSpPr>
           <p:cNvPr id="4" name="Google Shape;4;n"/>
-          <p:cNvSpPr txBox="1"/>
+          <p:cNvSpPr txBox="1">
+            <a:spLocks noGrp="1"/>
+          </p:cNvSpPr>
           <p:nvPr>
-            <p:ph idx="1" type="body"/>
+            <p:ph type="body" idx="1"/>
           </p:nvPr>
         </p:nvSpPr>
         <p:spPr>
@@ -390,11 +403,11 @@
           </a:ln>
         </p:spPr>
         <p:txBody>
-          <a:bodyPr anchorCtr="0" anchor="t" bIns="91425" lIns="91425" spcFirstLastPara="1" rIns="91425" wrap="square" tIns="91425">
+          <a:bodyPr spcFirstLastPara="1" wrap="square" lIns="91425" tIns="91425" rIns="91425" bIns="91425" anchor="t" anchorCtr="0">
             <a:noAutofit/>
           </a:bodyPr>
           <a:lstStyle>
-            <a:lvl1pPr indent="-298450" lvl="0" marL="457200">
+            <a:lvl1pPr marL="457200" lvl="0" indent="-298450">
               <a:spcBef>
                 <a:spcPts val="0"/>
               </a:spcBef>
@@ -405,7 +418,7 @@
               <a:buChar char="●"/>
               <a:defRPr sz="1100"/>
             </a:lvl1pPr>
-            <a:lvl2pPr indent="-298450" lvl="1" marL="914400">
+            <a:lvl2pPr marL="914400" lvl="1" indent="-298450">
               <a:spcBef>
                 <a:spcPts val="0"/>
               </a:spcBef>
@@ -416,7 +429,7 @@
               <a:buChar char="○"/>
               <a:defRPr sz="1100"/>
             </a:lvl2pPr>
-            <a:lvl3pPr indent="-298450" lvl="2" marL="1371600">
+            <a:lvl3pPr marL="1371600" lvl="2" indent="-298450">
               <a:spcBef>
                 <a:spcPts val="0"/>
               </a:spcBef>
@@ -427,7 +440,7 @@
               <a:buChar char="■"/>
               <a:defRPr sz="1100"/>
             </a:lvl3pPr>
-            <a:lvl4pPr indent="-298450" lvl="3" marL="1828800">
+            <a:lvl4pPr marL="1828800" lvl="3" indent="-298450">
               <a:spcBef>
                 <a:spcPts val="0"/>
               </a:spcBef>
@@ -438,7 +451,7 @@
               <a:buChar char="●"/>
               <a:defRPr sz="1100"/>
             </a:lvl4pPr>
-            <a:lvl5pPr indent="-298450" lvl="4" marL="2286000">
+            <a:lvl5pPr marL="2286000" lvl="4" indent="-298450">
               <a:spcBef>
                 <a:spcPts val="0"/>
               </a:spcBef>
@@ -449,7 +462,7 @@
               <a:buChar char="○"/>
               <a:defRPr sz="1100"/>
             </a:lvl5pPr>
-            <a:lvl6pPr indent="-298450" lvl="5" marL="2743200">
+            <a:lvl6pPr marL="2743200" lvl="5" indent="-298450">
               <a:spcBef>
                 <a:spcPts val="0"/>
               </a:spcBef>
@@ -460,7 +473,7 @@
               <a:buChar char="■"/>
               <a:defRPr sz="1100"/>
             </a:lvl6pPr>
-            <a:lvl7pPr indent="-298450" lvl="6" marL="3200400">
+            <a:lvl7pPr marL="3200400" lvl="6" indent="-298450">
               <a:spcBef>
                 <a:spcPts val="0"/>
               </a:spcBef>
@@ -471,7 +484,7 @@
               <a:buChar char="●"/>
               <a:defRPr sz="1100"/>
             </a:lvl7pPr>
-            <a:lvl8pPr indent="-298450" lvl="7" marL="3657600">
+            <a:lvl8pPr marL="3657600" lvl="7" indent="-298450">
               <a:spcBef>
                 <a:spcPts val="0"/>
               </a:spcBef>
@@ -482,7 +495,7 @@
               <a:buChar char="○"/>
               <a:defRPr sz="1100"/>
             </a:lvl8pPr>
-            <a:lvl9pPr indent="-298450" lvl="8" marL="4114800">
+            <a:lvl9pPr marL="4114800" lvl="8" indent="-298450">
               <a:spcBef>
                 <a:spcPts val="0"/>
               </a:spcBef>
@@ -494,14 +507,16 @@
               <a:defRPr sz="1100"/>
             </a:lvl9pPr>
           </a:lstStyle>
-          <a:p/>
+          <a:p>
+            <a:endParaRPr/>
+          </a:p>
         </p:txBody>
       </p:sp>
     </p:spTree>
   </p:cSld>
-  <p:clrMap accent1="accent1" accent2="accent2" accent3="accent3" accent4="accent4" accent5="accent5" accent6="accent6" bg1="lt1" bg2="dk2" tx1="dk1" tx2="lt2" folHlink="folHlink" hlink="hlink"/>
+  <p:clrMap bg1="lt1" tx1="dk1" bg2="dk2" tx2="lt2" accent1="accent1" accent2="accent2" accent3="accent3" accent4="accent4" accent5="accent5" accent6="accent6" hlink="hlink" folHlink="folHlink"/>
   <p:notesStyle>
-    <a:defPPr lvl="0" marR="0" rtl="0" algn="l">
+    <a:defPPr marR="0" lvl="0" algn="l" rtl="0">
       <a:lnSpc>
         <a:spcPct val="100000"/>
       </a:lnSpc>
@@ -512,7 +527,7 @@
         <a:spcPts val="0"/>
       </a:spcAft>
     </a:defPPr>
-    <a:lvl1pPr lvl="0" marR="0" rtl="0" algn="l">
+    <a:lvl1pPr marR="0" lvl="0" algn="l" rtl="0">
       <a:lnSpc>
         <a:spcPct val="100000"/>
       </a:lnSpc>
@@ -526,7 +541,7 @@
         <a:srgbClr val="000000"/>
       </a:buClr>
       <a:buFont typeface="Arial"/>
-      <a:defRPr b="0" i="0" sz="1400" u="none" cap="none" strike="noStrike">
+      <a:defRPr sz="1400" b="0" i="0" u="none" strike="noStrike" cap="none">
         <a:solidFill>
           <a:srgbClr val="000000"/>
         </a:solidFill>
@@ -536,7 +551,7 @@
         <a:sym typeface="Arial"/>
       </a:defRPr>
     </a:lvl1pPr>
-    <a:lvl2pPr lvl="1" marR="0" rtl="0" algn="l">
+    <a:lvl2pPr marR="0" lvl="1" algn="l" rtl="0">
       <a:lnSpc>
         <a:spcPct val="100000"/>
       </a:lnSpc>
@@ -550,7 +565,7 @@
         <a:srgbClr val="000000"/>
       </a:buClr>
       <a:buFont typeface="Arial"/>
-      <a:defRPr b="0" i="0" sz="1400" u="none" cap="none" strike="noStrike">
+      <a:defRPr sz="1400" b="0" i="0" u="none" strike="noStrike" cap="none">
         <a:solidFill>
           <a:srgbClr val="000000"/>
         </a:solidFill>
@@ -560,7 +575,7 @@
         <a:sym typeface="Arial"/>
       </a:defRPr>
     </a:lvl2pPr>
-    <a:lvl3pPr lvl="2" marR="0" rtl="0" algn="l">
+    <a:lvl3pPr marR="0" lvl="2" algn="l" rtl="0">
       <a:lnSpc>
         <a:spcPct val="100000"/>
       </a:lnSpc>
@@ -574,7 +589,7 @@
         <a:srgbClr val="000000"/>
       </a:buClr>
       <a:buFont typeface="Arial"/>
-      <a:defRPr b="0" i="0" sz="1400" u="none" cap="none" strike="noStrike">
+      <a:defRPr sz="1400" b="0" i="0" u="none" strike="noStrike" cap="none">
         <a:solidFill>
           <a:srgbClr val="000000"/>
         </a:solidFill>
@@ -584,7 +599,7 @@
         <a:sym typeface="Arial"/>
       </a:defRPr>
     </a:lvl3pPr>
-    <a:lvl4pPr lvl="3" marR="0" rtl="0" algn="l">
+    <a:lvl4pPr marR="0" lvl="3" algn="l" rtl="0">
       <a:lnSpc>
         <a:spcPct val="100000"/>
       </a:lnSpc>
@@ -598,7 +613,7 @@
         <a:srgbClr val="000000"/>
       </a:buClr>
       <a:buFont typeface="Arial"/>
-      <a:defRPr b="0" i="0" sz="1400" u="none" cap="none" strike="noStrike">
+      <a:defRPr sz="1400" b="0" i="0" u="none" strike="noStrike" cap="none">
         <a:solidFill>
           <a:srgbClr val="000000"/>
         </a:solidFill>
@@ -608,7 +623,7 @@
         <a:sym typeface="Arial"/>
       </a:defRPr>
     </a:lvl4pPr>
-    <a:lvl5pPr lvl="4" marR="0" rtl="0" algn="l">
+    <a:lvl5pPr marR="0" lvl="4" algn="l" rtl="0">
       <a:lnSpc>
         <a:spcPct val="100000"/>
       </a:lnSpc>
@@ -622,7 +637,7 @@
         <a:srgbClr val="000000"/>
       </a:buClr>
       <a:buFont typeface="Arial"/>
-      <a:defRPr b="0" i="0" sz="1400" u="none" cap="none" strike="noStrike">
+      <a:defRPr sz="1400" b="0" i="0" u="none" strike="noStrike" cap="none">
         <a:solidFill>
           <a:srgbClr val="000000"/>
         </a:solidFill>
@@ -632,7 +647,7 @@
         <a:sym typeface="Arial"/>
       </a:defRPr>
     </a:lvl5pPr>
-    <a:lvl6pPr lvl="5" marR="0" rtl="0" algn="l">
+    <a:lvl6pPr marR="0" lvl="5" algn="l" rtl="0">
       <a:lnSpc>
         <a:spcPct val="100000"/>
       </a:lnSpc>
@@ -646,7 +661,7 @@
         <a:srgbClr val="000000"/>
       </a:buClr>
       <a:buFont typeface="Arial"/>
-      <a:defRPr b="0" i="0" sz="1400" u="none" cap="none" strike="noStrike">
+      <a:defRPr sz="1400" b="0" i="0" u="none" strike="noStrike" cap="none">
         <a:solidFill>
           <a:srgbClr val="000000"/>
         </a:solidFill>
@@ -656,7 +671,7 @@
         <a:sym typeface="Arial"/>
       </a:defRPr>
     </a:lvl6pPr>
-    <a:lvl7pPr lvl="6" marR="0" rtl="0" algn="l">
+    <a:lvl7pPr marR="0" lvl="6" algn="l" rtl="0">
       <a:lnSpc>
         <a:spcPct val="100000"/>
       </a:lnSpc>
@@ -670,7 +685,7 @@
         <a:srgbClr val="000000"/>
       </a:buClr>
       <a:buFont typeface="Arial"/>
-      <a:defRPr b="0" i="0" sz="1400" u="none" cap="none" strike="noStrike">
+      <a:defRPr sz="1400" b="0" i="0" u="none" strike="noStrike" cap="none">
         <a:solidFill>
           <a:srgbClr val="000000"/>
         </a:solidFill>
@@ -680,7 +695,7 @@
         <a:sym typeface="Arial"/>
       </a:defRPr>
     </a:lvl7pPr>
-    <a:lvl8pPr lvl="7" marR="0" rtl="0" algn="l">
+    <a:lvl8pPr marR="0" lvl="7" algn="l" rtl="0">
       <a:lnSpc>
         <a:spcPct val="100000"/>
       </a:lnSpc>
@@ -694,7 +709,7 @@
         <a:srgbClr val="000000"/>
       </a:buClr>
       <a:buFont typeface="Arial"/>
-      <a:defRPr b="0" i="0" sz="1400" u="none" cap="none" strike="noStrike">
+      <a:defRPr sz="1400" b="0" i="0" u="none" strike="noStrike" cap="none">
         <a:solidFill>
           <a:srgbClr val="000000"/>
         </a:solidFill>
@@ -704,7 +719,7 @@
         <a:sym typeface="Arial"/>
       </a:defRPr>
     </a:lvl8pPr>
-    <a:lvl9pPr lvl="8" marR="0" rtl="0" algn="l">
+    <a:lvl9pPr marR="0" lvl="8" algn="l" rtl="0">
       <a:lnSpc>
         <a:spcPct val="100000"/>
       </a:lnSpc>
@@ -718,7 +733,7 @@
         <a:srgbClr val="000000"/>
       </a:buClr>
       <a:buFont typeface="Arial"/>
-      <a:defRPr b="0" i="0" sz="1400" u="none" cap="none" strike="noStrike">
+      <a:defRPr sz="1400" b="0" i="0" u="none" strike="noStrike" cap="none">
         <a:solidFill>
           <a:srgbClr val="000000"/>
         </a:solidFill>
@@ -733,11 +748,11 @@
 </file>
 
 <file path=ppt/notesSlides/notesSlide1.xml><?xml version="1.0" encoding="utf-8"?>
-<p:notes xmlns:a="http://schemas.openxmlformats.org/drawingml/2006/main" xmlns:r="http://schemas.openxmlformats.org/officeDocument/2006/relationships" xmlns:mc="http://schemas.openxmlformats.org/markup-compatibility/2006" xmlns:mv="urn:schemas-microsoft-com:mac:vml" xmlns:p="http://schemas.openxmlformats.org/presentationml/2006/main" xmlns:c="http://schemas.openxmlformats.org/drawingml/2006/chart" xmlns:dgm="http://schemas.openxmlformats.org/drawingml/2006/diagram" xmlns:o="urn:schemas-microsoft-com:office:office" xmlns:v="urn:schemas-microsoft-com:vml" xmlns:pvml="urn:schemas-microsoft-com:office:powerpoint" xmlns:com="http://schemas.openxmlformats.org/drawingml/2006/compatibility" xmlns:p14="http://schemas.microsoft.com/office/powerpoint/2010/main" xmlns:p15="http://schemas.microsoft.com/office/powerpoint/2012/main" showMasterPhAnim="0" showMasterSp="0">
+<p:notes xmlns:a="http://schemas.openxmlformats.org/drawingml/2006/main" xmlns:r="http://schemas.openxmlformats.org/officeDocument/2006/relationships" xmlns:p="http://schemas.openxmlformats.org/presentationml/2006/main" showMasterSp="0" showMasterPhAnim="0">
   <p:cSld>
     <p:spTree>
       <p:nvGrpSpPr>
-        <p:cNvPr id="50" name="Shape 50"/>
+        <p:cNvPr id="1" name="Shape 50"/>
         <p:cNvGrpSpPr/>
         <p:nvPr/>
       </p:nvGrpSpPr>
@@ -752,9 +767,11 @@
       <p:sp>
         <p:nvSpPr>
           <p:cNvPr id="51" name="Google Shape;51;p:notes"/>
-          <p:cNvSpPr/>
+          <p:cNvSpPr>
+            <a:spLocks noGrp="1" noRot="1" noChangeAspect="1"/>
+          </p:cNvSpPr>
           <p:nvPr>
-            <p:ph idx="2" type="sldImg"/>
+            <p:ph type="sldImg" idx="2"/>
           </p:nvPr>
         </p:nvSpPr>
         <p:spPr>
@@ -763,9 +780,13 @@
             <a:ext cx="6096075" cy="3429000"/>
           </a:xfrm>
           <a:custGeom>
-            <a:rect b="b" l="l" r="r" t="t"/>
+            <a:avLst/>
+            <a:gdLst/>
+            <a:ahLst/>
+            <a:cxnLst/>
+            <a:rect l="l" t="t" r="r" b="b"/>
             <a:pathLst>
-              <a:path extrusionOk="0" h="120000" w="120000">
+              <a:path w="120000" h="120000" extrusionOk="0">
                 <a:moveTo>
                   <a:pt x="0" y="0"/>
                 </a:moveTo>
@@ -787,9 +808,11 @@
       <p:sp>
         <p:nvSpPr>
           <p:cNvPr id="52" name="Google Shape;52;p:notes"/>
-          <p:cNvSpPr txBox="1"/>
+          <p:cNvSpPr txBox="1">
+            <a:spLocks noGrp="1"/>
+          </p:cNvSpPr>
           <p:nvPr>
-            <p:ph idx="1" type="body"/>
+            <p:ph type="body" idx="1"/>
           </p:nvPr>
         </p:nvSpPr>
         <p:spPr>
@@ -802,12 +825,12 @@
           </a:prstGeom>
         </p:spPr>
         <p:txBody>
-          <a:bodyPr anchorCtr="0" anchor="t" bIns="91425" lIns="91425" spcFirstLastPara="1" rIns="91425" wrap="square" tIns="91425">
+          <a:bodyPr spcFirstLastPara="1" wrap="square" lIns="91425" tIns="91425" rIns="91425" bIns="91425" anchor="t" anchorCtr="0">
             <a:noAutofit/>
           </a:bodyPr>
           <a:lstStyle/>
           <a:p>
-            <a:pPr indent="0" lvl="0" marL="0" rtl="0" algn="l">
+            <a:pPr marL="0" lvl="0" indent="0" algn="l" rtl="0">
               <a:spcBef>
                 <a:spcPts val="0"/>
               </a:spcBef>
@@ -816,9 +839,6 @@
               </a:spcAft>
               <a:buNone/>
             </a:pPr>
-            <a:r>
-              <a:t/>
-            </a:r>
             <a:endParaRPr/>
           </a:p>
         </p:txBody>
@@ -832,11 +852,11 @@
 </file>
 
 <file path=ppt/notesSlides/notesSlide10.xml><?xml version="1.0" encoding="utf-8"?>
-<p:notes xmlns:a="http://schemas.openxmlformats.org/drawingml/2006/main" xmlns:r="http://schemas.openxmlformats.org/officeDocument/2006/relationships" xmlns:mc="http://schemas.openxmlformats.org/markup-compatibility/2006" xmlns:mv="urn:schemas-microsoft-com:mac:vml" xmlns:p="http://schemas.openxmlformats.org/presentationml/2006/main" xmlns:c="http://schemas.openxmlformats.org/drawingml/2006/chart" xmlns:dgm="http://schemas.openxmlformats.org/drawingml/2006/diagram" xmlns:o="urn:schemas-microsoft-com:office:office" xmlns:v="urn:schemas-microsoft-com:vml" xmlns:pvml="urn:schemas-microsoft-com:office:powerpoint" xmlns:com="http://schemas.openxmlformats.org/drawingml/2006/compatibility" xmlns:p14="http://schemas.microsoft.com/office/powerpoint/2010/main" xmlns:p15="http://schemas.microsoft.com/office/powerpoint/2012/main" showMasterPhAnim="0" showMasterSp="0">
+<p:notes xmlns:a="http://schemas.openxmlformats.org/drawingml/2006/main" xmlns:r="http://schemas.openxmlformats.org/officeDocument/2006/relationships" xmlns:p="http://schemas.openxmlformats.org/presentationml/2006/main" showMasterSp="0" showMasterPhAnim="0">
   <p:cSld>
     <p:spTree>
       <p:nvGrpSpPr>
-        <p:cNvPr id="113" name="Shape 113"/>
+        <p:cNvPr id="1" name="Shape 113"/>
         <p:cNvGrpSpPr/>
         <p:nvPr/>
       </p:nvGrpSpPr>
@@ -851,9 +871,11 @@
       <p:sp>
         <p:nvSpPr>
           <p:cNvPr id="114" name="Google Shape;114;g753c3faf8b_0_15:notes"/>
-          <p:cNvSpPr/>
+          <p:cNvSpPr>
+            <a:spLocks noGrp="1" noRot="1" noChangeAspect="1"/>
+          </p:cNvSpPr>
           <p:nvPr>
-            <p:ph idx="2" type="sldImg"/>
+            <p:ph type="sldImg" idx="2"/>
           </p:nvPr>
         </p:nvSpPr>
         <p:spPr>
@@ -862,9 +884,13 @@
             <a:ext cx="6096000" cy="3429000"/>
           </a:xfrm>
           <a:custGeom>
-            <a:rect b="b" l="l" r="r" t="t"/>
+            <a:avLst/>
+            <a:gdLst/>
+            <a:ahLst/>
+            <a:cxnLst/>
+            <a:rect l="l" t="t" r="r" b="b"/>
             <a:pathLst>
-              <a:path extrusionOk="0" h="120000" w="120000">
+              <a:path w="120000" h="120000" extrusionOk="0">
                 <a:moveTo>
                   <a:pt x="0" y="0"/>
                 </a:moveTo>
@@ -886,9 +912,11 @@
       <p:sp>
         <p:nvSpPr>
           <p:cNvPr id="115" name="Google Shape;115;g753c3faf8b_0_15:notes"/>
-          <p:cNvSpPr txBox="1"/>
+          <p:cNvSpPr txBox="1">
+            <a:spLocks noGrp="1"/>
+          </p:cNvSpPr>
           <p:nvPr>
-            <p:ph idx="1" type="body"/>
+            <p:ph type="body" idx="1"/>
           </p:nvPr>
         </p:nvSpPr>
         <p:spPr>
@@ -901,12 +929,12 @@
           </a:prstGeom>
         </p:spPr>
         <p:txBody>
-          <a:bodyPr anchorCtr="0" anchor="t" bIns="91425" lIns="91425" spcFirstLastPara="1" rIns="91425" wrap="square" tIns="91425">
+          <a:bodyPr spcFirstLastPara="1" wrap="square" lIns="91425" tIns="91425" rIns="91425" bIns="91425" anchor="t" anchorCtr="0">
             <a:noAutofit/>
           </a:bodyPr>
           <a:lstStyle/>
           <a:p>
-            <a:pPr indent="0" lvl="0" marL="0" rtl="0" algn="l">
+            <a:pPr marL="0" lvl="0" indent="0" algn="l" rtl="0">
               <a:spcBef>
                 <a:spcPts val="0"/>
               </a:spcBef>
@@ -915,9 +943,6 @@
               </a:spcAft>
               <a:buNone/>
             </a:pPr>
-            <a:r>
-              <a:t/>
-            </a:r>
             <a:endParaRPr/>
           </a:p>
         </p:txBody>
@@ -931,11 +956,11 @@
 </file>
 
 <file path=ppt/notesSlides/notesSlide11.xml><?xml version="1.0" encoding="utf-8"?>
-<p:notes xmlns:a="http://schemas.openxmlformats.org/drawingml/2006/main" xmlns:r="http://schemas.openxmlformats.org/officeDocument/2006/relationships" xmlns:mc="http://schemas.openxmlformats.org/markup-compatibility/2006" xmlns:mv="urn:schemas-microsoft-com:mac:vml" xmlns:p="http://schemas.openxmlformats.org/presentationml/2006/main" xmlns:c="http://schemas.openxmlformats.org/drawingml/2006/chart" xmlns:dgm="http://schemas.openxmlformats.org/drawingml/2006/diagram" xmlns:o="urn:schemas-microsoft-com:office:office" xmlns:v="urn:schemas-microsoft-com:vml" xmlns:pvml="urn:schemas-microsoft-com:office:powerpoint" xmlns:com="http://schemas.openxmlformats.org/drawingml/2006/compatibility" xmlns:p14="http://schemas.microsoft.com/office/powerpoint/2010/main" xmlns:p15="http://schemas.microsoft.com/office/powerpoint/2012/main" showMasterPhAnim="0" showMasterSp="0">
+<p:notes xmlns:a="http://schemas.openxmlformats.org/drawingml/2006/main" xmlns:r="http://schemas.openxmlformats.org/officeDocument/2006/relationships" xmlns:p="http://schemas.openxmlformats.org/presentationml/2006/main" showMasterSp="0" showMasterPhAnim="0">
   <p:cSld>
     <p:spTree>
       <p:nvGrpSpPr>
-        <p:cNvPr id="129" name="Shape 129"/>
+        <p:cNvPr id="1" name="Shape 129"/>
         <p:cNvGrpSpPr/>
         <p:nvPr/>
       </p:nvGrpSpPr>
@@ -950,9 +975,11 @@
       <p:sp>
         <p:nvSpPr>
           <p:cNvPr id="130" name="Google Shape;130;g8420b06f1e_1_34:notes"/>
-          <p:cNvSpPr/>
+          <p:cNvSpPr>
+            <a:spLocks noGrp="1" noRot="1" noChangeAspect="1"/>
+          </p:cNvSpPr>
           <p:nvPr>
-            <p:ph idx="2" type="sldImg"/>
+            <p:ph type="sldImg" idx="2"/>
           </p:nvPr>
         </p:nvSpPr>
         <p:spPr>
@@ -961,9 +988,13 @@
             <a:ext cx="6096000" cy="3429000"/>
           </a:xfrm>
           <a:custGeom>
-            <a:rect b="b" l="l" r="r" t="t"/>
+            <a:avLst/>
+            <a:gdLst/>
+            <a:ahLst/>
+            <a:cxnLst/>
+            <a:rect l="l" t="t" r="r" b="b"/>
             <a:pathLst>
-              <a:path extrusionOk="0" h="120000" w="120000">
+              <a:path w="120000" h="120000" extrusionOk="0">
                 <a:moveTo>
                   <a:pt x="0" y="0"/>
                 </a:moveTo>
@@ -985,9 +1016,11 @@
       <p:sp>
         <p:nvSpPr>
           <p:cNvPr id="131" name="Google Shape;131;g8420b06f1e_1_34:notes"/>
-          <p:cNvSpPr txBox="1"/>
+          <p:cNvSpPr txBox="1">
+            <a:spLocks noGrp="1"/>
+          </p:cNvSpPr>
           <p:nvPr>
-            <p:ph idx="1" type="body"/>
+            <p:ph type="body" idx="1"/>
           </p:nvPr>
         </p:nvSpPr>
         <p:spPr>
@@ -1000,12 +1033,12 @@
           </a:prstGeom>
         </p:spPr>
         <p:txBody>
-          <a:bodyPr anchorCtr="0" anchor="t" bIns="91425" lIns="91425" spcFirstLastPara="1" rIns="91425" wrap="square" tIns="91425">
+          <a:bodyPr spcFirstLastPara="1" wrap="square" lIns="91425" tIns="91425" rIns="91425" bIns="91425" anchor="t" anchorCtr="0">
             <a:noAutofit/>
           </a:bodyPr>
           <a:lstStyle/>
           <a:p>
-            <a:pPr indent="0" lvl="0" marL="0" rtl="0" algn="l">
+            <a:pPr marL="0" lvl="0" indent="0" algn="l" rtl="0">
               <a:spcBef>
                 <a:spcPts val="0"/>
               </a:spcBef>
@@ -1014,9 +1047,6 @@
               </a:spcAft>
               <a:buNone/>
             </a:pPr>
-            <a:r>
-              <a:t/>
-            </a:r>
             <a:endParaRPr/>
           </a:p>
         </p:txBody>
@@ -1030,11 +1060,11 @@
 </file>
 
 <file path=ppt/notesSlides/notesSlide12.xml><?xml version="1.0" encoding="utf-8"?>
-<p:notes xmlns:a="http://schemas.openxmlformats.org/drawingml/2006/main" xmlns:r="http://schemas.openxmlformats.org/officeDocument/2006/relationships" xmlns:mc="http://schemas.openxmlformats.org/markup-compatibility/2006" xmlns:mv="urn:schemas-microsoft-com:mac:vml" xmlns:p="http://schemas.openxmlformats.org/presentationml/2006/main" xmlns:c="http://schemas.openxmlformats.org/drawingml/2006/chart" xmlns:dgm="http://schemas.openxmlformats.org/drawingml/2006/diagram" xmlns:o="urn:schemas-microsoft-com:office:office" xmlns:v="urn:schemas-microsoft-com:vml" xmlns:pvml="urn:schemas-microsoft-com:office:powerpoint" xmlns:com="http://schemas.openxmlformats.org/drawingml/2006/compatibility" xmlns:p14="http://schemas.microsoft.com/office/powerpoint/2010/main" xmlns:p15="http://schemas.microsoft.com/office/powerpoint/2012/main" showMasterPhAnim="0" showMasterSp="0">
+<p:notes xmlns:a="http://schemas.openxmlformats.org/drawingml/2006/main" xmlns:r="http://schemas.openxmlformats.org/officeDocument/2006/relationships" xmlns:p="http://schemas.openxmlformats.org/presentationml/2006/main" showMasterSp="0" showMasterPhAnim="0">
   <p:cSld>
     <p:spTree>
       <p:nvGrpSpPr>
-        <p:cNvPr id="135" name="Shape 135"/>
+        <p:cNvPr id="1" name="Shape 135"/>
         <p:cNvGrpSpPr/>
         <p:nvPr/>
       </p:nvGrpSpPr>
@@ -1049,9 +1079,11 @@
       <p:sp>
         <p:nvSpPr>
           <p:cNvPr id="136" name="Google Shape;136;g8420b06f1e_1_41:notes"/>
-          <p:cNvSpPr/>
+          <p:cNvSpPr>
+            <a:spLocks noGrp="1" noRot="1" noChangeAspect="1"/>
+          </p:cNvSpPr>
           <p:nvPr>
-            <p:ph idx="2" type="sldImg"/>
+            <p:ph type="sldImg" idx="2"/>
           </p:nvPr>
         </p:nvSpPr>
         <p:spPr>
@@ -1060,9 +1092,13 @@
             <a:ext cx="6096000" cy="3429000"/>
           </a:xfrm>
           <a:custGeom>
-            <a:rect b="b" l="l" r="r" t="t"/>
+            <a:avLst/>
+            <a:gdLst/>
+            <a:ahLst/>
+            <a:cxnLst/>
+            <a:rect l="l" t="t" r="r" b="b"/>
             <a:pathLst>
-              <a:path extrusionOk="0" h="120000" w="120000">
+              <a:path w="120000" h="120000" extrusionOk="0">
                 <a:moveTo>
                   <a:pt x="0" y="0"/>
                 </a:moveTo>
@@ -1084,9 +1120,11 @@
       <p:sp>
         <p:nvSpPr>
           <p:cNvPr id="137" name="Google Shape;137;g8420b06f1e_1_41:notes"/>
-          <p:cNvSpPr txBox="1"/>
+          <p:cNvSpPr txBox="1">
+            <a:spLocks noGrp="1"/>
+          </p:cNvSpPr>
           <p:nvPr>
-            <p:ph idx="1" type="body"/>
+            <p:ph type="body" idx="1"/>
           </p:nvPr>
         </p:nvSpPr>
         <p:spPr>
@@ -1099,12 +1137,12 @@
           </a:prstGeom>
         </p:spPr>
         <p:txBody>
-          <a:bodyPr anchorCtr="0" anchor="t" bIns="91425" lIns="91425" spcFirstLastPara="1" rIns="91425" wrap="square" tIns="91425">
+          <a:bodyPr spcFirstLastPara="1" wrap="square" lIns="91425" tIns="91425" rIns="91425" bIns="91425" anchor="t" anchorCtr="0">
             <a:noAutofit/>
           </a:bodyPr>
           <a:lstStyle/>
           <a:p>
-            <a:pPr indent="0" lvl="0" marL="0" rtl="0" algn="l">
+            <a:pPr marL="0" lvl="0" indent="0" algn="l" rtl="0">
               <a:spcBef>
                 <a:spcPts val="0"/>
               </a:spcBef>
@@ -1113,9 +1151,6 @@
               </a:spcAft>
               <a:buNone/>
             </a:pPr>
-            <a:r>
-              <a:t/>
-            </a:r>
             <a:endParaRPr/>
           </a:p>
         </p:txBody>
@@ -1129,11 +1164,11 @@
 </file>
 
 <file path=ppt/notesSlides/notesSlide13.xml><?xml version="1.0" encoding="utf-8"?>
-<p:notes xmlns:a="http://schemas.openxmlformats.org/drawingml/2006/main" xmlns:r="http://schemas.openxmlformats.org/officeDocument/2006/relationships" xmlns:mc="http://schemas.openxmlformats.org/markup-compatibility/2006" xmlns:mv="urn:schemas-microsoft-com:mac:vml" xmlns:p="http://schemas.openxmlformats.org/presentationml/2006/main" xmlns:c="http://schemas.openxmlformats.org/drawingml/2006/chart" xmlns:dgm="http://schemas.openxmlformats.org/drawingml/2006/diagram" xmlns:o="urn:schemas-microsoft-com:office:office" xmlns:v="urn:schemas-microsoft-com:vml" xmlns:pvml="urn:schemas-microsoft-com:office:powerpoint" xmlns:com="http://schemas.openxmlformats.org/drawingml/2006/compatibility" xmlns:p14="http://schemas.microsoft.com/office/powerpoint/2010/main" xmlns:p15="http://schemas.microsoft.com/office/powerpoint/2012/main" showMasterPhAnim="0" showMasterSp="0">
+<p:notes xmlns:a="http://schemas.openxmlformats.org/drawingml/2006/main" xmlns:r="http://schemas.openxmlformats.org/officeDocument/2006/relationships" xmlns:p="http://schemas.openxmlformats.org/presentationml/2006/main" showMasterSp="0" showMasterPhAnim="0">
   <p:cSld>
     <p:spTree>
       <p:nvGrpSpPr>
-        <p:cNvPr id="140" name="Shape 140"/>
+        <p:cNvPr id="1" name="Shape 140"/>
         <p:cNvGrpSpPr/>
         <p:nvPr/>
       </p:nvGrpSpPr>
@@ -1148,9 +1183,11 @@
       <p:sp>
         <p:nvSpPr>
           <p:cNvPr id="141" name="Google Shape;141;g843dc16b06_1_77:notes"/>
-          <p:cNvSpPr/>
+          <p:cNvSpPr>
+            <a:spLocks noGrp="1" noRot="1" noChangeAspect="1"/>
+          </p:cNvSpPr>
           <p:nvPr>
-            <p:ph idx="2" type="sldImg"/>
+            <p:ph type="sldImg" idx="2"/>
           </p:nvPr>
         </p:nvSpPr>
         <p:spPr>
@@ -1159,9 +1196,13 @@
             <a:ext cx="6096000" cy="3429000"/>
           </a:xfrm>
           <a:custGeom>
-            <a:rect b="b" l="l" r="r" t="t"/>
+            <a:avLst/>
+            <a:gdLst/>
+            <a:ahLst/>
+            <a:cxnLst/>
+            <a:rect l="l" t="t" r="r" b="b"/>
             <a:pathLst>
-              <a:path extrusionOk="0" h="120000" w="120000">
+              <a:path w="120000" h="120000" extrusionOk="0">
                 <a:moveTo>
                   <a:pt x="0" y="0"/>
                 </a:moveTo>
@@ -1183,9 +1224,11 @@
       <p:sp>
         <p:nvSpPr>
           <p:cNvPr id="142" name="Google Shape;142;g843dc16b06_1_77:notes"/>
-          <p:cNvSpPr txBox="1"/>
+          <p:cNvSpPr txBox="1">
+            <a:spLocks noGrp="1"/>
+          </p:cNvSpPr>
           <p:nvPr>
-            <p:ph idx="1" type="body"/>
+            <p:ph type="body" idx="1"/>
           </p:nvPr>
         </p:nvSpPr>
         <p:spPr>
@@ -1198,12 +1241,12 @@
           </a:prstGeom>
         </p:spPr>
         <p:txBody>
-          <a:bodyPr anchorCtr="0" anchor="t" bIns="91425" lIns="91425" spcFirstLastPara="1" rIns="91425" wrap="square" tIns="91425">
+          <a:bodyPr spcFirstLastPara="1" wrap="square" lIns="91425" tIns="91425" rIns="91425" bIns="91425" anchor="t" anchorCtr="0">
             <a:noAutofit/>
           </a:bodyPr>
           <a:lstStyle/>
           <a:p>
-            <a:pPr indent="0" lvl="0" marL="0" rtl="0" algn="l">
+            <a:pPr marL="0" lvl="0" indent="0" algn="l" rtl="0">
               <a:spcBef>
                 <a:spcPts val="0"/>
               </a:spcBef>
@@ -1212,9 +1255,6 @@
               </a:spcAft>
               <a:buNone/>
             </a:pPr>
-            <a:r>
-              <a:t/>
-            </a:r>
             <a:endParaRPr/>
           </a:p>
         </p:txBody>
@@ -1228,11 +1268,11 @@
 </file>
 
 <file path=ppt/notesSlides/notesSlide14.xml><?xml version="1.0" encoding="utf-8"?>
-<p:notes xmlns:a="http://schemas.openxmlformats.org/drawingml/2006/main" xmlns:r="http://schemas.openxmlformats.org/officeDocument/2006/relationships" xmlns:mc="http://schemas.openxmlformats.org/markup-compatibility/2006" xmlns:mv="urn:schemas-microsoft-com:mac:vml" xmlns:p="http://schemas.openxmlformats.org/presentationml/2006/main" xmlns:c="http://schemas.openxmlformats.org/drawingml/2006/chart" xmlns:dgm="http://schemas.openxmlformats.org/drawingml/2006/diagram" xmlns:o="urn:schemas-microsoft-com:office:office" xmlns:v="urn:schemas-microsoft-com:vml" xmlns:pvml="urn:schemas-microsoft-com:office:powerpoint" xmlns:com="http://schemas.openxmlformats.org/drawingml/2006/compatibility" xmlns:p14="http://schemas.microsoft.com/office/powerpoint/2010/main" xmlns:p15="http://schemas.microsoft.com/office/powerpoint/2012/main" showMasterPhAnim="0" showMasterSp="0">
+<p:notes xmlns:a="http://schemas.openxmlformats.org/drawingml/2006/main" xmlns:r="http://schemas.openxmlformats.org/officeDocument/2006/relationships" xmlns:p="http://schemas.openxmlformats.org/presentationml/2006/main" showMasterSp="0" showMasterPhAnim="0">
   <p:cSld>
     <p:spTree>
       <p:nvGrpSpPr>
-        <p:cNvPr id="147" name="Shape 147"/>
+        <p:cNvPr id="1" name="Shape 147"/>
         <p:cNvGrpSpPr/>
         <p:nvPr/>
       </p:nvGrpSpPr>
@@ -1247,9 +1287,11 @@
       <p:sp>
         <p:nvSpPr>
           <p:cNvPr id="148" name="Google Shape;148;g8420b06f1e_1_46:notes"/>
-          <p:cNvSpPr/>
+          <p:cNvSpPr>
+            <a:spLocks noGrp="1" noRot="1" noChangeAspect="1"/>
+          </p:cNvSpPr>
           <p:nvPr>
-            <p:ph idx="2" type="sldImg"/>
+            <p:ph type="sldImg" idx="2"/>
           </p:nvPr>
         </p:nvSpPr>
         <p:spPr>
@@ -1258,9 +1300,13 @@
             <a:ext cx="6096000" cy="3429000"/>
           </a:xfrm>
           <a:custGeom>
-            <a:rect b="b" l="l" r="r" t="t"/>
+            <a:avLst/>
+            <a:gdLst/>
+            <a:ahLst/>
+            <a:cxnLst/>
+            <a:rect l="l" t="t" r="r" b="b"/>
             <a:pathLst>
-              <a:path extrusionOk="0" h="120000" w="120000">
+              <a:path w="120000" h="120000" extrusionOk="0">
                 <a:moveTo>
                   <a:pt x="0" y="0"/>
                 </a:moveTo>
@@ -1282,9 +1328,11 @@
       <p:sp>
         <p:nvSpPr>
           <p:cNvPr id="149" name="Google Shape;149;g8420b06f1e_1_46:notes"/>
-          <p:cNvSpPr txBox="1"/>
+          <p:cNvSpPr txBox="1">
+            <a:spLocks noGrp="1"/>
+          </p:cNvSpPr>
           <p:nvPr>
-            <p:ph idx="1" type="body"/>
+            <p:ph type="body" idx="1"/>
           </p:nvPr>
         </p:nvSpPr>
         <p:spPr>
@@ -1297,12 +1345,12 @@
           </a:prstGeom>
         </p:spPr>
         <p:txBody>
-          <a:bodyPr anchorCtr="0" anchor="t" bIns="91425" lIns="91425" spcFirstLastPara="1" rIns="91425" wrap="square" tIns="91425">
+          <a:bodyPr spcFirstLastPara="1" wrap="square" lIns="91425" tIns="91425" rIns="91425" bIns="91425" anchor="t" anchorCtr="0">
             <a:noAutofit/>
           </a:bodyPr>
           <a:lstStyle/>
           <a:p>
-            <a:pPr indent="0" lvl="0" marL="0" rtl="0" algn="l">
+            <a:pPr marL="0" lvl="0" indent="0" algn="l" rtl="0">
               <a:spcBef>
                 <a:spcPts val="0"/>
               </a:spcBef>
@@ -1311,9 +1359,6 @@
               </a:spcAft>
               <a:buNone/>
             </a:pPr>
-            <a:r>
-              <a:t/>
-            </a:r>
             <a:endParaRPr/>
           </a:p>
         </p:txBody>
@@ -1327,11 +1372,11 @@
 </file>
 
 <file path=ppt/notesSlides/notesSlide15.xml><?xml version="1.0" encoding="utf-8"?>
-<p:notes xmlns:a="http://schemas.openxmlformats.org/drawingml/2006/main" xmlns:r="http://schemas.openxmlformats.org/officeDocument/2006/relationships" xmlns:mc="http://schemas.openxmlformats.org/markup-compatibility/2006" xmlns:mv="urn:schemas-microsoft-com:mac:vml" xmlns:p="http://schemas.openxmlformats.org/presentationml/2006/main" xmlns:c="http://schemas.openxmlformats.org/drawingml/2006/chart" xmlns:dgm="http://schemas.openxmlformats.org/drawingml/2006/diagram" xmlns:o="urn:schemas-microsoft-com:office:office" xmlns:v="urn:schemas-microsoft-com:vml" xmlns:pvml="urn:schemas-microsoft-com:office:powerpoint" xmlns:com="http://schemas.openxmlformats.org/drawingml/2006/compatibility" xmlns:p14="http://schemas.microsoft.com/office/powerpoint/2010/main" xmlns:p15="http://schemas.microsoft.com/office/powerpoint/2012/main" showMasterPhAnim="0" showMasterSp="0">
+<p:notes xmlns:a="http://schemas.openxmlformats.org/drawingml/2006/main" xmlns:r="http://schemas.openxmlformats.org/officeDocument/2006/relationships" xmlns:p="http://schemas.openxmlformats.org/presentationml/2006/main" showMasterSp="0" showMasterPhAnim="0">
   <p:cSld>
     <p:spTree>
       <p:nvGrpSpPr>
-        <p:cNvPr id="153" name="Shape 153"/>
+        <p:cNvPr id="1" name="Shape 153"/>
         <p:cNvGrpSpPr/>
         <p:nvPr/>
       </p:nvGrpSpPr>
@@ -1346,9 +1391,11 @@
       <p:sp>
         <p:nvSpPr>
           <p:cNvPr id="154" name="Google Shape;154;g843dc16b06_2_10:notes"/>
-          <p:cNvSpPr/>
+          <p:cNvSpPr>
+            <a:spLocks noGrp="1" noRot="1" noChangeAspect="1"/>
+          </p:cNvSpPr>
           <p:nvPr>
-            <p:ph idx="2" type="sldImg"/>
+            <p:ph type="sldImg" idx="2"/>
           </p:nvPr>
         </p:nvSpPr>
         <p:spPr>
@@ -1357,9 +1404,13 @@
             <a:ext cx="6096000" cy="3429000"/>
           </a:xfrm>
           <a:custGeom>
-            <a:rect b="b" l="l" r="r" t="t"/>
+            <a:avLst/>
+            <a:gdLst/>
+            <a:ahLst/>
+            <a:cxnLst/>
+            <a:rect l="l" t="t" r="r" b="b"/>
             <a:pathLst>
-              <a:path extrusionOk="0" h="120000" w="120000">
+              <a:path w="120000" h="120000" extrusionOk="0">
                 <a:moveTo>
                   <a:pt x="0" y="0"/>
                 </a:moveTo>
@@ -1381,9 +1432,11 @@
       <p:sp>
         <p:nvSpPr>
           <p:cNvPr id="155" name="Google Shape;155;g843dc16b06_2_10:notes"/>
-          <p:cNvSpPr txBox="1"/>
+          <p:cNvSpPr txBox="1">
+            <a:spLocks noGrp="1"/>
+          </p:cNvSpPr>
           <p:nvPr>
-            <p:ph idx="1" type="body"/>
+            <p:ph type="body" idx="1"/>
           </p:nvPr>
         </p:nvSpPr>
         <p:spPr>
@@ -1396,12 +1449,12 @@
           </a:prstGeom>
         </p:spPr>
         <p:txBody>
-          <a:bodyPr anchorCtr="0" anchor="t" bIns="91425" lIns="91425" spcFirstLastPara="1" rIns="91425" wrap="square" tIns="91425">
+          <a:bodyPr spcFirstLastPara="1" wrap="square" lIns="91425" tIns="91425" rIns="91425" bIns="91425" anchor="t" anchorCtr="0">
             <a:noAutofit/>
           </a:bodyPr>
           <a:lstStyle/>
           <a:p>
-            <a:pPr indent="0" lvl="0" marL="0" rtl="0" algn="l">
+            <a:pPr marL="0" lvl="0" indent="0" algn="l" rtl="0">
               <a:spcBef>
                 <a:spcPts val="0"/>
               </a:spcBef>
@@ -1410,9 +1463,6 @@
               </a:spcAft>
               <a:buNone/>
             </a:pPr>
-            <a:r>
-              <a:t/>
-            </a:r>
             <a:endParaRPr/>
           </a:p>
         </p:txBody>
@@ -1426,11 +1476,11 @@
 </file>
 
 <file path=ppt/notesSlides/notesSlide16.xml><?xml version="1.0" encoding="utf-8"?>
-<p:notes xmlns:a="http://schemas.openxmlformats.org/drawingml/2006/main" xmlns:r="http://schemas.openxmlformats.org/officeDocument/2006/relationships" xmlns:mc="http://schemas.openxmlformats.org/markup-compatibility/2006" xmlns:mv="urn:schemas-microsoft-com:mac:vml" xmlns:p="http://schemas.openxmlformats.org/presentationml/2006/main" xmlns:c="http://schemas.openxmlformats.org/drawingml/2006/chart" xmlns:dgm="http://schemas.openxmlformats.org/drawingml/2006/diagram" xmlns:o="urn:schemas-microsoft-com:office:office" xmlns:v="urn:schemas-microsoft-com:vml" xmlns:pvml="urn:schemas-microsoft-com:office:powerpoint" xmlns:com="http://schemas.openxmlformats.org/drawingml/2006/compatibility" xmlns:p14="http://schemas.microsoft.com/office/powerpoint/2010/main" xmlns:p15="http://schemas.microsoft.com/office/powerpoint/2012/main" showMasterPhAnim="0" showMasterSp="0">
+<p:notes xmlns:a="http://schemas.openxmlformats.org/drawingml/2006/main" xmlns:r="http://schemas.openxmlformats.org/officeDocument/2006/relationships" xmlns:p="http://schemas.openxmlformats.org/presentationml/2006/main" showMasterSp="0" showMasterPhAnim="0">
   <p:cSld>
     <p:spTree>
       <p:nvGrpSpPr>
-        <p:cNvPr id="158" name="Shape 158"/>
+        <p:cNvPr id="1" name="Shape 158"/>
         <p:cNvGrpSpPr/>
         <p:nvPr/>
       </p:nvGrpSpPr>
@@ -1445,9 +1495,11 @@
       <p:sp>
         <p:nvSpPr>
           <p:cNvPr id="159" name="Google Shape;159;g843dc16b06_2_19:notes"/>
-          <p:cNvSpPr/>
+          <p:cNvSpPr>
+            <a:spLocks noGrp="1" noRot="1" noChangeAspect="1"/>
+          </p:cNvSpPr>
           <p:nvPr>
-            <p:ph idx="2" type="sldImg"/>
+            <p:ph type="sldImg" idx="2"/>
           </p:nvPr>
         </p:nvSpPr>
         <p:spPr>
@@ -1456,9 +1508,13 @@
             <a:ext cx="6096000" cy="3429000"/>
           </a:xfrm>
           <a:custGeom>
-            <a:rect b="b" l="l" r="r" t="t"/>
+            <a:avLst/>
+            <a:gdLst/>
+            <a:ahLst/>
+            <a:cxnLst/>
+            <a:rect l="l" t="t" r="r" b="b"/>
             <a:pathLst>
-              <a:path extrusionOk="0" h="120000" w="120000">
+              <a:path w="120000" h="120000" extrusionOk="0">
                 <a:moveTo>
                   <a:pt x="0" y="0"/>
                 </a:moveTo>
@@ -1480,9 +1536,11 @@
       <p:sp>
         <p:nvSpPr>
           <p:cNvPr id="160" name="Google Shape;160;g843dc16b06_2_19:notes"/>
-          <p:cNvSpPr txBox="1"/>
+          <p:cNvSpPr txBox="1">
+            <a:spLocks noGrp="1"/>
+          </p:cNvSpPr>
           <p:nvPr>
-            <p:ph idx="1" type="body"/>
+            <p:ph type="body" idx="1"/>
           </p:nvPr>
         </p:nvSpPr>
         <p:spPr>
@@ -1495,12 +1553,12 @@
           </a:prstGeom>
         </p:spPr>
         <p:txBody>
-          <a:bodyPr anchorCtr="0" anchor="t" bIns="91425" lIns="91425" spcFirstLastPara="1" rIns="91425" wrap="square" tIns="91425">
+          <a:bodyPr spcFirstLastPara="1" wrap="square" lIns="91425" tIns="91425" rIns="91425" bIns="91425" anchor="t" anchorCtr="0">
             <a:noAutofit/>
           </a:bodyPr>
           <a:lstStyle/>
           <a:p>
-            <a:pPr indent="0" lvl="0" marL="0" rtl="0" algn="l">
+            <a:pPr marL="0" lvl="0" indent="0" algn="l" rtl="0">
               <a:spcBef>
                 <a:spcPts val="0"/>
               </a:spcBef>
@@ -1509,9 +1567,6 @@
               </a:spcAft>
               <a:buNone/>
             </a:pPr>
-            <a:r>
-              <a:t/>
-            </a:r>
             <a:endParaRPr/>
           </a:p>
         </p:txBody>
@@ -1525,11 +1580,11 @@
 </file>
 
 <file path=ppt/notesSlides/notesSlide17.xml><?xml version="1.0" encoding="utf-8"?>
-<p:notes xmlns:a="http://schemas.openxmlformats.org/drawingml/2006/main" xmlns:r="http://schemas.openxmlformats.org/officeDocument/2006/relationships" xmlns:mc="http://schemas.openxmlformats.org/markup-compatibility/2006" xmlns:mv="urn:schemas-microsoft-com:mac:vml" xmlns:p="http://schemas.openxmlformats.org/presentationml/2006/main" xmlns:c="http://schemas.openxmlformats.org/drawingml/2006/chart" xmlns:dgm="http://schemas.openxmlformats.org/drawingml/2006/diagram" xmlns:o="urn:schemas-microsoft-com:office:office" xmlns:v="urn:schemas-microsoft-com:vml" xmlns:pvml="urn:schemas-microsoft-com:office:powerpoint" xmlns:com="http://schemas.openxmlformats.org/drawingml/2006/compatibility" xmlns:p14="http://schemas.microsoft.com/office/powerpoint/2010/main" xmlns:p15="http://schemas.microsoft.com/office/powerpoint/2012/main" showMasterPhAnim="0" showMasterSp="0">
+<p:notes xmlns:a="http://schemas.openxmlformats.org/drawingml/2006/main" xmlns:r="http://schemas.openxmlformats.org/officeDocument/2006/relationships" xmlns:p="http://schemas.openxmlformats.org/presentationml/2006/main" showMasterSp="0" showMasterPhAnim="0">
   <p:cSld>
     <p:spTree>
       <p:nvGrpSpPr>
-        <p:cNvPr id="163" name="Shape 163"/>
+        <p:cNvPr id="1" name="Shape 163"/>
         <p:cNvGrpSpPr/>
         <p:nvPr/>
       </p:nvGrpSpPr>
@@ -1544,9 +1599,11 @@
       <p:sp>
         <p:nvSpPr>
           <p:cNvPr id="164" name="Google Shape;164;g843dc16b06_2_24:notes"/>
-          <p:cNvSpPr/>
+          <p:cNvSpPr>
+            <a:spLocks noGrp="1" noRot="1" noChangeAspect="1"/>
+          </p:cNvSpPr>
           <p:nvPr>
-            <p:ph idx="2" type="sldImg"/>
+            <p:ph type="sldImg" idx="2"/>
           </p:nvPr>
         </p:nvSpPr>
         <p:spPr>
@@ -1555,9 +1612,13 @@
             <a:ext cx="6096000" cy="3429000"/>
           </a:xfrm>
           <a:custGeom>
-            <a:rect b="b" l="l" r="r" t="t"/>
+            <a:avLst/>
+            <a:gdLst/>
+            <a:ahLst/>
+            <a:cxnLst/>
+            <a:rect l="l" t="t" r="r" b="b"/>
             <a:pathLst>
-              <a:path extrusionOk="0" h="120000" w="120000">
+              <a:path w="120000" h="120000" extrusionOk="0">
                 <a:moveTo>
                   <a:pt x="0" y="0"/>
                 </a:moveTo>
@@ -1579,9 +1640,11 @@
       <p:sp>
         <p:nvSpPr>
           <p:cNvPr id="165" name="Google Shape;165;g843dc16b06_2_24:notes"/>
-          <p:cNvSpPr txBox="1"/>
+          <p:cNvSpPr txBox="1">
+            <a:spLocks noGrp="1"/>
+          </p:cNvSpPr>
           <p:nvPr>
-            <p:ph idx="1" type="body"/>
+            <p:ph type="body" idx="1"/>
           </p:nvPr>
         </p:nvSpPr>
         <p:spPr>
@@ -1594,12 +1657,12 @@
           </a:prstGeom>
         </p:spPr>
         <p:txBody>
-          <a:bodyPr anchorCtr="0" anchor="t" bIns="91425" lIns="91425" spcFirstLastPara="1" rIns="91425" wrap="square" tIns="91425">
+          <a:bodyPr spcFirstLastPara="1" wrap="square" lIns="91425" tIns="91425" rIns="91425" bIns="91425" anchor="t" anchorCtr="0">
             <a:noAutofit/>
           </a:bodyPr>
           <a:lstStyle/>
           <a:p>
-            <a:pPr indent="0" lvl="0" marL="0" rtl="0" algn="l">
+            <a:pPr marL="0" lvl="0" indent="0" algn="l" rtl="0">
               <a:spcBef>
                 <a:spcPts val="0"/>
               </a:spcBef>
@@ -1608,9 +1671,6 @@
               </a:spcAft>
               <a:buNone/>
             </a:pPr>
-            <a:r>
-              <a:t/>
-            </a:r>
             <a:endParaRPr/>
           </a:p>
         </p:txBody>
@@ -1624,11 +1684,11 @@
 </file>
 
 <file path=ppt/notesSlides/notesSlide18.xml><?xml version="1.0" encoding="utf-8"?>
-<p:notes xmlns:a="http://schemas.openxmlformats.org/drawingml/2006/main" xmlns:r="http://schemas.openxmlformats.org/officeDocument/2006/relationships" xmlns:mc="http://schemas.openxmlformats.org/markup-compatibility/2006" xmlns:mv="urn:schemas-microsoft-com:mac:vml" xmlns:p="http://schemas.openxmlformats.org/presentationml/2006/main" xmlns:c="http://schemas.openxmlformats.org/drawingml/2006/chart" xmlns:dgm="http://schemas.openxmlformats.org/drawingml/2006/diagram" xmlns:o="urn:schemas-microsoft-com:office:office" xmlns:v="urn:schemas-microsoft-com:vml" xmlns:pvml="urn:schemas-microsoft-com:office:powerpoint" xmlns:com="http://schemas.openxmlformats.org/drawingml/2006/compatibility" xmlns:p14="http://schemas.microsoft.com/office/powerpoint/2010/main" xmlns:p15="http://schemas.microsoft.com/office/powerpoint/2012/main" showMasterPhAnim="0" showMasterSp="0">
+<p:notes xmlns:a="http://schemas.openxmlformats.org/drawingml/2006/main" xmlns:r="http://schemas.openxmlformats.org/officeDocument/2006/relationships" xmlns:p="http://schemas.openxmlformats.org/presentationml/2006/main" showMasterSp="0" showMasterPhAnim="0">
   <p:cSld>
     <p:spTree>
       <p:nvGrpSpPr>
-        <p:cNvPr id="170" name="Shape 170"/>
+        <p:cNvPr id="1" name="Shape 170"/>
         <p:cNvGrpSpPr/>
         <p:nvPr/>
       </p:nvGrpSpPr>
@@ -1643,9 +1703,11 @@
       <p:sp>
         <p:nvSpPr>
           <p:cNvPr id="171" name="Google Shape;171;g843dc16b06_2_33:notes"/>
-          <p:cNvSpPr/>
+          <p:cNvSpPr>
+            <a:spLocks noGrp="1" noRot="1" noChangeAspect="1"/>
+          </p:cNvSpPr>
           <p:nvPr>
-            <p:ph idx="2" type="sldImg"/>
+            <p:ph type="sldImg" idx="2"/>
           </p:nvPr>
         </p:nvSpPr>
         <p:spPr>
@@ -1654,9 +1716,13 @@
             <a:ext cx="6096000" cy="3429000"/>
           </a:xfrm>
           <a:custGeom>
-            <a:rect b="b" l="l" r="r" t="t"/>
+            <a:avLst/>
+            <a:gdLst/>
+            <a:ahLst/>
+            <a:cxnLst/>
+            <a:rect l="l" t="t" r="r" b="b"/>
             <a:pathLst>
-              <a:path extrusionOk="0" h="120000" w="120000">
+              <a:path w="120000" h="120000" extrusionOk="0">
                 <a:moveTo>
                   <a:pt x="0" y="0"/>
                 </a:moveTo>
@@ -1678,9 +1744,11 @@
       <p:sp>
         <p:nvSpPr>
           <p:cNvPr id="172" name="Google Shape;172;g843dc16b06_2_33:notes"/>
-          <p:cNvSpPr txBox="1"/>
+          <p:cNvSpPr txBox="1">
+            <a:spLocks noGrp="1"/>
+          </p:cNvSpPr>
           <p:nvPr>
-            <p:ph idx="1" type="body"/>
+            <p:ph type="body" idx="1"/>
           </p:nvPr>
         </p:nvSpPr>
         <p:spPr>
@@ -1693,12 +1761,12 @@
           </a:prstGeom>
         </p:spPr>
         <p:txBody>
-          <a:bodyPr anchorCtr="0" anchor="t" bIns="91425" lIns="91425" spcFirstLastPara="1" rIns="91425" wrap="square" tIns="91425">
+          <a:bodyPr spcFirstLastPara="1" wrap="square" lIns="91425" tIns="91425" rIns="91425" bIns="91425" anchor="t" anchorCtr="0">
             <a:noAutofit/>
           </a:bodyPr>
           <a:lstStyle/>
           <a:p>
-            <a:pPr indent="0" lvl="0" marL="0" rtl="0" algn="l">
+            <a:pPr marL="0" lvl="0" indent="0" algn="l" rtl="0">
               <a:spcBef>
                 <a:spcPts val="0"/>
               </a:spcBef>
@@ -1707,9 +1775,6 @@
               </a:spcAft>
               <a:buNone/>
             </a:pPr>
-            <a:r>
-              <a:t/>
-            </a:r>
             <a:endParaRPr/>
           </a:p>
         </p:txBody>
@@ -1723,11 +1788,11 @@
 </file>
 
 <file path=ppt/notesSlides/notesSlide19.xml><?xml version="1.0" encoding="utf-8"?>
-<p:notes xmlns:a="http://schemas.openxmlformats.org/drawingml/2006/main" xmlns:r="http://schemas.openxmlformats.org/officeDocument/2006/relationships" xmlns:mc="http://schemas.openxmlformats.org/markup-compatibility/2006" xmlns:mv="urn:schemas-microsoft-com:mac:vml" xmlns:p="http://schemas.openxmlformats.org/presentationml/2006/main" xmlns:c="http://schemas.openxmlformats.org/drawingml/2006/chart" xmlns:dgm="http://schemas.openxmlformats.org/drawingml/2006/diagram" xmlns:o="urn:schemas-microsoft-com:office:office" xmlns:v="urn:schemas-microsoft-com:vml" xmlns:pvml="urn:schemas-microsoft-com:office:powerpoint" xmlns:com="http://schemas.openxmlformats.org/drawingml/2006/compatibility" xmlns:p14="http://schemas.microsoft.com/office/powerpoint/2010/main" xmlns:p15="http://schemas.microsoft.com/office/powerpoint/2012/main" showMasterPhAnim="0" showMasterSp="0">
+<p:notes xmlns:a="http://schemas.openxmlformats.org/drawingml/2006/main" xmlns:r="http://schemas.openxmlformats.org/officeDocument/2006/relationships" xmlns:p="http://schemas.openxmlformats.org/presentationml/2006/main" showMasterSp="0" showMasterPhAnim="0">
   <p:cSld>
     <p:spTree>
       <p:nvGrpSpPr>
-        <p:cNvPr id="175" name="Shape 175"/>
+        <p:cNvPr id="1" name="Shape 175"/>
         <p:cNvGrpSpPr/>
         <p:nvPr/>
       </p:nvGrpSpPr>
@@ -1742,9 +1807,11 @@
       <p:sp>
         <p:nvSpPr>
           <p:cNvPr id="176" name="Google Shape;176;g8420b06f1e_1_57:notes"/>
-          <p:cNvSpPr/>
+          <p:cNvSpPr>
+            <a:spLocks noGrp="1" noRot="1" noChangeAspect="1"/>
+          </p:cNvSpPr>
           <p:nvPr>
-            <p:ph idx="2" type="sldImg"/>
+            <p:ph type="sldImg" idx="2"/>
           </p:nvPr>
         </p:nvSpPr>
         <p:spPr>
@@ -1753,9 +1820,13 @@
             <a:ext cx="6096000" cy="3429000"/>
           </a:xfrm>
           <a:custGeom>
-            <a:rect b="b" l="l" r="r" t="t"/>
+            <a:avLst/>
+            <a:gdLst/>
+            <a:ahLst/>
+            <a:cxnLst/>
+            <a:rect l="l" t="t" r="r" b="b"/>
             <a:pathLst>
-              <a:path extrusionOk="0" h="120000" w="120000">
+              <a:path w="120000" h="120000" extrusionOk="0">
                 <a:moveTo>
                   <a:pt x="0" y="0"/>
                 </a:moveTo>
@@ -1777,9 +1848,11 @@
       <p:sp>
         <p:nvSpPr>
           <p:cNvPr id="177" name="Google Shape;177;g8420b06f1e_1_57:notes"/>
-          <p:cNvSpPr txBox="1"/>
+          <p:cNvSpPr txBox="1">
+            <a:spLocks noGrp="1"/>
+          </p:cNvSpPr>
           <p:nvPr>
-            <p:ph idx="1" type="body"/>
+            <p:ph type="body" idx="1"/>
           </p:nvPr>
         </p:nvSpPr>
         <p:spPr>
@@ -1792,12 +1865,12 @@
           </a:prstGeom>
         </p:spPr>
         <p:txBody>
-          <a:bodyPr anchorCtr="0" anchor="t" bIns="91425" lIns="91425" spcFirstLastPara="1" rIns="91425" wrap="square" tIns="91425">
+          <a:bodyPr spcFirstLastPara="1" wrap="square" lIns="91425" tIns="91425" rIns="91425" bIns="91425" anchor="t" anchorCtr="0">
             <a:noAutofit/>
           </a:bodyPr>
           <a:lstStyle/>
           <a:p>
-            <a:pPr indent="0" lvl="0" marL="0" rtl="0" algn="l">
+            <a:pPr marL="0" lvl="0" indent="0" algn="l" rtl="0">
               <a:spcBef>
                 <a:spcPts val="0"/>
               </a:spcBef>
@@ -1806,9 +1879,6 @@
               </a:spcAft>
               <a:buNone/>
             </a:pPr>
-            <a:r>
-              <a:t/>
-            </a:r>
             <a:endParaRPr/>
           </a:p>
         </p:txBody>
@@ -1822,11 +1892,11 @@
 </file>
 
 <file path=ppt/notesSlides/notesSlide2.xml><?xml version="1.0" encoding="utf-8"?>
-<p:notes xmlns:a="http://schemas.openxmlformats.org/drawingml/2006/main" xmlns:r="http://schemas.openxmlformats.org/officeDocument/2006/relationships" xmlns:mc="http://schemas.openxmlformats.org/markup-compatibility/2006" xmlns:mv="urn:schemas-microsoft-com:mac:vml" xmlns:p="http://schemas.openxmlformats.org/presentationml/2006/main" xmlns:c="http://schemas.openxmlformats.org/drawingml/2006/chart" xmlns:dgm="http://schemas.openxmlformats.org/drawingml/2006/diagram" xmlns:o="urn:schemas-microsoft-com:office:office" xmlns:v="urn:schemas-microsoft-com:vml" xmlns:pvml="urn:schemas-microsoft-com:office:powerpoint" xmlns:com="http://schemas.openxmlformats.org/drawingml/2006/compatibility" xmlns:p14="http://schemas.microsoft.com/office/powerpoint/2010/main" xmlns:p15="http://schemas.microsoft.com/office/powerpoint/2012/main" showMasterPhAnim="0" showMasterSp="0">
+<p:notes xmlns:a="http://schemas.openxmlformats.org/drawingml/2006/main" xmlns:r="http://schemas.openxmlformats.org/officeDocument/2006/relationships" xmlns:p="http://schemas.openxmlformats.org/presentationml/2006/main" showMasterSp="0" showMasterPhAnim="0">
   <p:cSld>
     <p:spTree>
       <p:nvGrpSpPr>
-        <p:cNvPr id="56" name="Shape 56"/>
+        <p:cNvPr id="1" name="Shape 56"/>
         <p:cNvGrpSpPr/>
         <p:nvPr/>
       </p:nvGrpSpPr>
@@ -1841,9 +1911,11 @@
       <p:sp>
         <p:nvSpPr>
           <p:cNvPr id="57" name="Google Shape;57;g8420b06f1e_1_0:notes"/>
-          <p:cNvSpPr/>
+          <p:cNvSpPr>
+            <a:spLocks noGrp="1" noRot="1" noChangeAspect="1"/>
+          </p:cNvSpPr>
           <p:nvPr>
-            <p:ph idx="2" type="sldImg"/>
+            <p:ph type="sldImg" idx="2"/>
           </p:nvPr>
         </p:nvSpPr>
         <p:spPr>
@@ -1852,9 +1924,13 @@
             <a:ext cx="6096000" cy="3429000"/>
           </a:xfrm>
           <a:custGeom>
-            <a:rect b="b" l="l" r="r" t="t"/>
+            <a:avLst/>
+            <a:gdLst/>
+            <a:ahLst/>
+            <a:cxnLst/>
+            <a:rect l="l" t="t" r="r" b="b"/>
             <a:pathLst>
-              <a:path extrusionOk="0" h="120000" w="120000">
+              <a:path w="120000" h="120000" extrusionOk="0">
                 <a:moveTo>
                   <a:pt x="0" y="0"/>
                 </a:moveTo>
@@ -1876,9 +1952,11 @@
       <p:sp>
         <p:nvSpPr>
           <p:cNvPr id="58" name="Google Shape;58;g8420b06f1e_1_0:notes"/>
-          <p:cNvSpPr txBox="1"/>
+          <p:cNvSpPr txBox="1">
+            <a:spLocks noGrp="1"/>
+          </p:cNvSpPr>
           <p:nvPr>
-            <p:ph idx="1" type="body"/>
+            <p:ph type="body" idx="1"/>
           </p:nvPr>
         </p:nvSpPr>
         <p:spPr>
@@ -1891,12 +1969,12 @@
           </a:prstGeom>
         </p:spPr>
         <p:txBody>
-          <a:bodyPr anchorCtr="0" anchor="t" bIns="91425" lIns="91425" spcFirstLastPara="1" rIns="91425" wrap="square" tIns="91425">
+          <a:bodyPr spcFirstLastPara="1" wrap="square" lIns="91425" tIns="91425" rIns="91425" bIns="91425" anchor="t" anchorCtr="0">
             <a:noAutofit/>
           </a:bodyPr>
           <a:lstStyle/>
           <a:p>
-            <a:pPr indent="0" lvl="0" marL="0" rtl="0" algn="l">
+            <a:pPr marL="0" lvl="0" indent="0" algn="l" rtl="0">
               <a:spcBef>
                 <a:spcPts val="0"/>
               </a:spcBef>
@@ -1905,9 +1983,6 @@
               </a:spcAft>
               <a:buNone/>
             </a:pPr>
-            <a:r>
-              <a:t/>
-            </a:r>
             <a:endParaRPr/>
           </a:p>
         </p:txBody>
@@ -1921,11 +1996,11 @@
 </file>
 
 <file path=ppt/notesSlides/notesSlide20.xml><?xml version="1.0" encoding="utf-8"?>
-<p:notes xmlns:a="http://schemas.openxmlformats.org/drawingml/2006/main" xmlns:r="http://schemas.openxmlformats.org/officeDocument/2006/relationships" xmlns:mc="http://schemas.openxmlformats.org/markup-compatibility/2006" xmlns:mv="urn:schemas-microsoft-com:mac:vml" xmlns:p="http://schemas.openxmlformats.org/presentationml/2006/main" xmlns:c="http://schemas.openxmlformats.org/drawingml/2006/chart" xmlns:dgm="http://schemas.openxmlformats.org/drawingml/2006/diagram" xmlns:o="urn:schemas-microsoft-com:office:office" xmlns:v="urn:schemas-microsoft-com:vml" xmlns:pvml="urn:schemas-microsoft-com:office:powerpoint" xmlns:com="http://schemas.openxmlformats.org/drawingml/2006/compatibility" xmlns:p14="http://schemas.microsoft.com/office/powerpoint/2010/main" xmlns:p15="http://schemas.microsoft.com/office/powerpoint/2012/main" showMasterPhAnim="0" showMasterSp="0">
+<p:notes xmlns:a="http://schemas.openxmlformats.org/drawingml/2006/main" xmlns:r="http://schemas.openxmlformats.org/officeDocument/2006/relationships" xmlns:p="http://schemas.openxmlformats.org/presentationml/2006/main" showMasterSp="0" showMasterPhAnim="0">
   <p:cSld>
     <p:spTree>
       <p:nvGrpSpPr>
-        <p:cNvPr id="181" name="Shape 181"/>
+        <p:cNvPr id="1" name="Shape 181"/>
         <p:cNvGrpSpPr/>
         <p:nvPr/>
       </p:nvGrpSpPr>
@@ -1940,9 +2015,11 @@
       <p:sp>
         <p:nvSpPr>
           <p:cNvPr id="182" name="Google Shape;182;g8420b06f1e_1_63:notes"/>
-          <p:cNvSpPr/>
+          <p:cNvSpPr>
+            <a:spLocks noGrp="1" noRot="1" noChangeAspect="1"/>
+          </p:cNvSpPr>
           <p:nvPr>
-            <p:ph idx="2" type="sldImg"/>
+            <p:ph type="sldImg" idx="2"/>
           </p:nvPr>
         </p:nvSpPr>
         <p:spPr>
@@ -1951,9 +2028,13 @@
             <a:ext cx="6096000" cy="3429000"/>
           </a:xfrm>
           <a:custGeom>
-            <a:rect b="b" l="l" r="r" t="t"/>
+            <a:avLst/>
+            <a:gdLst/>
+            <a:ahLst/>
+            <a:cxnLst/>
+            <a:rect l="l" t="t" r="r" b="b"/>
             <a:pathLst>
-              <a:path extrusionOk="0" h="120000" w="120000">
+              <a:path w="120000" h="120000" extrusionOk="0">
                 <a:moveTo>
                   <a:pt x="0" y="0"/>
                 </a:moveTo>
@@ -1975,9 +2056,11 @@
       <p:sp>
         <p:nvSpPr>
           <p:cNvPr id="183" name="Google Shape;183;g8420b06f1e_1_63:notes"/>
-          <p:cNvSpPr txBox="1"/>
+          <p:cNvSpPr txBox="1">
+            <a:spLocks noGrp="1"/>
+          </p:cNvSpPr>
           <p:nvPr>
-            <p:ph idx="1" type="body"/>
+            <p:ph type="body" idx="1"/>
           </p:nvPr>
         </p:nvSpPr>
         <p:spPr>
@@ -1990,12 +2073,12 @@
           </a:prstGeom>
         </p:spPr>
         <p:txBody>
-          <a:bodyPr anchorCtr="0" anchor="t" bIns="91425" lIns="91425" spcFirstLastPara="1" rIns="91425" wrap="square" tIns="91425">
+          <a:bodyPr spcFirstLastPara="1" wrap="square" lIns="91425" tIns="91425" rIns="91425" bIns="91425" anchor="t" anchorCtr="0">
             <a:noAutofit/>
           </a:bodyPr>
           <a:lstStyle/>
           <a:p>
-            <a:pPr indent="0" lvl="0" marL="0" rtl="0" algn="l">
+            <a:pPr marL="0" lvl="0" indent="0" algn="l" rtl="0">
               <a:spcBef>
                 <a:spcPts val="0"/>
               </a:spcBef>
@@ -2004,9 +2087,6 @@
               </a:spcAft>
               <a:buNone/>
             </a:pPr>
-            <a:r>
-              <a:t/>
-            </a:r>
             <a:endParaRPr/>
           </a:p>
         </p:txBody>
@@ -2020,11 +2100,11 @@
 </file>
 
 <file path=ppt/notesSlides/notesSlide21.xml><?xml version="1.0" encoding="utf-8"?>
-<p:notes xmlns:a="http://schemas.openxmlformats.org/drawingml/2006/main" xmlns:r="http://schemas.openxmlformats.org/officeDocument/2006/relationships" xmlns:mc="http://schemas.openxmlformats.org/markup-compatibility/2006" xmlns:mv="urn:schemas-microsoft-com:mac:vml" xmlns:p="http://schemas.openxmlformats.org/presentationml/2006/main" xmlns:c="http://schemas.openxmlformats.org/drawingml/2006/chart" xmlns:dgm="http://schemas.openxmlformats.org/drawingml/2006/diagram" xmlns:o="urn:schemas-microsoft-com:office:office" xmlns:v="urn:schemas-microsoft-com:vml" xmlns:pvml="urn:schemas-microsoft-com:office:powerpoint" xmlns:com="http://schemas.openxmlformats.org/drawingml/2006/compatibility" xmlns:p14="http://schemas.microsoft.com/office/powerpoint/2010/main" xmlns:p15="http://schemas.microsoft.com/office/powerpoint/2012/main" showMasterPhAnim="0" showMasterSp="0">
+<p:notes xmlns:a="http://schemas.openxmlformats.org/drawingml/2006/main" xmlns:r="http://schemas.openxmlformats.org/officeDocument/2006/relationships" xmlns:p="http://schemas.openxmlformats.org/presentationml/2006/main" showMasterSp="0" showMasterPhAnim="0">
   <p:cSld>
     <p:spTree>
       <p:nvGrpSpPr>
-        <p:cNvPr id="187" name="Shape 187"/>
+        <p:cNvPr id="1" name="Shape 187"/>
         <p:cNvGrpSpPr/>
         <p:nvPr/>
       </p:nvGrpSpPr>
@@ -2039,9 +2119,11 @@
       <p:sp>
         <p:nvSpPr>
           <p:cNvPr id="188" name="Google Shape;188;g8420b06f1e_1_74:notes"/>
-          <p:cNvSpPr/>
+          <p:cNvSpPr>
+            <a:spLocks noGrp="1" noRot="1" noChangeAspect="1"/>
+          </p:cNvSpPr>
           <p:nvPr>
-            <p:ph idx="2" type="sldImg"/>
+            <p:ph type="sldImg" idx="2"/>
           </p:nvPr>
         </p:nvSpPr>
         <p:spPr>
@@ -2050,9 +2132,13 @@
             <a:ext cx="6096000" cy="3429000"/>
           </a:xfrm>
           <a:custGeom>
-            <a:rect b="b" l="l" r="r" t="t"/>
+            <a:avLst/>
+            <a:gdLst/>
+            <a:ahLst/>
+            <a:cxnLst/>
+            <a:rect l="l" t="t" r="r" b="b"/>
             <a:pathLst>
-              <a:path extrusionOk="0" h="120000" w="120000">
+              <a:path w="120000" h="120000" extrusionOk="0">
                 <a:moveTo>
                   <a:pt x="0" y="0"/>
                 </a:moveTo>
@@ -2074,9 +2160,11 @@
       <p:sp>
         <p:nvSpPr>
           <p:cNvPr id="189" name="Google Shape;189;g8420b06f1e_1_74:notes"/>
-          <p:cNvSpPr txBox="1"/>
+          <p:cNvSpPr txBox="1">
+            <a:spLocks noGrp="1"/>
+          </p:cNvSpPr>
           <p:nvPr>
-            <p:ph idx="1" type="body"/>
+            <p:ph type="body" idx="1"/>
           </p:nvPr>
         </p:nvSpPr>
         <p:spPr>
@@ -2089,12 +2177,12 @@
           </a:prstGeom>
         </p:spPr>
         <p:txBody>
-          <a:bodyPr anchorCtr="0" anchor="t" bIns="91425" lIns="91425" spcFirstLastPara="1" rIns="91425" wrap="square" tIns="91425">
+          <a:bodyPr spcFirstLastPara="1" wrap="square" lIns="91425" tIns="91425" rIns="91425" bIns="91425" anchor="t" anchorCtr="0">
             <a:noAutofit/>
           </a:bodyPr>
           <a:lstStyle/>
           <a:p>
-            <a:pPr indent="0" lvl="0" marL="0" rtl="0" algn="l">
+            <a:pPr marL="0" lvl="0" indent="0" algn="l" rtl="0">
               <a:spcBef>
                 <a:spcPts val="0"/>
               </a:spcBef>
@@ -2103,9 +2191,6 @@
               </a:spcAft>
               <a:buNone/>
             </a:pPr>
-            <a:r>
-              <a:t/>
-            </a:r>
             <a:endParaRPr/>
           </a:p>
         </p:txBody>
@@ -2119,11 +2204,11 @@
 </file>
 
 <file path=ppt/notesSlides/notesSlide22.xml><?xml version="1.0" encoding="utf-8"?>
-<p:notes xmlns:a="http://schemas.openxmlformats.org/drawingml/2006/main" xmlns:r="http://schemas.openxmlformats.org/officeDocument/2006/relationships" xmlns:mc="http://schemas.openxmlformats.org/markup-compatibility/2006" xmlns:mv="urn:schemas-microsoft-com:mac:vml" xmlns:p="http://schemas.openxmlformats.org/presentationml/2006/main" xmlns:c="http://schemas.openxmlformats.org/drawingml/2006/chart" xmlns:dgm="http://schemas.openxmlformats.org/drawingml/2006/diagram" xmlns:o="urn:schemas-microsoft-com:office:office" xmlns:v="urn:schemas-microsoft-com:vml" xmlns:pvml="urn:schemas-microsoft-com:office:powerpoint" xmlns:com="http://schemas.openxmlformats.org/drawingml/2006/compatibility" xmlns:p14="http://schemas.microsoft.com/office/powerpoint/2010/main" xmlns:p15="http://schemas.microsoft.com/office/powerpoint/2012/main" showMasterPhAnim="0" showMasterSp="0">
+<p:notes xmlns:a="http://schemas.openxmlformats.org/drawingml/2006/main" xmlns:r="http://schemas.openxmlformats.org/officeDocument/2006/relationships" xmlns:p="http://schemas.openxmlformats.org/presentationml/2006/main" showMasterSp="0" showMasterPhAnim="0">
   <p:cSld>
     <p:spTree>
       <p:nvGrpSpPr>
-        <p:cNvPr id="192" name="Shape 192"/>
+        <p:cNvPr id="1" name="Shape 192"/>
         <p:cNvGrpSpPr/>
         <p:nvPr/>
       </p:nvGrpSpPr>
@@ -2138,9 +2223,11 @@
       <p:sp>
         <p:nvSpPr>
           <p:cNvPr id="193" name="Google Shape;193;g8420b06f1e_1_79:notes"/>
-          <p:cNvSpPr/>
+          <p:cNvSpPr>
+            <a:spLocks noGrp="1" noRot="1" noChangeAspect="1"/>
+          </p:cNvSpPr>
           <p:nvPr>
-            <p:ph idx="2" type="sldImg"/>
+            <p:ph type="sldImg" idx="2"/>
           </p:nvPr>
         </p:nvSpPr>
         <p:spPr>
@@ -2149,9 +2236,13 @@
             <a:ext cx="6096000" cy="3429000"/>
           </a:xfrm>
           <a:custGeom>
-            <a:rect b="b" l="l" r="r" t="t"/>
+            <a:avLst/>
+            <a:gdLst/>
+            <a:ahLst/>
+            <a:cxnLst/>
+            <a:rect l="l" t="t" r="r" b="b"/>
             <a:pathLst>
-              <a:path extrusionOk="0" h="120000" w="120000">
+              <a:path w="120000" h="120000" extrusionOk="0">
                 <a:moveTo>
                   <a:pt x="0" y="0"/>
                 </a:moveTo>
@@ -2173,9 +2264,11 @@
       <p:sp>
         <p:nvSpPr>
           <p:cNvPr id="194" name="Google Shape;194;g8420b06f1e_1_79:notes"/>
-          <p:cNvSpPr txBox="1"/>
+          <p:cNvSpPr txBox="1">
+            <a:spLocks noGrp="1"/>
+          </p:cNvSpPr>
           <p:nvPr>
-            <p:ph idx="1" type="body"/>
+            <p:ph type="body" idx="1"/>
           </p:nvPr>
         </p:nvSpPr>
         <p:spPr>
@@ -2188,12 +2281,12 @@
           </a:prstGeom>
         </p:spPr>
         <p:txBody>
-          <a:bodyPr anchorCtr="0" anchor="t" bIns="91425" lIns="91425" spcFirstLastPara="1" rIns="91425" wrap="square" tIns="91425">
+          <a:bodyPr spcFirstLastPara="1" wrap="square" lIns="91425" tIns="91425" rIns="91425" bIns="91425" anchor="t" anchorCtr="0">
             <a:noAutofit/>
           </a:bodyPr>
           <a:lstStyle/>
           <a:p>
-            <a:pPr indent="0" lvl="0" marL="0" rtl="0" algn="l">
+            <a:pPr marL="0" lvl="0" indent="0" algn="l" rtl="0">
               <a:spcBef>
                 <a:spcPts val="0"/>
               </a:spcBef>
@@ -2202,9 +2295,6 @@
               </a:spcAft>
               <a:buNone/>
             </a:pPr>
-            <a:r>
-              <a:t/>
-            </a:r>
             <a:endParaRPr/>
           </a:p>
         </p:txBody>
@@ -2218,11 +2308,11 @@
 </file>
 
 <file path=ppt/notesSlides/notesSlide23.xml><?xml version="1.0" encoding="utf-8"?>
-<p:notes xmlns:a="http://schemas.openxmlformats.org/drawingml/2006/main" xmlns:r="http://schemas.openxmlformats.org/officeDocument/2006/relationships" xmlns:mc="http://schemas.openxmlformats.org/markup-compatibility/2006" xmlns:mv="urn:schemas-microsoft-com:mac:vml" xmlns:p="http://schemas.openxmlformats.org/presentationml/2006/main" xmlns:c="http://schemas.openxmlformats.org/drawingml/2006/chart" xmlns:dgm="http://schemas.openxmlformats.org/drawingml/2006/diagram" xmlns:o="urn:schemas-microsoft-com:office:office" xmlns:v="urn:schemas-microsoft-com:vml" xmlns:pvml="urn:schemas-microsoft-com:office:powerpoint" xmlns:com="http://schemas.openxmlformats.org/drawingml/2006/compatibility" xmlns:p14="http://schemas.microsoft.com/office/powerpoint/2010/main" xmlns:p15="http://schemas.microsoft.com/office/powerpoint/2012/main" showMasterPhAnim="0" showMasterSp="0">
+<p:notes xmlns:a="http://schemas.openxmlformats.org/drawingml/2006/main" xmlns:r="http://schemas.openxmlformats.org/officeDocument/2006/relationships" xmlns:p="http://schemas.openxmlformats.org/presentationml/2006/main" showMasterSp="0" showMasterPhAnim="0">
   <p:cSld>
     <p:spTree>
       <p:nvGrpSpPr>
-        <p:cNvPr id="198" name="Shape 198"/>
+        <p:cNvPr id="1" name="Shape 198"/>
         <p:cNvGrpSpPr/>
         <p:nvPr/>
       </p:nvGrpSpPr>
@@ -2237,9 +2327,11 @@
       <p:sp>
         <p:nvSpPr>
           <p:cNvPr id="199" name="Google Shape;199;g8420b06f1e_1_89:notes"/>
-          <p:cNvSpPr/>
+          <p:cNvSpPr>
+            <a:spLocks noGrp="1" noRot="1" noChangeAspect="1"/>
+          </p:cNvSpPr>
           <p:nvPr>
-            <p:ph idx="2" type="sldImg"/>
+            <p:ph type="sldImg" idx="2"/>
           </p:nvPr>
         </p:nvSpPr>
         <p:spPr>
@@ -2248,9 +2340,13 @@
             <a:ext cx="6096000" cy="3429000"/>
           </a:xfrm>
           <a:custGeom>
-            <a:rect b="b" l="l" r="r" t="t"/>
+            <a:avLst/>
+            <a:gdLst/>
+            <a:ahLst/>
+            <a:cxnLst/>
+            <a:rect l="l" t="t" r="r" b="b"/>
             <a:pathLst>
-              <a:path extrusionOk="0" h="120000" w="120000">
+              <a:path w="120000" h="120000" extrusionOk="0">
                 <a:moveTo>
                   <a:pt x="0" y="0"/>
                 </a:moveTo>
@@ -2272,9 +2368,11 @@
       <p:sp>
         <p:nvSpPr>
           <p:cNvPr id="200" name="Google Shape;200;g8420b06f1e_1_89:notes"/>
-          <p:cNvSpPr txBox="1"/>
+          <p:cNvSpPr txBox="1">
+            <a:spLocks noGrp="1"/>
+          </p:cNvSpPr>
           <p:nvPr>
-            <p:ph idx="1" type="body"/>
+            <p:ph type="body" idx="1"/>
           </p:nvPr>
         </p:nvSpPr>
         <p:spPr>
@@ -2287,12 +2385,12 @@
           </a:prstGeom>
         </p:spPr>
         <p:txBody>
-          <a:bodyPr anchorCtr="0" anchor="t" bIns="91425" lIns="91425" spcFirstLastPara="1" rIns="91425" wrap="square" tIns="91425">
+          <a:bodyPr spcFirstLastPara="1" wrap="square" lIns="91425" tIns="91425" rIns="91425" bIns="91425" anchor="t" anchorCtr="0">
             <a:noAutofit/>
           </a:bodyPr>
           <a:lstStyle/>
           <a:p>
-            <a:pPr indent="0" lvl="0" marL="0" rtl="0" algn="l">
+            <a:pPr marL="0" lvl="0" indent="0" algn="l" rtl="0">
               <a:spcBef>
                 <a:spcPts val="0"/>
               </a:spcBef>
@@ -2301,9 +2399,6 @@
               </a:spcAft>
               <a:buNone/>
             </a:pPr>
-            <a:r>
-              <a:t/>
-            </a:r>
             <a:endParaRPr/>
           </a:p>
         </p:txBody>
@@ -2317,11 +2412,11 @@
 </file>
 
 <file path=ppt/notesSlides/notesSlide24.xml><?xml version="1.0" encoding="utf-8"?>
-<p:notes xmlns:a="http://schemas.openxmlformats.org/drawingml/2006/main" xmlns:r="http://schemas.openxmlformats.org/officeDocument/2006/relationships" xmlns:mc="http://schemas.openxmlformats.org/markup-compatibility/2006" xmlns:mv="urn:schemas-microsoft-com:mac:vml" xmlns:p="http://schemas.openxmlformats.org/presentationml/2006/main" xmlns:c="http://schemas.openxmlformats.org/drawingml/2006/chart" xmlns:dgm="http://schemas.openxmlformats.org/drawingml/2006/diagram" xmlns:o="urn:schemas-microsoft-com:office:office" xmlns:v="urn:schemas-microsoft-com:vml" xmlns:pvml="urn:schemas-microsoft-com:office:powerpoint" xmlns:com="http://schemas.openxmlformats.org/drawingml/2006/compatibility" xmlns:p14="http://schemas.microsoft.com/office/powerpoint/2010/main" xmlns:p15="http://schemas.microsoft.com/office/powerpoint/2012/main" showMasterPhAnim="0" showMasterSp="0">
+<p:notes xmlns:a="http://schemas.openxmlformats.org/drawingml/2006/main" xmlns:r="http://schemas.openxmlformats.org/officeDocument/2006/relationships" xmlns:p="http://schemas.openxmlformats.org/presentationml/2006/main" showMasterSp="0" showMasterPhAnim="0">
   <p:cSld>
     <p:spTree>
       <p:nvGrpSpPr>
-        <p:cNvPr id="204" name="Shape 204"/>
+        <p:cNvPr id="1" name="Shape 204"/>
         <p:cNvGrpSpPr/>
         <p:nvPr/>
       </p:nvGrpSpPr>
@@ -2336,9 +2431,11 @@
       <p:sp>
         <p:nvSpPr>
           <p:cNvPr id="205" name="Google Shape;205;g8420b06f1e_1_84:notes"/>
-          <p:cNvSpPr/>
+          <p:cNvSpPr>
+            <a:spLocks noGrp="1" noRot="1" noChangeAspect="1"/>
+          </p:cNvSpPr>
           <p:nvPr>
-            <p:ph idx="2" type="sldImg"/>
+            <p:ph type="sldImg" idx="2"/>
           </p:nvPr>
         </p:nvSpPr>
         <p:spPr>
@@ -2347,9 +2444,13 @@
             <a:ext cx="6096000" cy="3429000"/>
           </a:xfrm>
           <a:custGeom>
-            <a:rect b="b" l="l" r="r" t="t"/>
+            <a:avLst/>
+            <a:gdLst/>
+            <a:ahLst/>
+            <a:cxnLst/>
+            <a:rect l="l" t="t" r="r" b="b"/>
             <a:pathLst>
-              <a:path extrusionOk="0" h="120000" w="120000">
+              <a:path w="120000" h="120000" extrusionOk="0">
                 <a:moveTo>
                   <a:pt x="0" y="0"/>
                 </a:moveTo>
@@ -2371,9 +2472,11 @@
       <p:sp>
         <p:nvSpPr>
           <p:cNvPr id="206" name="Google Shape;206;g8420b06f1e_1_84:notes"/>
-          <p:cNvSpPr txBox="1"/>
+          <p:cNvSpPr txBox="1">
+            <a:spLocks noGrp="1"/>
+          </p:cNvSpPr>
           <p:nvPr>
-            <p:ph idx="1" type="body"/>
+            <p:ph type="body" idx="1"/>
           </p:nvPr>
         </p:nvSpPr>
         <p:spPr>
@@ -2386,12 +2489,12 @@
           </a:prstGeom>
         </p:spPr>
         <p:txBody>
-          <a:bodyPr anchorCtr="0" anchor="t" bIns="91425" lIns="91425" spcFirstLastPara="1" rIns="91425" wrap="square" tIns="91425">
+          <a:bodyPr spcFirstLastPara="1" wrap="square" lIns="91425" tIns="91425" rIns="91425" bIns="91425" anchor="t" anchorCtr="0">
             <a:noAutofit/>
           </a:bodyPr>
           <a:lstStyle/>
           <a:p>
-            <a:pPr indent="0" lvl="0" marL="0" rtl="0" algn="l">
+            <a:pPr marL="0" lvl="0" indent="0" algn="l" rtl="0">
               <a:spcBef>
                 <a:spcPts val="0"/>
               </a:spcBef>
@@ -2400,9 +2503,6 @@
               </a:spcAft>
               <a:buNone/>
             </a:pPr>
-            <a:r>
-              <a:t/>
-            </a:r>
             <a:endParaRPr/>
           </a:p>
         </p:txBody>
@@ -2416,11 +2516,11 @@
 </file>
 
 <file path=ppt/notesSlides/notesSlide25.xml><?xml version="1.0" encoding="utf-8"?>
-<p:notes xmlns:a="http://schemas.openxmlformats.org/drawingml/2006/main" xmlns:r="http://schemas.openxmlformats.org/officeDocument/2006/relationships" xmlns:mc="http://schemas.openxmlformats.org/markup-compatibility/2006" xmlns:mv="urn:schemas-microsoft-com:mac:vml" xmlns:p="http://schemas.openxmlformats.org/presentationml/2006/main" xmlns:c="http://schemas.openxmlformats.org/drawingml/2006/chart" xmlns:dgm="http://schemas.openxmlformats.org/drawingml/2006/diagram" xmlns:o="urn:schemas-microsoft-com:office:office" xmlns:v="urn:schemas-microsoft-com:vml" xmlns:pvml="urn:schemas-microsoft-com:office:powerpoint" xmlns:com="http://schemas.openxmlformats.org/drawingml/2006/compatibility" xmlns:p14="http://schemas.microsoft.com/office/powerpoint/2010/main" xmlns:p15="http://schemas.microsoft.com/office/powerpoint/2012/main" showMasterPhAnim="0" showMasterSp="0">
+<p:notes xmlns:a="http://schemas.openxmlformats.org/drawingml/2006/main" xmlns:r="http://schemas.openxmlformats.org/officeDocument/2006/relationships" xmlns:p="http://schemas.openxmlformats.org/presentationml/2006/main" showMasterSp="0" showMasterPhAnim="0">
   <p:cSld>
     <p:spTree>
       <p:nvGrpSpPr>
-        <p:cNvPr id="210" name="Shape 210"/>
+        <p:cNvPr id="1" name="Shape 210"/>
         <p:cNvGrpSpPr/>
         <p:nvPr/>
       </p:nvGrpSpPr>
@@ -2435,9 +2535,11 @@
       <p:sp>
         <p:nvSpPr>
           <p:cNvPr id="211" name="Google Shape;211;g8420b06f1e_1_96:notes"/>
-          <p:cNvSpPr/>
+          <p:cNvSpPr>
+            <a:spLocks noGrp="1" noRot="1" noChangeAspect="1"/>
+          </p:cNvSpPr>
           <p:nvPr>
-            <p:ph idx="2" type="sldImg"/>
+            <p:ph type="sldImg" idx="2"/>
           </p:nvPr>
         </p:nvSpPr>
         <p:spPr>
@@ -2446,9 +2548,13 @@
             <a:ext cx="6096000" cy="3429000"/>
           </a:xfrm>
           <a:custGeom>
-            <a:rect b="b" l="l" r="r" t="t"/>
+            <a:avLst/>
+            <a:gdLst/>
+            <a:ahLst/>
+            <a:cxnLst/>
+            <a:rect l="l" t="t" r="r" b="b"/>
             <a:pathLst>
-              <a:path extrusionOk="0" h="120000" w="120000">
+              <a:path w="120000" h="120000" extrusionOk="0">
                 <a:moveTo>
                   <a:pt x="0" y="0"/>
                 </a:moveTo>
@@ -2470,9 +2576,11 @@
       <p:sp>
         <p:nvSpPr>
           <p:cNvPr id="212" name="Google Shape;212;g8420b06f1e_1_96:notes"/>
-          <p:cNvSpPr txBox="1"/>
+          <p:cNvSpPr txBox="1">
+            <a:spLocks noGrp="1"/>
+          </p:cNvSpPr>
           <p:nvPr>
-            <p:ph idx="1" type="body"/>
+            <p:ph type="body" idx="1"/>
           </p:nvPr>
         </p:nvSpPr>
         <p:spPr>
@@ -2485,12 +2593,12 @@
           </a:prstGeom>
         </p:spPr>
         <p:txBody>
-          <a:bodyPr anchorCtr="0" anchor="t" bIns="91425" lIns="91425" spcFirstLastPara="1" rIns="91425" wrap="square" tIns="91425">
+          <a:bodyPr spcFirstLastPara="1" wrap="square" lIns="91425" tIns="91425" rIns="91425" bIns="91425" anchor="t" anchorCtr="0">
             <a:noAutofit/>
           </a:bodyPr>
           <a:lstStyle/>
           <a:p>
-            <a:pPr indent="0" lvl="0" marL="0" rtl="0" algn="l">
+            <a:pPr marL="0" lvl="0" indent="0" algn="l" rtl="0">
               <a:spcBef>
                 <a:spcPts val="0"/>
               </a:spcBef>
@@ -2499,9 +2607,6 @@
               </a:spcAft>
               <a:buNone/>
             </a:pPr>
-            <a:r>
-              <a:t/>
-            </a:r>
             <a:endParaRPr/>
           </a:p>
         </p:txBody>
@@ -2515,11 +2620,11 @@
 </file>
 
 <file path=ppt/notesSlides/notesSlide26.xml><?xml version="1.0" encoding="utf-8"?>
-<p:notes xmlns:a="http://schemas.openxmlformats.org/drawingml/2006/main" xmlns:r="http://schemas.openxmlformats.org/officeDocument/2006/relationships" xmlns:mc="http://schemas.openxmlformats.org/markup-compatibility/2006" xmlns:mv="urn:schemas-microsoft-com:mac:vml" xmlns:p="http://schemas.openxmlformats.org/presentationml/2006/main" xmlns:c="http://schemas.openxmlformats.org/drawingml/2006/chart" xmlns:dgm="http://schemas.openxmlformats.org/drawingml/2006/diagram" xmlns:o="urn:schemas-microsoft-com:office:office" xmlns:v="urn:schemas-microsoft-com:vml" xmlns:pvml="urn:schemas-microsoft-com:office:powerpoint" xmlns:com="http://schemas.openxmlformats.org/drawingml/2006/compatibility" xmlns:p14="http://schemas.microsoft.com/office/powerpoint/2010/main" xmlns:p15="http://schemas.microsoft.com/office/powerpoint/2012/main" showMasterPhAnim="0" showMasterSp="0">
+<p:notes xmlns:a="http://schemas.openxmlformats.org/drawingml/2006/main" xmlns:r="http://schemas.openxmlformats.org/officeDocument/2006/relationships" xmlns:p="http://schemas.openxmlformats.org/presentationml/2006/main" showMasterSp="0" showMasterPhAnim="0">
   <p:cSld>
     <p:spTree>
       <p:nvGrpSpPr>
-        <p:cNvPr id="215" name="Shape 215"/>
+        <p:cNvPr id="1" name="Shape 215"/>
         <p:cNvGrpSpPr/>
         <p:nvPr/>
       </p:nvGrpSpPr>
@@ -2534,9 +2639,11 @@
       <p:sp>
         <p:nvSpPr>
           <p:cNvPr id="216" name="Google Shape;216;g8420b06f1e_1_101:notes"/>
-          <p:cNvSpPr/>
+          <p:cNvSpPr>
+            <a:spLocks noGrp="1" noRot="1" noChangeAspect="1"/>
+          </p:cNvSpPr>
           <p:nvPr>
-            <p:ph idx="2" type="sldImg"/>
+            <p:ph type="sldImg" idx="2"/>
           </p:nvPr>
         </p:nvSpPr>
         <p:spPr>
@@ -2545,9 +2652,13 @@
             <a:ext cx="6096000" cy="3429000"/>
           </a:xfrm>
           <a:custGeom>
-            <a:rect b="b" l="l" r="r" t="t"/>
+            <a:avLst/>
+            <a:gdLst/>
+            <a:ahLst/>
+            <a:cxnLst/>
+            <a:rect l="l" t="t" r="r" b="b"/>
             <a:pathLst>
-              <a:path extrusionOk="0" h="120000" w="120000">
+              <a:path w="120000" h="120000" extrusionOk="0">
                 <a:moveTo>
                   <a:pt x="0" y="0"/>
                 </a:moveTo>
@@ -2569,9 +2680,11 @@
       <p:sp>
         <p:nvSpPr>
           <p:cNvPr id="217" name="Google Shape;217;g8420b06f1e_1_101:notes"/>
-          <p:cNvSpPr txBox="1"/>
+          <p:cNvSpPr txBox="1">
+            <a:spLocks noGrp="1"/>
+          </p:cNvSpPr>
           <p:nvPr>
-            <p:ph idx="1" type="body"/>
+            <p:ph type="body" idx="1"/>
           </p:nvPr>
         </p:nvSpPr>
         <p:spPr>
@@ -2584,12 +2697,12 @@
           </a:prstGeom>
         </p:spPr>
         <p:txBody>
-          <a:bodyPr anchorCtr="0" anchor="t" bIns="91425" lIns="91425" spcFirstLastPara="1" rIns="91425" wrap="square" tIns="91425">
+          <a:bodyPr spcFirstLastPara="1" wrap="square" lIns="91425" tIns="91425" rIns="91425" bIns="91425" anchor="t" anchorCtr="0">
             <a:noAutofit/>
           </a:bodyPr>
           <a:lstStyle/>
           <a:p>
-            <a:pPr indent="0" lvl="0" marL="0" rtl="0" algn="l">
+            <a:pPr marL="0" lvl="0" indent="0" algn="l" rtl="0">
               <a:spcBef>
                 <a:spcPts val="0"/>
               </a:spcBef>
@@ -2598,9 +2711,6 @@
               </a:spcAft>
               <a:buNone/>
             </a:pPr>
-            <a:r>
-              <a:t/>
-            </a:r>
             <a:endParaRPr/>
           </a:p>
         </p:txBody>
@@ -2614,11 +2724,11 @@
 </file>
 
 <file path=ppt/notesSlides/notesSlide27.xml><?xml version="1.0" encoding="utf-8"?>
-<p:notes xmlns:a="http://schemas.openxmlformats.org/drawingml/2006/main" xmlns:r="http://schemas.openxmlformats.org/officeDocument/2006/relationships" xmlns:mc="http://schemas.openxmlformats.org/markup-compatibility/2006" xmlns:mv="urn:schemas-microsoft-com:mac:vml" xmlns:p="http://schemas.openxmlformats.org/presentationml/2006/main" xmlns:c="http://schemas.openxmlformats.org/drawingml/2006/chart" xmlns:dgm="http://schemas.openxmlformats.org/drawingml/2006/diagram" xmlns:o="urn:schemas-microsoft-com:office:office" xmlns:v="urn:schemas-microsoft-com:vml" xmlns:pvml="urn:schemas-microsoft-com:office:powerpoint" xmlns:com="http://schemas.openxmlformats.org/drawingml/2006/compatibility" xmlns:p14="http://schemas.microsoft.com/office/powerpoint/2010/main" xmlns:p15="http://schemas.microsoft.com/office/powerpoint/2012/main" showMasterPhAnim="0" showMasterSp="0">
+<p:notes xmlns:a="http://schemas.openxmlformats.org/drawingml/2006/main" xmlns:r="http://schemas.openxmlformats.org/officeDocument/2006/relationships" xmlns:p="http://schemas.openxmlformats.org/presentationml/2006/main" showMasterSp="0" showMasterPhAnim="0">
   <p:cSld>
     <p:spTree>
       <p:nvGrpSpPr>
-        <p:cNvPr id="221" name="Shape 221"/>
+        <p:cNvPr id="1" name="Shape 221"/>
         <p:cNvGrpSpPr/>
         <p:nvPr/>
       </p:nvGrpSpPr>
@@ -2633,9 +2743,11 @@
       <p:sp>
         <p:nvSpPr>
           <p:cNvPr id="222" name="Google Shape;222;g8420b06f1e_1_106:notes"/>
-          <p:cNvSpPr/>
+          <p:cNvSpPr>
+            <a:spLocks noGrp="1" noRot="1" noChangeAspect="1"/>
+          </p:cNvSpPr>
           <p:nvPr>
-            <p:ph idx="2" type="sldImg"/>
+            <p:ph type="sldImg" idx="2"/>
           </p:nvPr>
         </p:nvSpPr>
         <p:spPr>
@@ -2644,9 +2756,13 @@
             <a:ext cx="6096000" cy="3429000"/>
           </a:xfrm>
           <a:custGeom>
-            <a:rect b="b" l="l" r="r" t="t"/>
+            <a:avLst/>
+            <a:gdLst/>
+            <a:ahLst/>
+            <a:cxnLst/>
+            <a:rect l="l" t="t" r="r" b="b"/>
             <a:pathLst>
-              <a:path extrusionOk="0" h="120000" w="120000">
+              <a:path w="120000" h="120000" extrusionOk="0">
                 <a:moveTo>
                   <a:pt x="0" y="0"/>
                 </a:moveTo>
@@ -2668,9 +2784,11 @@
       <p:sp>
         <p:nvSpPr>
           <p:cNvPr id="223" name="Google Shape;223;g8420b06f1e_1_106:notes"/>
-          <p:cNvSpPr txBox="1"/>
+          <p:cNvSpPr txBox="1">
+            <a:spLocks noGrp="1"/>
+          </p:cNvSpPr>
           <p:nvPr>
-            <p:ph idx="1" type="body"/>
+            <p:ph type="body" idx="1"/>
           </p:nvPr>
         </p:nvSpPr>
         <p:spPr>
@@ -2683,12 +2801,12 @@
           </a:prstGeom>
         </p:spPr>
         <p:txBody>
-          <a:bodyPr anchorCtr="0" anchor="t" bIns="91425" lIns="91425" spcFirstLastPara="1" rIns="91425" wrap="square" tIns="91425">
+          <a:bodyPr spcFirstLastPara="1" wrap="square" lIns="91425" tIns="91425" rIns="91425" bIns="91425" anchor="t" anchorCtr="0">
             <a:noAutofit/>
           </a:bodyPr>
           <a:lstStyle/>
           <a:p>
-            <a:pPr indent="0" lvl="0" marL="0" rtl="0" algn="l">
+            <a:pPr marL="0" lvl="0" indent="0" algn="l" rtl="0">
               <a:spcBef>
                 <a:spcPts val="0"/>
               </a:spcBef>
@@ -2697,9 +2815,6 @@
               </a:spcAft>
               <a:buNone/>
             </a:pPr>
-            <a:r>
-              <a:t/>
-            </a:r>
             <a:endParaRPr/>
           </a:p>
         </p:txBody>
@@ -2713,11 +2828,11 @@
 </file>
 
 <file path=ppt/notesSlides/notesSlide28.xml><?xml version="1.0" encoding="utf-8"?>
-<p:notes xmlns:a="http://schemas.openxmlformats.org/drawingml/2006/main" xmlns:r="http://schemas.openxmlformats.org/officeDocument/2006/relationships" xmlns:mc="http://schemas.openxmlformats.org/markup-compatibility/2006" xmlns:mv="urn:schemas-microsoft-com:mac:vml" xmlns:p="http://schemas.openxmlformats.org/presentationml/2006/main" xmlns:c="http://schemas.openxmlformats.org/drawingml/2006/chart" xmlns:dgm="http://schemas.openxmlformats.org/drawingml/2006/diagram" xmlns:o="urn:schemas-microsoft-com:office:office" xmlns:v="urn:schemas-microsoft-com:vml" xmlns:pvml="urn:schemas-microsoft-com:office:powerpoint" xmlns:com="http://schemas.openxmlformats.org/drawingml/2006/compatibility" xmlns:p14="http://schemas.microsoft.com/office/powerpoint/2010/main" xmlns:p15="http://schemas.microsoft.com/office/powerpoint/2012/main" showMasterPhAnim="0" showMasterSp="0">
+<p:notes xmlns:a="http://schemas.openxmlformats.org/drawingml/2006/main" xmlns:r="http://schemas.openxmlformats.org/officeDocument/2006/relationships" xmlns:p="http://schemas.openxmlformats.org/presentationml/2006/main" showMasterSp="0" showMasterPhAnim="0">
   <p:cSld>
     <p:spTree>
       <p:nvGrpSpPr>
-        <p:cNvPr id="227" name="Shape 227"/>
+        <p:cNvPr id="1" name="Shape 227"/>
         <p:cNvGrpSpPr/>
         <p:nvPr/>
       </p:nvGrpSpPr>
@@ -2732,20 +2847,26 @@
       <p:sp>
         <p:nvSpPr>
           <p:cNvPr id="228" name="Google Shape;228;g8420b06f1e_1_111:notes"/>
-          <p:cNvSpPr/>
+          <p:cNvSpPr>
+            <a:spLocks noGrp="1" noRot="1" noChangeAspect="1"/>
+          </p:cNvSpPr>
           <p:nvPr>
-            <p:ph idx="2" type="sldImg"/>
+            <p:ph type="sldImg" idx="2"/>
           </p:nvPr>
         </p:nvSpPr>
         <p:spPr>
           <a:xfrm>
-            <a:off x="381300" y="685800"/>
+            <a:off x="381000" y="685800"/>
             <a:ext cx="6096000" cy="3429000"/>
           </a:xfrm>
           <a:custGeom>
-            <a:rect b="b" l="l" r="r" t="t"/>
+            <a:avLst/>
+            <a:gdLst/>
+            <a:ahLst/>
+            <a:cxnLst/>
+            <a:rect l="l" t="t" r="r" b="b"/>
             <a:pathLst>
-              <a:path extrusionOk="0" h="120000" w="120000">
+              <a:path w="120000" h="120000" extrusionOk="0">
                 <a:moveTo>
                   <a:pt x="0" y="0"/>
                 </a:moveTo>
@@ -2767,9 +2888,11 @@
       <p:sp>
         <p:nvSpPr>
           <p:cNvPr id="229" name="Google Shape;229;g8420b06f1e_1_111:notes"/>
-          <p:cNvSpPr txBox="1"/>
+          <p:cNvSpPr txBox="1">
+            <a:spLocks noGrp="1"/>
+          </p:cNvSpPr>
           <p:nvPr>
-            <p:ph idx="1" type="body"/>
+            <p:ph type="body" idx="1"/>
           </p:nvPr>
         </p:nvSpPr>
         <p:spPr>
@@ -2782,12 +2905,12 @@
           </a:prstGeom>
         </p:spPr>
         <p:txBody>
-          <a:bodyPr anchorCtr="0" anchor="t" bIns="91425" lIns="91425" spcFirstLastPara="1" rIns="91425" wrap="square" tIns="91425">
+          <a:bodyPr spcFirstLastPara="1" wrap="square" lIns="91425" tIns="91425" rIns="91425" bIns="91425" anchor="t" anchorCtr="0">
             <a:noAutofit/>
           </a:bodyPr>
           <a:lstStyle/>
           <a:p>
-            <a:pPr indent="0" lvl="0" marL="0" rtl="0" algn="l">
+            <a:pPr marL="0" lvl="0" indent="0" algn="l" rtl="0">
               <a:spcBef>
                 <a:spcPts val="0"/>
               </a:spcBef>
@@ -2796,9 +2919,6 @@
               </a:spcAft>
               <a:buNone/>
             </a:pPr>
-            <a:r>
-              <a:t/>
-            </a:r>
             <a:endParaRPr/>
           </a:p>
         </p:txBody>
@@ -2812,11 +2932,11 @@
 </file>
 
 <file path=ppt/notesSlides/notesSlide29.xml><?xml version="1.0" encoding="utf-8"?>
-<p:notes xmlns:a="http://schemas.openxmlformats.org/drawingml/2006/main" xmlns:r="http://schemas.openxmlformats.org/officeDocument/2006/relationships" xmlns:mc="http://schemas.openxmlformats.org/markup-compatibility/2006" xmlns:mv="urn:schemas-microsoft-com:mac:vml" xmlns:p="http://schemas.openxmlformats.org/presentationml/2006/main" xmlns:c="http://schemas.openxmlformats.org/drawingml/2006/chart" xmlns:dgm="http://schemas.openxmlformats.org/drawingml/2006/diagram" xmlns:o="urn:schemas-microsoft-com:office:office" xmlns:v="urn:schemas-microsoft-com:vml" xmlns:pvml="urn:schemas-microsoft-com:office:powerpoint" xmlns:com="http://schemas.openxmlformats.org/drawingml/2006/compatibility" xmlns:p14="http://schemas.microsoft.com/office/powerpoint/2010/main" xmlns:p15="http://schemas.microsoft.com/office/powerpoint/2012/main" showMasterPhAnim="0" showMasterSp="0">
+<p:notes xmlns:a="http://schemas.openxmlformats.org/drawingml/2006/main" xmlns:r="http://schemas.openxmlformats.org/officeDocument/2006/relationships" xmlns:p="http://schemas.openxmlformats.org/presentationml/2006/main" showMasterSp="0" showMasterPhAnim="0">
   <p:cSld>
     <p:spTree>
       <p:nvGrpSpPr>
-        <p:cNvPr id="233" name="Shape 233"/>
+        <p:cNvPr id="1" name="Shape 233"/>
         <p:cNvGrpSpPr/>
         <p:nvPr/>
       </p:nvGrpSpPr>
@@ -2831,9 +2951,11 @@
       <p:sp>
         <p:nvSpPr>
           <p:cNvPr id="234" name="Google Shape;234;g8420b06f1e_1_116:notes"/>
-          <p:cNvSpPr/>
+          <p:cNvSpPr>
+            <a:spLocks noGrp="1" noRot="1" noChangeAspect="1"/>
+          </p:cNvSpPr>
           <p:nvPr>
-            <p:ph idx="2" type="sldImg"/>
+            <p:ph type="sldImg" idx="2"/>
           </p:nvPr>
         </p:nvSpPr>
         <p:spPr>
@@ -2842,9 +2964,13 @@
             <a:ext cx="6096000" cy="3429000"/>
           </a:xfrm>
           <a:custGeom>
-            <a:rect b="b" l="l" r="r" t="t"/>
+            <a:avLst/>
+            <a:gdLst/>
+            <a:ahLst/>
+            <a:cxnLst/>
+            <a:rect l="l" t="t" r="r" b="b"/>
             <a:pathLst>
-              <a:path extrusionOk="0" h="120000" w="120000">
+              <a:path w="120000" h="120000" extrusionOk="0">
                 <a:moveTo>
                   <a:pt x="0" y="0"/>
                 </a:moveTo>
@@ -2866,9 +2992,11 @@
       <p:sp>
         <p:nvSpPr>
           <p:cNvPr id="235" name="Google Shape;235;g8420b06f1e_1_116:notes"/>
-          <p:cNvSpPr txBox="1"/>
+          <p:cNvSpPr txBox="1">
+            <a:spLocks noGrp="1"/>
+          </p:cNvSpPr>
           <p:nvPr>
-            <p:ph idx="1" type="body"/>
+            <p:ph type="body" idx="1"/>
           </p:nvPr>
         </p:nvSpPr>
         <p:spPr>
@@ -2881,12 +3009,12 @@
           </a:prstGeom>
         </p:spPr>
         <p:txBody>
-          <a:bodyPr anchorCtr="0" anchor="t" bIns="91425" lIns="91425" spcFirstLastPara="1" rIns="91425" wrap="square" tIns="91425">
+          <a:bodyPr spcFirstLastPara="1" wrap="square" lIns="91425" tIns="91425" rIns="91425" bIns="91425" anchor="t" anchorCtr="0">
             <a:noAutofit/>
           </a:bodyPr>
           <a:lstStyle/>
           <a:p>
-            <a:pPr indent="0" lvl="0" marL="0" rtl="0" algn="l">
+            <a:pPr marL="0" lvl="0" indent="0" algn="l" rtl="0">
               <a:spcBef>
                 <a:spcPts val="0"/>
               </a:spcBef>
@@ -2895,9 +3023,6 @@
               </a:spcAft>
               <a:buNone/>
             </a:pPr>
-            <a:r>
-              <a:t/>
-            </a:r>
             <a:endParaRPr/>
           </a:p>
         </p:txBody>
@@ -2911,11 +3036,11 @@
 </file>
 
 <file path=ppt/notesSlides/notesSlide3.xml><?xml version="1.0" encoding="utf-8"?>
-<p:notes xmlns:a="http://schemas.openxmlformats.org/drawingml/2006/main" xmlns:r="http://schemas.openxmlformats.org/officeDocument/2006/relationships" xmlns:mc="http://schemas.openxmlformats.org/markup-compatibility/2006" xmlns:mv="urn:schemas-microsoft-com:mac:vml" xmlns:p="http://schemas.openxmlformats.org/presentationml/2006/main" xmlns:c="http://schemas.openxmlformats.org/drawingml/2006/chart" xmlns:dgm="http://schemas.openxmlformats.org/drawingml/2006/diagram" xmlns:o="urn:schemas-microsoft-com:office:office" xmlns:v="urn:schemas-microsoft-com:vml" xmlns:pvml="urn:schemas-microsoft-com:office:powerpoint" xmlns:com="http://schemas.openxmlformats.org/drawingml/2006/compatibility" xmlns:p14="http://schemas.microsoft.com/office/powerpoint/2010/main" xmlns:p15="http://schemas.microsoft.com/office/powerpoint/2012/main" showMasterPhAnim="0" showMasterSp="0">
+<p:notes xmlns:a="http://schemas.openxmlformats.org/drawingml/2006/main" xmlns:r="http://schemas.openxmlformats.org/officeDocument/2006/relationships" xmlns:p="http://schemas.openxmlformats.org/presentationml/2006/main" showMasterSp="0" showMasterPhAnim="0">
   <p:cSld>
     <p:spTree>
       <p:nvGrpSpPr>
-        <p:cNvPr id="63" name="Shape 63"/>
+        <p:cNvPr id="1" name="Shape 63"/>
         <p:cNvGrpSpPr/>
         <p:nvPr/>
       </p:nvGrpSpPr>
@@ -2930,9 +3055,11 @@
       <p:sp>
         <p:nvSpPr>
           <p:cNvPr id="64" name="Google Shape;64;g8420b06f1e_1_6:notes"/>
-          <p:cNvSpPr/>
+          <p:cNvSpPr>
+            <a:spLocks noGrp="1" noRot="1" noChangeAspect="1"/>
+          </p:cNvSpPr>
           <p:nvPr>
-            <p:ph idx="2" type="sldImg"/>
+            <p:ph type="sldImg" idx="2"/>
           </p:nvPr>
         </p:nvSpPr>
         <p:spPr>
@@ -2941,9 +3068,13 @@
             <a:ext cx="6096000" cy="3429000"/>
           </a:xfrm>
           <a:custGeom>
-            <a:rect b="b" l="l" r="r" t="t"/>
+            <a:avLst/>
+            <a:gdLst/>
+            <a:ahLst/>
+            <a:cxnLst/>
+            <a:rect l="l" t="t" r="r" b="b"/>
             <a:pathLst>
-              <a:path extrusionOk="0" h="120000" w="120000">
+              <a:path w="120000" h="120000" extrusionOk="0">
                 <a:moveTo>
                   <a:pt x="0" y="0"/>
                 </a:moveTo>
@@ -2965,9 +3096,11 @@
       <p:sp>
         <p:nvSpPr>
           <p:cNvPr id="65" name="Google Shape;65;g8420b06f1e_1_6:notes"/>
-          <p:cNvSpPr txBox="1"/>
+          <p:cNvSpPr txBox="1">
+            <a:spLocks noGrp="1"/>
+          </p:cNvSpPr>
           <p:nvPr>
-            <p:ph idx="1" type="body"/>
+            <p:ph type="body" idx="1"/>
           </p:nvPr>
         </p:nvSpPr>
         <p:spPr>
@@ -2980,12 +3113,12 @@
           </a:prstGeom>
         </p:spPr>
         <p:txBody>
-          <a:bodyPr anchorCtr="0" anchor="t" bIns="91425" lIns="91425" spcFirstLastPara="1" rIns="91425" wrap="square" tIns="91425">
+          <a:bodyPr spcFirstLastPara="1" wrap="square" lIns="91425" tIns="91425" rIns="91425" bIns="91425" anchor="t" anchorCtr="0">
             <a:noAutofit/>
           </a:bodyPr>
           <a:lstStyle/>
           <a:p>
-            <a:pPr indent="0" lvl="0" marL="0" rtl="0" algn="l">
+            <a:pPr marL="0" lvl="0" indent="0" algn="l" rtl="0">
               <a:spcBef>
                 <a:spcPts val="0"/>
               </a:spcBef>
@@ -2994,9 +3127,6 @@
               </a:spcAft>
               <a:buNone/>
             </a:pPr>
-            <a:r>
-              <a:t/>
-            </a:r>
             <a:endParaRPr/>
           </a:p>
         </p:txBody>
@@ -3010,11 +3140,11 @@
 </file>
 
 <file path=ppt/notesSlides/notesSlide30.xml><?xml version="1.0" encoding="utf-8"?>
-<p:notes xmlns:a="http://schemas.openxmlformats.org/drawingml/2006/main" xmlns:r="http://schemas.openxmlformats.org/officeDocument/2006/relationships" xmlns:mc="http://schemas.openxmlformats.org/markup-compatibility/2006" xmlns:mv="urn:schemas-microsoft-com:mac:vml" xmlns:p="http://schemas.openxmlformats.org/presentationml/2006/main" xmlns:c="http://schemas.openxmlformats.org/drawingml/2006/chart" xmlns:dgm="http://schemas.openxmlformats.org/drawingml/2006/diagram" xmlns:o="urn:schemas-microsoft-com:office:office" xmlns:v="urn:schemas-microsoft-com:vml" xmlns:pvml="urn:schemas-microsoft-com:office:powerpoint" xmlns:com="http://schemas.openxmlformats.org/drawingml/2006/compatibility" xmlns:p14="http://schemas.microsoft.com/office/powerpoint/2010/main" xmlns:p15="http://schemas.microsoft.com/office/powerpoint/2012/main" showMasterPhAnim="0" showMasterSp="0">
+<p:notes xmlns:a="http://schemas.openxmlformats.org/drawingml/2006/main" xmlns:r="http://schemas.openxmlformats.org/officeDocument/2006/relationships" xmlns:p="http://schemas.openxmlformats.org/presentationml/2006/main" showMasterSp="0" showMasterPhAnim="0">
   <p:cSld>
     <p:spTree>
       <p:nvGrpSpPr>
-        <p:cNvPr id="239" name="Shape 239"/>
+        <p:cNvPr id="1" name="Shape 239"/>
         <p:cNvGrpSpPr/>
         <p:nvPr/>
       </p:nvGrpSpPr>
@@ -3029,9 +3159,11 @@
       <p:sp>
         <p:nvSpPr>
           <p:cNvPr id="240" name="Google Shape;240;g8420b06f1e_1_121:notes"/>
-          <p:cNvSpPr/>
+          <p:cNvSpPr>
+            <a:spLocks noGrp="1" noRot="1" noChangeAspect="1"/>
+          </p:cNvSpPr>
           <p:nvPr>
-            <p:ph idx="2" type="sldImg"/>
+            <p:ph type="sldImg" idx="2"/>
           </p:nvPr>
         </p:nvSpPr>
         <p:spPr>
@@ -3040,9 +3172,13 @@
             <a:ext cx="6096000" cy="3429000"/>
           </a:xfrm>
           <a:custGeom>
-            <a:rect b="b" l="l" r="r" t="t"/>
+            <a:avLst/>
+            <a:gdLst/>
+            <a:ahLst/>
+            <a:cxnLst/>
+            <a:rect l="l" t="t" r="r" b="b"/>
             <a:pathLst>
-              <a:path extrusionOk="0" h="120000" w="120000">
+              <a:path w="120000" h="120000" extrusionOk="0">
                 <a:moveTo>
                   <a:pt x="0" y="0"/>
                 </a:moveTo>
@@ -3064,9 +3200,11 @@
       <p:sp>
         <p:nvSpPr>
           <p:cNvPr id="241" name="Google Shape;241;g8420b06f1e_1_121:notes"/>
-          <p:cNvSpPr txBox="1"/>
+          <p:cNvSpPr txBox="1">
+            <a:spLocks noGrp="1"/>
+          </p:cNvSpPr>
           <p:nvPr>
-            <p:ph idx="1" type="body"/>
+            <p:ph type="body" idx="1"/>
           </p:nvPr>
         </p:nvSpPr>
         <p:spPr>
@@ -3079,12 +3217,12 @@
           </a:prstGeom>
         </p:spPr>
         <p:txBody>
-          <a:bodyPr anchorCtr="0" anchor="t" bIns="91425" lIns="91425" spcFirstLastPara="1" rIns="91425" wrap="square" tIns="91425">
+          <a:bodyPr spcFirstLastPara="1" wrap="square" lIns="91425" tIns="91425" rIns="91425" bIns="91425" anchor="t" anchorCtr="0">
             <a:noAutofit/>
           </a:bodyPr>
           <a:lstStyle/>
           <a:p>
-            <a:pPr indent="0" lvl="0" marL="0" rtl="0" algn="l">
+            <a:pPr marL="0" lvl="0" indent="0" algn="l" rtl="0">
               <a:spcBef>
                 <a:spcPts val="0"/>
               </a:spcBef>
@@ -3093,9 +3231,6 @@
               </a:spcAft>
               <a:buNone/>
             </a:pPr>
-            <a:r>
-              <a:t/>
-            </a:r>
             <a:endParaRPr/>
           </a:p>
         </p:txBody>
@@ -3109,11 +3244,11 @@
 </file>
 
 <file path=ppt/notesSlides/notesSlide31.xml><?xml version="1.0" encoding="utf-8"?>
-<p:notes xmlns:a="http://schemas.openxmlformats.org/drawingml/2006/main" xmlns:r="http://schemas.openxmlformats.org/officeDocument/2006/relationships" xmlns:mc="http://schemas.openxmlformats.org/markup-compatibility/2006" xmlns:mv="urn:schemas-microsoft-com:mac:vml" xmlns:p="http://schemas.openxmlformats.org/presentationml/2006/main" xmlns:c="http://schemas.openxmlformats.org/drawingml/2006/chart" xmlns:dgm="http://schemas.openxmlformats.org/drawingml/2006/diagram" xmlns:o="urn:schemas-microsoft-com:office:office" xmlns:v="urn:schemas-microsoft-com:vml" xmlns:pvml="urn:schemas-microsoft-com:office:powerpoint" xmlns:com="http://schemas.openxmlformats.org/drawingml/2006/compatibility" xmlns:p14="http://schemas.microsoft.com/office/powerpoint/2010/main" xmlns:p15="http://schemas.microsoft.com/office/powerpoint/2012/main" showMasterPhAnim="0" showMasterSp="0">
+<p:notes xmlns:a="http://schemas.openxmlformats.org/drawingml/2006/main" xmlns:r="http://schemas.openxmlformats.org/officeDocument/2006/relationships" xmlns:p="http://schemas.openxmlformats.org/presentationml/2006/main" showMasterSp="0" showMasterPhAnim="0">
   <p:cSld>
     <p:spTree>
       <p:nvGrpSpPr>
-        <p:cNvPr id="245" name="Shape 245"/>
+        <p:cNvPr id="1" name="Shape 245"/>
         <p:cNvGrpSpPr/>
         <p:nvPr/>
       </p:nvGrpSpPr>
@@ -3128,9 +3263,11 @@
       <p:sp>
         <p:nvSpPr>
           <p:cNvPr id="246" name="Google Shape;246;g8420b06f1e_1_126:notes"/>
-          <p:cNvSpPr/>
+          <p:cNvSpPr>
+            <a:spLocks noGrp="1" noRot="1" noChangeAspect="1"/>
+          </p:cNvSpPr>
           <p:nvPr>
-            <p:ph idx="2" type="sldImg"/>
+            <p:ph type="sldImg" idx="2"/>
           </p:nvPr>
         </p:nvSpPr>
         <p:spPr>
@@ -3139,9 +3276,13 @@
             <a:ext cx="6096000" cy="3429000"/>
           </a:xfrm>
           <a:custGeom>
-            <a:rect b="b" l="l" r="r" t="t"/>
+            <a:avLst/>
+            <a:gdLst/>
+            <a:ahLst/>
+            <a:cxnLst/>
+            <a:rect l="l" t="t" r="r" b="b"/>
             <a:pathLst>
-              <a:path extrusionOk="0" h="120000" w="120000">
+              <a:path w="120000" h="120000" extrusionOk="0">
                 <a:moveTo>
                   <a:pt x="0" y="0"/>
                 </a:moveTo>
@@ -3163,9 +3304,11 @@
       <p:sp>
         <p:nvSpPr>
           <p:cNvPr id="247" name="Google Shape;247;g8420b06f1e_1_126:notes"/>
-          <p:cNvSpPr txBox="1"/>
+          <p:cNvSpPr txBox="1">
+            <a:spLocks noGrp="1"/>
+          </p:cNvSpPr>
           <p:nvPr>
-            <p:ph idx="1" type="body"/>
+            <p:ph type="body" idx="1"/>
           </p:nvPr>
         </p:nvSpPr>
         <p:spPr>
@@ -3178,12 +3321,12 @@
           </a:prstGeom>
         </p:spPr>
         <p:txBody>
-          <a:bodyPr anchorCtr="0" anchor="t" bIns="91425" lIns="91425" spcFirstLastPara="1" rIns="91425" wrap="square" tIns="91425">
+          <a:bodyPr spcFirstLastPara="1" wrap="square" lIns="91425" tIns="91425" rIns="91425" bIns="91425" anchor="t" anchorCtr="0">
             <a:noAutofit/>
           </a:bodyPr>
           <a:lstStyle/>
           <a:p>
-            <a:pPr indent="0" lvl="0" marL="0" rtl="0" algn="l">
+            <a:pPr marL="0" lvl="0" indent="0" algn="l" rtl="0">
               <a:spcBef>
                 <a:spcPts val="0"/>
               </a:spcBef>
@@ -3192,9 +3335,6 @@
               </a:spcAft>
               <a:buNone/>
             </a:pPr>
-            <a:r>
-              <a:t/>
-            </a:r>
             <a:endParaRPr/>
           </a:p>
         </p:txBody>
@@ -3208,11 +3348,11 @@
 </file>
 
 <file path=ppt/notesSlides/notesSlide4.xml><?xml version="1.0" encoding="utf-8"?>
-<p:notes xmlns:a="http://schemas.openxmlformats.org/drawingml/2006/main" xmlns:r="http://schemas.openxmlformats.org/officeDocument/2006/relationships" xmlns:mc="http://schemas.openxmlformats.org/markup-compatibility/2006" xmlns:mv="urn:schemas-microsoft-com:mac:vml" xmlns:p="http://schemas.openxmlformats.org/presentationml/2006/main" xmlns:c="http://schemas.openxmlformats.org/drawingml/2006/chart" xmlns:dgm="http://schemas.openxmlformats.org/drawingml/2006/diagram" xmlns:o="urn:schemas-microsoft-com:office:office" xmlns:v="urn:schemas-microsoft-com:vml" xmlns:pvml="urn:schemas-microsoft-com:office:powerpoint" xmlns:com="http://schemas.openxmlformats.org/drawingml/2006/compatibility" xmlns:p14="http://schemas.microsoft.com/office/powerpoint/2010/main" xmlns:p15="http://schemas.microsoft.com/office/powerpoint/2012/main" showMasterPhAnim="0" showMasterSp="0">
+<p:notes xmlns:a="http://schemas.openxmlformats.org/drawingml/2006/main" xmlns:r="http://schemas.openxmlformats.org/officeDocument/2006/relationships" xmlns:p="http://schemas.openxmlformats.org/presentationml/2006/main" showMasterSp="0" showMasterPhAnim="0">
   <p:cSld>
     <p:spTree>
       <p:nvGrpSpPr>
-        <p:cNvPr id="69" name="Shape 69"/>
+        <p:cNvPr id="1" name="Shape 69"/>
         <p:cNvGrpSpPr/>
         <p:nvPr/>
       </p:nvGrpSpPr>
@@ -3227,9 +3367,11 @@
       <p:sp>
         <p:nvSpPr>
           <p:cNvPr id="70" name="Google Shape;70;g8420b06f1e_1_13:notes"/>
-          <p:cNvSpPr/>
+          <p:cNvSpPr>
+            <a:spLocks noGrp="1" noRot="1" noChangeAspect="1"/>
+          </p:cNvSpPr>
           <p:nvPr>
-            <p:ph idx="2" type="sldImg"/>
+            <p:ph type="sldImg" idx="2"/>
           </p:nvPr>
         </p:nvSpPr>
         <p:spPr>
@@ -3238,9 +3380,13 @@
             <a:ext cx="6096000" cy="3429000"/>
           </a:xfrm>
           <a:custGeom>
-            <a:rect b="b" l="l" r="r" t="t"/>
+            <a:avLst/>
+            <a:gdLst/>
+            <a:ahLst/>
+            <a:cxnLst/>
+            <a:rect l="l" t="t" r="r" b="b"/>
             <a:pathLst>
-              <a:path extrusionOk="0" h="120000" w="120000">
+              <a:path w="120000" h="120000" extrusionOk="0">
                 <a:moveTo>
                   <a:pt x="0" y="0"/>
                 </a:moveTo>
@@ -3262,9 +3408,11 @@
       <p:sp>
         <p:nvSpPr>
           <p:cNvPr id="71" name="Google Shape;71;g8420b06f1e_1_13:notes"/>
-          <p:cNvSpPr txBox="1"/>
+          <p:cNvSpPr txBox="1">
+            <a:spLocks noGrp="1"/>
+          </p:cNvSpPr>
           <p:nvPr>
-            <p:ph idx="1" type="body"/>
+            <p:ph type="body" idx="1"/>
           </p:nvPr>
         </p:nvSpPr>
         <p:spPr>
@@ -3277,12 +3425,12 @@
           </a:prstGeom>
         </p:spPr>
         <p:txBody>
-          <a:bodyPr anchorCtr="0" anchor="t" bIns="91425" lIns="91425" spcFirstLastPara="1" rIns="91425" wrap="square" tIns="91425">
+          <a:bodyPr spcFirstLastPara="1" wrap="square" lIns="91425" tIns="91425" rIns="91425" bIns="91425" anchor="t" anchorCtr="0">
             <a:noAutofit/>
           </a:bodyPr>
           <a:lstStyle/>
           <a:p>
-            <a:pPr indent="0" lvl="0" marL="0" rtl="0" algn="l">
+            <a:pPr marL="0" lvl="0" indent="0" algn="l" rtl="0">
               <a:spcBef>
                 <a:spcPts val="0"/>
               </a:spcBef>
@@ -3291,9 +3439,6 @@
               </a:spcAft>
               <a:buNone/>
             </a:pPr>
-            <a:r>
-              <a:t/>
-            </a:r>
             <a:endParaRPr/>
           </a:p>
         </p:txBody>
@@ -3307,11 +3452,11 @@
 </file>
 
 <file path=ppt/notesSlides/notesSlide5.xml><?xml version="1.0" encoding="utf-8"?>
-<p:notes xmlns:a="http://schemas.openxmlformats.org/drawingml/2006/main" xmlns:r="http://schemas.openxmlformats.org/officeDocument/2006/relationships" xmlns:mc="http://schemas.openxmlformats.org/markup-compatibility/2006" xmlns:mv="urn:schemas-microsoft-com:mac:vml" xmlns:p="http://schemas.openxmlformats.org/presentationml/2006/main" xmlns:c="http://schemas.openxmlformats.org/drawingml/2006/chart" xmlns:dgm="http://schemas.openxmlformats.org/drawingml/2006/diagram" xmlns:o="urn:schemas-microsoft-com:office:office" xmlns:v="urn:schemas-microsoft-com:vml" xmlns:pvml="urn:schemas-microsoft-com:office:powerpoint" xmlns:com="http://schemas.openxmlformats.org/drawingml/2006/compatibility" xmlns:p14="http://schemas.microsoft.com/office/powerpoint/2010/main" xmlns:p15="http://schemas.microsoft.com/office/powerpoint/2012/main" showMasterPhAnim="0" showMasterSp="0">
+<p:notes xmlns:a="http://schemas.openxmlformats.org/drawingml/2006/main" xmlns:r="http://schemas.openxmlformats.org/officeDocument/2006/relationships" xmlns:p="http://schemas.openxmlformats.org/presentationml/2006/main" showMasterSp="0" showMasterPhAnim="0">
   <p:cSld>
     <p:spTree>
       <p:nvGrpSpPr>
-        <p:cNvPr id="75" name="Shape 75"/>
+        <p:cNvPr id="1" name="Shape 75"/>
         <p:cNvGrpSpPr/>
         <p:nvPr/>
       </p:nvGrpSpPr>
@@ -3326,9 +3471,11 @@
       <p:sp>
         <p:nvSpPr>
           <p:cNvPr id="76" name="Google Shape;76;g8420b06f1e_1_19:notes"/>
-          <p:cNvSpPr/>
+          <p:cNvSpPr>
+            <a:spLocks noGrp="1" noRot="1" noChangeAspect="1"/>
+          </p:cNvSpPr>
           <p:nvPr>
-            <p:ph idx="2" type="sldImg"/>
+            <p:ph type="sldImg" idx="2"/>
           </p:nvPr>
         </p:nvSpPr>
         <p:spPr>
@@ -3337,9 +3484,13 @@
             <a:ext cx="6096000" cy="3429000"/>
           </a:xfrm>
           <a:custGeom>
-            <a:rect b="b" l="l" r="r" t="t"/>
+            <a:avLst/>
+            <a:gdLst/>
+            <a:ahLst/>
+            <a:cxnLst/>
+            <a:rect l="l" t="t" r="r" b="b"/>
             <a:pathLst>
-              <a:path extrusionOk="0" h="120000" w="120000">
+              <a:path w="120000" h="120000" extrusionOk="0">
                 <a:moveTo>
                   <a:pt x="0" y="0"/>
                 </a:moveTo>
@@ -3361,9 +3512,11 @@
       <p:sp>
         <p:nvSpPr>
           <p:cNvPr id="77" name="Google Shape;77;g8420b06f1e_1_19:notes"/>
-          <p:cNvSpPr txBox="1"/>
+          <p:cNvSpPr txBox="1">
+            <a:spLocks noGrp="1"/>
+          </p:cNvSpPr>
           <p:nvPr>
-            <p:ph idx="1" type="body"/>
+            <p:ph type="body" idx="1"/>
           </p:nvPr>
         </p:nvSpPr>
         <p:spPr>
@@ -3376,12 +3529,12 @@
           </a:prstGeom>
         </p:spPr>
         <p:txBody>
-          <a:bodyPr anchorCtr="0" anchor="t" bIns="91425" lIns="91425" spcFirstLastPara="1" rIns="91425" wrap="square" tIns="91425">
+          <a:bodyPr spcFirstLastPara="1" wrap="square" lIns="91425" tIns="91425" rIns="91425" bIns="91425" anchor="t" anchorCtr="0">
             <a:noAutofit/>
           </a:bodyPr>
           <a:lstStyle/>
           <a:p>
-            <a:pPr indent="0" lvl="0" marL="0" rtl="0" algn="l">
+            <a:pPr marL="0" lvl="0" indent="0" algn="l" rtl="0">
               <a:spcBef>
                 <a:spcPts val="0"/>
               </a:spcBef>
@@ -3390,9 +3543,6 @@
               </a:spcAft>
               <a:buNone/>
             </a:pPr>
-            <a:r>
-              <a:t/>
-            </a:r>
             <a:endParaRPr/>
           </a:p>
         </p:txBody>
@@ -3406,11 +3556,11 @@
 </file>
 
 <file path=ppt/notesSlides/notesSlide6.xml><?xml version="1.0" encoding="utf-8"?>
-<p:notes xmlns:a="http://schemas.openxmlformats.org/drawingml/2006/main" xmlns:r="http://schemas.openxmlformats.org/officeDocument/2006/relationships" xmlns:mc="http://schemas.openxmlformats.org/markup-compatibility/2006" xmlns:mv="urn:schemas-microsoft-com:mac:vml" xmlns:p="http://schemas.openxmlformats.org/presentationml/2006/main" xmlns:c="http://schemas.openxmlformats.org/drawingml/2006/chart" xmlns:dgm="http://schemas.openxmlformats.org/drawingml/2006/diagram" xmlns:o="urn:schemas-microsoft-com:office:office" xmlns:v="urn:schemas-microsoft-com:vml" xmlns:pvml="urn:schemas-microsoft-com:office:powerpoint" xmlns:com="http://schemas.openxmlformats.org/drawingml/2006/compatibility" xmlns:p14="http://schemas.microsoft.com/office/powerpoint/2010/main" xmlns:p15="http://schemas.microsoft.com/office/powerpoint/2012/main" showMasterPhAnim="0" showMasterSp="0">
+<p:notes xmlns:a="http://schemas.openxmlformats.org/drawingml/2006/main" xmlns:r="http://schemas.openxmlformats.org/officeDocument/2006/relationships" xmlns:p="http://schemas.openxmlformats.org/presentationml/2006/main" showMasterSp="0" showMasterPhAnim="0">
   <p:cSld>
     <p:spTree>
       <p:nvGrpSpPr>
-        <p:cNvPr id="81" name="Shape 81"/>
+        <p:cNvPr id="1" name="Shape 81"/>
         <p:cNvGrpSpPr/>
         <p:nvPr/>
       </p:nvGrpSpPr>
@@ -3425,9 +3575,11 @@
       <p:sp>
         <p:nvSpPr>
           <p:cNvPr id="82" name="Google Shape;82;g8420b06f1e_1_24:notes"/>
-          <p:cNvSpPr/>
+          <p:cNvSpPr>
+            <a:spLocks noGrp="1" noRot="1" noChangeAspect="1"/>
+          </p:cNvSpPr>
           <p:nvPr>
-            <p:ph idx="2" type="sldImg"/>
+            <p:ph type="sldImg" idx="2"/>
           </p:nvPr>
         </p:nvSpPr>
         <p:spPr>
@@ -3436,9 +3588,13 @@
             <a:ext cx="6096000" cy="3429000"/>
           </a:xfrm>
           <a:custGeom>
-            <a:rect b="b" l="l" r="r" t="t"/>
+            <a:avLst/>
+            <a:gdLst/>
+            <a:ahLst/>
+            <a:cxnLst/>
+            <a:rect l="l" t="t" r="r" b="b"/>
             <a:pathLst>
-              <a:path extrusionOk="0" h="120000" w="120000">
+              <a:path w="120000" h="120000" extrusionOk="0">
                 <a:moveTo>
                   <a:pt x="0" y="0"/>
                 </a:moveTo>
@@ -3460,9 +3616,11 @@
       <p:sp>
         <p:nvSpPr>
           <p:cNvPr id="83" name="Google Shape;83;g8420b06f1e_1_24:notes"/>
-          <p:cNvSpPr txBox="1"/>
+          <p:cNvSpPr txBox="1">
+            <a:spLocks noGrp="1"/>
+          </p:cNvSpPr>
           <p:nvPr>
-            <p:ph idx="1" type="body"/>
+            <p:ph type="body" idx="1"/>
           </p:nvPr>
         </p:nvSpPr>
         <p:spPr>
@@ -3475,12 +3633,12 @@
           </a:prstGeom>
         </p:spPr>
         <p:txBody>
-          <a:bodyPr anchorCtr="0" anchor="t" bIns="91425" lIns="91425" spcFirstLastPara="1" rIns="91425" wrap="square" tIns="91425">
+          <a:bodyPr spcFirstLastPara="1" wrap="square" lIns="91425" tIns="91425" rIns="91425" bIns="91425" anchor="t" anchorCtr="0">
             <a:noAutofit/>
           </a:bodyPr>
           <a:lstStyle/>
           <a:p>
-            <a:pPr indent="0" lvl="0" marL="0" rtl="0" algn="l">
+            <a:pPr marL="0" lvl="0" indent="0" algn="l" rtl="0">
               <a:spcBef>
                 <a:spcPts val="0"/>
               </a:spcBef>
@@ -3489,9 +3647,6 @@
               </a:spcAft>
               <a:buNone/>
             </a:pPr>
-            <a:r>
-              <a:t/>
-            </a:r>
             <a:endParaRPr/>
           </a:p>
         </p:txBody>
@@ -3505,11 +3660,11 @@
 </file>
 
 <file path=ppt/notesSlides/notesSlide7.xml><?xml version="1.0" encoding="utf-8"?>
-<p:notes xmlns:a="http://schemas.openxmlformats.org/drawingml/2006/main" xmlns:r="http://schemas.openxmlformats.org/officeDocument/2006/relationships" xmlns:mc="http://schemas.openxmlformats.org/markup-compatibility/2006" xmlns:mv="urn:schemas-microsoft-com:mac:vml" xmlns:p="http://schemas.openxmlformats.org/presentationml/2006/main" xmlns:c="http://schemas.openxmlformats.org/drawingml/2006/chart" xmlns:dgm="http://schemas.openxmlformats.org/drawingml/2006/diagram" xmlns:o="urn:schemas-microsoft-com:office:office" xmlns:v="urn:schemas-microsoft-com:vml" xmlns:pvml="urn:schemas-microsoft-com:office:powerpoint" xmlns:com="http://schemas.openxmlformats.org/drawingml/2006/compatibility" xmlns:p14="http://schemas.microsoft.com/office/powerpoint/2010/main" xmlns:p15="http://schemas.microsoft.com/office/powerpoint/2012/main" showMasterPhAnim="0" showMasterSp="0">
+<p:notes xmlns:a="http://schemas.openxmlformats.org/drawingml/2006/main" xmlns:r="http://schemas.openxmlformats.org/officeDocument/2006/relationships" xmlns:p="http://schemas.openxmlformats.org/presentationml/2006/main" showMasterSp="0" showMasterPhAnim="0">
   <p:cSld>
     <p:spTree>
       <p:nvGrpSpPr>
-        <p:cNvPr id="87" name="Shape 87"/>
+        <p:cNvPr id="1" name="Shape 87"/>
         <p:cNvGrpSpPr/>
         <p:nvPr/>
       </p:nvGrpSpPr>
@@ -3524,9 +3679,11 @@
       <p:sp>
         <p:nvSpPr>
           <p:cNvPr id="88" name="Google Shape;88;g8420b06f1e_1_29:notes"/>
-          <p:cNvSpPr/>
+          <p:cNvSpPr>
+            <a:spLocks noGrp="1" noRot="1" noChangeAspect="1"/>
+          </p:cNvSpPr>
           <p:nvPr>
-            <p:ph idx="2" type="sldImg"/>
+            <p:ph type="sldImg" idx="2"/>
           </p:nvPr>
         </p:nvSpPr>
         <p:spPr>
@@ -3535,9 +3692,13 @@
             <a:ext cx="6096000" cy="3429000"/>
           </a:xfrm>
           <a:custGeom>
-            <a:rect b="b" l="l" r="r" t="t"/>
+            <a:avLst/>
+            <a:gdLst/>
+            <a:ahLst/>
+            <a:cxnLst/>
+            <a:rect l="l" t="t" r="r" b="b"/>
             <a:pathLst>
-              <a:path extrusionOk="0" h="120000" w="120000">
+              <a:path w="120000" h="120000" extrusionOk="0">
                 <a:moveTo>
                   <a:pt x="0" y="0"/>
                 </a:moveTo>
@@ -3559,9 +3720,11 @@
       <p:sp>
         <p:nvSpPr>
           <p:cNvPr id="89" name="Google Shape;89;g8420b06f1e_1_29:notes"/>
-          <p:cNvSpPr txBox="1"/>
+          <p:cNvSpPr txBox="1">
+            <a:spLocks noGrp="1"/>
+          </p:cNvSpPr>
           <p:nvPr>
-            <p:ph idx="1" type="body"/>
+            <p:ph type="body" idx="1"/>
           </p:nvPr>
         </p:nvSpPr>
         <p:spPr>
@@ -3574,12 +3737,12 @@
           </a:prstGeom>
         </p:spPr>
         <p:txBody>
-          <a:bodyPr anchorCtr="0" anchor="t" bIns="91425" lIns="91425" spcFirstLastPara="1" rIns="91425" wrap="square" tIns="91425">
+          <a:bodyPr spcFirstLastPara="1" wrap="square" lIns="91425" tIns="91425" rIns="91425" bIns="91425" anchor="t" anchorCtr="0">
             <a:noAutofit/>
           </a:bodyPr>
           <a:lstStyle/>
           <a:p>
-            <a:pPr indent="0" lvl="0" marL="0" rtl="0" algn="l">
+            <a:pPr marL="0" lvl="0" indent="0" algn="l" rtl="0">
               <a:spcBef>
                 <a:spcPts val="0"/>
               </a:spcBef>
@@ -3588,9 +3751,6 @@
               </a:spcAft>
               <a:buNone/>
             </a:pPr>
-            <a:r>
-              <a:t/>
-            </a:r>
             <a:endParaRPr/>
           </a:p>
         </p:txBody>
@@ -3604,11 +3764,11 @@
 </file>
 
 <file path=ppt/notesSlides/notesSlide8.xml><?xml version="1.0" encoding="utf-8"?>
-<p:notes xmlns:a="http://schemas.openxmlformats.org/drawingml/2006/main" xmlns:r="http://schemas.openxmlformats.org/officeDocument/2006/relationships" xmlns:mc="http://schemas.openxmlformats.org/markup-compatibility/2006" xmlns:mv="urn:schemas-microsoft-com:mac:vml" xmlns:p="http://schemas.openxmlformats.org/presentationml/2006/main" xmlns:c="http://schemas.openxmlformats.org/drawingml/2006/chart" xmlns:dgm="http://schemas.openxmlformats.org/drawingml/2006/diagram" xmlns:o="urn:schemas-microsoft-com:office:office" xmlns:v="urn:schemas-microsoft-com:vml" xmlns:pvml="urn:schemas-microsoft-com:office:powerpoint" xmlns:com="http://schemas.openxmlformats.org/drawingml/2006/compatibility" xmlns:p14="http://schemas.microsoft.com/office/powerpoint/2010/main" xmlns:p15="http://schemas.microsoft.com/office/powerpoint/2012/main" showMasterPhAnim="0" showMasterSp="0">
+<p:notes xmlns:a="http://schemas.openxmlformats.org/drawingml/2006/main" xmlns:r="http://schemas.openxmlformats.org/officeDocument/2006/relationships" xmlns:p="http://schemas.openxmlformats.org/presentationml/2006/main" showMasterSp="0" showMasterPhAnim="0">
   <p:cSld>
     <p:spTree>
       <p:nvGrpSpPr>
-        <p:cNvPr id="98" name="Shape 98"/>
+        <p:cNvPr id="1" name="Shape 98"/>
         <p:cNvGrpSpPr/>
         <p:nvPr/>
       </p:nvGrpSpPr>
@@ -3623,9 +3783,11 @@
       <p:sp>
         <p:nvSpPr>
           <p:cNvPr id="99" name="Google Shape;99;g753c3faf8b_0_5:notes"/>
-          <p:cNvSpPr/>
+          <p:cNvSpPr>
+            <a:spLocks noGrp="1" noRot="1" noChangeAspect="1"/>
+          </p:cNvSpPr>
           <p:nvPr>
-            <p:ph idx="2" type="sldImg"/>
+            <p:ph type="sldImg" idx="2"/>
           </p:nvPr>
         </p:nvSpPr>
         <p:spPr>
@@ -3634,9 +3796,13 @@
             <a:ext cx="6096000" cy="3429000"/>
           </a:xfrm>
           <a:custGeom>
-            <a:rect b="b" l="l" r="r" t="t"/>
+            <a:avLst/>
+            <a:gdLst/>
+            <a:ahLst/>
+            <a:cxnLst/>
+            <a:rect l="l" t="t" r="r" b="b"/>
             <a:pathLst>
-              <a:path extrusionOk="0" h="120000" w="120000">
+              <a:path w="120000" h="120000" extrusionOk="0">
                 <a:moveTo>
                   <a:pt x="0" y="0"/>
                 </a:moveTo>
@@ -3658,9 +3824,11 @@
       <p:sp>
         <p:nvSpPr>
           <p:cNvPr id="100" name="Google Shape;100;g753c3faf8b_0_5:notes"/>
-          <p:cNvSpPr txBox="1"/>
+          <p:cNvSpPr txBox="1">
+            <a:spLocks noGrp="1"/>
+          </p:cNvSpPr>
           <p:nvPr>
-            <p:ph idx="1" type="body"/>
+            <p:ph type="body" idx="1"/>
           </p:nvPr>
         </p:nvSpPr>
         <p:spPr>
@@ -3673,12 +3841,12 @@
           </a:prstGeom>
         </p:spPr>
         <p:txBody>
-          <a:bodyPr anchorCtr="0" anchor="t" bIns="91425" lIns="91425" spcFirstLastPara="1" rIns="91425" wrap="square" tIns="91425">
+          <a:bodyPr spcFirstLastPara="1" wrap="square" lIns="91425" tIns="91425" rIns="91425" bIns="91425" anchor="t" anchorCtr="0">
             <a:noAutofit/>
           </a:bodyPr>
           <a:lstStyle/>
           <a:p>
-            <a:pPr indent="0" lvl="0" marL="0" rtl="0" algn="l">
+            <a:pPr marL="0" lvl="0" indent="0" algn="l" rtl="0">
               <a:spcBef>
                 <a:spcPts val="0"/>
               </a:spcBef>
@@ -3687,9 +3855,6 @@
               </a:spcAft>
               <a:buNone/>
             </a:pPr>
-            <a:r>
-              <a:t/>
-            </a:r>
             <a:endParaRPr/>
           </a:p>
         </p:txBody>
@@ -3703,11 +3868,11 @@
 </file>
 
 <file path=ppt/notesSlides/notesSlide9.xml><?xml version="1.0" encoding="utf-8"?>
-<p:notes xmlns:a="http://schemas.openxmlformats.org/drawingml/2006/main" xmlns:r="http://schemas.openxmlformats.org/officeDocument/2006/relationships" xmlns:mc="http://schemas.openxmlformats.org/markup-compatibility/2006" xmlns:mv="urn:schemas-microsoft-com:mac:vml" xmlns:p="http://schemas.openxmlformats.org/presentationml/2006/main" xmlns:c="http://schemas.openxmlformats.org/drawingml/2006/chart" xmlns:dgm="http://schemas.openxmlformats.org/drawingml/2006/diagram" xmlns:o="urn:schemas-microsoft-com:office:office" xmlns:v="urn:schemas-microsoft-com:vml" xmlns:pvml="urn:schemas-microsoft-com:office:powerpoint" xmlns:com="http://schemas.openxmlformats.org/drawingml/2006/compatibility" xmlns:p14="http://schemas.microsoft.com/office/powerpoint/2010/main" xmlns:p15="http://schemas.microsoft.com/office/powerpoint/2012/main" showMasterPhAnim="0" showMasterSp="0">
+<p:notes xmlns:a="http://schemas.openxmlformats.org/drawingml/2006/main" xmlns:r="http://schemas.openxmlformats.org/officeDocument/2006/relationships" xmlns:p="http://schemas.openxmlformats.org/presentationml/2006/main" showMasterSp="0" showMasterPhAnim="0">
   <p:cSld>
     <p:spTree>
       <p:nvGrpSpPr>
-        <p:cNvPr id="106" name="Shape 106"/>
+        <p:cNvPr id="1" name="Shape 106"/>
         <p:cNvGrpSpPr/>
         <p:nvPr/>
       </p:nvGrpSpPr>
@@ -3722,9 +3887,11 @@
       <p:sp>
         <p:nvSpPr>
           <p:cNvPr id="107" name="Google Shape;107;g753c3faf8b_0_25:notes"/>
-          <p:cNvSpPr/>
+          <p:cNvSpPr>
+            <a:spLocks noGrp="1" noRot="1" noChangeAspect="1"/>
+          </p:cNvSpPr>
           <p:nvPr>
-            <p:ph idx="2" type="sldImg"/>
+            <p:ph type="sldImg" idx="2"/>
           </p:nvPr>
         </p:nvSpPr>
         <p:spPr>
@@ -3733,9 +3900,13 @@
             <a:ext cx="6096000" cy="3429000"/>
           </a:xfrm>
           <a:custGeom>
-            <a:rect b="b" l="l" r="r" t="t"/>
+            <a:avLst/>
+            <a:gdLst/>
+            <a:ahLst/>
+            <a:cxnLst/>
+            <a:rect l="l" t="t" r="r" b="b"/>
             <a:pathLst>
-              <a:path extrusionOk="0" h="120000" w="120000">
+              <a:path w="120000" h="120000" extrusionOk="0">
                 <a:moveTo>
                   <a:pt x="0" y="0"/>
                 </a:moveTo>
@@ -3757,9 +3928,11 @@
       <p:sp>
         <p:nvSpPr>
           <p:cNvPr id="108" name="Google Shape;108;g753c3faf8b_0_25:notes"/>
-          <p:cNvSpPr txBox="1"/>
+          <p:cNvSpPr txBox="1">
+            <a:spLocks noGrp="1"/>
+          </p:cNvSpPr>
           <p:nvPr>
-            <p:ph idx="1" type="body"/>
+            <p:ph type="body" idx="1"/>
           </p:nvPr>
         </p:nvSpPr>
         <p:spPr>
@@ -3772,12 +3945,12 @@
           </a:prstGeom>
         </p:spPr>
         <p:txBody>
-          <a:bodyPr anchorCtr="0" anchor="t" bIns="91425" lIns="91425" spcFirstLastPara="1" rIns="91425" wrap="square" tIns="91425">
+          <a:bodyPr spcFirstLastPara="1" wrap="square" lIns="91425" tIns="91425" rIns="91425" bIns="91425" anchor="t" anchorCtr="0">
             <a:noAutofit/>
           </a:bodyPr>
           <a:lstStyle/>
           <a:p>
-            <a:pPr indent="0" lvl="0" marL="0" rtl="0" algn="l">
+            <a:pPr marL="0" lvl="0" indent="0" algn="l" rtl="0">
               <a:spcBef>
                 <a:spcPts val="0"/>
               </a:spcBef>
@@ -3786,9 +3959,6 @@
               </a:spcAft>
               <a:buNone/>
             </a:pPr>
-            <a:r>
-              <a:t/>
-            </a:r>
             <a:endParaRPr/>
           </a:p>
         </p:txBody>
@@ -3802,11 +3972,11 @@
 </file>
 
 <file path=ppt/slideLayouts/slideLayout1.xml><?xml version="1.0" encoding="utf-8"?>
-<p:sldLayout xmlns:a="http://schemas.openxmlformats.org/drawingml/2006/main" xmlns:r="http://schemas.openxmlformats.org/officeDocument/2006/relationships" xmlns:mc="http://schemas.openxmlformats.org/markup-compatibility/2006" xmlns:mv="urn:schemas-microsoft-com:mac:vml" xmlns:p="http://schemas.openxmlformats.org/presentationml/2006/main" xmlns:c="http://schemas.openxmlformats.org/drawingml/2006/chart" xmlns:dgm="http://schemas.openxmlformats.org/drawingml/2006/diagram" xmlns:o="urn:schemas-microsoft-com:office:office" xmlns:v="urn:schemas-microsoft-com:vml" xmlns:pvml="urn:schemas-microsoft-com:office:powerpoint" xmlns:com="http://schemas.openxmlformats.org/drawingml/2006/compatibility" xmlns:p14="http://schemas.microsoft.com/office/powerpoint/2010/main" xmlns:p15="http://schemas.microsoft.com/office/powerpoint/2012/main" matchingName="Title slide" type="title">
+<p:sldLayout xmlns:a="http://schemas.openxmlformats.org/drawingml/2006/main" xmlns:r="http://schemas.openxmlformats.org/officeDocument/2006/relationships" xmlns:p="http://schemas.openxmlformats.org/presentationml/2006/main" matchingName="Title slide" type="title">
   <p:cSld name="TITLE">
     <p:spTree>
       <p:nvGrpSpPr>
-        <p:cNvPr id="9" name="Shape 9"/>
+        <p:cNvPr id="1" name="Shape 9"/>
         <p:cNvGrpSpPr/>
         <p:nvPr/>
       </p:nvGrpSpPr>
@@ -3821,7 +3991,9 @@
       <p:sp>
         <p:nvSpPr>
           <p:cNvPr id="10" name="Google Shape;10;p2"/>
-          <p:cNvSpPr txBox="1"/>
+          <p:cNvSpPr txBox="1">
+            <a:spLocks noGrp="1"/>
+          </p:cNvSpPr>
           <p:nvPr>
             <p:ph type="ctrTitle"/>
           </p:nvPr>
@@ -3836,11 +4008,11 @@
           </a:prstGeom>
         </p:spPr>
         <p:txBody>
-          <a:bodyPr anchorCtr="0" anchor="b" bIns="91425" lIns="91425" spcFirstLastPara="1" rIns="91425" wrap="square" tIns="91425">
+          <a:bodyPr spcFirstLastPara="1" wrap="square" lIns="91425" tIns="91425" rIns="91425" bIns="91425" anchor="b" anchorCtr="0">
             <a:noAutofit/>
           </a:bodyPr>
           <a:lstStyle>
-            <a:lvl1pPr lvl="0" rtl="0" algn="ctr">
+            <a:lvl1pPr lvl="0" algn="ctr" rtl="0">
               <a:spcBef>
                 <a:spcPts val="0"/>
               </a:spcBef>
@@ -3851,7 +4023,7 @@
               <a:buNone/>
               <a:defRPr sz="5200"/>
             </a:lvl1pPr>
-            <a:lvl2pPr lvl="1" rtl="0" algn="ctr">
+            <a:lvl2pPr lvl="1" algn="ctr" rtl="0">
               <a:spcBef>
                 <a:spcPts val="0"/>
               </a:spcBef>
@@ -3862,7 +4034,7 @@
               <a:buNone/>
               <a:defRPr sz="5200"/>
             </a:lvl2pPr>
-            <a:lvl3pPr lvl="2" rtl="0" algn="ctr">
+            <a:lvl3pPr lvl="2" algn="ctr" rtl="0">
               <a:spcBef>
                 <a:spcPts val="0"/>
               </a:spcBef>
@@ -3873,7 +4045,7 @@
               <a:buNone/>
               <a:defRPr sz="5200"/>
             </a:lvl3pPr>
-            <a:lvl4pPr lvl="3" rtl="0" algn="ctr">
+            <a:lvl4pPr lvl="3" algn="ctr" rtl="0">
               <a:spcBef>
                 <a:spcPts val="0"/>
               </a:spcBef>
@@ -3884,7 +4056,7 @@
               <a:buNone/>
               <a:defRPr sz="5200"/>
             </a:lvl4pPr>
-            <a:lvl5pPr lvl="4" rtl="0" algn="ctr">
+            <a:lvl5pPr lvl="4" algn="ctr" rtl="0">
               <a:spcBef>
                 <a:spcPts val="0"/>
               </a:spcBef>
@@ -3895,7 +4067,7 @@
               <a:buNone/>
               <a:defRPr sz="5200"/>
             </a:lvl5pPr>
-            <a:lvl6pPr lvl="5" rtl="0" algn="ctr">
+            <a:lvl6pPr lvl="5" algn="ctr" rtl="0">
               <a:spcBef>
                 <a:spcPts val="0"/>
               </a:spcBef>
@@ -3906,7 +4078,7 @@
               <a:buNone/>
               <a:defRPr sz="5200"/>
             </a:lvl6pPr>
-            <a:lvl7pPr lvl="6" rtl="0" algn="ctr">
+            <a:lvl7pPr lvl="6" algn="ctr" rtl="0">
               <a:spcBef>
                 <a:spcPts val="0"/>
               </a:spcBef>
@@ -3917,7 +4089,7 @@
               <a:buNone/>
               <a:defRPr sz="5200"/>
             </a:lvl7pPr>
-            <a:lvl8pPr lvl="7" rtl="0" algn="ctr">
+            <a:lvl8pPr lvl="7" algn="ctr" rtl="0">
               <a:spcBef>
                 <a:spcPts val="0"/>
               </a:spcBef>
@@ -3928,7 +4100,7 @@
               <a:buNone/>
               <a:defRPr sz="5200"/>
             </a:lvl8pPr>
-            <a:lvl9pPr lvl="8" rtl="0" algn="ctr">
+            <a:lvl9pPr lvl="8" algn="ctr" rtl="0">
               <a:spcBef>
                 <a:spcPts val="0"/>
               </a:spcBef>
@@ -3940,15 +4112,19 @@
               <a:defRPr sz="5200"/>
             </a:lvl9pPr>
           </a:lstStyle>
-          <a:p/>
+          <a:p>
+            <a:endParaRPr/>
+          </a:p>
         </p:txBody>
       </p:sp>
       <p:sp>
         <p:nvSpPr>
           <p:cNvPr id="11" name="Google Shape;11;p2"/>
-          <p:cNvSpPr txBox="1"/>
+          <p:cNvSpPr txBox="1">
+            <a:spLocks noGrp="1"/>
+          </p:cNvSpPr>
           <p:nvPr>
-            <p:ph idx="1" type="subTitle"/>
+            <p:ph type="subTitle" idx="1"/>
           </p:nvPr>
         </p:nvSpPr>
         <p:spPr>
@@ -3961,11 +4137,11 @@
           </a:prstGeom>
         </p:spPr>
         <p:txBody>
-          <a:bodyPr anchorCtr="0" anchor="t" bIns="91425" lIns="91425" spcFirstLastPara="1" rIns="91425" wrap="square" tIns="91425">
+          <a:bodyPr spcFirstLastPara="1" wrap="square" lIns="91425" tIns="91425" rIns="91425" bIns="91425" anchor="t" anchorCtr="0">
             <a:noAutofit/>
           </a:bodyPr>
           <a:lstStyle>
-            <a:lvl1pPr lvl="0" rtl="0" algn="ctr">
+            <a:lvl1pPr lvl="0" algn="ctr" rtl="0">
               <a:lnSpc>
                 <a:spcPct val="100000"/>
               </a:lnSpc>
@@ -3979,7 +4155,7 @@
               <a:buNone/>
               <a:defRPr sz="2800"/>
             </a:lvl1pPr>
-            <a:lvl2pPr lvl="1" rtl="0" algn="ctr">
+            <a:lvl2pPr lvl="1" algn="ctr" rtl="0">
               <a:lnSpc>
                 <a:spcPct val="100000"/>
               </a:lnSpc>
@@ -3993,7 +4169,7 @@
               <a:buNone/>
               <a:defRPr sz="2800"/>
             </a:lvl2pPr>
-            <a:lvl3pPr lvl="2" rtl="0" algn="ctr">
+            <a:lvl3pPr lvl="2" algn="ctr" rtl="0">
               <a:lnSpc>
                 <a:spcPct val="100000"/>
               </a:lnSpc>
@@ -4007,7 +4183,7 @@
               <a:buNone/>
               <a:defRPr sz="2800"/>
             </a:lvl3pPr>
-            <a:lvl4pPr lvl="3" rtl="0" algn="ctr">
+            <a:lvl4pPr lvl="3" algn="ctr" rtl="0">
               <a:lnSpc>
                 <a:spcPct val="100000"/>
               </a:lnSpc>
@@ -4021,7 +4197,7 @@
               <a:buNone/>
               <a:defRPr sz="2800"/>
             </a:lvl4pPr>
-            <a:lvl5pPr lvl="4" rtl="0" algn="ctr">
+            <a:lvl5pPr lvl="4" algn="ctr" rtl="0">
               <a:lnSpc>
                 <a:spcPct val="100000"/>
               </a:lnSpc>
@@ -4035,7 +4211,7 @@
               <a:buNone/>
               <a:defRPr sz="2800"/>
             </a:lvl5pPr>
-            <a:lvl6pPr lvl="5" rtl="0" algn="ctr">
+            <a:lvl6pPr lvl="5" algn="ctr" rtl="0">
               <a:lnSpc>
                 <a:spcPct val="100000"/>
               </a:lnSpc>
@@ -4049,7 +4225,7 @@
               <a:buNone/>
               <a:defRPr sz="2800"/>
             </a:lvl6pPr>
-            <a:lvl7pPr lvl="6" rtl="0" algn="ctr">
+            <a:lvl7pPr lvl="6" algn="ctr" rtl="0">
               <a:lnSpc>
                 <a:spcPct val="100000"/>
               </a:lnSpc>
@@ -4063,7 +4239,7 @@
               <a:buNone/>
               <a:defRPr sz="2800"/>
             </a:lvl7pPr>
-            <a:lvl8pPr lvl="7" rtl="0" algn="ctr">
+            <a:lvl8pPr lvl="7" algn="ctr" rtl="0">
               <a:lnSpc>
                 <a:spcPct val="100000"/>
               </a:lnSpc>
@@ -4077,7 +4253,7 @@
               <a:buNone/>
               <a:defRPr sz="2800"/>
             </a:lvl8pPr>
-            <a:lvl9pPr lvl="8" rtl="0" algn="ctr">
+            <a:lvl9pPr lvl="8" algn="ctr" rtl="0">
               <a:lnSpc>
                 <a:spcPct val="100000"/>
               </a:lnSpc>
@@ -4092,15 +4268,19 @@
               <a:defRPr sz="2800"/>
             </a:lvl9pPr>
           </a:lstStyle>
-          <a:p/>
+          <a:p>
+            <a:endParaRPr/>
+          </a:p>
         </p:txBody>
       </p:sp>
       <p:sp>
         <p:nvSpPr>
           <p:cNvPr id="12" name="Google Shape;12;p2"/>
-          <p:cNvSpPr txBox="1"/>
+          <p:cNvSpPr txBox="1">
+            <a:spLocks noGrp="1"/>
+          </p:cNvSpPr>
           <p:nvPr>
-            <p:ph idx="12" type="sldNum"/>
+            <p:ph type="sldNum" idx="12"/>
           </p:nvPr>
         </p:nvSpPr>
         <p:spPr>
@@ -4113,7 +4293,7 @@
           </a:prstGeom>
         </p:spPr>
         <p:txBody>
-          <a:bodyPr anchorCtr="0" anchor="ctr" bIns="91425" lIns="91425" spcFirstLastPara="1" rIns="91425" wrap="square" tIns="91425">
+          <a:bodyPr spcFirstLastPara="1" wrap="square" lIns="91425" tIns="91425" rIns="91425" bIns="91425" anchor="ctr" anchorCtr="0">
             <a:noAutofit/>
           </a:bodyPr>
           <a:lstStyle>
@@ -4155,7 +4335,7 @@
             </a:lvl9pPr>
           </a:lstStyle>
           <a:p>
-            <a:pPr indent="0" lvl="0" marL="0" rtl="0" algn="r">
+            <a:pPr marL="0" lvl="0" indent="0" algn="r" rtl="0">
               <a:spcBef>
                 <a:spcPts val="0"/>
               </a:spcBef>
@@ -4181,11 +4361,11 @@
 </file>
 
 <file path=ppt/slideLayouts/slideLayout10.xml><?xml version="1.0" encoding="utf-8"?>
-<p:sldLayout xmlns:a="http://schemas.openxmlformats.org/drawingml/2006/main" xmlns:r="http://schemas.openxmlformats.org/officeDocument/2006/relationships" xmlns:mc="http://schemas.openxmlformats.org/markup-compatibility/2006" xmlns:mv="urn:schemas-microsoft-com:mac:vml" xmlns:p="http://schemas.openxmlformats.org/presentationml/2006/main" xmlns:c="http://schemas.openxmlformats.org/drawingml/2006/chart" xmlns:dgm="http://schemas.openxmlformats.org/drawingml/2006/diagram" xmlns:o="urn:schemas-microsoft-com:office:office" xmlns:v="urn:schemas-microsoft-com:vml" xmlns:pvml="urn:schemas-microsoft-com:office:powerpoint" xmlns:com="http://schemas.openxmlformats.org/drawingml/2006/compatibility" xmlns:p14="http://schemas.microsoft.com/office/powerpoint/2010/main" xmlns:p15="http://schemas.microsoft.com/office/powerpoint/2012/main" matchingName="Big number">
+<p:sldLayout xmlns:a="http://schemas.openxmlformats.org/drawingml/2006/main" xmlns:r="http://schemas.openxmlformats.org/officeDocument/2006/relationships" xmlns:p="http://schemas.openxmlformats.org/presentationml/2006/main" matchingName="Big number">
   <p:cSld name="BIG_NUMBER">
     <p:spTree>
       <p:nvGrpSpPr>
-        <p:cNvPr id="44" name="Shape 44"/>
+        <p:cNvPr id="1" name="Shape 44"/>
         <p:cNvGrpSpPr/>
         <p:nvPr/>
       </p:nvGrpSpPr>
@@ -4200,9 +4380,11 @@
       <p:sp>
         <p:nvSpPr>
           <p:cNvPr id="45" name="Google Shape;45;p11"/>
-          <p:cNvSpPr txBox="1"/>
+          <p:cNvSpPr txBox="1">
+            <a:spLocks noGrp="1"/>
+          </p:cNvSpPr>
           <p:nvPr>
-            <p:ph hasCustomPrompt="1" type="title"/>
+            <p:ph type="title" hasCustomPrompt="1"/>
           </p:nvPr>
         </p:nvSpPr>
         <p:spPr>
@@ -4215,11 +4397,11 @@
           </a:prstGeom>
         </p:spPr>
         <p:txBody>
-          <a:bodyPr anchorCtr="0" anchor="b" bIns="91425" lIns="91425" spcFirstLastPara="1" rIns="91425" wrap="square" tIns="91425">
+          <a:bodyPr spcFirstLastPara="1" wrap="square" lIns="91425" tIns="91425" rIns="91425" bIns="91425" anchor="b" anchorCtr="0">
             <a:noAutofit/>
           </a:bodyPr>
           <a:lstStyle>
-            <a:lvl1pPr lvl="0" rtl="0" algn="ctr">
+            <a:lvl1pPr lvl="0" algn="ctr" rtl="0">
               <a:spcBef>
                 <a:spcPts val="0"/>
               </a:spcBef>
@@ -4230,7 +4412,7 @@
               <a:buNone/>
               <a:defRPr sz="12000"/>
             </a:lvl1pPr>
-            <a:lvl2pPr lvl="1" rtl="0" algn="ctr">
+            <a:lvl2pPr lvl="1" algn="ctr" rtl="0">
               <a:spcBef>
                 <a:spcPts val="0"/>
               </a:spcBef>
@@ -4241,7 +4423,7 @@
               <a:buNone/>
               <a:defRPr sz="12000"/>
             </a:lvl2pPr>
-            <a:lvl3pPr lvl="2" rtl="0" algn="ctr">
+            <a:lvl3pPr lvl="2" algn="ctr" rtl="0">
               <a:spcBef>
                 <a:spcPts val="0"/>
               </a:spcBef>
@@ -4252,7 +4434,7 @@
               <a:buNone/>
               <a:defRPr sz="12000"/>
             </a:lvl3pPr>
-            <a:lvl4pPr lvl="3" rtl="0" algn="ctr">
+            <a:lvl4pPr lvl="3" algn="ctr" rtl="0">
               <a:spcBef>
                 <a:spcPts val="0"/>
               </a:spcBef>
@@ -4263,7 +4445,7 @@
               <a:buNone/>
               <a:defRPr sz="12000"/>
             </a:lvl4pPr>
-            <a:lvl5pPr lvl="4" rtl="0" algn="ctr">
+            <a:lvl5pPr lvl="4" algn="ctr" rtl="0">
               <a:spcBef>
                 <a:spcPts val="0"/>
               </a:spcBef>
@@ -4274,7 +4456,7 @@
               <a:buNone/>
               <a:defRPr sz="12000"/>
             </a:lvl5pPr>
-            <a:lvl6pPr lvl="5" rtl="0" algn="ctr">
+            <a:lvl6pPr lvl="5" algn="ctr" rtl="0">
               <a:spcBef>
                 <a:spcPts val="0"/>
               </a:spcBef>
@@ -4285,7 +4467,7 @@
               <a:buNone/>
               <a:defRPr sz="12000"/>
             </a:lvl6pPr>
-            <a:lvl7pPr lvl="6" rtl="0" algn="ctr">
+            <a:lvl7pPr lvl="6" algn="ctr" rtl="0">
               <a:spcBef>
                 <a:spcPts val="0"/>
               </a:spcBef>
@@ -4296,7 +4478,7 @@
               <a:buNone/>
               <a:defRPr sz="12000"/>
             </a:lvl7pPr>
-            <a:lvl8pPr lvl="7" rtl="0" algn="ctr">
+            <a:lvl8pPr lvl="7" algn="ctr" rtl="0">
               <a:spcBef>
                 <a:spcPts val="0"/>
               </a:spcBef>
@@ -4307,7 +4489,7 @@
               <a:buNone/>
               <a:defRPr sz="12000"/>
             </a:lvl8pPr>
-            <a:lvl9pPr lvl="8" rtl="0" algn="ctr">
+            <a:lvl9pPr lvl="8" algn="ctr" rtl="0">
               <a:spcBef>
                 <a:spcPts val="0"/>
               </a:spcBef>
@@ -4329,9 +4511,11 @@
       <p:sp>
         <p:nvSpPr>
           <p:cNvPr id="46" name="Google Shape;46;p11"/>
-          <p:cNvSpPr txBox="1"/>
+          <p:cNvSpPr txBox="1">
+            <a:spLocks noGrp="1"/>
+          </p:cNvSpPr>
           <p:nvPr>
-            <p:ph idx="1" type="body"/>
+            <p:ph type="body" idx="1"/>
           </p:nvPr>
         </p:nvSpPr>
         <p:spPr>
@@ -4344,11 +4528,11 @@
           </a:prstGeom>
         </p:spPr>
         <p:txBody>
-          <a:bodyPr anchorCtr="0" anchor="t" bIns="91425" lIns="91425" spcFirstLastPara="1" rIns="91425" wrap="square" tIns="91425">
+          <a:bodyPr spcFirstLastPara="1" wrap="square" lIns="91425" tIns="91425" rIns="91425" bIns="91425" anchor="t" anchorCtr="0">
             <a:noAutofit/>
           </a:bodyPr>
           <a:lstStyle>
-            <a:lvl1pPr indent="-342900" lvl="0" marL="457200" rtl="0" algn="ctr">
+            <a:lvl1pPr marL="457200" lvl="0" indent="-342900" algn="ctr" rtl="0">
               <a:spcBef>
                 <a:spcPts val="0"/>
               </a:spcBef>
@@ -4359,7 +4543,7 @@
               <a:buChar char="●"/>
               <a:defRPr/>
             </a:lvl1pPr>
-            <a:lvl2pPr indent="-317500" lvl="1" marL="914400" rtl="0" algn="ctr">
+            <a:lvl2pPr marL="914400" lvl="1" indent="-317500" algn="ctr" rtl="0">
               <a:spcBef>
                 <a:spcPts val="1600"/>
               </a:spcBef>
@@ -4370,7 +4554,7 @@
               <a:buChar char="○"/>
               <a:defRPr/>
             </a:lvl2pPr>
-            <a:lvl3pPr indent="-317500" lvl="2" marL="1371600" rtl="0" algn="ctr">
+            <a:lvl3pPr marL="1371600" lvl="2" indent="-317500" algn="ctr" rtl="0">
               <a:spcBef>
                 <a:spcPts val="1600"/>
               </a:spcBef>
@@ -4381,7 +4565,7 @@
               <a:buChar char="■"/>
               <a:defRPr/>
             </a:lvl3pPr>
-            <a:lvl4pPr indent="-317500" lvl="3" marL="1828800" rtl="0" algn="ctr">
+            <a:lvl4pPr marL="1828800" lvl="3" indent="-317500" algn="ctr" rtl="0">
               <a:spcBef>
                 <a:spcPts val="1600"/>
               </a:spcBef>
@@ -4392,7 +4576,7 @@
               <a:buChar char="●"/>
               <a:defRPr/>
             </a:lvl4pPr>
-            <a:lvl5pPr indent="-317500" lvl="4" marL="2286000" rtl="0" algn="ctr">
+            <a:lvl5pPr marL="2286000" lvl="4" indent="-317500" algn="ctr" rtl="0">
               <a:spcBef>
                 <a:spcPts val="1600"/>
               </a:spcBef>
@@ -4403,7 +4587,7 @@
               <a:buChar char="○"/>
               <a:defRPr/>
             </a:lvl5pPr>
-            <a:lvl6pPr indent="-317500" lvl="5" marL="2743200" rtl="0" algn="ctr">
+            <a:lvl6pPr marL="2743200" lvl="5" indent="-317500" algn="ctr" rtl="0">
               <a:spcBef>
                 <a:spcPts val="1600"/>
               </a:spcBef>
@@ -4414,7 +4598,7 @@
               <a:buChar char="■"/>
               <a:defRPr/>
             </a:lvl6pPr>
-            <a:lvl7pPr indent="-317500" lvl="6" marL="3200400" rtl="0" algn="ctr">
+            <a:lvl7pPr marL="3200400" lvl="6" indent="-317500" algn="ctr" rtl="0">
               <a:spcBef>
                 <a:spcPts val="1600"/>
               </a:spcBef>
@@ -4425,7 +4609,7 @@
               <a:buChar char="●"/>
               <a:defRPr/>
             </a:lvl7pPr>
-            <a:lvl8pPr indent="-317500" lvl="7" marL="3657600" rtl="0" algn="ctr">
+            <a:lvl8pPr marL="3657600" lvl="7" indent="-317500" algn="ctr" rtl="0">
               <a:spcBef>
                 <a:spcPts val="1600"/>
               </a:spcBef>
@@ -4436,7 +4620,7 @@
               <a:buChar char="○"/>
               <a:defRPr/>
             </a:lvl8pPr>
-            <a:lvl9pPr indent="-317500" lvl="8" marL="4114800" rtl="0" algn="ctr">
+            <a:lvl9pPr marL="4114800" lvl="8" indent="-317500" algn="ctr" rtl="0">
               <a:spcBef>
                 <a:spcPts val="1600"/>
               </a:spcBef>
@@ -4448,15 +4632,19 @@
               <a:defRPr/>
             </a:lvl9pPr>
           </a:lstStyle>
-          <a:p/>
+          <a:p>
+            <a:endParaRPr/>
+          </a:p>
         </p:txBody>
       </p:sp>
       <p:sp>
         <p:nvSpPr>
           <p:cNvPr id="47" name="Google Shape;47;p11"/>
-          <p:cNvSpPr txBox="1"/>
+          <p:cNvSpPr txBox="1">
+            <a:spLocks noGrp="1"/>
+          </p:cNvSpPr>
           <p:nvPr>
-            <p:ph idx="12" type="sldNum"/>
+            <p:ph type="sldNum" idx="12"/>
           </p:nvPr>
         </p:nvSpPr>
         <p:spPr>
@@ -4469,7 +4657,7 @@
           </a:prstGeom>
         </p:spPr>
         <p:txBody>
-          <a:bodyPr anchorCtr="0" anchor="ctr" bIns="91425" lIns="91425" spcFirstLastPara="1" rIns="91425" wrap="square" tIns="91425">
+          <a:bodyPr spcFirstLastPara="1" wrap="square" lIns="91425" tIns="91425" rIns="91425" bIns="91425" anchor="ctr" anchorCtr="0">
             <a:noAutofit/>
           </a:bodyPr>
           <a:lstStyle>
@@ -4511,7 +4699,7 @@
             </a:lvl9pPr>
           </a:lstStyle>
           <a:p>
-            <a:pPr indent="0" lvl="0" marL="0" rtl="0" algn="r">
+            <a:pPr marL="0" lvl="0" indent="0" algn="r" rtl="0">
               <a:spcBef>
                 <a:spcPts val="0"/>
               </a:spcBef>
@@ -4537,11 +4725,11 @@
 </file>
 
 <file path=ppt/slideLayouts/slideLayout11.xml><?xml version="1.0" encoding="utf-8"?>
-<p:sldLayout xmlns:a="http://schemas.openxmlformats.org/drawingml/2006/main" xmlns:r="http://schemas.openxmlformats.org/officeDocument/2006/relationships" xmlns:mc="http://schemas.openxmlformats.org/markup-compatibility/2006" xmlns:mv="urn:schemas-microsoft-com:mac:vml" xmlns:p="http://schemas.openxmlformats.org/presentationml/2006/main" xmlns:c="http://schemas.openxmlformats.org/drawingml/2006/chart" xmlns:dgm="http://schemas.openxmlformats.org/drawingml/2006/diagram" xmlns:o="urn:schemas-microsoft-com:office:office" xmlns:v="urn:schemas-microsoft-com:vml" xmlns:pvml="urn:schemas-microsoft-com:office:powerpoint" xmlns:com="http://schemas.openxmlformats.org/drawingml/2006/compatibility" xmlns:p14="http://schemas.microsoft.com/office/powerpoint/2010/main" xmlns:p15="http://schemas.microsoft.com/office/powerpoint/2012/main" matchingName="Blank" type="blank">
+<p:sldLayout xmlns:a="http://schemas.openxmlformats.org/drawingml/2006/main" xmlns:r="http://schemas.openxmlformats.org/officeDocument/2006/relationships" xmlns:p="http://schemas.openxmlformats.org/presentationml/2006/main" matchingName="Blank" type="blank">
   <p:cSld name="BLANK">
     <p:spTree>
       <p:nvGrpSpPr>
-        <p:cNvPr id="48" name="Shape 48"/>
+        <p:cNvPr id="1" name="Shape 48"/>
         <p:cNvGrpSpPr/>
         <p:nvPr/>
       </p:nvGrpSpPr>
@@ -4556,9 +4744,11 @@
       <p:sp>
         <p:nvSpPr>
           <p:cNvPr id="49" name="Google Shape;49;p12"/>
-          <p:cNvSpPr txBox="1"/>
+          <p:cNvSpPr txBox="1">
+            <a:spLocks noGrp="1"/>
+          </p:cNvSpPr>
           <p:nvPr>
-            <p:ph idx="12" type="sldNum"/>
+            <p:ph type="sldNum" idx="12"/>
           </p:nvPr>
         </p:nvSpPr>
         <p:spPr>
@@ -4571,7 +4761,7 @@
           </a:prstGeom>
         </p:spPr>
         <p:txBody>
-          <a:bodyPr anchorCtr="0" anchor="ctr" bIns="91425" lIns="91425" spcFirstLastPara="1" rIns="91425" wrap="square" tIns="91425">
+          <a:bodyPr spcFirstLastPara="1" wrap="square" lIns="91425" tIns="91425" rIns="91425" bIns="91425" anchor="ctr" anchorCtr="0">
             <a:noAutofit/>
           </a:bodyPr>
           <a:lstStyle>
@@ -4613,7 +4803,7 @@
             </a:lvl9pPr>
           </a:lstStyle>
           <a:p>
-            <a:pPr indent="0" lvl="0" marL="0" rtl="0" algn="r">
+            <a:pPr marL="0" lvl="0" indent="0" algn="r" rtl="0">
               <a:spcBef>
                 <a:spcPts val="0"/>
               </a:spcBef>
@@ -4639,11 +4829,11 @@
 </file>
 
 <file path=ppt/slideLayouts/slideLayout2.xml><?xml version="1.0" encoding="utf-8"?>
-<p:sldLayout xmlns:a="http://schemas.openxmlformats.org/drawingml/2006/main" xmlns:r="http://schemas.openxmlformats.org/officeDocument/2006/relationships" xmlns:mc="http://schemas.openxmlformats.org/markup-compatibility/2006" xmlns:mv="urn:schemas-microsoft-com:mac:vml" xmlns:p="http://schemas.openxmlformats.org/presentationml/2006/main" xmlns:c="http://schemas.openxmlformats.org/drawingml/2006/chart" xmlns:dgm="http://schemas.openxmlformats.org/drawingml/2006/diagram" xmlns:o="urn:schemas-microsoft-com:office:office" xmlns:v="urn:schemas-microsoft-com:vml" xmlns:pvml="urn:schemas-microsoft-com:office:powerpoint" xmlns:com="http://schemas.openxmlformats.org/drawingml/2006/compatibility" xmlns:p14="http://schemas.microsoft.com/office/powerpoint/2010/main" xmlns:p15="http://schemas.microsoft.com/office/powerpoint/2012/main" matchingName="Section header" type="secHead">
+<p:sldLayout xmlns:a="http://schemas.openxmlformats.org/drawingml/2006/main" xmlns:r="http://schemas.openxmlformats.org/officeDocument/2006/relationships" xmlns:p="http://schemas.openxmlformats.org/presentationml/2006/main" matchingName="Section header" type="secHead">
   <p:cSld name="SECTION_HEADER">
     <p:spTree>
       <p:nvGrpSpPr>
-        <p:cNvPr id="13" name="Shape 13"/>
+        <p:cNvPr id="1" name="Shape 13"/>
         <p:cNvGrpSpPr/>
         <p:nvPr/>
       </p:nvGrpSpPr>
@@ -4658,7 +4848,9 @@
       <p:sp>
         <p:nvSpPr>
           <p:cNvPr id="14" name="Google Shape;14;p3"/>
-          <p:cNvSpPr txBox="1"/>
+          <p:cNvSpPr txBox="1">
+            <a:spLocks noGrp="1"/>
+          </p:cNvSpPr>
           <p:nvPr>
             <p:ph type="title"/>
           </p:nvPr>
@@ -4673,11 +4865,11 @@
           </a:prstGeom>
         </p:spPr>
         <p:txBody>
-          <a:bodyPr anchorCtr="0" anchor="ctr" bIns="91425" lIns="91425" spcFirstLastPara="1" rIns="91425" wrap="square" tIns="91425">
+          <a:bodyPr spcFirstLastPara="1" wrap="square" lIns="91425" tIns="91425" rIns="91425" bIns="91425" anchor="ctr" anchorCtr="0">
             <a:noAutofit/>
           </a:bodyPr>
           <a:lstStyle>
-            <a:lvl1pPr lvl="0" rtl="0" algn="ctr">
+            <a:lvl1pPr lvl="0" algn="ctr" rtl="0">
               <a:spcBef>
                 <a:spcPts val="0"/>
               </a:spcBef>
@@ -4688,7 +4880,7 @@
               <a:buNone/>
               <a:defRPr sz="3600"/>
             </a:lvl1pPr>
-            <a:lvl2pPr lvl="1" rtl="0" algn="ctr">
+            <a:lvl2pPr lvl="1" algn="ctr" rtl="0">
               <a:spcBef>
                 <a:spcPts val="0"/>
               </a:spcBef>
@@ -4699,7 +4891,7 @@
               <a:buNone/>
               <a:defRPr sz="3600"/>
             </a:lvl2pPr>
-            <a:lvl3pPr lvl="2" rtl="0" algn="ctr">
+            <a:lvl3pPr lvl="2" algn="ctr" rtl="0">
               <a:spcBef>
                 <a:spcPts val="0"/>
               </a:spcBef>
@@ -4710,7 +4902,7 @@
               <a:buNone/>
               <a:defRPr sz="3600"/>
             </a:lvl3pPr>
-            <a:lvl4pPr lvl="3" rtl="0" algn="ctr">
+            <a:lvl4pPr lvl="3" algn="ctr" rtl="0">
               <a:spcBef>
                 <a:spcPts val="0"/>
               </a:spcBef>
@@ -4721,7 +4913,7 @@
               <a:buNone/>
               <a:defRPr sz="3600"/>
             </a:lvl4pPr>
-            <a:lvl5pPr lvl="4" rtl="0" algn="ctr">
+            <a:lvl5pPr lvl="4" algn="ctr" rtl="0">
               <a:spcBef>
                 <a:spcPts val="0"/>
               </a:spcBef>
@@ -4732,7 +4924,7 @@
               <a:buNone/>
               <a:defRPr sz="3600"/>
             </a:lvl5pPr>
-            <a:lvl6pPr lvl="5" rtl="0" algn="ctr">
+            <a:lvl6pPr lvl="5" algn="ctr" rtl="0">
               <a:spcBef>
                 <a:spcPts val="0"/>
               </a:spcBef>
@@ -4743,7 +4935,7 @@
               <a:buNone/>
               <a:defRPr sz="3600"/>
             </a:lvl6pPr>
-            <a:lvl7pPr lvl="6" rtl="0" algn="ctr">
+            <a:lvl7pPr lvl="6" algn="ctr" rtl="0">
               <a:spcBef>
                 <a:spcPts val="0"/>
               </a:spcBef>
@@ -4754,7 +4946,7 @@
               <a:buNone/>
               <a:defRPr sz="3600"/>
             </a:lvl7pPr>
-            <a:lvl8pPr lvl="7" rtl="0" algn="ctr">
+            <a:lvl8pPr lvl="7" algn="ctr" rtl="0">
               <a:spcBef>
                 <a:spcPts val="0"/>
               </a:spcBef>
@@ -4765,7 +4957,7 @@
               <a:buNone/>
               <a:defRPr sz="3600"/>
             </a:lvl8pPr>
-            <a:lvl9pPr lvl="8" rtl="0" algn="ctr">
+            <a:lvl9pPr lvl="8" algn="ctr" rtl="0">
               <a:spcBef>
                 <a:spcPts val="0"/>
               </a:spcBef>
@@ -4777,15 +4969,19 @@
               <a:defRPr sz="3600"/>
             </a:lvl9pPr>
           </a:lstStyle>
-          <a:p/>
+          <a:p>
+            <a:endParaRPr/>
+          </a:p>
         </p:txBody>
       </p:sp>
       <p:sp>
         <p:nvSpPr>
           <p:cNvPr id="15" name="Google Shape;15;p3"/>
-          <p:cNvSpPr txBox="1"/>
+          <p:cNvSpPr txBox="1">
+            <a:spLocks noGrp="1"/>
+          </p:cNvSpPr>
           <p:nvPr>
-            <p:ph idx="12" type="sldNum"/>
+            <p:ph type="sldNum" idx="12"/>
           </p:nvPr>
         </p:nvSpPr>
         <p:spPr>
@@ -4798,7 +4994,7 @@
           </a:prstGeom>
         </p:spPr>
         <p:txBody>
-          <a:bodyPr anchorCtr="0" anchor="ctr" bIns="91425" lIns="91425" spcFirstLastPara="1" rIns="91425" wrap="square" tIns="91425">
+          <a:bodyPr spcFirstLastPara="1" wrap="square" lIns="91425" tIns="91425" rIns="91425" bIns="91425" anchor="ctr" anchorCtr="0">
             <a:noAutofit/>
           </a:bodyPr>
           <a:lstStyle>
@@ -4840,7 +5036,7 @@
             </a:lvl9pPr>
           </a:lstStyle>
           <a:p>
-            <a:pPr indent="0" lvl="0" marL="0" rtl="0" algn="r">
+            <a:pPr marL="0" lvl="0" indent="0" algn="r" rtl="0">
               <a:spcBef>
                 <a:spcPts val="0"/>
               </a:spcBef>
@@ -4866,11 +5062,11 @@
 </file>
 
 <file path=ppt/slideLayouts/slideLayout3.xml><?xml version="1.0" encoding="utf-8"?>
-<p:sldLayout xmlns:a="http://schemas.openxmlformats.org/drawingml/2006/main" xmlns:r="http://schemas.openxmlformats.org/officeDocument/2006/relationships" xmlns:mc="http://schemas.openxmlformats.org/markup-compatibility/2006" xmlns:mv="urn:schemas-microsoft-com:mac:vml" xmlns:p="http://schemas.openxmlformats.org/presentationml/2006/main" xmlns:c="http://schemas.openxmlformats.org/drawingml/2006/chart" xmlns:dgm="http://schemas.openxmlformats.org/drawingml/2006/diagram" xmlns:o="urn:schemas-microsoft-com:office:office" xmlns:v="urn:schemas-microsoft-com:vml" xmlns:pvml="urn:schemas-microsoft-com:office:powerpoint" xmlns:com="http://schemas.openxmlformats.org/drawingml/2006/compatibility" xmlns:p14="http://schemas.microsoft.com/office/powerpoint/2010/main" xmlns:p15="http://schemas.microsoft.com/office/powerpoint/2012/main" matchingName="Title and body" type="tx">
+<p:sldLayout xmlns:a="http://schemas.openxmlformats.org/drawingml/2006/main" xmlns:r="http://schemas.openxmlformats.org/officeDocument/2006/relationships" xmlns:p="http://schemas.openxmlformats.org/presentationml/2006/main" matchingName="Title and body" type="tx">
   <p:cSld name="TITLE_AND_BODY">
     <p:spTree>
       <p:nvGrpSpPr>
-        <p:cNvPr id="16" name="Shape 16"/>
+        <p:cNvPr id="1" name="Shape 16"/>
         <p:cNvGrpSpPr/>
         <p:nvPr/>
       </p:nvGrpSpPr>
@@ -4885,7 +5081,9 @@
       <p:sp>
         <p:nvSpPr>
           <p:cNvPr id="17" name="Google Shape;17;p4"/>
-          <p:cNvSpPr txBox="1"/>
+          <p:cNvSpPr txBox="1">
+            <a:spLocks noGrp="1"/>
+          </p:cNvSpPr>
           <p:nvPr>
             <p:ph type="title"/>
           </p:nvPr>
@@ -4900,7 +5098,7 @@
           </a:prstGeom>
         </p:spPr>
         <p:txBody>
-          <a:bodyPr anchorCtr="0" anchor="t" bIns="91425" lIns="91425" spcFirstLastPara="1" rIns="91425" wrap="square" tIns="91425">
+          <a:bodyPr spcFirstLastPara="1" wrap="square" lIns="91425" tIns="91425" rIns="91425" bIns="91425" anchor="t" anchorCtr="0">
             <a:noAutofit/>
           </a:bodyPr>
           <a:lstStyle>
@@ -5004,15 +5202,19 @@
               <a:defRPr/>
             </a:lvl9pPr>
           </a:lstStyle>
-          <a:p/>
+          <a:p>
+            <a:endParaRPr/>
+          </a:p>
         </p:txBody>
       </p:sp>
       <p:sp>
         <p:nvSpPr>
           <p:cNvPr id="18" name="Google Shape;18;p4"/>
-          <p:cNvSpPr txBox="1"/>
+          <p:cNvSpPr txBox="1">
+            <a:spLocks noGrp="1"/>
+          </p:cNvSpPr>
           <p:nvPr>
-            <p:ph idx="1" type="body"/>
+            <p:ph type="body" idx="1"/>
           </p:nvPr>
         </p:nvSpPr>
         <p:spPr>
@@ -5025,11 +5227,11 @@
           </a:prstGeom>
         </p:spPr>
         <p:txBody>
-          <a:bodyPr anchorCtr="0" anchor="t" bIns="91425" lIns="91425" spcFirstLastPara="1" rIns="91425" wrap="square" tIns="91425">
+          <a:bodyPr spcFirstLastPara="1" wrap="square" lIns="91425" tIns="91425" rIns="91425" bIns="91425" anchor="t" anchorCtr="0">
             <a:noAutofit/>
           </a:bodyPr>
           <a:lstStyle>
-            <a:lvl1pPr indent="-342900" lvl="0" marL="457200" rtl="0">
+            <a:lvl1pPr marL="457200" lvl="0" indent="-342900" rtl="0">
               <a:spcBef>
                 <a:spcPts val="0"/>
               </a:spcBef>
@@ -5040,7 +5242,7 @@
               <a:buChar char="●"/>
               <a:defRPr/>
             </a:lvl1pPr>
-            <a:lvl2pPr indent="-317500" lvl="1" marL="914400" rtl="0">
+            <a:lvl2pPr marL="914400" lvl="1" indent="-317500" rtl="0">
               <a:spcBef>
                 <a:spcPts val="1600"/>
               </a:spcBef>
@@ -5051,7 +5253,7 @@
               <a:buChar char="○"/>
               <a:defRPr/>
             </a:lvl2pPr>
-            <a:lvl3pPr indent="-317500" lvl="2" marL="1371600" rtl="0">
+            <a:lvl3pPr marL="1371600" lvl="2" indent="-317500" rtl="0">
               <a:spcBef>
                 <a:spcPts val="1600"/>
               </a:spcBef>
@@ -5062,7 +5264,7 @@
               <a:buChar char="■"/>
               <a:defRPr/>
             </a:lvl3pPr>
-            <a:lvl4pPr indent="-317500" lvl="3" marL="1828800" rtl="0">
+            <a:lvl4pPr marL="1828800" lvl="3" indent="-317500" rtl="0">
               <a:spcBef>
                 <a:spcPts val="1600"/>
               </a:spcBef>
@@ -5073,7 +5275,7 @@
               <a:buChar char="●"/>
               <a:defRPr/>
             </a:lvl4pPr>
-            <a:lvl5pPr indent="-317500" lvl="4" marL="2286000" rtl="0">
+            <a:lvl5pPr marL="2286000" lvl="4" indent="-317500" rtl="0">
               <a:spcBef>
                 <a:spcPts val="1600"/>
               </a:spcBef>
@@ -5084,7 +5286,7 @@
               <a:buChar char="○"/>
               <a:defRPr/>
             </a:lvl5pPr>
-            <a:lvl6pPr indent="-317500" lvl="5" marL="2743200" rtl="0">
+            <a:lvl6pPr marL="2743200" lvl="5" indent="-317500" rtl="0">
               <a:spcBef>
                 <a:spcPts val="1600"/>
               </a:spcBef>
@@ -5095,7 +5297,7 @@
               <a:buChar char="■"/>
               <a:defRPr/>
             </a:lvl6pPr>
-            <a:lvl7pPr indent="-317500" lvl="6" marL="3200400" rtl="0">
+            <a:lvl7pPr marL="3200400" lvl="6" indent="-317500" rtl="0">
               <a:spcBef>
                 <a:spcPts val="1600"/>
               </a:spcBef>
@@ -5106,7 +5308,7 @@
               <a:buChar char="●"/>
               <a:defRPr/>
             </a:lvl7pPr>
-            <a:lvl8pPr indent="-317500" lvl="7" marL="3657600" rtl="0">
+            <a:lvl8pPr marL="3657600" lvl="7" indent="-317500" rtl="0">
               <a:spcBef>
                 <a:spcPts val="1600"/>
               </a:spcBef>
@@ -5117,7 +5319,7 @@
               <a:buChar char="○"/>
               <a:defRPr/>
             </a:lvl8pPr>
-            <a:lvl9pPr indent="-317500" lvl="8" marL="4114800" rtl="0">
+            <a:lvl9pPr marL="4114800" lvl="8" indent="-317500" rtl="0">
               <a:spcBef>
                 <a:spcPts val="1600"/>
               </a:spcBef>
@@ -5129,15 +5331,19 @@
               <a:defRPr/>
             </a:lvl9pPr>
           </a:lstStyle>
-          <a:p/>
+          <a:p>
+            <a:endParaRPr/>
+          </a:p>
         </p:txBody>
       </p:sp>
       <p:sp>
         <p:nvSpPr>
           <p:cNvPr id="19" name="Google Shape;19;p4"/>
-          <p:cNvSpPr txBox="1"/>
+          <p:cNvSpPr txBox="1">
+            <a:spLocks noGrp="1"/>
+          </p:cNvSpPr>
           <p:nvPr>
-            <p:ph idx="12" type="sldNum"/>
+            <p:ph type="sldNum" idx="12"/>
           </p:nvPr>
         </p:nvSpPr>
         <p:spPr>
@@ -5150,7 +5356,7 @@
           </a:prstGeom>
         </p:spPr>
         <p:txBody>
-          <a:bodyPr anchorCtr="0" anchor="ctr" bIns="91425" lIns="91425" spcFirstLastPara="1" rIns="91425" wrap="square" tIns="91425">
+          <a:bodyPr spcFirstLastPara="1" wrap="square" lIns="91425" tIns="91425" rIns="91425" bIns="91425" anchor="ctr" anchorCtr="0">
             <a:noAutofit/>
           </a:bodyPr>
           <a:lstStyle>
@@ -5192,7 +5398,7 @@
             </a:lvl9pPr>
           </a:lstStyle>
           <a:p>
-            <a:pPr indent="0" lvl="0" marL="0" rtl="0" algn="r">
+            <a:pPr marL="0" lvl="0" indent="0" algn="r" rtl="0">
               <a:spcBef>
                 <a:spcPts val="0"/>
               </a:spcBef>
@@ -5218,11 +5424,11 @@
 </file>
 
 <file path=ppt/slideLayouts/slideLayout4.xml><?xml version="1.0" encoding="utf-8"?>
-<p:sldLayout xmlns:a="http://schemas.openxmlformats.org/drawingml/2006/main" xmlns:r="http://schemas.openxmlformats.org/officeDocument/2006/relationships" xmlns:mc="http://schemas.openxmlformats.org/markup-compatibility/2006" xmlns:mv="urn:schemas-microsoft-com:mac:vml" xmlns:p="http://schemas.openxmlformats.org/presentationml/2006/main" xmlns:c="http://schemas.openxmlformats.org/drawingml/2006/chart" xmlns:dgm="http://schemas.openxmlformats.org/drawingml/2006/diagram" xmlns:o="urn:schemas-microsoft-com:office:office" xmlns:v="urn:schemas-microsoft-com:vml" xmlns:pvml="urn:schemas-microsoft-com:office:powerpoint" xmlns:com="http://schemas.openxmlformats.org/drawingml/2006/compatibility" xmlns:p14="http://schemas.microsoft.com/office/powerpoint/2010/main" xmlns:p15="http://schemas.microsoft.com/office/powerpoint/2012/main" matchingName="Title and two columns" type="twoColTx">
+<p:sldLayout xmlns:a="http://schemas.openxmlformats.org/drawingml/2006/main" xmlns:r="http://schemas.openxmlformats.org/officeDocument/2006/relationships" xmlns:p="http://schemas.openxmlformats.org/presentationml/2006/main" matchingName="Title and two columns" type="twoColTx">
   <p:cSld name="TITLE_AND_TWO_COLUMNS">
     <p:spTree>
       <p:nvGrpSpPr>
-        <p:cNvPr id="20" name="Shape 20"/>
+        <p:cNvPr id="1" name="Shape 20"/>
         <p:cNvGrpSpPr/>
         <p:nvPr/>
       </p:nvGrpSpPr>
@@ -5237,7 +5443,9 @@
       <p:sp>
         <p:nvSpPr>
           <p:cNvPr id="21" name="Google Shape;21;p5"/>
-          <p:cNvSpPr txBox="1"/>
+          <p:cNvSpPr txBox="1">
+            <a:spLocks noGrp="1"/>
+          </p:cNvSpPr>
           <p:nvPr>
             <p:ph type="title"/>
           </p:nvPr>
@@ -5252,7 +5460,7 @@
           </a:prstGeom>
         </p:spPr>
         <p:txBody>
-          <a:bodyPr anchorCtr="0" anchor="t" bIns="91425" lIns="91425" spcFirstLastPara="1" rIns="91425" wrap="square" tIns="91425">
+          <a:bodyPr spcFirstLastPara="1" wrap="square" lIns="91425" tIns="91425" rIns="91425" bIns="91425" anchor="t" anchorCtr="0">
             <a:noAutofit/>
           </a:bodyPr>
           <a:lstStyle>
@@ -5356,15 +5564,19 @@
               <a:defRPr/>
             </a:lvl9pPr>
           </a:lstStyle>
-          <a:p/>
+          <a:p>
+            <a:endParaRPr/>
+          </a:p>
         </p:txBody>
       </p:sp>
       <p:sp>
         <p:nvSpPr>
           <p:cNvPr id="22" name="Google Shape;22;p5"/>
-          <p:cNvSpPr txBox="1"/>
+          <p:cNvSpPr txBox="1">
+            <a:spLocks noGrp="1"/>
+          </p:cNvSpPr>
           <p:nvPr>
-            <p:ph idx="1" type="body"/>
+            <p:ph type="body" idx="1"/>
           </p:nvPr>
         </p:nvSpPr>
         <p:spPr>
@@ -5377,11 +5589,11 @@
           </a:prstGeom>
         </p:spPr>
         <p:txBody>
-          <a:bodyPr anchorCtr="0" anchor="t" bIns="91425" lIns="91425" spcFirstLastPara="1" rIns="91425" wrap="square" tIns="91425">
+          <a:bodyPr spcFirstLastPara="1" wrap="square" lIns="91425" tIns="91425" rIns="91425" bIns="91425" anchor="t" anchorCtr="0">
             <a:noAutofit/>
           </a:bodyPr>
           <a:lstStyle>
-            <a:lvl1pPr indent="-317500" lvl="0" marL="457200" rtl="0">
+            <a:lvl1pPr marL="457200" lvl="0" indent="-317500" rtl="0">
               <a:spcBef>
                 <a:spcPts val="0"/>
               </a:spcBef>
@@ -5392,7 +5604,7 @@
               <a:buChar char="●"/>
               <a:defRPr sz="1400"/>
             </a:lvl1pPr>
-            <a:lvl2pPr indent="-304800" lvl="1" marL="914400" rtl="0">
+            <a:lvl2pPr marL="914400" lvl="1" indent="-304800" rtl="0">
               <a:spcBef>
                 <a:spcPts val="1600"/>
               </a:spcBef>
@@ -5403,7 +5615,7 @@
               <a:buChar char="○"/>
               <a:defRPr sz="1200"/>
             </a:lvl2pPr>
-            <a:lvl3pPr indent="-304800" lvl="2" marL="1371600" rtl="0">
+            <a:lvl3pPr marL="1371600" lvl="2" indent="-304800" rtl="0">
               <a:spcBef>
                 <a:spcPts val="1600"/>
               </a:spcBef>
@@ -5414,7 +5626,7 @@
               <a:buChar char="■"/>
               <a:defRPr sz="1200"/>
             </a:lvl3pPr>
-            <a:lvl4pPr indent="-304800" lvl="3" marL="1828800" rtl="0">
+            <a:lvl4pPr marL="1828800" lvl="3" indent="-304800" rtl="0">
               <a:spcBef>
                 <a:spcPts val="1600"/>
               </a:spcBef>
@@ -5425,7 +5637,7 @@
               <a:buChar char="●"/>
               <a:defRPr sz="1200"/>
             </a:lvl4pPr>
-            <a:lvl5pPr indent="-304800" lvl="4" marL="2286000" rtl="0">
+            <a:lvl5pPr marL="2286000" lvl="4" indent="-304800" rtl="0">
               <a:spcBef>
                 <a:spcPts val="1600"/>
               </a:spcBef>
@@ -5436,7 +5648,7 @@
               <a:buChar char="○"/>
               <a:defRPr sz="1200"/>
             </a:lvl5pPr>
-            <a:lvl6pPr indent="-304800" lvl="5" marL="2743200" rtl="0">
+            <a:lvl6pPr marL="2743200" lvl="5" indent="-304800" rtl="0">
               <a:spcBef>
                 <a:spcPts val="1600"/>
               </a:spcBef>
@@ -5447,7 +5659,7 @@
               <a:buChar char="■"/>
               <a:defRPr sz="1200"/>
             </a:lvl6pPr>
-            <a:lvl7pPr indent="-304800" lvl="6" marL="3200400" rtl="0">
+            <a:lvl7pPr marL="3200400" lvl="6" indent="-304800" rtl="0">
               <a:spcBef>
                 <a:spcPts val="1600"/>
               </a:spcBef>
@@ -5458,7 +5670,7 @@
               <a:buChar char="●"/>
               <a:defRPr sz="1200"/>
             </a:lvl7pPr>
-            <a:lvl8pPr indent="-304800" lvl="7" marL="3657600" rtl="0">
+            <a:lvl8pPr marL="3657600" lvl="7" indent="-304800" rtl="0">
               <a:spcBef>
                 <a:spcPts val="1600"/>
               </a:spcBef>
@@ -5469,7 +5681,7 @@
               <a:buChar char="○"/>
               <a:defRPr sz="1200"/>
             </a:lvl8pPr>
-            <a:lvl9pPr indent="-304800" lvl="8" marL="4114800" rtl="0">
+            <a:lvl9pPr marL="4114800" lvl="8" indent="-304800" rtl="0">
               <a:spcBef>
                 <a:spcPts val="1600"/>
               </a:spcBef>
@@ -5481,15 +5693,19 @@
               <a:defRPr sz="1200"/>
             </a:lvl9pPr>
           </a:lstStyle>
-          <a:p/>
+          <a:p>
+            <a:endParaRPr/>
+          </a:p>
         </p:txBody>
       </p:sp>
       <p:sp>
         <p:nvSpPr>
           <p:cNvPr id="23" name="Google Shape;23;p5"/>
-          <p:cNvSpPr txBox="1"/>
+          <p:cNvSpPr txBox="1">
+            <a:spLocks noGrp="1"/>
+          </p:cNvSpPr>
           <p:nvPr>
-            <p:ph idx="2" type="body"/>
+            <p:ph type="body" idx="2"/>
           </p:nvPr>
         </p:nvSpPr>
         <p:spPr>
@@ -5502,11 +5718,11 @@
           </a:prstGeom>
         </p:spPr>
         <p:txBody>
-          <a:bodyPr anchorCtr="0" anchor="t" bIns="91425" lIns="91425" spcFirstLastPara="1" rIns="91425" wrap="square" tIns="91425">
+          <a:bodyPr spcFirstLastPara="1" wrap="square" lIns="91425" tIns="91425" rIns="91425" bIns="91425" anchor="t" anchorCtr="0">
             <a:noAutofit/>
           </a:bodyPr>
           <a:lstStyle>
-            <a:lvl1pPr indent="-317500" lvl="0" marL="457200" rtl="0">
+            <a:lvl1pPr marL="457200" lvl="0" indent="-317500" rtl="0">
               <a:spcBef>
                 <a:spcPts val="0"/>
               </a:spcBef>
@@ -5517,7 +5733,7 @@
               <a:buChar char="●"/>
               <a:defRPr sz="1400"/>
             </a:lvl1pPr>
-            <a:lvl2pPr indent="-304800" lvl="1" marL="914400" rtl="0">
+            <a:lvl2pPr marL="914400" lvl="1" indent="-304800" rtl="0">
               <a:spcBef>
                 <a:spcPts val="1600"/>
               </a:spcBef>
@@ -5528,7 +5744,7 @@
               <a:buChar char="○"/>
               <a:defRPr sz="1200"/>
             </a:lvl2pPr>
-            <a:lvl3pPr indent="-304800" lvl="2" marL="1371600" rtl="0">
+            <a:lvl3pPr marL="1371600" lvl="2" indent="-304800" rtl="0">
               <a:spcBef>
                 <a:spcPts val="1600"/>
               </a:spcBef>
@@ -5539,7 +5755,7 @@
               <a:buChar char="■"/>
               <a:defRPr sz="1200"/>
             </a:lvl3pPr>
-            <a:lvl4pPr indent="-304800" lvl="3" marL="1828800" rtl="0">
+            <a:lvl4pPr marL="1828800" lvl="3" indent="-304800" rtl="0">
               <a:spcBef>
                 <a:spcPts val="1600"/>
               </a:spcBef>
@@ -5550,7 +5766,7 @@
               <a:buChar char="●"/>
               <a:defRPr sz="1200"/>
             </a:lvl4pPr>
-            <a:lvl5pPr indent="-304800" lvl="4" marL="2286000" rtl="0">
+            <a:lvl5pPr marL="2286000" lvl="4" indent="-304800" rtl="0">
               <a:spcBef>
                 <a:spcPts val="1600"/>
               </a:spcBef>
@@ -5561,7 +5777,7 @@
               <a:buChar char="○"/>
               <a:defRPr sz="1200"/>
             </a:lvl5pPr>
-            <a:lvl6pPr indent="-304800" lvl="5" marL="2743200" rtl="0">
+            <a:lvl6pPr marL="2743200" lvl="5" indent="-304800" rtl="0">
               <a:spcBef>
                 <a:spcPts val="1600"/>
               </a:spcBef>
@@ -5572,7 +5788,7 @@
               <a:buChar char="■"/>
               <a:defRPr sz="1200"/>
             </a:lvl6pPr>
-            <a:lvl7pPr indent="-304800" lvl="6" marL="3200400" rtl="0">
+            <a:lvl7pPr marL="3200400" lvl="6" indent="-304800" rtl="0">
               <a:spcBef>
                 <a:spcPts val="1600"/>
               </a:spcBef>
@@ -5583,7 +5799,7 @@
               <a:buChar char="●"/>
               <a:defRPr sz="1200"/>
             </a:lvl7pPr>
-            <a:lvl8pPr indent="-304800" lvl="7" marL="3657600" rtl="0">
+            <a:lvl8pPr marL="3657600" lvl="7" indent="-304800" rtl="0">
               <a:spcBef>
                 <a:spcPts val="1600"/>
               </a:spcBef>
@@ -5594,7 +5810,7 @@
               <a:buChar char="○"/>
               <a:defRPr sz="1200"/>
             </a:lvl8pPr>
-            <a:lvl9pPr indent="-304800" lvl="8" marL="4114800" rtl="0">
+            <a:lvl9pPr marL="4114800" lvl="8" indent="-304800" rtl="0">
               <a:spcBef>
                 <a:spcPts val="1600"/>
               </a:spcBef>
@@ -5606,15 +5822,19 @@
               <a:defRPr sz="1200"/>
             </a:lvl9pPr>
           </a:lstStyle>
-          <a:p/>
+          <a:p>
+            <a:endParaRPr/>
+          </a:p>
         </p:txBody>
       </p:sp>
       <p:sp>
         <p:nvSpPr>
           <p:cNvPr id="24" name="Google Shape;24;p5"/>
-          <p:cNvSpPr txBox="1"/>
+          <p:cNvSpPr txBox="1">
+            <a:spLocks noGrp="1"/>
+          </p:cNvSpPr>
           <p:nvPr>
-            <p:ph idx="12" type="sldNum"/>
+            <p:ph type="sldNum" idx="12"/>
           </p:nvPr>
         </p:nvSpPr>
         <p:spPr>
@@ -5627,7 +5847,7 @@
           </a:prstGeom>
         </p:spPr>
         <p:txBody>
-          <a:bodyPr anchorCtr="0" anchor="ctr" bIns="91425" lIns="91425" spcFirstLastPara="1" rIns="91425" wrap="square" tIns="91425">
+          <a:bodyPr spcFirstLastPara="1" wrap="square" lIns="91425" tIns="91425" rIns="91425" bIns="91425" anchor="ctr" anchorCtr="0">
             <a:noAutofit/>
           </a:bodyPr>
           <a:lstStyle>
@@ -5669,7 +5889,7 @@
             </a:lvl9pPr>
           </a:lstStyle>
           <a:p>
-            <a:pPr indent="0" lvl="0" marL="0" rtl="0" algn="r">
+            <a:pPr marL="0" lvl="0" indent="0" algn="r" rtl="0">
               <a:spcBef>
                 <a:spcPts val="0"/>
               </a:spcBef>
@@ -5695,11 +5915,11 @@
 </file>
 
 <file path=ppt/slideLayouts/slideLayout5.xml><?xml version="1.0" encoding="utf-8"?>
-<p:sldLayout xmlns:a="http://schemas.openxmlformats.org/drawingml/2006/main" xmlns:r="http://schemas.openxmlformats.org/officeDocument/2006/relationships" xmlns:mc="http://schemas.openxmlformats.org/markup-compatibility/2006" xmlns:mv="urn:schemas-microsoft-com:mac:vml" xmlns:p="http://schemas.openxmlformats.org/presentationml/2006/main" xmlns:c="http://schemas.openxmlformats.org/drawingml/2006/chart" xmlns:dgm="http://schemas.openxmlformats.org/drawingml/2006/diagram" xmlns:o="urn:schemas-microsoft-com:office:office" xmlns:v="urn:schemas-microsoft-com:vml" xmlns:pvml="urn:schemas-microsoft-com:office:powerpoint" xmlns:com="http://schemas.openxmlformats.org/drawingml/2006/compatibility" xmlns:p14="http://schemas.microsoft.com/office/powerpoint/2010/main" xmlns:p15="http://schemas.microsoft.com/office/powerpoint/2012/main" matchingName="Title only" type="titleOnly">
+<p:sldLayout xmlns:a="http://schemas.openxmlformats.org/drawingml/2006/main" xmlns:r="http://schemas.openxmlformats.org/officeDocument/2006/relationships" xmlns:p="http://schemas.openxmlformats.org/presentationml/2006/main" matchingName="Title only" type="titleOnly">
   <p:cSld name="TITLE_ONLY">
     <p:spTree>
       <p:nvGrpSpPr>
-        <p:cNvPr id="25" name="Shape 25"/>
+        <p:cNvPr id="1" name="Shape 25"/>
         <p:cNvGrpSpPr/>
         <p:nvPr/>
       </p:nvGrpSpPr>
@@ -5714,7 +5934,9 @@
       <p:sp>
         <p:nvSpPr>
           <p:cNvPr id="26" name="Google Shape;26;p6"/>
-          <p:cNvSpPr txBox="1"/>
+          <p:cNvSpPr txBox="1">
+            <a:spLocks noGrp="1"/>
+          </p:cNvSpPr>
           <p:nvPr>
             <p:ph type="title"/>
           </p:nvPr>
@@ -5729,7 +5951,7 @@
           </a:prstGeom>
         </p:spPr>
         <p:txBody>
-          <a:bodyPr anchorCtr="0" anchor="t" bIns="91425" lIns="91425" spcFirstLastPara="1" rIns="91425" wrap="square" tIns="91425">
+          <a:bodyPr spcFirstLastPara="1" wrap="square" lIns="91425" tIns="91425" rIns="91425" bIns="91425" anchor="t" anchorCtr="0">
             <a:noAutofit/>
           </a:bodyPr>
           <a:lstStyle>
@@ -5833,15 +6055,19 @@
               <a:defRPr/>
             </a:lvl9pPr>
           </a:lstStyle>
-          <a:p/>
+          <a:p>
+            <a:endParaRPr/>
+          </a:p>
         </p:txBody>
       </p:sp>
       <p:sp>
         <p:nvSpPr>
           <p:cNvPr id="27" name="Google Shape;27;p6"/>
-          <p:cNvSpPr txBox="1"/>
+          <p:cNvSpPr txBox="1">
+            <a:spLocks noGrp="1"/>
+          </p:cNvSpPr>
           <p:nvPr>
-            <p:ph idx="12" type="sldNum"/>
+            <p:ph type="sldNum" idx="12"/>
           </p:nvPr>
         </p:nvSpPr>
         <p:spPr>
@@ -5854,7 +6080,7 @@
           </a:prstGeom>
         </p:spPr>
         <p:txBody>
-          <a:bodyPr anchorCtr="0" anchor="ctr" bIns="91425" lIns="91425" spcFirstLastPara="1" rIns="91425" wrap="square" tIns="91425">
+          <a:bodyPr spcFirstLastPara="1" wrap="square" lIns="91425" tIns="91425" rIns="91425" bIns="91425" anchor="ctr" anchorCtr="0">
             <a:noAutofit/>
           </a:bodyPr>
           <a:lstStyle>
@@ -5896,7 +6122,7 @@
             </a:lvl9pPr>
           </a:lstStyle>
           <a:p>
-            <a:pPr indent="0" lvl="0" marL="0" rtl="0" algn="r">
+            <a:pPr marL="0" lvl="0" indent="0" algn="r" rtl="0">
               <a:spcBef>
                 <a:spcPts val="0"/>
               </a:spcBef>
@@ -5922,11 +6148,11 @@
 </file>
 
 <file path=ppt/slideLayouts/slideLayout6.xml><?xml version="1.0" encoding="utf-8"?>
-<p:sldLayout xmlns:a="http://schemas.openxmlformats.org/drawingml/2006/main" xmlns:r="http://schemas.openxmlformats.org/officeDocument/2006/relationships" xmlns:mc="http://schemas.openxmlformats.org/markup-compatibility/2006" xmlns:mv="urn:schemas-microsoft-com:mac:vml" xmlns:p="http://schemas.openxmlformats.org/presentationml/2006/main" xmlns:c="http://schemas.openxmlformats.org/drawingml/2006/chart" xmlns:dgm="http://schemas.openxmlformats.org/drawingml/2006/diagram" xmlns:o="urn:schemas-microsoft-com:office:office" xmlns:v="urn:schemas-microsoft-com:vml" xmlns:pvml="urn:schemas-microsoft-com:office:powerpoint" xmlns:com="http://schemas.openxmlformats.org/drawingml/2006/compatibility" xmlns:p14="http://schemas.microsoft.com/office/powerpoint/2010/main" xmlns:p15="http://schemas.microsoft.com/office/powerpoint/2012/main" matchingName="One column text">
+<p:sldLayout xmlns:a="http://schemas.openxmlformats.org/drawingml/2006/main" xmlns:r="http://schemas.openxmlformats.org/officeDocument/2006/relationships" xmlns:p="http://schemas.openxmlformats.org/presentationml/2006/main" matchingName="One column text">
   <p:cSld name="ONE_COLUMN_TEXT">
     <p:spTree>
       <p:nvGrpSpPr>
-        <p:cNvPr id="28" name="Shape 28"/>
+        <p:cNvPr id="1" name="Shape 28"/>
         <p:cNvGrpSpPr/>
         <p:nvPr/>
       </p:nvGrpSpPr>
@@ -5941,7 +6167,9 @@
       <p:sp>
         <p:nvSpPr>
           <p:cNvPr id="29" name="Google Shape;29;p7"/>
-          <p:cNvSpPr txBox="1"/>
+          <p:cNvSpPr txBox="1">
+            <a:spLocks noGrp="1"/>
+          </p:cNvSpPr>
           <p:nvPr>
             <p:ph type="title"/>
           </p:nvPr>
@@ -5956,7 +6184,7 @@
           </a:prstGeom>
         </p:spPr>
         <p:txBody>
-          <a:bodyPr anchorCtr="0" anchor="b" bIns="91425" lIns="91425" spcFirstLastPara="1" rIns="91425" wrap="square" tIns="91425">
+          <a:bodyPr spcFirstLastPara="1" wrap="square" lIns="91425" tIns="91425" rIns="91425" bIns="91425" anchor="b" anchorCtr="0">
             <a:noAutofit/>
           </a:bodyPr>
           <a:lstStyle>
@@ -6060,15 +6288,19 @@
               <a:defRPr sz="2400"/>
             </a:lvl9pPr>
           </a:lstStyle>
-          <a:p/>
+          <a:p>
+            <a:endParaRPr/>
+          </a:p>
         </p:txBody>
       </p:sp>
       <p:sp>
         <p:nvSpPr>
           <p:cNvPr id="30" name="Google Shape;30;p7"/>
-          <p:cNvSpPr txBox="1"/>
+          <p:cNvSpPr txBox="1">
+            <a:spLocks noGrp="1"/>
+          </p:cNvSpPr>
           <p:nvPr>
-            <p:ph idx="1" type="body"/>
+            <p:ph type="body" idx="1"/>
           </p:nvPr>
         </p:nvSpPr>
         <p:spPr>
@@ -6081,11 +6313,11 @@
           </a:prstGeom>
         </p:spPr>
         <p:txBody>
-          <a:bodyPr anchorCtr="0" anchor="t" bIns="91425" lIns="91425" spcFirstLastPara="1" rIns="91425" wrap="square" tIns="91425">
+          <a:bodyPr spcFirstLastPara="1" wrap="square" lIns="91425" tIns="91425" rIns="91425" bIns="91425" anchor="t" anchorCtr="0">
             <a:noAutofit/>
           </a:bodyPr>
           <a:lstStyle>
-            <a:lvl1pPr indent="-304800" lvl="0" marL="457200" rtl="0">
+            <a:lvl1pPr marL="457200" lvl="0" indent="-304800" rtl="0">
               <a:spcBef>
                 <a:spcPts val="0"/>
               </a:spcBef>
@@ -6096,7 +6328,7 @@
               <a:buChar char="●"/>
               <a:defRPr sz="1200"/>
             </a:lvl1pPr>
-            <a:lvl2pPr indent="-304800" lvl="1" marL="914400" rtl="0">
+            <a:lvl2pPr marL="914400" lvl="1" indent="-304800" rtl="0">
               <a:spcBef>
                 <a:spcPts val="1600"/>
               </a:spcBef>
@@ -6107,7 +6339,7 @@
               <a:buChar char="○"/>
               <a:defRPr sz="1200"/>
             </a:lvl2pPr>
-            <a:lvl3pPr indent="-304800" lvl="2" marL="1371600" rtl="0">
+            <a:lvl3pPr marL="1371600" lvl="2" indent="-304800" rtl="0">
               <a:spcBef>
                 <a:spcPts val="1600"/>
               </a:spcBef>
@@ -6118,7 +6350,7 @@
               <a:buChar char="■"/>
               <a:defRPr sz="1200"/>
             </a:lvl3pPr>
-            <a:lvl4pPr indent="-304800" lvl="3" marL="1828800" rtl="0">
+            <a:lvl4pPr marL="1828800" lvl="3" indent="-304800" rtl="0">
               <a:spcBef>
                 <a:spcPts val="1600"/>
               </a:spcBef>
@@ -6129,7 +6361,7 @@
               <a:buChar char="●"/>
               <a:defRPr sz="1200"/>
             </a:lvl4pPr>
-            <a:lvl5pPr indent="-304800" lvl="4" marL="2286000" rtl="0">
+            <a:lvl5pPr marL="2286000" lvl="4" indent="-304800" rtl="0">
               <a:spcBef>
                 <a:spcPts val="1600"/>
               </a:spcBef>
@@ -6140,7 +6372,7 @@
               <a:buChar char="○"/>
               <a:defRPr sz="1200"/>
             </a:lvl5pPr>
-            <a:lvl6pPr indent="-304800" lvl="5" marL="2743200" rtl="0">
+            <a:lvl6pPr marL="2743200" lvl="5" indent="-304800" rtl="0">
               <a:spcBef>
                 <a:spcPts val="1600"/>
               </a:spcBef>
@@ -6151,7 +6383,7 @@
               <a:buChar char="■"/>
               <a:defRPr sz="1200"/>
             </a:lvl6pPr>
-            <a:lvl7pPr indent="-304800" lvl="6" marL="3200400" rtl="0">
+            <a:lvl7pPr marL="3200400" lvl="6" indent="-304800" rtl="0">
               <a:spcBef>
                 <a:spcPts val="1600"/>
               </a:spcBef>
@@ -6162,7 +6394,7 @@
               <a:buChar char="●"/>
               <a:defRPr sz="1200"/>
             </a:lvl7pPr>
-            <a:lvl8pPr indent="-304800" lvl="7" marL="3657600" rtl="0">
+            <a:lvl8pPr marL="3657600" lvl="7" indent="-304800" rtl="0">
               <a:spcBef>
                 <a:spcPts val="1600"/>
               </a:spcBef>
@@ -6173,7 +6405,7 @@
               <a:buChar char="○"/>
               <a:defRPr sz="1200"/>
             </a:lvl8pPr>
-            <a:lvl9pPr indent="-304800" lvl="8" marL="4114800" rtl="0">
+            <a:lvl9pPr marL="4114800" lvl="8" indent="-304800" rtl="0">
               <a:spcBef>
                 <a:spcPts val="1600"/>
               </a:spcBef>
@@ -6185,15 +6417,19 @@
               <a:defRPr sz="1200"/>
             </a:lvl9pPr>
           </a:lstStyle>
-          <a:p/>
+          <a:p>
+            <a:endParaRPr/>
+          </a:p>
         </p:txBody>
       </p:sp>
       <p:sp>
         <p:nvSpPr>
           <p:cNvPr id="31" name="Google Shape;31;p7"/>
-          <p:cNvSpPr txBox="1"/>
+          <p:cNvSpPr txBox="1">
+            <a:spLocks noGrp="1"/>
+          </p:cNvSpPr>
           <p:nvPr>
-            <p:ph idx="12" type="sldNum"/>
+            <p:ph type="sldNum" idx="12"/>
           </p:nvPr>
         </p:nvSpPr>
         <p:spPr>
@@ -6206,7 +6442,7 @@
           </a:prstGeom>
         </p:spPr>
         <p:txBody>
-          <a:bodyPr anchorCtr="0" anchor="ctr" bIns="91425" lIns="91425" spcFirstLastPara="1" rIns="91425" wrap="square" tIns="91425">
+          <a:bodyPr spcFirstLastPara="1" wrap="square" lIns="91425" tIns="91425" rIns="91425" bIns="91425" anchor="ctr" anchorCtr="0">
             <a:noAutofit/>
           </a:bodyPr>
           <a:lstStyle>
@@ -6248,7 +6484,7 @@
             </a:lvl9pPr>
           </a:lstStyle>
           <a:p>
-            <a:pPr indent="0" lvl="0" marL="0" rtl="0" algn="r">
+            <a:pPr marL="0" lvl="0" indent="0" algn="r" rtl="0">
               <a:spcBef>
                 <a:spcPts val="0"/>
               </a:spcBef>
@@ -6274,11 +6510,11 @@
 </file>
 
 <file path=ppt/slideLayouts/slideLayout7.xml><?xml version="1.0" encoding="utf-8"?>
-<p:sldLayout xmlns:a="http://schemas.openxmlformats.org/drawingml/2006/main" xmlns:r="http://schemas.openxmlformats.org/officeDocument/2006/relationships" xmlns:mc="http://schemas.openxmlformats.org/markup-compatibility/2006" xmlns:mv="urn:schemas-microsoft-com:mac:vml" xmlns:p="http://schemas.openxmlformats.org/presentationml/2006/main" xmlns:c="http://schemas.openxmlformats.org/drawingml/2006/chart" xmlns:dgm="http://schemas.openxmlformats.org/drawingml/2006/diagram" xmlns:o="urn:schemas-microsoft-com:office:office" xmlns:v="urn:schemas-microsoft-com:vml" xmlns:pvml="urn:schemas-microsoft-com:office:powerpoint" xmlns:com="http://schemas.openxmlformats.org/drawingml/2006/compatibility" xmlns:p14="http://schemas.microsoft.com/office/powerpoint/2010/main" xmlns:p15="http://schemas.microsoft.com/office/powerpoint/2012/main" matchingName="Main point">
+<p:sldLayout xmlns:a="http://schemas.openxmlformats.org/drawingml/2006/main" xmlns:r="http://schemas.openxmlformats.org/officeDocument/2006/relationships" xmlns:p="http://schemas.openxmlformats.org/presentationml/2006/main" matchingName="Main point">
   <p:cSld name="MAIN_POINT">
     <p:spTree>
       <p:nvGrpSpPr>
-        <p:cNvPr id="32" name="Shape 32"/>
+        <p:cNvPr id="1" name="Shape 32"/>
         <p:cNvGrpSpPr/>
         <p:nvPr/>
       </p:nvGrpSpPr>
@@ -6293,7 +6529,9 @@
       <p:sp>
         <p:nvSpPr>
           <p:cNvPr id="33" name="Google Shape;33;p8"/>
-          <p:cNvSpPr txBox="1"/>
+          <p:cNvSpPr txBox="1">
+            <a:spLocks noGrp="1"/>
+          </p:cNvSpPr>
           <p:nvPr>
             <p:ph type="title"/>
           </p:nvPr>
@@ -6308,7 +6546,7 @@
           </a:prstGeom>
         </p:spPr>
         <p:txBody>
-          <a:bodyPr anchorCtr="0" anchor="ctr" bIns="91425" lIns="91425" spcFirstLastPara="1" rIns="91425" wrap="square" tIns="91425">
+          <a:bodyPr spcFirstLastPara="1" wrap="square" lIns="91425" tIns="91425" rIns="91425" bIns="91425" anchor="ctr" anchorCtr="0">
             <a:noAutofit/>
           </a:bodyPr>
           <a:lstStyle>
@@ -6412,15 +6650,19 @@
               <a:defRPr sz="4800"/>
             </a:lvl9pPr>
           </a:lstStyle>
-          <a:p/>
+          <a:p>
+            <a:endParaRPr/>
+          </a:p>
         </p:txBody>
       </p:sp>
       <p:sp>
         <p:nvSpPr>
           <p:cNvPr id="34" name="Google Shape;34;p8"/>
-          <p:cNvSpPr txBox="1"/>
+          <p:cNvSpPr txBox="1">
+            <a:spLocks noGrp="1"/>
+          </p:cNvSpPr>
           <p:nvPr>
-            <p:ph idx="12" type="sldNum"/>
+            <p:ph type="sldNum" idx="12"/>
           </p:nvPr>
         </p:nvSpPr>
         <p:spPr>
@@ -6433,7 +6675,7 @@
           </a:prstGeom>
         </p:spPr>
         <p:txBody>
-          <a:bodyPr anchorCtr="0" anchor="ctr" bIns="91425" lIns="91425" spcFirstLastPara="1" rIns="91425" wrap="square" tIns="91425">
+          <a:bodyPr spcFirstLastPara="1" wrap="square" lIns="91425" tIns="91425" rIns="91425" bIns="91425" anchor="ctr" anchorCtr="0">
             <a:noAutofit/>
           </a:bodyPr>
           <a:lstStyle>
@@ -6475,7 +6717,7 @@
             </a:lvl9pPr>
           </a:lstStyle>
           <a:p>
-            <a:pPr indent="0" lvl="0" marL="0" rtl="0" algn="r">
+            <a:pPr marL="0" lvl="0" indent="0" algn="r" rtl="0">
               <a:spcBef>
                 <a:spcPts val="0"/>
               </a:spcBef>
@@ -6501,11 +6743,11 @@
 </file>
 
 <file path=ppt/slideLayouts/slideLayout8.xml><?xml version="1.0" encoding="utf-8"?>
-<p:sldLayout xmlns:a="http://schemas.openxmlformats.org/drawingml/2006/main" xmlns:r="http://schemas.openxmlformats.org/officeDocument/2006/relationships" xmlns:mc="http://schemas.openxmlformats.org/markup-compatibility/2006" xmlns:mv="urn:schemas-microsoft-com:mac:vml" xmlns:p="http://schemas.openxmlformats.org/presentationml/2006/main" xmlns:c="http://schemas.openxmlformats.org/drawingml/2006/chart" xmlns:dgm="http://schemas.openxmlformats.org/drawingml/2006/diagram" xmlns:o="urn:schemas-microsoft-com:office:office" xmlns:v="urn:schemas-microsoft-com:vml" xmlns:pvml="urn:schemas-microsoft-com:office:powerpoint" xmlns:com="http://schemas.openxmlformats.org/drawingml/2006/compatibility" xmlns:p14="http://schemas.microsoft.com/office/powerpoint/2010/main" xmlns:p15="http://schemas.microsoft.com/office/powerpoint/2012/main" matchingName="Section title and description">
+<p:sldLayout xmlns:a="http://schemas.openxmlformats.org/drawingml/2006/main" xmlns:r="http://schemas.openxmlformats.org/officeDocument/2006/relationships" xmlns:p="http://schemas.openxmlformats.org/presentationml/2006/main" matchingName="Section title and description">
   <p:cSld name="SECTION_TITLE_AND_DESCRIPTION">
     <p:spTree>
       <p:nvGrpSpPr>
-        <p:cNvPr id="35" name="Shape 35"/>
+        <p:cNvPr id="1" name="Shape 35"/>
         <p:cNvGrpSpPr/>
         <p:nvPr/>
       </p:nvGrpSpPr>
@@ -6539,12 +6781,12 @@
           </a:ln>
         </p:spPr>
         <p:txBody>
-          <a:bodyPr anchorCtr="0" anchor="ctr" bIns="91425" lIns="91425" spcFirstLastPara="1" rIns="91425" wrap="square" tIns="91425">
+          <a:bodyPr spcFirstLastPara="1" wrap="square" lIns="91425" tIns="91425" rIns="91425" bIns="91425" anchor="ctr" anchorCtr="0">
             <a:noAutofit/>
           </a:bodyPr>
           <a:lstStyle/>
           <a:p>
-            <a:pPr indent="0" lvl="0" marL="0" rtl="0" algn="l">
+            <a:pPr marL="0" lvl="0" indent="0" algn="l" rtl="0">
               <a:spcBef>
                 <a:spcPts val="0"/>
               </a:spcBef>
@@ -6553,9 +6795,6 @@
               </a:spcAft>
               <a:buNone/>
             </a:pPr>
-            <a:r>
-              <a:t/>
-            </a:r>
             <a:endParaRPr/>
           </a:p>
         </p:txBody>
@@ -6563,7 +6802,9 @@
       <p:sp>
         <p:nvSpPr>
           <p:cNvPr id="37" name="Google Shape;37;p9"/>
-          <p:cNvSpPr txBox="1"/>
+          <p:cNvSpPr txBox="1">
+            <a:spLocks noGrp="1"/>
+          </p:cNvSpPr>
           <p:nvPr>
             <p:ph type="title"/>
           </p:nvPr>
@@ -6578,11 +6819,11 @@
           </a:prstGeom>
         </p:spPr>
         <p:txBody>
-          <a:bodyPr anchorCtr="0" anchor="b" bIns="91425" lIns="91425" spcFirstLastPara="1" rIns="91425" wrap="square" tIns="91425">
+          <a:bodyPr spcFirstLastPara="1" wrap="square" lIns="91425" tIns="91425" rIns="91425" bIns="91425" anchor="b" anchorCtr="0">
             <a:noAutofit/>
           </a:bodyPr>
           <a:lstStyle>
-            <a:lvl1pPr lvl="0" rtl="0" algn="ctr">
+            <a:lvl1pPr lvl="0" algn="ctr" rtl="0">
               <a:spcBef>
                 <a:spcPts val="0"/>
               </a:spcBef>
@@ -6593,7 +6834,7 @@
               <a:buNone/>
               <a:defRPr sz="4200"/>
             </a:lvl1pPr>
-            <a:lvl2pPr lvl="1" rtl="0" algn="ctr">
+            <a:lvl2pPr lvl="1" algn="ctr" rtl="0">
               <a:spcBef>
                 <a:spcPts val="0"/>
               </a:spcBef>
@@ -6604,7 +6845,7 @@
               <a:buNone/>
               <a:defRPr sz="4200"/>
             </a:lvl2pPr>
-            <a:lvl3pPr lvl="2" rtl="0" algn="ctr">
+            <a:lvl3pPr lvl="2" algn="ctr" rtl="0">
               <a:spcBef>
                 <a:spcPts val="0"/>
               </a:spcBef>
@@ -6615,7 +6856,7 @@
               <a:buNone/>
               <a:defRPr sz="4200"/>
             </a:lvl3pPr>
-            <a:lvl4pPr lvl="3" rtl="0" algn="ctr">
+            <a:lvl4pPr lvl="3" algn="ctr" rtl="0">
               <a:spcBef>
                 <a:spcPts val="0"/>
               </a:spcBef>
@@ -6626,7 +6867,7 @@
               <a:buNone/>
               <a:defRPr sz="4200"/>
             </a:lvl4pPr>
-            <a:lvl5pPr lvl="4" rtl="0" algn="ctr">
+            <a:lvl5pPr lvl="4" algn="ctr" rtl="0">
               <a:spcBef>
                 <a:spcPts val="0"/>
               </a:spcBef>
@@ -6637,7 +6878,7 @@
               <a:buNone/>
               <a:defRPr sz="4200"/>
             </a:lvl5pPr>
-            <a:lvl6pPr lvl="5" rtl="0" algn="ctr">
+            <a:lvl6pPr lvl="5" algn="ctr" rtl="0">
               <a:spcBef>
                 <a:spcPts val="0"/>
               </a:spcBef>
@@ -6648,7 +6889,7 @@
               <a:buNone/>
               <a:defRPr sz="4200"/>
             </a:lvl6pPr>
-            <a:lvl7pPr lvl="6" rtl="0" algn="ctr">
+            <a:lvl7pPr lvl="6" algn="ctr" rtl="0">
               <a:spcBef>
                 <a:spcPts val="0"/>
               </a:spcBef>
@@ -6659,7 +6900,7 @@
               <a:buNone/>
               <a:defRPr sz="4200"/>
             </a:lvl7pPr>
-            <a:lvl8pPr lvl="7" rtl="0" algn="ctr">
+            <a:lvl8pPr lvl="7" algn="ctr" rtl="0">
               <a:spcBef>
                 <a:spcPts val="0"/>
               </a:spcBef>
@@ -6670,7 +6911,7 @@
               <a:buNone/>
               <a:defRPr sz="4200"/>
             </a:lvl8pPr>
-            <a:lvl9pPr lvl="8" rtl="0" algn="ctr">
+            <a:lvl9pPr lvl="8" algn="ctr" rtl="0">
               <a:spcBef>
                 <a:spcPts val="0"/>
               </a:spcBef>
@@ -6682,15 +6923,19 @@
               <a:defRPr sz="4200"/>
             </a:lvl9pPr>
           </a:lstStyle>
-          <a:p/>
+          <a:p>
+            <a:endParaRPr/>
+          </a:p>
         </p:txBody>
       </p:sp>
       <p:sp>
         <p:nvSpPr>
           <p:cNvPr id="38" name="Google Shape;38;p9"/>
-          <p:cNvSpPr txBox="1"/>
+          <p:cNvSpPr txBox="1">
+            <a:spLocks noGrp="1"/>
+          </p:cNvSpPr>
           <p:nvPr>
-            <p:ph idx="1" type="subTitle"/>
+            <p:ph type="subTitle" idx="1"/>
           </p:nvPr>
         </p:nvSpPr>
         <p:spPr>
@@ -6703,11 +6948,11 @@
           </a:prstGeom>
         </p:spPr>
         <p:txBody>
-          <a:bodyPr anchorCtr="0" anchor="t" bIns="91425" lIns="91425" spcFirstLastPara="1" rIns="91425" wrap="square" tIns="91425">
+          <a:bodyPr spcFirstLastPara="1" wrap="square" lIns="91425" tIns="91425" rIns="91425" bIns="91425" anchor="t" anchorCtr="0">
             <a:noAutofit/>
           </a:bodyPr>
           <a:lstStyle>
-            <a:lvl1pPr lvl="0" rtl="0" algn="ctr">
+            <a:lvl1pPr lvl="0" algn="ctr" rtl="0">
               <a:lnSpc>
                 <a:spcPct val="100000"/>
               </a:lnSpc>
@@ -6721,7 +6966,7 @@
               <a:buNone/>
               <a:defRPr sz="2100"/>
             </a:lvl1pPr>
-            <a:lvl2pPr lvl="1" rtl="0" algn="ctr">
+            <a:lvl2pPr lvl="1" algn="ctr" rtl="0">
               <a:lnSpc>
                 <a:spcPct val="100000"/>
               </a:lnSpc>
@@ -6735,7 +6980,7 @@
               <a:buNone/>
               <a:defRPr sz="2100"/>
             </a:lvl2pPr>
-            <a:lvl3pPr lvl="2" rtl="0" algn="ctr">
+            <a:lvl3pPr lvl="2" algn="ctr" rtl="0">
               <a:lnSpc>
                 <a:spcPct val="100000"/>
               </a:lnSpc>
@@ -6749,7 +6994,7 @@
               <a:buNone/>
               <a:defRPr sz="2100"/>
             </a:lvl3pPr>
-            <a:lvl4pPr lvl="3" rtl="0" algn="ctr">
+            <a:lvl4pPr lvl="3" algn="ctr" rtl="0">
               <a:lnSpc>
                 <a:spcPct val="100000"/>
               </a:lnSpc>
@@ -6763,7 +7008,7 @@
               <a:buNone/>
               <a:defRPr sz="2100"/>
             </a:lvl4pPr>
-            <a:lvl5pPr lvl="4" rtl="0" algn="ctr">
+            <a:lvl5pPr lvl="4" algn="ctr" rtl="0">
               <a:lnSpc>
                 <a:spcPct val="100000"/>
               </a:lnSpc>
@@ -6777,7 +7022,7 @@
               <a:buNone/>
               <a:defRPr sz="2100"/>
             </a:lvl5pPr>
-            <a:lvl6pPr lvl="5" rtl="0" algn="ctr">
+            <a:lvl6pPr lvl="5" algn="ctr" rtl="0">
               <a:lnSpc>
                 <a:spcPct val="100000"/>
               </a:lnSpc>
@@ -6791,7 +7036,7 @@
               <a:buNone/>
               <a:defRPr sz="2100"/>
             </a:lvl6pPr>
-            <a:lvl7pPr lvl="6" rtl="0" algn="ctr">
+            <a:lvl7pPr lvl="6" algn="ctr" rtl="0">
               <a:lnSpc>
                 <a:spcPct val="100000"/>
               </a:lnSpc>
@@ -6805,7 +7050,7 @@
               <a:buNone/>
               <a:defRPr sz="2100"/>
             </a:lvl7pPr>
-            <a:lvl8pPr lvl="7" rtl="0" algn="ctr">
+            <a:lvl8pPr lvl="7" algn="ctr" rtl="0">
               <a:lnSpc>
                 <a:spcPct val="100000"/>
               </a:lnSpc>
@@ -6819,7 +7064,7 @@
               <a:buNone/>
               <a:defRPr sz="2100"/>
             </a:lvl8pPr>
-            <a:lvl9pPr lvl="8" rtl="0" algn="ctr">
+            <a:lvl9pPr lvl="8" algn="ctr" rtl="0">
               <a:lnSpc>
                 <a:spcPct val="100000"/>
               </a:lnSpc>
@@ -6834,15 +7079,19 @@
               <a:defRPr sz="2100"/>
             </a:lvl9pPr>
           </a:lstStyle>
-          <a:p/>
+          <a:p>
+            <a:endParaRPr/>
+          </a:p>
         </p:txBody>
       </p:sp>
       <p:sp>
         <p:nvSpPr>
           <p:cNvPr id="39" name="Google Shape;39;p9"/>
-          <p:cNvSpPr txBox="1"/>
+          <p:cNvSpPr txBox="1">
+            <a:spLocks noGrp="1"/>
+          </p:cNvSpPr>
           <p:nvPr>
-            <p:ph idx="2" type="body"/>
+            <p:ph type="body" idx="2"/>
           </p:nvPr>
         </p:nvSpPr>
         <p:spPr>
@@ -6855,11 +7104,11 @@
           </a:prstGeom>
         </p:spPr>
         <p:txBody>
-          <a:bodyPr anchorCtr="0" anchor="ctr" bIns="91425" lIns="91425" spcFirstLastPara="1" rIns="91425" wrap="square" tIns="91425">
+          <a:bodyPr spcFirstLastPara="1" wrap="square" lIns="91425" tIns="91425" rIns="91425" bIns="91425" anchor="ctr" anchorCtr="0">
             <a:noAutofit/>
           </a:bodyPr>
           <a:lstStyle>
-            <a:lvl1pPr indent="-342900" lvl="0" marL="457200" rtl="0">
+            <a:lvl1pPr marL="457200" lvl="0" indent="-342900" rtl="0">
               <a:spcBef>
                 <a:spcPts val="0"/>
               </a:spcBef>
@@ -6870,7 +7119,7 @@
               <a:buChar char="●"/>
               <a:defRPr/>
             </a:lvl1pPr>
-            <a:lvl2pPr indent="-317500" lvl="1" marL="914400" rtl="0">
+            <a:lvl2pPr marL="914400" lvl="1" indent="-317500" rtl="0">
               <a:spcBef>
                 <a:spcPts val="1600"/>
               </a:spcBef>
@@ -6881,7 +7130,7 @@
               <a:buChar char="○"/>
               <a:defRPr/>
             </a:lvl2pPr>
-            <a:lvl3pPr indent="-317500" lvl="2" marL="1371600" rtl="0">
+            <a:lvl3pPr marL="1371600" lvl="2" indent="-317500" rtl="0">
               <a:spcBef>
                 <a:spcPts val="1600"/>
               </a:spcBef>
@@ -6892,7 +7141,7 @@
               <a:buChar char="■"/>
               <a:defRPr/>
             </a:lvl3pPr>
-            <a:lvl4pPr indent="-317500" lvl="3" marL="1828800" rtl="0">
+            <a:lvl4pPr marL="1828800" lvl="3" indent="-317500" rtl="0">
               <a:spcBef>
                 <a:spcPts val="1600"/>
               </a:spcBef>
@@ -6903,7 +7152,7 @@
               <a:buChar char="●"/>
               <a:defRPr/>
             </a:lvl4pPr>
-            <a:lvl5pPr indent="-317500" lvl="4" marL="2286000" rtl="0">
+            <a:lvl5pPr marL="2286000" lvl="4" indent="-317500" rtl="0">
               <a:spcBef>
                 <a:spcPts val="1600"/>
               </a:spcBef>
@@ -6914,7 +7163,7 @@
               <a:buChar char="○"/>
               <a:defRPr/>
             </a:lvl5pPr>
-            <a:lvl6pPr indent="-317500" lvl="5" marL="2743200" rtl="0">
+            <a:lvl6pPr marL="2743200" lvl="5" indent="-317500" rtl="0">
               <a:spcBef>
                 <a:spcPts val="1600"/>
               </a:spcBef>
@@ -6925,7 +7174,7 @@
               <a:buChar char="■"/>
               <a:defRPr/>
             </a:lvl6pPr>
-            <a:lvl7pPr indent="-317500" lvl="6" marL="3200400" rtl="0">
+            <a:lvl7pPr marL="3200400" lvl="6" indent="-317500" rtl="0">
               <a:spcBef>
                 <a:spcPts val="1600"/>
               </a:spcBef>
@@ -6936,7 +7185,7 @@
               <a:buChar char="●"/>
               <a:defRPr/>
             </a:lvl7pPr>
-            <a:lvl8pPr indent="-317500" lvl="7" marL="3657600" rtl="0">
+            <a:lvl8pPr marL="3657600" lvl="7" indent="-317500" rtl="0">
               <a:spcBef>
                 <a:spcPts val="1600"/>
               </a:spcBef>
@@ -6947,7 +7196,7 @@
               <a:buChar char="○"/>
               <a:defRPr/>
             </a:lvl8pPr>
-            <a:lvl9pPr indent="-317500" lvl="8" marL="4114800" rtl="0">
+            <a:lvl9pPr marL="4114800" lvl="8" indent="-317500" rtl="0">
               <a:spcBef>
                 <a:spcPts val="1600"/>
               </a:spcBef>
@@ -6959,15 +7208,19 @@
               <a:defRPr/>
             </a:lvl9pPr>
           </a:lstStyle>
-          <a:p/>
+          <a:p>
+            <a:endParaRPr/>
+          </a:p>
         </p:txBody>
       </p:sp>
       <p:sp>
         <p:nvSpPr>
           <p:cNvPr id="40" name="Google Shape;40;p9"/>
-          <p:cNvSpPr txBox="1"/>
+          <p:cNvSpPr txBox="1">
+            <a:spLocks noGrp="1"/>
+          </p:cNvSpPr>
           <p:nvPr>
-            <p:ph idx="12" type="sldNum"/>
+            <p:ph type="sldNum" idx="12"/>
           </p:nvPr>
         </p:nvSpPr>
         <p:spPr>
@@ -6980,7 +7233,7 @@
           </a:prstGeom>
         </p:spPr>
         <p:txBody>
-          <a:bodyPr anchorCtr="0" anchor="ctr" bIns="91425" lIns="91425" spcFirstLastPara="1" rIns="91425" wrap="square" tIns="91425">
+          <a:bodyPr spcFirstLastPara="1" wrap="square" lIns="91425" tIns="91425" rIns="91425" bIns="91425" anchor="ctr" anchorCtr="0">
             <a:noAutofit/>
           </a:bodyPr>
           <a:lstStyle>
@@ -7022,7 +7275,7 @@
             </a:lvl9pPr>
           </a:lstStyle>
           <a:p>
-            <a:pPr indent="0" lvl="0" marL="0" rtl="0" algn="r">
+            <a:pPr marL="0" lvl="0" indent="0" algn="r" rtl="0">
               <a:spcBef>
                 <a:spcPts val="0"/>
               </a:spcBef>
@@ -7048,11 +7301,11 @@
 </file>
 
 <file path=ppt/slideLayouts/slideLayout9.xml><?xml version="1.0" encoding="utf-8"?>
-<p:sldLayout xmlns:a="http://schemas.openxmlformats.org/drawingml/2006/main" xmlns:r="http://schemas.openxmlformats.org/officeDocument/2006/relationships" xmlns:mc="http://schemas.openxmlformats.org/markup-compatibility/2006" xmlns:mv="urn:schemas-microsoft-com:mac:vml" xmlns:p="http://schemas.openxmlformats.org/presentationml/2006/main" xmlns:c="http://schemas.openxmlformats.org/drawingml/2006/chart" xmlns:dgm="http://schemas.openxmlformats.org/drawingml/2006/diagram" xmlns:o="urn:schemas-microsoft-com:office:office" xmlns:v="urn:schemas-microsoft-com:vml" xmlns:pvml="urn:schemas-microsoft-com:office:powerpoint" xmlns:com="http://schemas.openxmlformats.org/drawingml/2006/compatibility" xmlns:p14="http://schemas.microsoft.com/office/powerpoint/2010/main" xmlns:p15="http://schemas.microsoft.com/office/powerpoint/2012/main" matchingName="Caption">
+<p:sldLayout xmlns:a="http://schemas.openxmlformats.org/drawingml/2006/main" xmlns:r="http://schemas.openxmlformats.org/officeDocument/2006/relationships" xmlns:p="http://schemas.openxmlformats.org/presentationml/2006/main" matchingName="Caption">
   <p:cSld name="CAPTION_ONLY">
     <p:spTree>
       <p:nvGrpSpPr>
-        <p:cNvPr id="41" name="Shape 41"/>
+        <p:cNvPr id="1" name="Shape 41"/>
         <p:cNvGrpSpPr/>
         <p:nvPr/>
       </p:nvGrpSpPr>
@@ -7067,9 +7320,11 @@
       <p:sp>
         <p:nvSpPr>
           <p:cNvPr id="42" name="Google Shape;42;p10"/>
-          <p:cNvSpPr txBox="1"/>
+          <p:cNvSpPr txBox="1">
+            <a:spLocks noGrp="1"/>
+          </p:cNvSpPr>
           <p:nvPr>
-            <p:ph idx="1" type="body"/>
+            <p:ph type="body" idx="1"/>
           </p:nvPr>
         </p:nvSpPr>
         <p:spPr>
@@ -7082,11 +7337,11 @@
           </a:prstGeom>
         </p:spPr>
         <p:txBody>
-          <a:bodyPr anchorCtr="0" anchor="ctr" bIns="91425" lIns="91425" spcFirstLastPara="1" rIns="91425" wrap="square" tIns="91425">
+          <a:bodyPr spcFirstLastPara="1" wrap="square" lIns="91425" tIns="91425" rIns="91425" bIns="91425" anchor="ctr" anchorCtr="0">
             <a:noAutofit/>
           </a:bodyPr>
           <a:lstStyle>
-            <a:lvl1pPr indent="-228600" lvl="0" marL="457200" rtl="0">
+            <a:lvl1pPr marL="457200" lvl="0" indent="-228600" rtl="0">
               <a:lnSpc>
                 <a:spcPct val="100000"/>
               </a:lnSpc>
@@ -7101,15 +7356,19 @@
               <a:defRPr/>
             </a:lvl1pPr>
           </a:lstStyle>
-          <a:p/>
+          <a:p>
+            <a:endParaRPr/>
+          </a:p>
         </p:txBody>
       </p:sp>
       <p:sp>
         <p:nvSpPr>
           <p:cNvPr id="43" name="Google Shape;43;p10"/>
-          <p:cNvSpPr txBox="1"/>
+          <p:cNvSpPr txBox="1">
+            <a:spLocks noGrp="1"/>
+          </p:cNvSpPr>
           <p:nvPr>
-            <p:ph idx="12" type="sldNum"/>
+            <p:ph type="sldNum" idx="12"/>
           </p:nvPr>
         </p:nvSpPr>
         <p:spPr>
@@ -7122,7 +7381,7 @@
           </a:prstGeom>
         </p:spPr>
         <p:txBody>
-          <a:bodyPr anchorCtr="0" anchor="ctr" bIns="91425" lIns="91425" spcFirstLastPara="1" rIns="91425" wrap="square" tIns="91425">
+          <a:bodyPr spcFirstLastPara="1" wrap="square" lIns="91425" tIns="91425" rIns="91425" bIns="91425" anchor="ctr" anchorCtr="0">
             <a:noAutofit/>
           </a:bodyPr>
           <a:lstStyle>
@@ -7164,7 +7423,7 @@
             </a:lvl9pPr>
           </a:lstStyle>
           <a:p>
-            <a:pPr indent="0" lvl="0" marL="0" rtl="0" algn="r">
+            <a:pPr marL="0" lvl="0" indent="0" algn="r" rtl="0">
               <a:spcBef>
                 <a:spcPts val="0"/>
               </a:spcBef>
@@ -7190,18 +7449,19 @@
 </file>
 
 <file path=ppt/slideMasters/slideMaster1.xml><?xml version="1.0" encoding="utf-8"?>
-<p:sldMaster xmlns:a="http://schemas.openxmlformats.org/drawingml/2006/main" xmlns:r="http://schemas.openxmlformats.org/officeDocument/2006/relationships" xmlns:mc="http://schemas.openxmlformats.org/markup-compatibility/2006" xmlns:mv="urn:schemas-microsoft-com:mac:vml" xmlns:p="http://schemas.openxmlformats.org/presentationml/2006/main" xmlns:c="http://schemas.openxmlformats.org/drawingml/2006/chart" xmlns:dgm="http://schemas.openxmlformats.org/drawingml/2006/diagram" xmlns:o="urn:schemas-microsoft-com:office:office" xmlns:v="urn:schemas-microsoft-com:vml" xmlns:pvml="urn:schemas-microsoft-com:office:powerpoint" xmlns:com="http://schemas.openxmlformats.org/drawingml/2006/compatibility" xmlns:p14="http://schemas.microsoft.com/office/powerpoint/2010/main" xmlns:p15="http://schemas.microsoft.com/office/powerpoint/2012/main">
+<p:sldMaster xmlns:a="http://schemas.openxmlformats.org/drawingml/2006/main" xmlns:r="http://schemas.openxmlformats.org/officeDocument/2006/relationships" xmlns:p="http://schemas.openxmlformats.org/presentationml/2006/main">
   <p:cSld name="simple-light-2">
     <p:bg>
       <p:bgPr>
         <a:solidFill>
           <a:schemeClr val="lt1"/>
         </a:solidFill>
+        <a:effectLst/>
       </p:bgPr>
     </p:bg>
     <p:spTree>
       <p:nvGrpSpPr>
-        <p:cNvPr id="5" name="Shape 5"/>
+        <p:cNvPr id="1" name="Shape 5"/>
         <p:cNvGrpSpPr/>
         <p:nvPr/>
       </p:nvGrpSpPr>
@@ -7216,7 +7476,9 @@
       <p:sp>
         <p:nvSpPr>
           <p:cNvPr id="6" name="Google Shape;6;p1"/>
-          <p:cNvSpPr txBox="1"/>
+          <p:cNvSpPr txBox="1">
+            <a:spLocks noGrp="1"/>
+          </p:cNvSpPr>
           <p:nvPr>
             <p:ph type="title"/>
           </p:nvPr>
@@ -7235,7 +7497,7 @@
           </a:ln>
         </p:spPr>
         <p:txBody>
-          <a:bodyPr anchorCtr="0" anchor="t" bIns="91425" lIns="91425" spcFirstLastPara="1" rIns="91425" wrap="square" tIns="91425">
+          <a:bodyPr spcFirstLastPara="1" wrap="square" lIns="91425" tIns="91425" rIns="91425" bIns="91425" anchor="t" anchorCtr="0">
             <a:noAutofit/>
           </a:bodyPr>
           <a:lstStyle>
@@ -7402,15 +7664,19 @@
               </a:defRPr>
             </a:lvl9pPr>
           </a:lstStyle>
-          <a:p/>
+          <a:p>
+            <a:endParaRPr/>
+          </a:p>
         </p:txBody>
       </p:sp>
       <p:sp>
         <p:nvSpPr>
           <p:cNvPr id="7" name="Google Shape;7;p1"/>
-          <p:cNvSpPr txBox="1"/>
+          <p:cNvSpPr txBox="1">
+            <a:spLocks noGrp="1"/>
+          </p:cNvSpPr>
           <p:nvPr>
-            <p:ph idx="1" type="body"/>
+            <p:ph type="body" idx="1"/>
           </p:nvPr>
         </p:nvSpPr>
         <p:spPr>
@@ -7427,11 +7693,11 @@
           </a:ln>
         </p:spPr>
         <p:txBody>
-          <a:bodyPr anchorCtr="0" anchor="t" bIns="91425" lIns="91425" spcFirstLastPara="1" rIns="91425" wrap="square" tIns="91425">
+          <a:bodyPr spcFirstLastPara="1" wrap="square" lIns="91425" tIns="91425" rIns="91425" bIns="91425" anchor="t" anchorCtr="0">
             <a:noAutofit/>
           </a:bodyPr>
           <a:lstStyle>
-            <a:lvl1pPr indent="-342900" lvl="0" marL="457200" rtl="0">
+            <a:lvl1pPr marL="457200" lvl="0" indent="-342900" rtl="0">
               <a:lnSpc>
                 <a:spcPct val="115000"/>
               </a:lnSpc>
@@ -7452,7 +7718,7 @@
                 </a:solidFill>
               </a:defRPr>
             </a:lvl1pPr>
-            <a:lvl2pPr indent="-317500" lvl="1" marL="914400" rtl="0">
+            <a:lvl2pPr marL="914400" lvl="1" indent="-317500" rtl="0">
               <a:lnSpc>
                 <a:spcPct val="115000"/>
               </a:lnSpc>
@@ -7473,7 +7739,7 @@
                 </a:solidFill>
               </a:defRPr>
             </a:lvl2pPr>
-            <a:lvl3pPr indent="-317500" lvl="2" marL="1371600" rtl="0">
+            <a:lvl3pPr marL="1371600" lvl="2" indent="-317500" rtl="0">
               <a:lnSpc>
                 <a:spcPct val="115000"/>
               </a:lnSpc>
@@ -7494,7 +7760,7 @@
                 </a:solidFill>
               </a:defRPr>
             </a:lvl3pPr>
-            <a:lvl4pPr indent="-317500" lvl="3" marL="1828800" rtl="0">
+            <a:lvl4pPr marL="1828800" lvl="3" indent="-317500" rtl="0">
               <a:lnSpc>
                 <a:spcPct val="115000"/>
               </a:lnSpc>
@@ -7515,7 +7781,7 @@
                 </a:solidFill>
               </a:defRPr>
             </a:lvl4pPr>
-            <a:lvl5pPr indent="-317500" lvl="4" marL="2286000" rtl="0">
+            <a:lvl5pPr marL="2286000" lvl="4" indent="-317500" rtl="0">
               <a:lnSpc>
                 <a:spcPct val="115000"/>
               </a:lnSpc>
@@ -7536,7 +7802,7 @@
                 </a:solidFill>
               </a:defRPr>
             </a:lvl5pPr>
-            <a:lvl6pPr indent="-317500" lvl="5" marL="2743200" rtl="0">
+            <a:lvl6pPr marL="2743200" lvl="5" indent="-317500" rtl="0">
               <a:lnSpc>
                 <a:spcPct val="115000"/>
               </a:lnSpc>
@@ -7557,7 +7823,7 @@
                 </a:solidFill>
               </a:defRPr>
             </a:lvl6pPr>
-            <a:lvl7pPr indent="-317500" lvl="6" marL="3200400" rtl="0">
+            <a:lvl7pPr marL="3200400" lvl="6" indent="-317500" rtl="0">
               <a:lnSpc>
                 <a:spcPct val="115000"/>
               </a:lnSpc>
@@ -7578,7 +7844,7 @@
                 </a:solidFill>
               </a:defRPr>
             </a:lvl7pPr>
-            <a:lvl8pPr indent="-317500" lvl="7" marL="3657600" rtl="0">
+            <a:lvl8pPr marL="3657600" lvl="7" indent="-317500" rtl="0">
               <a:lnSpc>
                 <a:spcPct val="115000"/>
               </a:lnSpc>
@@ -7599,7 +7865,7 @@
                 </a:solidFill>
               </a:defRPr>
             </a:lvl8pPr>
-            <a:lvl9pPr indent="-317500" lvl="8" marL="4114800" rtl="0">
+            <a:lvl9pPr marL="4114800" lvl="8" indent="-317500" rtl="0">
               <a:lnSpc>
                 <a:spcPct val="115000"/>
               </a:lnSpc>
@@ -7621,15 +7887,19 @@
               </a:defRPr>
             </a:lvl9pPr>
           </a:lstStyle>
-          <a:p/>
+          <a:p>
+            <a:endParaRPr/>
+          </a:p>
         </p:txBody>
       </p:sp>
       <p:sp>
         <p:nvSpPr>
           <p:cNvPr id="8" name="Google Shape;8;p1"/>
-          <p:cNvSpPr txBox="1"/>
+          <p:cNvSpPr txBox="1">
+            <a:spLocks noGrp="1"/>
+          </p:cNvSpPr>
           <p:nvPr>
-            <p:ph idx="12" type="sldNum"/>
+            <p:ph type="sldNum" idx="12"/>
           </p:nvPr>
         </p:nvSpPr>
         <p:spPr>
@@ -7646,11 +7916,11 @@
           </a:ln>
         </p:spPr>
         <p:txBody>
-          <a:bodyPr anchorCtr="0" anchor="ctr" bIns="91425" lIns="91425" spcFirstLastPara="1" rIns="91425" wrap="square" tIns="91425">
+          <a:bodyPr spcFirstLastPara="1" wrap="square" lIns="91425" tIns="91425" rIns="91425" bIns="91425" anchor="ctr" anchorCtr="0">
             <a:noAutofit/>
           </a:bodyPr>
           <a:lstStyle>
-            <a:lvl1pPr lvl="0" rtl="0" algn="r">
+            <a:lvl1pPr lvl="0" algn="r" rtl="0">
               <a:buNone/>
               <a:defRPr sz="1000">
                 <a:solidFill>
@@ -7658,7 +7928,7 @@
                 </a:solidFill>
               </a:defRPr>
             </a:lvl1pPr>
-            <a:lvl2pPr lvl="1" rtl="0" algn="r">
+            <a:lvl2pPr lvl="1" algn="r" rtl="0">
               <a:buNone/>
               <a:defRPr sz="1000">
                 <a:solidFill>
@@ -7666,7 +7936,7 @@
                 </a:solidFill>
               </a:defRPr>
             </a:lvl2pPr>
-            <a:lvl3pPr lvl="2" rtl="0" algn="r">
+            <a:lvl3pPr lvl="2" algn="r" rtl="0">
               <a:buNone/>
               <a:defRPr sz="1000">
                 <a:solidFill>
@@ -7674,7 +7944,7 @@
                 </a:solidFill>
               </a:defRPr>
             </a:lvl3pPr>
-            <a:lvl4pPr lvl="3" rtl="0" algn="r">
+            <a:lvl4pPr lvl="3" algn="r" rtl="0">
               <a:buNone/>
               <a:defRPr sz="1000">
                 <a:solidFill>
@@ -7682,7 +7952,7 @@
                 </a:solidFill>
               </a:defRPr>
             </a:lvl4pPr>
-            <a:lvl5pPr lvl="4" rtl="0" algn="r">
+            <a:lvl5pPr lvl="4" algn="r" rtl="0">
               <a:buNone/>
               <a:defRPr sz="1000">
                 <a:solidFill>
@@ -7690,7 +7960,7 @@
                 </a:solidFill>
               </a:defRPr>
             </a:lvl5pPr>
-            <a:lvl6pPr lvl="5" rtl="0" algn="r">
+            <a:lvl6pPr lvl="5" algn="r" rtl="0">
               <a:buNone/>
               <a:defRPr sz="1000">
                 <a:solidFill>
@@ -7698,7 +7968,7 @@
                 </a:solidFill>
               </a:defRPr>
             </a:lvl6pPr>
-            <a:lvl7pPr lvl="6" rtl="0" algn="r">
+            <a:lvl7pPr lvl="6" algn="r" rtl="0">
               <a:buNone/>
               <a:defRPr sz="1000">
                 <a:solidFill>
@@ -7706,7 +7976,7 @@
                 </a:solidFill>
               </a:defRPr>
             </a:lvl7pPr>
-            <a:lvl8pPr lvl="7" rtl="0" algn="r">
+            <a:lvl8pPr lvl="7" algn="r" rtl="0">
               <a:buNone/>
               <a:defRPr sz="1000">
                 <a:solidFill>
@@ -7714,7 +7984,7 @@
                 </a:solidFill>
               </a:defRPr>
             </a:lvl8pPr>
-            <a:lvl9pPr lvl="8" rtl="0" algn="r">
+            <a:lvl9pPr lvl="8" algn="r" rtl="0">
               <a:buNone/>
               <a:defRPr sz="1000">
                 <a:solidFill>
@@ -7724,7 +7994,7 @@
             </a:lvl9pPr>
           </a:lstStyle>
           <a:p>
-            <a:pPr indent="0" lvl="0" marL="0" rtl="0" algn="r">
+            <a:pPr marL="0" lvl="0" indent="0" algn="r" rtl="0">
               <a:spcBef>
                 <a:spcPts val="0"/>
               </a:spcBef>
@@ -7743,7 +8013,7 @@
       </p:sp>
     </p:spTree>
   </p:cSld>
-  <p:clrMap accent1="accent1" accent2="accent2" accent3="accent3" accent4="accent4" accent5="accent5" accent6="accent6" bg1="lt1" bg2="dk2" tx1="dk1" tx2="lt2" folHlink="folHlink" hlink="hlink"/>
+  <p:clrMap bg1="lt1" tx1="dk1" bg2="dk2" tx2="lt2" accent1="accent1" accent2="accent2" accent3="accent3" accent4="accent4" accent5="accent5" accent6="accent6" hlink="hlink" folHlink="folHlink"/>
   <p:sldLayoutIdLst>
     <p:sldLayoutId id="2147483648" r:id="rId1"/>
     <p:sldLayoutId id="2147483649" r:id="rId2"/>
@@ -7757,22 +8027,22 @@
     <p:sldLayoutId id="2147483657" r:id="rId10"/>
     <p:sldLayoutId id="2147483658" r:id="rId11"/>
   </p:sldLayoutIdLst>
-  <mc:AlternateContent>
+  <mc:AlternateContent xmlns:mc="http://schemas.openxmlformats.org/markup-compatibility/2006" xmlns:p14="http://schemas.microsoft.com/office/powerpoint/2010/main">
     <mc:Choice Requires="p14">
-      <p:transition spd="slow" p14:dur="1000">
+      <p:transition spd="slow">
         <p:fade thruBlk="1"/>
       </p:transition>
     </mc:Choice>
-    <mc:Fallback>
+    <mc:Fallback xmlns:p15="http://schemas.microsoft.com/office/powerpoint/2012/main" xmlns:com="http://schemas.openxmlformats.org/drawingml/2006/compatibility" xmlns:pvml="urn:schemas-microsoft-com:office:powerpoint" xmlns:v="urn:schemas-microsoft-com:vml" xmlns:o="urn:schemas-microsoft-com:office:office" xmlns:dgm="http://schemas.openxmlformats.org/drawingml/2006/diagram" xmlns:c="http://schemas.openxmlformats.org/drawingml/2006/chart" xmlns:mv="urn:schemas-microsoft-com:mac:vml" xmlns="">
       <p:transition spd="slow">
         <p:fade/>
       </p:transition>
     </mc:Fallback>
   </mc:AlternateContent>
-  <p:hf dt="0" ftr="0" hdr="0" sldNum="0"/>
+  <p:hf sldNum="0" hdr="0" ftr="0" dt="0"/>
   <p:txStyles>
     <p:titleStyle>
-      <a:defPPr lvl="0" marR="0" rtl="0" algn="l">
+      <a:defPPr marR="0" lvl="0" algn="l" rtl="0">
         <a:lnSpc>
           <a:spcPct val="100000"/>
         </a:lnSpc>
@@ -7783,7 +8053,7 @@
           <a:spcPts val="0"/>
         </a:spcAft>
       </a:defPPr>
-      <a:lvl1pPr lvl="0" marR="0" rtl="0" algn="l">
+      <a:lvl1pPr marR="0" lvl="0" algn="l" rtl="0">
         <a:lnSpc>
           <a:spcPct val="100000"/>
         </a:lnSpc>
@@ -7797,7 +8067,7 @@
           <a:srgbClr val="000000"/>
         </a:buClr>
         <a:buFont typeface="Arial"/>
-        <a:defRPr b="0" i="0" sz="1400" u="none" cap="none" strike="noStrike">
+        <a:defRPr sz="1400" b="0" i="0" u="none" strike="noStrike" cap="none">
           <a:solidFill>
             <a:srgbClr val="000000"/>
           </a:solidFill>
@@ -7807,7 +8077,7 @@
           <a:sym typeface="Arial"/>
         </a:defRPr>
       </a:lvl1pPr>
-      <a:lvl2pPr lvl="1" marR="0" rtl="0" algn="l">
+      <a:lvl2pPr marR="0" lvl="1" algn="l" rtl="0">
         <a:lnSpc>
           <a:spcPct val="100000"/>
         </a:lnSpc>
@@ -7821,7 +8091,7 @@
           <a:srgbClr val="000000"/>
         </a:buClr>
         <a:buFont typeface="Arial"/>
-        <a:defRPr b="0" i="0" sz="1400" u="none" cap="none" strike="noStrike">
+        <a:defRPr sz="1400" b="0" i="0" u="none" strike="noStrike" cap="none">
           <a:solidFill>
             <a:srgbClr val="000000"/>
           </a:solidFill>
@@ -7831,7 +8101,7 @@
           <a:sym typeface="Arial"/>
         </a:defRPr>
       </a:lvl2pPr>
-      <a:lvl3pPr lvl="2" marR="0" rtl="0" algn="l">
+      <a:lvl3pPr marR="0" lvl="2" algn="l" rtl="0">
         <a:lnSpc>
           <a:spcPct val="100000"/>
         </a:lnSpc>
@@ -7845,7 +8115,7 @@
           <a:srgbClr val="000000"/>
         </a:buClr>
         <a:buFont typeface="Arial"/>
-        <a:defRPr b="0" i="0" sz="1400" u="none" cap="none" strike="noStrike">
+        <a:defRPr sz="1400" b="0" i="0" u="none" strike="noStrike" cap="none">
           <a:solidFill>
             <a:srgbClr val="000000"/>
           </a:solidFill>
@@ -7855,7 +8125,7 @@
           <a:sym typeface="Arial"/>
         </a:defRPr>
       </a:lvl3pPr>
-      <a:lvl4pPr lvl="3" marR="0" rtl="0" algn="l">
+      <a:lvl4pPr marR="0" lvl="3" algn="l" rtl="0">
         <a:lnSpc>
           <a:spcPct val="100000"/>
         </a:lnSpc>
@@ -7869,7 +8139,7 @@
           <a:srgbClr val="000000"/>
         </a:buClr>
         <a:buFont typeface="Arial"/>
-        <a:defRPr b="0" i="0" sz="1400" u="none" cap="none" strike="noStrike">
+        <a:defRPr sz="1400" b="0" i="0" u="none" strike="noStrike" cap="none">
           <a:solidFill>
             <a:srgbClr val="000000"/>
           </a:solidFill>
@@ -7879,7 +8149,7 @@
           <a:sym typeface="Arial"/>
         </a:defRPr>
       </a:lvl4pPr>
-      <a:lvl5pPr lvl="4" marR="0" rtl="0" algn="l">
+      <a:lvl5pPr marR="0" lvl="4" algn="l" rtl="0">
         <a:lnSpc>
           <a:spcPct val="100000"/>
         </a:lnSpc>
@@ -7893,7 +8163,7 @@
           <a:srgbClr val="000000"/>
         </a:buClr>
         <a:buFont typeface="Arial"/>
-        <a:defRPr b="0" i="0" sz="1400" u="none" cap="none" strike="noStrike">
+        <a:defRPr sz="1400" b="0" i="0" u="none" strike="noStrike" cap="none">
           <a:solidFill>
             <a:srgbClr val="000000"/>
           </a:solidFill>
@@ -7903,7 +8173,7 @@
           <a:sym typeface="Arial"/>
         </a:defRPr>
       </a:lvl5pPr>
-      <a:lvl6pPr lvl="5" marR="0" rtl="0" algn="l">
+      <a:lvl6pPr marR="0" lvl="5" algn="l" rtl="0">
         <a:lnSpc>
           <a:spcPct val="100000"/>
         </a:lnSpc>
@@ -7917,7 +8187,7 @@
           <a:srgbClr val="000000"/>
         </a:buClr>
         <a:buFont typeface="Arial"/>
-        <a:defRPr b="0" i="0" sz="1400" u="none" cap="none" strike="noStrike">
+        <a:defRPr sz="1400" b="0" i="0" u="none" strike="noStrike" cap="none">
           <a:solidFill>
             <a:srgbClr val="000000"/>
           </a:solidFill>
@@ -7927,7 +8197,7 @@
           <a:sym typeface="Arial"/>
         </a:defRPr>
       </a:lvl6pPr>
-      <a:lvl7pPr lvl="6" marR="0" rtl="0" algn="l">
+      <a:lvl7pPr marR="0" lvl="6" algn="l" rtl="0">
         <a:lnSpc>
           <a:spcPct val="100000"/>
         </a:lnSpc>
@@ -7941,7 +8211,7 @@
           <a:srgbClr val="000000"/>
         </a:buClr>
         <a:buFont typeface="Arial"/>
-        <a:defRPr b="0" i="0" sz="1400" u="none" cap="none" strike="noStrike">
+        <a:defRPr sz="1400" b="0" i="0" u="none" strike="noStrike" cap="none">
           <a:solidFill>
             <a:srgbClr val="000000"/>
           </a:solidFill>
@@ -7951,7 +8221,7 @@
           <a:sym typeface="Arial"/>
         </a:defRPr>
       </a:lvl7pPr>
-      <a:lvl8pPr lvl="7" marR="0" rtl="0" algn="l">
+      <a:lvl8pPr marR="0" lvl="7" algn="l" rtl="0">
         <a:lnSpc>
           <a:spcPct val="100000"/>
         </a:lnSpc>
@@ -7965,7 +8235,7 @@
           <a:srgbClr val="000000"/>
         </a:buClr>
         <a:buFont typeface="Arial"/>
-        <a:defRPr b="0" i="0" sz="1400" u="none" cap="none" strike="noStrike">
+        <a:defRPr sz="1400" b="0" i="0" u="none" strike="noStrike" cap="none">
           <a:solidFill>
             <a:srgbClr val="000000"/>
           </a:solidFill>
@@ -7975,7 +8245,7 @@
           <a:sym typeface="Arial"/>
         </a:defRPr>
       </a:lvl8pPr>
-      <a:lvl9pPr lvl="8" marR="0" rtl="0" algn="l">
+      <a:lvl9pPr marR="0" lvl="8" algn="l" rtl="0">
         <a:lnSpc>
           <a:spcPct val="100000"/>
         </a:lnSpc>
@@ -7989,7 +8259,7 @@
           <a:srgbClr val="000000"/>
         </a:buClr>
         <a:buFont typeface="Arial"/>
-        <a:defRPr b="0" i="0" sz="1400" u="none" cap="none" strike="noStrike">
+        <a:defRPr sz="1400" b="0" i="0" u="none" strike="noStrike" cap="none">
           <a:solidFill>
             <a:srgbClr val="000000"/>
           </a:solidFill>
@@ -8001,7 +8271,7 @@
       </a:lvl9pPr>
     </p:titleStyle>
     <p:bodyStyle>
-      <a:defPPr lvl="0" marR="0" rtl="0" algn="l">
+      <a:defPPr marR="0" lvl="0" algn="l" rtl="0">
         <a:lnSpc>
           <a:spcPct val="100000"/>
         </a:lnSpc>
@@ -8012,7 +8282,7 @@
           <a:spcPts val="0"/>
         </a:spcAft>
       </a:defPPr>
-      <a:lvl1pPr lvl="0" marR="0" rtl="0" algn="l">
+      <a:lvl1pPr marR="0" lvl="0" algn="l" rtl="0">
         <a:lnSpc>
           <a:spcPct val="100000"/>
         </a:lnSpc>
@@ -8026,7 +8296,7 @@
           <a:srgbClr val="000000"/>
         </a:buClr>
         <a:buFont typeface="Arial"/>
-        <a:defRPr b="0" i="0" sz="1400" u="none" cap="none" strike="noStrike">
+        <a:defRPr sz="1400" b="0" i="0" u="none" strike="noStrike" cap="none">
           <a:solidFill>
             <a:srgbClr val="000000"/>
           </a:solidFill>
@@ -8036,7 +8306,7 @@
           <a:sym typeface="Arial"/>
         </a:defRPr>
       </a:lvl1pPr>
-      <a:lvl2pPr lvl="1" marR="0" rtl="0" algn="l">
+      <a:lvl2pPr marR="0" lvl="1" algn="l" rtl="0">
         <a:lnSpc>
           <a:spcPct val="100000"/>
         </a:lnSpc>
@@ -8050,7 +8320,7 @@
           <a:srgbClr val="000000"/>
         </a:buClr>
         <a:buFont typeface="Arial"/>
-        <a:defRPr b="0" i="0" sz="1400" u="none" cap="none" strike="noStrike">
+        <a:defRPr sz="1400" b="0" i="0" u="none" strike="noStrike" cap="none">
           <a:solidFill>
             <a:srgbClr val="000000"/>
           </a:solidFill>
@@ -8060,7 +8330,7 @@
           <a:sym typeface="Arial"/>
         </a:defRPr>
       </a:lvl2pPr>
-      <a:lvl3pPr lvl="2" marR="0" rtl="0" algn="l">
+      <a:lvl3pPr marR="0" lvl="2" algn="l" rtl="0">
         <a:lnSpc>
           <a:spcPct val="100000"/>
         </a:lnSpc>
@@ -8074,7 +8344,7 @@
           <a:srgbClr val="000000"/>
         </a:buClr>
         <a:buFont typeface="Arial"/>
-        <a:defRPr b="0" i="0" sz="1400" u="none" cap="none" strike="noStrike">
+        <a:defRPr sz="1400" b="0" i="0" u="none" strike="noStrike" cap="none">
           <a:solidFill>
             <a:srgbClr val="000000"/>
           </a:solidFill>
@@ -8084,7 +8354,7 @@
           <a:sym typeface="Arial"/>
         </a:defRPr>
       </a:lvl3pPr>
-      <a:lvl4pPr lvl="3" marR="0" rtl="0" algn="l">
+      <a:lvl4pPr marR="0" lvl="3" algn="l" rtl="0">
         <a:lnSpc>
           <a:spcPct val="100000"/>
         </a:lnSpc>
@@ -8098,7 +8368,7 @@
           <a:srgbClr val="000000"/>
         </a:buClr>
         <a:buFont typeface="Arial"/>
-        <a:defRPr b="0" i="0" sz="1400" u="none" cap="none" strike="noStrike">
+        <a:defRPr sz="1400" b="0" i="0" u="none" strike="noStrike" cap="none">
           <a:solidFill>
             <a:srgbClr val="000000"/>
           </a:solidFill>
@@ -8108,7 +8378,7 @@
           <a:sym typeface="Arial"/>
         </a:defRPr>
       </a:lvl4pPr>
-      <a:lvl5pPr lvl="4" marR="0" rtl="0" algn="l">
+      <a:lvl5pPr marR="0" lvl="4" algn="l" rtl="0">
         <a:lnSpc>
           <a:spcPct val="100000"/>
         </a:lnSpc>
@@ -8122,7 +8392,7 @@
           <a:srgbClr val="000000"/>
         </a:buClr>
         <a:buFont typeface="Arial"/>
-        <a:defRPr b="0" i="0" sz="1400" u="none" cap="none" strike="noStrike">
+        <a:defRPr sz="1400" b="0" i="0" u="none" strike="noStrike" cap="none">
           <a:solidFill>
             <a:srgbClr val="000000"/>
           </a:solidFill>
@@ -8132,7 +8402,7 @@
           <a:sym typeface="Arial"/>
         </a:defRPr>
       </a:lvl5pPr>
-      <a:lvl6pPr lvl="5" marR="0" rtl="0" algn="l">
+      <a:lvl6pPr marR="0" lvl="5" algn="l" rtl="0">
         <a:lnSpc>
           <a:spcPct val="100000"/>
         </a:lnSpc>
@@ -8146,7 +8416,7 @@
           <a:srgbClr val="000000"/>
         </a:buClr>
         <a:buFont typeface="Arial"/>
-        <a:defRPr b="0" i="0" sz="1400" u="none" cap="none" strike="noStrike">
+        <a:defRPr sz="1400" b="0" i="0" u="none" strike="noStrike" cap="none">
           <a:solidFill>
             <a:srgbClr val="000000"/>
           </a:solidFill>
@@ -8156,7 +8426,7 @@
           <a:sym typeface="Arial"/>
         </a:defRPr>
       </a:lvl6pPr>
-      <a:lvl7pPr lvl="6" marR="0" rtl="0" algn="l">
+      <a:lvl7pPr marR="0" lvl="6" algn="l" rtl="0">
         <a:lnSpc>
           <a:spcPct val="100000"/>
         </a:lnSpc>
@@ -8170,7 +8440,7 @@
           <a:srgbClr val="000000"/>
         </a:buClr>
         <a:buFont typeface="Arial"/>
-        <a:defRPr b="0" i="0" sz="1400" u="none" cap="none" strike="noStrike">
+        <a:defRPr sz="1400" b="0" i="0" u="none" strike="noStrike" cap="none">
           <a:solidFill>
             <a:srgbClr val="000000"/>
           </a:solidFill>
@@ -8180,7 +8450,7 @@
           <a:sym typeface="Arial"/>
         </a:defRPr>
       </a:lvl7pPr>
-      <a:lvl8pPr lvl="7" marR="0" rtl="0" algn="l">
+      <a:lvl8pPr marR="0" lvl="7" algn="l" rtl="0">
         <a:lnSpc>
           <a:spcPct val="100000"/>
         </a:lnSpc>
@@ -8194,7 +8464,7 @@
           <a:srgbClr val="000000"/>
         </a:buClr>
         <a:buFont typeface="Arial"/>
-        <a:defRPr b="0" i="0" sz="1400" u="none" cap="none" strike="noStrike">
+        <a:defRPr sz="1400" b="0" i="0" u="none" strike="noStrike" cap="none">
           <a:solidFill>
             <a:srgbClr val="000000"/>
           </a:solidFill>
@@ -8204,7 +8474,7 @@
           <a:sym typeface="Arial"/>
         </a:defRPr>
       </a:lvl8pPr>
-      <a:lvl9pPr lvl="8" marR="0" rtl="0" algn="l">
+      <a:lvl9pPr marR="0" lvl="8" algn="l" rtl="0">
         <a:lnSpc>
           <a:spcPct val="100000"/>
         </a:lnSpc>
@@ -8218,7 +8488,7 @@
           <a:srgbClr val="000000"/>
         </a:buClr>
         <a:buFont typeface="Arial"/>
-        <a:defRPr b="0" i="0" sz="1400" u="none" cap="none" strike="noStrike">
+        <a:defRPr sz="1400" b="0" i="0" u="none" strike="noStrike" cap="none">
           <a:solidFill>
             <a:srgbClr val="000000"/>
           </a:solidFill>
@@ -8230,7 +8500,7 @@
       </a:lvl9pPr>
     </p:bodyStyle>
     <p:otherStyle>
-      <a:defPPr lvl="0" marR="0" rtl="0" algn="l">
+      <a:defPPr marR="0" lvl="0" algn="l" rtl="0">
         <a:lnSpc>
           <a:spcPct val="100000"/>
         </a:lnSpc>
@@ -8241,7 +8511,7 @@
           <a:spcPts val="0"/>
         </a:spcAft>
       </a:defPPr>
-      <a:lvl1pPr lvl="0" marR="0" rtl="0" algn="l">
+      <a:lvl1pPr marR="0" lvl="0" algn="l" rtl="0">
         <a:lnSpc>
           <a:spcPct val="100000"/>
         </a:lnSpc>
@@ -8255,7 +8525,7 @@
           <a:srgbClr val="000000"/>
         </a:buClr>
         <a:buFont typeface="Arial"/>
-        <a:defRPr b="0" i="0" sz="1400" u="none" cap="none" strike="noStrike">
+        <a:defRPr sz="1400" b="0" i="0" u="none" strike="noStrike" cap="none">
           <a:solidFill>
             <a:srgbClr val="000000"/>
           </a:solidFill>
@@ -8265,7 +8535,7 @@
           <a:sym typeface="Arial"/>
         </a:defRPr>
       </a:lvl1pPr>
-      <a:lvl2pPr lvl="1" marR="0" rtl="0" algn="l">
+      <a:lvl2pPr marR="0" lvl="1" algn="l" rtl="0">
         <a:lnSpc>
           <a:spcPct val="100000"/>
         </a:lnSpc>
@@ -8279,7 +8549,7 @@
           <a:srgbClr val="000000"/>
         </a:buClr>
         <a:buFont typeface="Arial"/>
-        <a:defRPr b="0" i="0" sz="1400" u="none" cap="none" strike="noStrike">
+        <a:defRPr sz="1400" b="0" i="0" u="none" strike="noStrike" cap="none">
           <a:solidFill>
             <a:srgbClr val="000000"/>
           </a:solidFill>
@@ -8289,7 +8559,7 @@
           <a:sym typeface="Arial"/>
         </a:defRPr>
       </a:lvl2pPr>
-      <a:lvl3pPr lvl="2" marR="0" rtl="0" algn="l">
+      <a:lvl3pPr marR="0" lvl="2" algn="l" rtl="0">
         <a:lnSpc>
           <a:spcPct val="100000"/>
         </a:lnSpc>
@@ -8303,7 +8573,7 @@
           <a:srgbClr val="000000"/>
         </a:buClr>
         <a:buFont typeface="Arial"/>
-        <a:defRPr b="0" i="0" sz="1400" u="none" cap="none" strike="noStrike">
+        <a:defRPr sz="1400" b="0" i="0" u="none" strike="noStrike" cap="none">
           <a:solidFill>
             <a:srgbClr val="000000"/>
           </a:solidFill>
@@ -8313,7 +8583,7 @@
           <a:sym typeface="Arial"/>
         </a:defRPr>
       </a:lvl3pPr>
-      <a:lvl4pPr lvl="3" marR="0" rtl="0" algn="l">
+      <a:lvl4pPr marR="0" lvl="3" algn="l" rtl="0">
         <a:lnSpc>
           <a:spcPct val="100000"/>
         </a:lnSpc>
@@ -8327,7 +8597,7 @@
           <a:srgbClr val="000000"/>
         </a:buClr>
         <a:buFont typeface="Arial"/>
-        <a:defRPr b="0" i="0" sz="1400" u="none" cap="none" strike="noStrike">
+        <a:defRPr sz="1400" b="0" i="0" u="none" strike="noStrike" cap="none">
           <a:solidFill>
             <a:srgbClr val="000000"/>
           </a:solidFill>
@@ -8337,7 +8607,7 @@
           <a:sym typeface="Arial"/>
         </a:defRPr>
       </a:lvl4pPr>
-      <a:lvl5pPr lvl="4" marR="0" rtl="0" algn="l">
+      <a:lvl5pPr marR="0" lvl="4" algn="l" rtl="0">
         <a:lnSpc>
           <a:spcPct val="100000"/>
         </a:lnSpc>
@@ -8351,7 +8621,7 @@
           <a:srgbClr val="000000"/>
         </a:buClr>
         <a:buFont typeface="Arial"/>
-        <a:defRPr b="0" i="0" sz="1400" u="none" cap="none" strike="noStrike">
+        <a:defRPr sz="1400" b="0" i="0" u="none" strike="noStrike" cap="none">
           <a:solidFill>
             <a:srgbClr val="000000"/>
           </a:solidFill>
@@ -8361,7 +8631,7 @@
           <a:sym typeface="Arial"/>
         </a:defRPr>
       </a:lvl5pPr>
-      <a:lvl6pPr lvl="5" marR="0" rtl="0" algn="l">
+      <a:lvl6pPr marR="0" lvl="5" algn="l" rtl="0">
         <a:lnSpc>
           <a:spcPct val="100000"/>
         </a:lnSpc>
@@ -8375,7 +8645,7 @@
           <a:srgbClr val="000000"/>
         </a:buClr>
         <a:buFont typeface="Arial"/>
-        <a:defRPr b="0" i="0" sz="1400" u="none" cap="none" strike="noStrike">
+        <a:defRPr sz="1400" b="0" i="0" u="none" strike="noStrike" cap="none">
           <a:solidFill>
             <a:srgbClr val="000000"/>
           </a:solidFill>
@@ -8385,7 +8655,7 @@
           <a:sym typeface="Arial"/>
         </a:defRPr>
       </a:lvl6pPr>
-      <a:lvl7pPr lvl="6" marR="0" rtl="0" algn="l">
+      <a:lvl7pPr marR="0" lvl="6" algn="l" rtl="0">
         <a:lnSpc>
           <a:spcPct val="100000"/>
         </a:lnSpc>
@@ -8399,7 +8669,7 @@
           <a:srgbClr val="000000"/>
         </a:buClr>
         <a:buFont typeface="Arial"/>
-        <a:defRPr b="0" i="0" sz="1400" u="none" cap="none" strike="noStrike">
+        <a:defRPr sz="1400" b="0" i="0" u="none" strike="noStrike" cap="none">
           <a:solidFill>
             <a:srgbClr val="000000"/>
           </a:solidFill>
@@ -8409,7 +8679,7 @@
           <a:sym typeface="Arial"/>
         </a:defRPr>
       </a:lvl7pPr>
-      <a:lvl8pPr lvl="7" marR="0" rtl="0" algn="l">
+      <a:lvl8pPr marR="0" lvl="7" algn="l" rtl="0">
         <a:lnSpc>
           <a:spcPct val="100000"/>
         </a:lnSpc>
@@ -8423,7 +8693,7 @@
           <a:srgbClr val="000000"/>
         </a:buClr>
         <a:buFont typeface="Arial"/>
-        <a:defRPr b="0" i="0" sz="1400" u="none" cap="none" strike="noStrike">
+        <a:defRPr sz="1400" b="0" i="0" u="none" strike="noStrike" cap="none">
           <a:solidFill>
             <a:srgbClr val="000000"/>
           </a:solidFill>
@@ -8433,7 +8703,7 @@
           <a:sym typeface="Arial"/>
         </a:defRPr>
       </a:lvl8pPr>
-      <a:lvl9pPr lvl="8" marR="0" rtl="0" algn="l">
+      <a:lvl9pPr marR="0" lvl="8" algn="l" rtl="0">
         <a:lnSpc>
           <a:spcPct val="100000"/>
         </a:lnSpc>
@@ -8447,7 +8717,7 @@
           <a:srgbClr val="000000"/>
         </a:buClr>
         <a:buFont typeface="Arial"/>
-        <a:defRPr b="0" i="0" sz="1400" u="none" cap="none" strike="noStrike">
+        <a:defRPr sz="1400" b="0" i="0" u="none" strike="noStrike" cap="none">
           <a:solidFill>
             <a:srgbClr val="000000"/>
           </a:solidFill>
@@ -8463,7 +8733,7 @@
 </file>
 
 <file path=ppt/slides/slide1.xml><?xml version="1.0" encoding="utf-8"?>
-<p:sld xmlns:a="http://schemas.openxmlformats.org/drawingml/2006/main" xmlns:r="http://schemas.openxmlformats.org/officeDocument/2006/relationships" xmlns:mc="http://schemas.openxmlformats.org/markup-compatibility/2006" xmlns:mv="urn:schemas-microsoft-com:mac:vml" xmlns:p="http://schemas.openxmlformats.org/presentationml/2006/main" xmlns:c="http://schemas.openxmlformats.org/drawingml/2006/chart" xmlns:dgm="http://schemas.openxmlformats.org/drawingml/2006/diagram" xmlns:o="urn:schemas-microsoft-com:office:office" xmlns:v="urn:schemas-microsoft-com:vml" xmlns:pvml="urn:schemas-microsoft-com:office:powerpoint" xmlns:com="http://schemas.openxmlformats.org/drawingml/2006/compatibility" xmlns:p14="http://schemas.microsoft.com/office/powerpoint/2010/main" xmlns:p15="http://schemas.microsoft.com/office/powerpoint/2012/main">
+<p:sld xmlns:a="http://schemas.openxmlformats.org/drawingml/2006/main" xmlns:r="http://schemas.openxmlformats.org/officeDocument/2006/relationships" xmlns:p="http://schemas.openxmlformats.org/presentationml/2006/main">
   <p:cSld>
     <p:bg>
       <p:bgPr>
@@ -8475,11 +8745,12 @@
             <a:fillRect/>
           </a:stretch>
         </a:blipFill>
+        <a:effectLst/>
       </p:bgPr>
     </p:bg>
     <p:spTree>
       <p:nvGrpSpPr>
-        <p:cNvPr id="53" name="Shape 53"/>
+        <p:cNvPr id="1" name="Shape 53"/>
         <p:cNvGrpSpPr/>
         <p:nvPr/>
       </p:nvGrpSpPr>
@@ -8494,7 +8765,9 @@
       <p:sp>
         <p:nvSpPr>
           <p:cNvPr id="54" name="Google Shape;54;p13"/>
-          <p:cNvSpPr txBox="1"/>
+          <p:cNvSpPr txBox="1">
+            <a:spLocks noGrp="1"/>
+          </p:cNvSpPr>
           <p:nvPr>
             <p:ph type="ctrTitle"/>
           </p:nvPr>
@@ -8508,7 +8781,7 @@
             <a:avLst/>
           </a:prstGeom>
           <a:effectLst>
-            <a:outerShdw blurRad="57150" rotWithShape="0" algn="bl" dir="5400000" dist="19050">
+            <a:outerShdw blurRad="57150" dist="19050" dir="5400000" algn="bl" rotWithShape="0">
               <a:srgbClr val="000000">
                 <a:alpha val="50000"/>
               </a:srgbClr>
@@ -8516,12 +8789,12 @@
           </a:effectLst>
         </p:spPr>
         <p:txBody>
-          <a:bodyPr anchorCtr="0" anchor="b" bIns="91425" lIns="91425" spcFirstLastPara="1" rIns="91425" wrap="square" tIns="91425">
+          <a:bodyPr spcFirstLastPara="1" wrap="square" lIns="91425" tIns="91425" rIns="91425" bIns="91425" anchor="b" anchorCtr="0">
             <a:noAutofit/>
           </a:bodyPr>
           <a:lstStyle/>
           <a:p>
-            <a:pPr indent="0" lvl="0" marL="0" rtl="0" algn="l">
+            <a:pPr marL="0" lvl="0" indent="0" algn="l" rtl="0">
               <a:spcBef>
                 <a:spcPts val="0"/>
               </a:spcBef>
@@ -8531,7 +8804,7 @@
               <a:buNone/>
             </a:pPr>
             <a:r>
-              <a:rPr b="1" i="1" lang="en">
+              <a:rPr lang="en" b="1" i="1">
                 <a:solidFill>
                   <a:srgbClr val="000000"/>
                 </a:solidFill>
@@ -8563,9 +8836,11 @@
       <p:sp>
         <p:nvSpPr>
           <p:cNvPr id="55" name="Google Shape;55;p13"/>
-          <p:cNvSpPr txBox="1"/>
+          <p:cNvSpPr txBox="1">
+            <a:spLocks noGrp="1"/>
+          </p:cNvSpPr>
           <p:nvPr>
-            <p:ph idx="1" type="subTitle"/>
+            <p:ph type="subTitle" idx="1"/>
           </p:nvPr>
         </p:nvSpPr>
         <p:spPr>
@@ -8577,7 +8852,7 @@
             <a:avLst/>
           </a:prstGeom>
           <a:effectLst>
-            <a:outerShdw blurRad="57150" rotWithShape="0" algn="bl" dir="5400000" dist="19050">
+            <a:outerShdw blurRad="57150" dist="19050" dir="5400000" algn="bl" rotWithShape="0">
               <a:srgbClr val="000000">
                 <a:alpha val="50000"/>
               </a:srgbClr>
@@ -8585,12 +8860,12 @@
           </a:effectLst>
         </p:spPr>
         <p:txBody>
-          <a:bodyPr anchorCtr="0" anchor="t" bIns="91425" lIns="91425" spcFirstLastPara="1" rIns="91425" wrap="square" tIns="91425">
+          <a:bodyPr spcFirstLastPara="1" wrap="square" lIns="91425" tIns="91425" rIns="91425" bIns="91425" anchor="t" anchorCtr="0">
             <a:noAutofit/>
           </a:bodyPr>
           <a:lstStyle/>
           <a:p>
-            <a:pPr indent="0" lvl="0" marL="0" rtl="0" algn="ctr">
+            <a:pPr marL="0" lvl="0" indent="0" algn="ctr" rtl="0">
               <a:spcBef>
                 <a:spcPts val="0"/>
               </a:spcBef>
@@ -8600,7 +8875,7 @@
               <a:buNone/>
             </a:pPr>
             <a:r>
-              <a:rPr b="1" i="1" lang="en">
+              <a:rPr lang="en" b="1" i="1">
                 <a:solidFill>
                   <a:srgbClr val="434343"/>
                 </a:solidFill>
@@ -8638,18 +8913,19 @@
 </file>
 
 <file path=ppt/slides/slide10.xml><?xml version="1.0" encoding="utf-8"?>
-<p:sld xmlns:a="http://schemas.openxmlformats.org/drawingml/2006/main" xmlns:r="http://schemas.openxmlformats.org/officeDocument/2006/relationships" xmlns:mc="http://schemas.openxmlformats.org/markup-compatibility/2006" xmlns:mv="urn:schemas-microsoft-com:mac:vml" xmlns:p="http://schemas.openxmlformats.org/presentationml/2006/main" xmlns:c="http://schemas.openxmlformats.org/drawingml/2006/chart" xmlns:dgm="http://schemas.openxmlformats.org/drawingml/2006/diagram" xmlns:o="urn:schemas-microsoft-com:office:office" xmlns:v="urn:schemas-microsoft-com:vml" xmlns:pvml="urn:schemas-microsoft-com:office:powerpoint" xmlns:com="http://schemas.openxmlformats.org/drawingml/2006/compatibility" xmlns:p14="http://schemas.microsoft.com/office/powerpoint/2010/main" xmlns:p15="http://schemas.microsoft.com/office/powerpoint/2012/main">
+<p:sld xmlns:a="http://schemas.openxmlformats.org/drawingml/2006/main" xmlns:r="http://schemas.openxmlformats.org/officeDocument/2006/relationships" xmlns:p="http://schemas.openxmlformats.org/presentationml/2006/main">
   <p:cSld>
     <p:bg>
       <p:bgPr>
         <a:solidFill>
           <a:srgbClr val="CCCCCC"/>
         </a:solidFill>
+        <a:effectLst/>
       </p:bgPr>
     </p:bg>
     <p:spTree>
       <p:nvGrpSpPr>
-        <p:cNvPr id="116" name="Shape 116"/>
+        <p:cNvPr id="1" name="Shape 116"/>
         <p:cNvGrpSpPr/>
         <p:nvPr/>
       </p:nvGrpSpPr>
@@ -8664,7 +8940,9 @@
       <p:sp>
         <p:nvSpPr>
           <p:cNvPr id="117" name="Google Shape;117;p22"/>
-          <p:cNvSpPr txBox="1"/>
+          <p:cNvSpPr txBox="1">
+            <a:spLocks noGrp="1"/>
+          </p:cNvSpPr>
           <p:nvPr>
             <p:ph type="title"/>
           </p:nvPr>
@@ -8679,12 +8957,12 @@
           </a:prstGeom>
         </p:spPr>
         <p:txBody>
-          <a:bodyPr anchorCtr="0" anchor="t" bIns="91425" lIns="91425" spcFirstLastPara="1" rIns="91425" wrap="square" tIns="91425">
+          <a:bodyPr spcFirstLastPara="1" wrap="square" lIns="91425" tIns="91425" rIns="91425" bIns="91425" anchor="t" anchorCtr="0">
             <a:noAutofit/>
           </a:bodyPr>
           <a:lstStyle/>
           <a:p>
-            <a:pPr indent="0" lvl="0" marL="0" rtl="0" algn="l">
+            <a:pPr marL="0" lvl="0" indent="0" algn="l" rtl="0">
               <a:spcBef>
                 <a:spcPts val="0"/>
               </a:spcBef>
@@ -8694,7 +8972,7 @@
               <a:buNone/>
             </a:pPr>
             <a:r>
-              <a:rPr b="1" i="1" lang="en">
+              <a:rPr lang="en" b="1" i="1">
                 <a:latin typeface="Century Gothic"/>
                 <a:ea typeface="Century Gothic"/>
                 <a:cs typeface="Century Gothic"/>
@@ -8714,9 +8992,11 @@
       <p:sp>
         <p:nvSpPr>
           <p:cNvPr id="118" name="Google Shape;118;p22"/>
-          <p:cNvSpPr txBox="1"/>
+          <p:cNvSpPr txBox="1">
+            <a:spLocks noGrp="1"/>
+          </p:cNvSpPr>
           <p:nvPr>
-            <p:ph idx="1" type="body"/>
+            <p:ph type="body" idx="1"/>
           </p:nvPr>
         </p:nvSpPr>
         <p:spPr>
@@ -8729,12 +9009,12 @@
           </a:prstGeom>
         </p:spPr>
         <p:txBody>
-          <a:bodyPr anchorCtr="0" anchor="t" bIns="91425" lIns="91425" spcFirstLastPara="1" rIns="91425" wrap="square" tIns="91425">
+          <a:bodyPr spcFirstLastPara="1" wrap="square" lIns="91425" tIns="91425" rIns="91425" bIns="91425" anchor="t" anchorCtr="0">
             <a:noAutofit/>
           </a:bodyPr>
           <a:lstStyle/>
           <a:p>
-            <a:pPr indent="0" lvl="0" marL="0" rtl="0" algn="l">
+            <a:pPr marL="0" lvl="0" indent="0" algn="l" rtl="0">
               <a:spcBef>
                 <a:spcPts val="0"/>
               </a:spcBef>
@@ -8752,7 +9032,7 @@
               <a:t>After the data was parsed and the python code was executed the winner was determined to be none other than </a:t>
             </a:r>
             <a:r>
-              <a:rPr b="1" i="1" lang="en">
+              <a:rPr lang="en" b="1" i="1">
                 <a:solidFill>
                   <a:srgbClr val="000000"/>
                 </a:solidFill>
@@ -8907,12 +9187,12 @@
           </a:ln>
         </p:spPr>
         <p:txBody>
-          <a:bodyPr anchorCtr="0" anchor="t" bIns="91425" lIns="91425" spcFirstLastPara="1" rIns="91425" wrap="square" tIns="91425">
+          <a:bodyPr spcFirstLastPara="1" wrap="square" lIns="91425" tIns="91425" rIns="91425" bIns="91425" anchor="t" anchorCtr="0">
             <a:noAutofit/>
           </a:bodyPr>
           <a:lstStyle/>
           <a:p>
-            <a:pPr indent="0" lvl="0" marL="0" rtl="0" algn="l">
+            <a:pPr marL="0" lvl="0" indent="0" algn="l" rtl="0">
               <a:spcBef>
                 <a:spcPts val="0"/>
               </a:spcBef>
@@ -8959,12 +9239,12 @@
           </a:ln>
         </p:spPr>
         <p:txBody>
-          <a:bodyPr anchorCtr="0" anchor="t" bIns="91425" lIns="91425" spcFirstLastPara="1" rIns="91425" wrap="square" tIns="91425">
+          <a:bodyPr spcFirstLastPara="1" wrap="square" lIns="91425" tIns="91425" rIns="91425" bIns="91425" anchor="t" anchorCtr="0">
             <a:noAutofit/>
           </a:bodyPr>
           <a:lstStyle/>
           <a:p>
-            <a:pPr indent="0" lvl="0" marL="0" rtl="0" algn="l">
+            <a:pPr marL="0" lvl="0" indent="0" algn="l" rtl="0">
               <a:spcBef>
                 <a:spcPts val="0"/>
               </a:spcBef>
@@ -9011,12 +9291,12 @@
           </a:ln>
         </p:spPr>
         <p:txBody>
-          <a:bodyPr anchorCtr="0" anchor="t" bIns="91425" lIns="91425" spcFirstLastPara="1" rIns="91425" wrap="square" tIns="91425">
+          <a:bodyPr spcFirstLastPara="1" wrap="square" lIns="91425" tIns="91425" rIns="91425" bIns="91425" anchor="t" anchorCtr="0">
             <a:noAutofit/>
           </a:bodyPr>
           <a:lstStyle/>
           <a:p>
-            <a:pPr indent="0" lvl="0" marL="0" rtl="0" algn="l">
+            <a:pPr marL="0" lvl="0" indent="0" algn="l" rtl="0">
               <a:spcBef>
                 <a:spcPts val="0"/>
               </a:spcBef>
@@ -9026,10 +9306,10 @@
               <a:buNone/>
             </a:pPr>
             <a:r>
-              <a:rPr b="1" lang="en" sz="1800"/>
+              <a:rPr lang="en" sz="1800" b="1"/>
               <a:t>Final Canada score: 489</a:t>
             </a:r>
-            <a:endParaRPr b="1" sz="1800"/>
+            <a:endParaRPr sz="1800" b="1"/>
           </a:p>
         </p:txBody>
       </p:sp>
@@ -9053,12 +9333,12 @@
           </a:ln>
         </p:spPr>
         <p:txBody>
-          <a:bodyPr anchorCtr="0" anchor="t" bIns="91425" lIns="91425" spcFirstLastPara="1" rIns="91425" wrap="square" tIns="91425">
+          <a:bodyPr spcFirstLastPara="1" wrap="square" lIns="91425" tIns="91425" rIns="91425" bIns="91425" anchor="t" anchorCtr="0">
             <a:noAutofit/>
           </a:bodyPr>
           <a:lstStyle/>
           <a:p>
-            <a:pPr indent="0" lvl="0" marL="0" rtl="0" algn="l">
+            <a:pPr marL="0" lvl="0" indent="0" algn="l" rtl="0">
               <a:spcBef>
                 <a:spcPts val="0"/>
               </a:spcBef>
@@ -9105,12 +9385,12 @@
           </a:ln>
         </p:spPr>
         <p:txBody>
-          <a:bodyPr anchorCtr="0" anchor="t" bIns="91425" lIns="91425" spcFirstLastPara="1" rIns="91425" wrap="square" tIns="91425">
+          <a:bodyPr spcFirstLastPara="1" wrap="square" lIns="91425" tIns="91425" rIns="91425" bIns="91425" anchor="t" anchorCtr="0">
             <a:noAutofit/>
           </a:bodyPr>
           <a:lstStyle/>
           <a:p>
-            <a:pPr indent="0" lvl="0" marL="0" rtl="0" algn="l">
+            <a:pPr marL="0" lvl="0" indent="0" algn="l" rtl="0">
               <a:spcBef>
                 <a:spcPts val="0"/>
               </a:spcBef>
@@ -9157,12 +9437,12 @@
           </a:ln>
         </p:spPr>
         <p:txBody>
-          <a:bodyPr anchorCtr="0" anchor="t" bIns="91425" lIns="91425" spcFirstLastPara="1" rIns="91425" wrap="square" tIns="91425">
+          <a:bodyPr spcFirstLastPara="1" wrap="square" lIns="91425" tIns="91425" rIns="91425" bIns="91425" anchor="t" anchorCtr="0">
             <a:noAutofit/>
           </a:bodyPr>
           <a:lstStyle/>
           <a:p>
-            <a:pPr indent="0" lvl="0" marL="0" rtl="0" algn="l">
+            <a:pPr marL="0" lvl="0" indent="0" algn="l" rtl="0">
               <a:spcBef>
                 <a:spcPts val="0"/>
               </a:spcBef>
@@ -9172,10 +9452,10 @@
               <a:buNone/>
             </a:pPr>
             <a:r>
-              <a:rPr b="1" lang="en" sz="1800"/>
+              <a:rPr lang="en" sz="1800" b="1"/>
               <a:t>Final United States score: 184</a:t>
             </a:r>
-            <a:endParaRPr b="1" sz="1800"/>
+            <a:endParaRPr sz="1800" b="1"/>
           </a:p>
         </p:txBody>
       </p:sp>
@@ -9188,11 +9468,11 @@
 </file>
 
 <file path=ppt/slides/slide11.xml><?xml version="1.0" encoding="utf-8"?>
-<p:sld xmlns:a="http://schemas.openxmlformats.org/drawingml/2006/main" xmlns:r="http://schemas.openxmlformats.org/officeDocument/2006/relationships" xmlns:mc="http://schemas.openxmlformats.org/markup-compatibility/2006" xmlns:mv="urn:schemas-microsoft-com:mac:vml" xmlns:p="http://schemas.openxmlformats.org/presentationml/2006/main" xmlns:c="http://schemas.openxmlformats.org/drawingml/2006/chart" xmlns:dgm="http://schemas.openxmlformats.org/drawingml/2006/diagram" xmlns:o="urn:schemas-microsoft-com:office:office" xmlns:v="urn:schemas-microsoft-com:vml" xmlns:pvml="urn:schemas-microsoft-com:office:powerpoint" xmlns:com="http://schemas.openxmlformats.org/drawingml/2006/compatibility" xmlns:p14="http://schemas.microsoft.com/office/powerpoint/2010/main" xmlns:p15="http://schemas.microsoft.com/office/powerpoint/2012/main">
+<p:sld xmlns:a="http://schemas.openxmlformats.org/drawingml/2006/main" xmlns:r="http://schemas.openxmlformats.org/officeDocument/2006/relationships" xmlns:p="http://schemas.openxmlformats.org/presentationml/2006/main">
   <p:cSld>
     <p:spTree>
       <p:nvGrpSpPr>
-        <p:cNvPr id="132" name="Shape 132"/>
+        <p:cNvPr id="1" name="Shape 132"/>
         <p:cNvGrpSpPr/>
         <p:nvPr/>
       </p:nvGrpSpPr>
@@ -9235,7 +9515,9 @@
       <p:sp>
         <p:nvSpPr>
           <p:cNvPr id="134" name="Google Shape;134;p23"/>
-          <p:cNvSpPr txBox="1"/>
+          <p:cNvSpPr txBox="1">
+            <a:spLocks noGrp="1"/>
+          </p:cNvSpPr>
           <p:nvPr>
             <p:ph type="title"/>
           </p:nvPr>
@@ -9250,12 +9532,12 @@
           </a:prstGeom>
         </p:spPr>
         <p:txBody>
-          <a:bodyPr anchorCtr="0" anchor="t" bIns="91425" lIns="91425" spcFirstLastPara="1" rIns="91425" wrap="square" tIns="91425">
+          <a:bodyPr spcFirstLastPara="1" wrap="square" lIns="91425" tIns="91425" rIns="91425" bIns="91425" anchor="t" anchorCtr="0">
             <a:noAutofit/>
           </a:bodyPr>
           <a:lstStyle/>
           <a:p>
-            <a:pPr indent="0" lvl="0" marL="0" rtl="0" algn="ctr">
+            <a:pPr marL="0" lvl="0" indent="0" algn="ctr" rtl="0">
               <a:spcBef>
                 <a:spcPts val="0"/>
               </a:spcBef>
@@ -9265,7 +9547,7 @@
               <a:buNone/>
             </a:pPr>
             <a:r>
-              <a:rPr b="1" lang="en">
+              <a:rPr lang="en" b="1">
                 <a:latin typeface="Century Gothic"/>
                 <a:ea typeface="Century Gothic"/>
                 <a:cs typeface="Century Gothic"/>
@@ -9291,18 +9573,19 @@
 </file>
 
 <file path=ppt/slides/slide12.xml><?xml version="1.0" encoding="utf-8"?>
-<p:sld xmlns:a="http://schemas.openxmlformats.org/drawingml/2006/main" xmlns:r="http://schemas.openxmlformats.org/officeDocument/2006/relationships" xmlns:mc="http://schemas.openxmlformats.org/markup-compatibility/2006" xmlns:mv="urn:schemas-microsoft-com:mac:vml" xmlns:p="http://schemas.openxmlformats.org/presentationml/2006/main" xmlns:c="http://schemas.openxmlformats.org/drawingml/2006/chart" xmlns:dgm="http://schemas.openxmlformats.org/drawingml/2006/diagram" xmlns:o="urn:schemas-microsoft-com:office:office" xmlns:v="urn:schemas-microsoft-com:vml" xmlns:pvml="urn:schemas-microsoft-com:office:powerpoint" xmlns:com="http://schemas.openxmlformats.org/drawingml/2006/compatibility" xmlns:p14="http://schemas.microsoft.com/office/powerpoint/2010/main" xmlns:p15="http://schemas.microsoft.com/office/powerpoint/2012/main">
+<p:sld xmlns:a="http://schemas.openxmlformats.org/drawingml/2006/main" xmlns:r="http://schemas.openxmlformats.org/officeDocument/2006/relationships" xmlns:p="http://schemas.openxmlformats.org/presentationml/2006/main">
   <p:cSld>
     <p:bg>
       <p:bgPr>
         <a:solidFill>
           <a:srgbClr val="CCCCCC"/>
         </a:solidFill>
+        <a:effectLst/>
       </p:bgPr>
     </p:bg>
     <p:spTree>
       <p:nvGrpSpPr>
-        <p:cNvPr id="138" name="Shape 138"/>
+        <p:cNvPr id="1" name="Shape 138"/>
         <p:cNvGrpSpPr/>
         <p:nvPr/>
       </p:nvGrpSpPr>
@@ -9351,18 +9634,19 @@
 </file>
 
 <file path=ppt/slides/slide13.xml><?xml version="1.0" encoding="utf-8"?>
-<p:sld xmlns:a="http://schemas.openxmlformats.org/drawingml/2006/main" xmlns:r="http://schemas.openxmlformats.org/officeDocument/2006/relationships" xmlns:mc="http://schemas.openxmlformats.org/markup-compatibility/2006" xmlns:mv="urn:schemas-microsoft-com:mac:vml" xmlns:p="http://schemas.openxmlformats.org/presentationml/2006/main" xmlns:c="http://schemas.openxmlformats.org/drawingml/2006/chart" xmlns:dgm="http://schemas.openxmlformats.org/drawingml/2006/diagram" xmlns:o="urn:schemas-microsoft-com:office:office" xmlns:v="urn:schemas-microsoft-com:vml" xmlns:pvml="urn:schemas-microsoft-com:office:powerpoint" xmlns:com="http://schemas.openxmlformats.org/drawingml/2006/compatibility" xmlns:p14="http://schemas.microsoft.com/office/powerpoint/2010/main" xmlns:p15="http://schemas.microsoft.com/office/powerpoint/2012/main">
+<p:sld xmlns:a="http://schemas.openxmlformats.org/drawingml/2006/main" xmlns:r="http://schemas.openxmlformats.org/officeDocument/2006/relationships" xmlns:p="http://schemas.openxmlformats.org/presentationml/2006/main">
   <p:cSld>
     <p:bg>
       <p:bgPr>
         <a:solidFill>
           <a:srgbClr val="CCCCCC"/>
         </a:solidFill>
+        <a:effectLst/>
       </p:bgPr>
     </p:bg>
     <p:spTree>
       <p:nvGrpSpPr>
-        <p:cNvPr id="143" name="Shape 143"/>
+        <p:cNvPr id="1" name="Shape 143"/>
         <p:cNvGrpSpPr/>
         <p:nvPr/>
       </p:nvGrpSpPr>
@@ -9377,7 +9661,9 @@
       <p:sp>
         <p:nvSpPr>
           <p:cNvPr id="144" name="Google Shape;144;p25"/>
-          <p:cNvSpPr txBox="1"/>
+          <p:cNvSpPr txBox="1">
+            <a:spLocks noGrp="1"/>
+          </p:cNvSpPr>
           <p:nvPr>
             <p:ph type="title"/>
           </p:nvPr>
@@ -9392,12 +9678,12 @@
           </a:prstGeom>
         </p:spPr>
         <p:txBody>
-          <a:bodyPr anchorCtr="0" anchor="t" bIns="91425" lIns="91425" spcFirstLastPara="1" rIns="91425" wrap="square" tIns="91425">
+          <a:bodyPr spcFirstLastPara="1" wrap="square" lIns="91425" tIns="91425" rIns="91425" bIns="91425" anchor="t" anchorCtr="0">
             <a:noAutofit/>
           </a:bodyPr>
           <a:lstStyle/>
           <a:p>
-            <a:pPr indent="0" lvl="0" marL="0" rtl="0" algn="ctr">
+            <a:pPr marL="0" lvl="0" indent="0" algn="ctr" rtl="0">
               <a:spcBef>
                 <a:spcPts val="0"/>
               </a:spcBef>
@@ -9407,7 +9693,7 @@
               <a:buNone/>
             </a:pPr>
             <a:r>
-              <a:rPr b="1" i="1" lang="en" sz="3100">
+              <a:rPr lang="en" sz="3100" b="1" i="1">
                 <a:latin typeface="Source Code Pro"/>
                 <a:ea typeface="Source Code Pro"/>
                 <a:cs typeface="Source Code Pro"/>
@@ -9415,7 +9701,7 @@
               </a:rPr>
               <a:t>Health Status</a:t>
             </a:r>
-            <a:endParaRPr b="1" i="1" sz="3100">
+            <a:endParaRPr sz="3100" b="1" i="1">
               <a:latin typeface="Source Code Pro"/>
               <a:ea typeface="Source Code Pro"/>
               <a:cs typeface="Source Code Pro"/>
@@ -9427,9 +9713,11 @@
       <p:sp>
         <p:nvSpPr>
           <p:cNvPr id="145" name="Google Shape;145;p25"/>
-          <p:cNvSpPr txBox="1"/>
+          <p:cNvSpPr txBox="1">
+            <a:spLocks noGrp="1"/>
+          </p:cNvSpPr>
           <p:nvPr>
-            <p:ph idx="1" type="body"/>
+            <p:ph type="body" idx="1"/>
           </p:nvPr>
         </p:nvSpPr>
         <p:spPr>
@@ -9442,12 +9730,12 @@
           </a:prstGeom>
         </p:spPr>
         <p:txBody>
-          <a:bodyPr anchorCtr="0" anchor="t" bIns="91425" lIns="91425" spcFirstLastPara="1" rIns="91425" wrap="square" tIns="91425">
+          <a:bodyPr spcFirstLastPara="1" wrap="square" lIns="91425" tIns="91425" rIns="91425" bIns="91425" anchor="t" anchorCtr="0">
             <a:noAutofit/>
           </a:bodyPr>
           <a:lstStyle/>
           <a:p>
-            <a:pPr indent="0" lvl="0" marL="0" rtl="0" algn="l">
+            <a:pPr marL="0" lvl="0" indent="0" algn="l" rtl="0">
               <a:spcBef>
                 <a:spcPts val="0"/>
               </a:spcBef>
@@ -9501,11 +9789,11 @@
 </file>
 
 <file path=ppt/slides/slide14.xml><?xml version="1.0" encoding="utf-8"?>
-<p:sld xmlns:a="http://schemas.openxmlformats.org/drawingml/2006/main" xmlns:r="http://schemas.openxmlformats.org/officeDocument/2006/relationships" xmlns:mc="http://schemas.openxmlformats.org/markup-compatibility/2006" xmlns:mv="urn:schemas-microsoft-com:mac:vml" xmlns:p="http://schemas.openxmlformats.org/presentationml/2006/main" xmlns:c="http://schemas.openxmlformats.org/drawingml/2006/chart" xmlns:dgm="http://schemas.openxmlformats.org/drawingml/2006/diagram" xmlns:o="urn:schemas-microsoft-com:office:office" xmlns:v="urn:schemas-microsoft-com:vml" xmlns:pvml="urn:schemas-microsoft-com:office:powerpoint" xmlns:com="http://schemas.openxmlformats.org/drawingml/2006/compatibility" xmlns:p14="http://schemas.microsoft.com/office/powerpoint/2010/main" xmlns:p15="http://schemas.microsoft.com/office/powerpoint/2012/main">
+<p:sld xmlns:a="http://schemas.openxmlformats.org/drawingml/2006/main" xmlns:r="http://schemas.openxmlformats.org/officeDocument/2006/relationships" xmlns:p="http://schemas.openxmlformats.org/presentationml/2006/main">
   <p:cSld>
     <p:spTree>
       <p:nvGrpSpPr>
-        <p:cNvPr id="150" name="Shape 150"/>
+        <p:cNvPr id="1" name="Shape 150"/>
         <p:cNvGrpSpPr/>
         <p:nvPr/>
       </p:nvGrpSpPr>
@@ -9548,7 +9836,9 @@
       <p:sp>
         <p:nvSpPr>
           <p:cNvPr id="152" name="Google Shape;152;p26"/>
-          <p:cNvSpPr txBox="1"/>
+          <p:cNvSpPr txBox="1">
+            <a:spLocks noGrp="1"/>
+          </p:cNvSpPr>
           <p:nvPr>
             <p:ph type="title"/>
           </p:nvPr>
@@ -9563,12 +9853,12 @@
           </a:prstGeom>
         </p:spPr>
         <p:txBody>
-          <a:bodyPr anchorCtr="0" anchor="t" bIns="91425" lIns="91425" spcFirstLastPara="1" rIns="91425" wrap="square" tIns="91425">
+          <a:bodyPr spcFirstLastPara="1" wrap="square" lIns="91425" tIns="91425" rIns="91425" bIns="91425" anchor="t" anchorCtr="0">
             <a:noAutofit/>
           </a:bodyPr>
           <a:lstStyle/>
           <a:p>
-            <a:pPr indent="0" lvl="0" marL="0" rtl="0" algn="ctr">
+            <a:pPr marL="0" lvl="0" indent="0" algn="ctr" rtl="0">
               <a:spcBef>
                 <a:spcPts val="0"/>
               </a:spcBef>
@@ -9578,7 +9868,7 @@
               <a:buNone/>
             </a:pPr>
             <a:r>
-              <a:rPr b="1" lang="en">
+              <a:rPr lang="en" b="1">
                 <a:latin typeface="Century Gothic"/>
                 <a:ea typeface="Century Gothic"/>
                 <a:cs typeface="Century Gothic"/>
@@ -9604,18 +9894,19 @@
 </file>
 
 <file path=ppt/slides/slide15.xml><?xml version="1.0" encoding="utf-8"?>
-<p:sld xmlns:a="http://schemas.openxmlformats.org/drawingml/2006/main" xmlns:r="http://schemas.openxmlformats.org/officeDocument/2006/relationships" xmlns:mc="http://schemas.openxmlformats.org/markup-compatibility/2006" xmlns:mv="urn:schemas-microsoft-com:mac:vml" xmlns:p="http://schemas.openxmlformats.org/presentationml/2006/main" xmlns:c="http://schemas.openxmlformats.org/drawingml/2006/chart" xmlns:dgm="http://schemas.openxmlformats.org/drawingml/2006/diagram" xmlns:o="urn:schemas-microsoft-com:office:office" xmlns:v="urn:schemas-microsoft-com:vml" xmlns:pvml="urn:schemas-microsoft-com:office:powerpoint" xmlns:com="http://schemas.openxmlformats.org/drawingml/2006/compatibility" xmlns:p14="http://schemas.microsoft.com/office/powerpoint/2010/main" xmlns:p15="http://schemas.microsoft.com/office/powerpoint/2012/main">
+<p:sld xmlns:a="http://schemas.openxmlformats.org/drawingml/2006/main" xmlns:r="http://schemas.openxmlformats.org/officeDocument/2006/relationships" xmlns:p="http://schemas.openxmlformats.org/presentationml/2006/main">
   <p:cSld>
     <p:bg>
       <p:bgPr>
         <a:solidFill>
           <a:srgbClr val="CCCCCC"/>
         </a:solidFill>
+        <a:effectLst/>
       </p:bgPr>
     </p:bg>
     <p:spTree>
       <p:nvGrpSpPr>
-        <p:cNvPr id="156" name="Shape 156"/>
+        <p:cNvPr id="1" name="Shape 156"/>
         <p:cNvGrpSpPr/>
         <p:nvPr/>
       </p:nvGrpSpPr>
@@ -9664,18 +9955,19 @@
 </file>
 
 <file path=ppt/slides/slide16.xml><?xml version="1.0" encoding="utf-8"?>
-<p:sld xmlns:a="http://schemas.openxmlformats.org/drawingml/2006/main" xmlns:r="http://schemas.openxmlformats.org/officeDocument/2006/relationships" xmlns:mc="http://schemas.openxmlformats.org/markup-compatibility/2006" xmlns:mv="urn:schemas-microsoft-com:mac:vml" xmlns:p="http://schemas.openxmlformats.org/presentationml/2006/main" xmlns:c="http://schemas.openxmlformats.org/drawingml/2006/chart" xmlns:dgm="http://schemas.openxmlformats.org/drawingml/2006/diagram" xmlns:o="urn:schemas-microsoft-com:office:office" xmlns:v="urn:schemas-microsoft-com:vml" xmlns:pvml="urn:schemas-microsoft-com:office:powerpoint" xmlns:com="http://schemas.openxmlformats.org/drawingml/2006/compatibility" xmlns:p14="http://schemas.microsoft.com/office/powerpoint/2010/main" xmlns:p15="http://schemas.microsoft.com/office/powerpoint/2012/main">
+<p:sld xmlns:a="http://schemas.openxmlformats.org/drawingml/2006/main" xmlns:r="http://schemas.openxmlformats.org/officeDocument/2006/relationships" xmlns:p="http://schemas.openxmlformats.org/presentationml/2006/main">
   <p:cSld>
     <p:bg>
       <p:bgPr>
         <a:solidFill>
           <a:srgbClr val="CCCCCC"/>
         </a:solidFill>
+        <a:effectLst/>
       </p:bgPr>
     </p:bg>
     <p:spTree>
       <p:nvGrpSpPr>
-        <p:cNvPr id="161" name="Shape 161"/>
+        <p:cNvPr id="1" name="Shape 161"/>
         <p:cNvGrpSpPr/>
         <p:nvPr/>
       </p:nvGrpSpPr>
@@ -9724,18 +10016,19 @@
 </file>
 
 <file path=ppt/slides/slide17.xml><?xml version="1.0" encoding="utf-8"?>
-<p:sld xmlns:a="http://schemas.openxmlformats.org/drawingml/2006/main" xmlns:r="http://schemas.openxmlformats.org/officeDocument/2006/relationships" xmlns:mc="http://schemas.openxmlformats.org/markup-compatibility/2006" xmlns:mv="urn:schemas-microsoft-com:mac:vml" xmlns:p="http://schemas.openxmlformats.org/presentationml/2006/main" xmlns:c="http://schemas.openxmlformats.org/drawingml/2006/chart" xmlns:dgm="http://schemas.openxmlformats.org/drawingml/2006/diagram" xmlns:o="urn:schemas-microsoft-com:office:office" xmlns:v="urn:schemas-microsoft-com:vml" xmlns:pvml="urn:schemas-microsoft-com:office:powerpoint" xmlns:com="http://schemas.openxmlformats.org/drawingml/2006/compatibility" xmlns:p14="http://schemas.microsoft.com/office/powerpoint/2010/main" xmlns:p15="http://schemas.microsoft.com/office/powerpoint/2012/main">
+<p:sld xmlns:a="http://schemas.openxmlformats.org/drawingml/2006/main" xmlns:r="http://schemas.openxmlformats.org/officeDocument/2006/relationships" xmlns:p="http://schemas.openxmlformats.org/presentationml/2006/main">
   <p:cSld>
     <p:bg>
       <p:bgPr>
         <a:solidFill>
           <a:srgbClr val="CCCCCC"/>
         </a:solidFill>
+        <a:effectLst/>
       </p:bgPr>
     </p:bg>
     <p:spTree>
       <p:nvGrpSpPr>
-        <p:cNvPr id="166" name="Shape 166"/>
+        <p:cNvPr id="1" name="Shape 166"/>
         <p:cNvGrpSpPr/>
         <p:nvPr/>
       </p:nvGrpSpPr>
@@ -9795,12 +10088,12 @@
           </a:ln>
         </p:spPr>
         <p:txBody>
-          <a:bodyPr anchorCtr="0" anchor="t" bIns="91425" lIns="91425" spcFirstLastPara="1" rIns="91425" wrap="square" tIns="91425">
+          <a:bodyPr spcFirstLastPara="1" wrap="square" lIns="91425" tIns="91425" rIns="91425" bIns="91425" anchor="t" anchorCtr="0">
             <a:noAutofit/>
           </a:bodyPr>
           <a:lstStyle/>
           <a:p>
-            <a:pPr indent="0" lvl="0" marL="457200" rtl="0" algn="ctr">
+            <a:pPr marL="457200" lvl="0" indent="0" algn="ctr" rtl="0">
               <a:lnSpc>
                 <a:spcPct val="115000"/>
               </a:lnSpc>
@@ -9813,7 +10106,7 @@
               <a:buNone/>
             </a:pPr>
             <a:r>
-              <a:rPr b="1" i="1" lang="en" sz="2400">
+              <a:rPr lang="en" sz="2400" b="1" i="1">
                 <a:solidFill>
                   <a:schemeClr val="dk1"/>
                 </a:solidFill>
@@ -9824,7 +10117,7 @@
               </a:rPr>
               <a:t>The total Revenue for each country’s Health System</a:t>
             </a:r>
-            <a:endParaRPr b="1" i="1" sz="2400">
+            <a:endParaRPr sz="2400" b="1" i="1">
               <a:latin typeface="Century Gothic"/>
               <a:ea typeface="Century Gothic"/>
               <a:cs typeface="Century Gothic"/>
@@ -9870,18 +10163,19 @@
 </file>
 
 <file path=ppt/slides/slide18.xml><?xml version="1.0" encoding="utf-8"?>
-<p:sld xmlns:a="http://schemas.openxmlformats.org/drawingml/2006/main" xmlns:r="http://schemas.openxmlformats.org/officeDocument/2006/relationships" xmlns:mc="http://schemas.openxmlformats.org/markup-compatibility/2006" xmlns:mv="urn:schemas-microsoft-com:mac:vml" xmlns:p="http://schemas.openxmlformats.org/presentationml/2006/main" xmlns:c="http://schemas.openxmlformats.org/drawingml/2006/chart" xmlns:dgm="http://schemas.openxmlformats.org/drawingml/2006/diagram" xmlns:o="urn:schemas-microsoft-com:office:office" xmlns:v="urn:schemas-microsoft-com:vml" xmlns:pvml="urn:schemas-microsoft-com:office:powerpoint" xmlns:com="http://schemas.openxmlformats.org/drawingml/2006/compatibility" xmlns:p14="http://schemas.microsoft.com/office/powerpoint/2010/main" xmlns:p15="http://schemas.microsoft.com/office/powerpoint/2012/main">
+<p:sld xmlns:a="http://schemas.openxmlformats.org/drawingml/2006/main" xmlns:r="http://schemas.openxmlformats.org/officeDocument/2006/relationships" xmlns:p="http://schemas.openxmlformats.org/presentationml/2006/main">
   <p:cSld>
     <p:bg>
       <p:bgPr>
         <a:solidFill>
           <a:srgbClr val="CCCCCC"/>
         </a:solidFill>
+        <a:effectLst/>
       </p:bgPr>
     </p:bg>
     <p:spTree>
       <p:nvGrpSpPr>
-        <p:cNvPr id="173" name="Shape 173"/>
+        <p:cNvPr id="1" name="Shape 173"/>
         <p:cNvGrpSpPr/>
         <p:nvPr/>
       </p:nvGrpSpPr>
@@ -9930,18 +10224,19 @@
 </file>
 
 <file path=ppt/slides/slide19.xml><?xml version="1.0" encoding="utf-8"?>
-<p:sld xmlns:a="http://schemas.openxmlformats.org/drawingml/2006/main" xmlns:r="http://schemas.openxmlformats.org/officeDocument/2006/relationships" xmlns:mc="http://schemas.openxmlformats.org/markup-compatibility/2006" xmlns:mv="urn:schemas-microsoft-com:mac:vml" xmlns:p="http://schemas.openxmlformats.org/presentationml/2006/main" xmlns:c="http://schemas.openxmlformats.org/drawingml/2006/chart" xmlns:dgm="http://schemas.openxmlformats.org/drawingml/2006/diagram" xmlns:o="urn:schemas-microsoft-com:office:office" xmlns:v="urn:schemas-microsoft-com:vml" xmlns:pvml="urn:schemas-microsoft-com:office:powerpoint" xmlns:com="http://schemas.openxmlformats.org/drawingml/2006/compatibility" xmlns:p14="http://schemas.microsoft.com/office/powerpoint/2010/main" xmlns:p15="http://schemas.microsoft.com/office/powerpoint/2012/main">
+<p:sld xmlns:a="http://schemas.openxmlformats.org/drawingml/2006/main" xmlns:r="http://schemas.openxmlformats.org/officeDocument/2006/relationships" xmlns:p="http://schemas.openxmlformats.org/presentationml/2006/main">
   <p:cSld>
     <p:bg>
       <p:bgPr>
         <a:solidFill>
           <a:srgbClr val="980000"/>
         </a:solidFill>
+        <a:effectLst/>
       </p:bgPr>
     </p:bg>
     <p:spTree>
       <p:nvGrpSpPr>
-        <p:cNvPr id="178" name="Shape 178"/>
+        <p:cNvPr id="1" name="Shape 178"/>
         <p:cNvGrpSpPr/>
         <p:nvPr/>
       </p:nvGrpSpPr>
@@ -9984,7 +10279,9 @@
       <p:sp>
         <p:nvSpPr>
           <p:cNvPr id="180" name="Google Shape;180;p31"/>
-          <p:cNvSpPr txBox="1"/>
+          <p:cNvSpPr txBox="1">
+            <a:spLocks noGrp="1"/>
+          </p:cNvSpPr>
           <p:nvPr>
             <p:ph type="title"/>
           </p:nvPr>
@@ -9999,12 +10296,12 @@
           </a:prstGeom>
         </p:spPr>
         <p:txBody>
-          <a:bodyPr anchorCtr="0" anchor="t" bIns="91425" lIns="91425" spcFirstLastPara="1" rIns="91425" wrap="square" tIns="91425">
+          <a:bodyPr spcFirstLastPara="1" wrap="square" lIns="91425" tIns="91425" rIns="91425" bIns="91425" anchor="t" anchorCtr="0">
             <a:noAutofit/>
           </a:bodyPr>
           <a:lstStyle/>
           <a:p>
-            <a:pPr indent="0" lvl="0" marL="0" rtl="0" algn="ctr">
+            <a:pPr marL="0" lvl="0" indent="0" algn="ctr" rtl="0">
               <a:spcBef>
                 <a:spcPts val="0"/>
               </a:spcBef>
@@ -10014,7 +10311,7 @@
               <a:buNone/>
             </a:pPr>
             <a:r>
-              <a:rPr b="1" lang="en" sz="4000">
+              <a:rPr lang="en" sz="4000" b="1">
                 <a:latin typeface="Century Gothic"/>
                 <a:ea typeface="Century Gothic"/>
                 <a:cs typeface="Century Gothic"/>
@@ -10022,7 +10319,7 @@
               </a:rPr>
               <a:t>Learning from one another</a:t>
             </a:r>
-            <a:endParaRPr b="1" sz="4000">
+            <a:endParaRPr sz="4000" b="1">
               <a:latin typeface="Century Gothic"/>
               <a:ea typeface="Century Gothic"/>
               <a:cs typeface="Century Gothic"/>
@@ -10040,11 +10337,11 @@
 </file>
 
 <file path=ppt/slides/slide2.xml><?xml version="1.0" encoding="utf-8"?>
-<p:sld xmlns:a="http://schemas.openxmlformats.org/drawingml/2006/main" xmlns:r="http://schemas.openxmlformats.org/officeDocument/2006/relationships" xmlns:mc="http://schemas.openxmlformats.org/markup-compatibility/2006" xmlns:mv="urn:schemas-microsoft-com:mac:vml" xmlns:p="http://schemas.openxmlformats.org/presentationml/2006/main" xmlns:c="http://schemas.openxmlformats.org/drawingml/2006/chart" xmlns:dgm="http://schemas.openxmlformats.org/drawingml/2006/diagram" xmlns:o="urn:schemas-microsoft-com:office:office" xmlns:v="urn:schemas-microsoft-com:vml" xmlns:pvml="urn:schemas-microsoft-com:office:powerpoint" xmlns:com="http://schemas.openxmlformats.org/drawingml/2006/compatibility" xmlns:p14="http://schemas.microsoft.com/office/powerpoint/2010/main" xmlns:p15="http://schemas.microsoft.com/office/powerpoint/2012/main">
+<p:sld xmlns:a="http://schemas.openxmlformats.org/drawingml/2006/main" xmlns:r="http://schemas.openxmlformats.org/officeDocument/2006/relationships" xmlns:p="http://schemas.openxmlformats.org/presentationml/2006/main">
   <p:cSld>
     <p:spTree>
       <p:nvGrpSpPr>
-        <p:cNvPr id="59" name="Shape 59"/>
+        <p:cNvPr id="1" name="Shape 59"/>
         <p:cNvGrpSpPr/>
         <p:nvPr/>
       </p:nvGrpSpPr>
@@ -10087,7 +10384,9 @@
       <p:sp>
         <p:nvSpPr>
           <p:cNvPr id="61" name="Google Shape;61;p14"/>
-          <p:cNvSpPr txBox="1"/>
+          <p:cNvSpPr txBox="1">
+            <a:spLocks noGrp="1"/>
+          </p:cNvSpPr>
           <p:nvPr>
             <p:ph type="title"/>
           </p:nvPr>
@@ -10102,12 +10401,12 @@
           </a:prstGeom>
         </p:spPr>
         <p:txBody>
-          <a:bodyPr anchorCtr="0" anchor="t" bIns="91425" lIns="91425" spcFirstLastPara="1" rIns="91425" wrap="square" tIns="91425">
+          <a:bodyPr spcFirstLastPara="1" wrap="square" lIns="91425" tIns="91425" rIns="91425" bIns="91425" anchor="t" anchorCtr="0">
             <a:noAutofit/>
           </a:bodyPr>
           <a:lstStyle/>
           <a:p>
-            <a:pPr indent="0" lvl="0" marL="0" rtl="0" algn="l">
+            <a:pPr marL="0" lvl="0" indent="0" algn="l" rtl="0">
               <a:spcBef>
                 <a:spcPts val="0"/>
               </a:spcBef>
@@ -10117,7 +10416,7 @@
               <a:buNone/>
             </a:pPr>
             <a:r>
-              <a:rPr b="1" lang="en" sz="3600">
+              <a:rPr lang="en" sz="3600" b="1">
                 <a:latin typeface="Century Gothic"/>
                 <a:ea typeface="Century Gothic"/>
                 <a:cs typeface="Century Gothic"/>
@@ -10125,7 +10424,7 @@
               </a:rPr>
               <a:t>The goal:</a:t>
             </a:r>
-            <a:endParaRPr b="1" sz="3600">
+            <a:endParaRPr sz="3600" b="1">
               <a:latin typeface="Century Gothic"/>
               <a:ea typeface="Century Gothic"/>
               <a:cs typeface="Century Gothic"/>
@@ -10137,9 +10436,11 @@
       <p:sp>
         <p:nvSpPr>
           <p:cNvPr id="62" name="Google Shape;62;p14"/>
-          <p:cNvSpPr txBox="1"/>
+          <p:cNvSpPr txBox="1">
+            <a:spLocks noGrp="1"/>
+          </p:cNvSpPr>
           <p:nvPr>
-            <p:ph idx="1" type="body"/>
+            <p:ph type="body" idx="1"/>
           </p:nvPr>
         </p:nvSpPr>
         <p:spPr>
@@ -10152,12 +10453,12 @@
           </a:prstGeom>
         </p:spPr>
         <p:txBody>
-          <a:bodyPr anchorCtr="0" anchor="t" bIns="91425" lIns="91425" spcFirstLastPara="1" rIns="91425" wrap="square" tIns="91425">
+          <a:bodyPr spcFirstLastPara="1" wrap="square" lIns="91425" tIns="91425" rIns="91425" bIns="91425" anchor="t" anchorCtr="0">
             <a:noAutofit/>
           </a:bodyPr>
           <a:lstStyle/>
           <a:p>
-            <a:pPr indent="-355600" lvl="0" marL="457200" rtl="0" algn="l">
+            <a:pPr marL="457200" lvl="0" indent="-355600" algn="l" rtl="0">
               <a:lnSpc>
                 <a:spcPct val="200000"/>
               </a:lnSpc>
@@ -10175,7 +10476,7 @@
               <a:buChar char="●"/>
             </a:pPr>
             <a:r>
-              <a:rPr b="1" lang="en" sz="2000">
+              <a:rPr lang="en" sz="2000" b="1">
                 <a:solidFill>
                   <a:srgbClr val="000000"/>
                 </a:solidFill>
@@ -10186,7 +10487,7 @@
               </a:rPr>
               <a:t>To identify which country has a better healthcare system overall</a:t>
             </a:r>
-            <a:endParaRPr b="1" sz="2000">
+            <a:endParaRPr sz="2000" b="1">
               <a:solidFill>
                 <a:srgbClr val="000000"/>
               </a:solidFill>
@@ -10197,7 +10498,7 @@
             </a:endParaRPr>
           </a:p>
           <a:p>
-            <a:pPr indent="-355600" lvl="0" marL="457200" rtl="0" algn="l">
+            <a:pPr marL="457200" lvl="0" indent="-355600" algn="l" rtl="0">
               <a:lnSpc>
                 <a:spcPct val="200000"/>
               </a:lnSpc>
@@ -10215,7 +10516,7 @@
               <a:buChar char="●"/>
             </a:pPr>
             <a:r>
-              <a:rPr b="1" lang="en" sz="2000">
+              <a:rPr lang="en" sz="2000" b="1">
                 <a:solidFill>
                   <a:srgbClr val="000000"/>
                 </a:solidFill>
@@ -10226,7 +10527,7 @@
               </a:rPr>
               <a:t>To reveal in what cases The United States is superior</a:t>
             </a:r>
-            <a:endParaRPr b="1" sz="2000">
+            <a:endParaRPr sz="2000" b="1">
               <a:solidFill>
                 <a:srgbClr val="000000"/>
               </a:solidFill>
@@ -10237,7 +10538,7 @@
             </a:endParaRPr>
           </a:p>
           <a:p>
-            <a:pPr indent="-355600" lvl="0" marL="457200" rtl="0" algn="l">
+            <a:pPr marL="457200" lvl="0" indent="-355600" algn="l" rtl="0">
               <a:lnSpc>
                 <a:spcPct val="200000"/>
               </a:lnSpc>
@@ -10255,7 +10556,7 @@
               <a:buChar char="●"/>
             </a:pPr>
             <a:r>
-              <a:rPr b="1" lang="en" sz="2000">
+              <a:rPr lang="en" sz="2000" b="1">
                 <a:solidFill>
                   <a:srgbClr val="000000"/>
                 </a:solidFill>
@@ -10266,7 +10567,7 @@
               </a:rPr>
               <a:t>To reveal in what cases Canada is superior</a:t>
             </a:r>
-            <a:endParaRPr b="1" sz="2000">
+            <a:endParaRPr sz="2000" b="1">
               <a:solidFill>
                 <a:srgbClr val="000000"/>
               </a:solidFill>
@@ -10277,7 +10578,7 @@
             </a:endParaRPr>
           </a:p>
           <a:p>
-            <a:pPr indent="-355600" lvl="0" marL="457200" rtl="0" algn="l">
+            <a:pPr marL="457200" lvl="0" indent="-355600" algn="l" rtl="0">
               <a:lnSpc>
                 <a:spcPct val="100000"/>
               </a:lnSpc>
@@ -10295,7 +10596,7 @@
               <a:buChar char="●"/>
             </a:pPr>
             <a:r>
-              <a:rPr b="1" lang="en" sz="2000">
+              <a:rPr lang="en" sz="2000" b="1">
                 <a:solidFill>
                   <a:srgbClr val="000000"/>
                 </a:solidFill>
@@ -10306,7 +10607,7 @@
               </a:rPr>
               <a:t>Finally, to theorize how the losing country could implement the others best parts.</a:t>
             </a:r>
-            <a:endParaRPr b="1" sz="2000">
+            <a:endParaRPr sz="2000" b="1">
               <a:solidFill>
                 <a:srgbClr val="000000"/>
               </a:solidFill>
@@ -10317,7 +10618,7 @@
             </a:endParaRPr>
           </a:p>
           <a:p>
-            <a:pPr indent="0" lvl="0" marL="0" rtl="0" algn="l">
+            <a:pPr marL="0" lvl="0" indent="0" algn="l" rtl="0">
               <a:spcBef>
                 <a:spcPts val="1600"/>
               </a:spcBef>
@@ -10326,9 +10627,6 @@
               </a:spcAft>
               <a:buNone/>
             </a:pPr>
-            <a:r>
-              <a:t/>
-            </a:r>
             <a:endParaRPr b="1">
               <a:latin typeface="Century Gothic"/>
               <a:ea typeface="Century Gothic"/>
@@ -10347,18 +10645,19 @@
 </file>
 
 <file path=ppt/slides/slide20.xml><?xml version="1.0" encoding="utf-8"?>
-<p:sld xmlns:a="http://schemas.openxmlformats.org/drawingml/2006/main" xmlns:r="http://schemas.openxmlformats.org/officeDocument/2006/relationships" xmlns:mc="http://schemas.openxmlformats.org/markup-compatibility/2006" xmlns:mv="urn:schemas-microsoft-com:mac:vml" xmlns:p="http://schemas.openxmlformats.org/presentationml/2006/main" xmlns:c="http://schemas.openxmlformats.org/drawingml/2006/chart" xmlns:dgm="http://schemas.openxmlformats.org/drawingml/2006/diagram" xmlns:o="urn:schemas-microsoft-com:office:office" xmlns:v="urn:schemas-microsoft-com:vml" xmlns:pvml="urn:schemas-microsoft-com:office:powerpoint" xmlns:com="http://schemas.openxmlformats.org/drawingml/2006/compatibility" xmlns:p14="http://schemas.microsoft.com/office/powerpoint/2010/main" xmlns:p15="http://schemas.microsoft.com/office/powerpoint/2012/main">
+<p:sld xmlns:a="http://schemas.openxmlformats.org/drawingml/2006/main" xmlns:r="http://schemas.openxmlformats.org/officeDocument/2006/relationships" xmlns:p="http://schemas.openxmlformats.org/presentationml/2006/main">
   <p:cSld>
     <p:bg>
       <p:bgPr>
         <a:solidFill>
           <a:srgbClr val="CCCCCC"/>
         </a:solidFill>
+        <a:effectLst/>
       </p:bgPr>
     </p:bg>
     <p:spTree>
       <p:nvGrpSpPr>
-        <p:cNvPr id="184" name="Shape 184"/>
+        <p:cNvPr id="1" name="Shape 184"/>
         <p:cNvGrpSpPr/>
         <p:nvPr/>
       </p:nvGrpSpPr>
@@ -10373,7 +10672,9 @@
       <p:sp>
         <p:nvSpPr>
           <p:cNvPr id="185" name="Google Shape;185;p32"/>
-          <p:cNvSpPr txBox="1"/>
+          <p:cNvSpPr txBox="1">
+            <a:spLocks noGrp="1"/>
+          </p:cNvSpPr>
           <p:nvPr>
             <p:ph type="title"/>
           </p:nvPr>
@@ -10388,12 +10689,12 @@
           </a:prstGeom>
         </p:spPr>
         <p:txBody>
-          <a:bodyPr anchorCtr="0" anchor="t" bIns="91425" lIns="91425" spcFirstLastPara="1" rIns="91425" wrap="square" tIns="91425">
+          <a:bodyPr spcFirstLastPara="1" wrap="square" lIns="91425" tIns="91425" rIns="91425" bIns="91425" anchor="t" anchorCtr="0">
             <a:noAutofit/>
           </a:bodyPr>
           <a:lstStyle/>
           <a:p>
-            <a:pPr indent="0" lvl="0" marL="0" rtl="0" algn="ctr">
+            <a:pPr marL="0" lvl="0" indent="0" algn="ctr" rtl="0">
               <a:spcBef>
                 <a:spcPts val="0"/>
               </a:spcBef>
@@ -10457,18 +10758,19 @@
 </file>
 
 <file path=ppt/slides/slide21.xml><?xml version="1.0" encoding="utf-8"?>
-<p:sld xmlns:a="http://schemas.openxmlformats.org/drawingml/2006/main" xmlns:r="http://schemas.openxmlformats.org/officeDocument/2006/relationships" xmlns:mc="http://schemas.openxmlformats.org/markup-compatibility/2006" xmlns:mv="urn:schemas-microsoft-com:mac:vml" xmlns:p="http://schemas.openxmlformats.org/presentationml/2006/main" xmlns:c="http://schemas.openxmlformats.org/drawingml/2006/chart" xmlns:dgm="http://schemas.openxmlformats.org/drawingml/2006/diagram" xmlns:o="urn:schemas-microsoft-com:office:office" xmlns:v="urn:schemas-microsoft-com:vml" xmlns:pvml="urn:schemas-microsoft-com:office:powerpoint" xmlns:com="http://schemas.openxmlformats.org/drawingml/2006/compatibility" xmlns:p14="http://schemas.microsoft.com/office/powerpoint/2010/main" xmlns:p15="http://schemas.microsoft.com/office/powerpoint/2012/main">
+<p:sld xmlns:a="http://schemas.openxmlformats.org/drawingml/2006/main" xmlns:r="http://schemas.openxmlformats.org/officeDocument/2006/relationships" xmlns:p="http://schemas.openxmlformats.org/presentationml/2006/main">
   <p:cSld>
     <p:bg>
       <p:bgPr>
         <a:solidFill>
           <a:srgbClr val="CCCCCC"/>
         </a:solidFill>
+        <a:effectLst/>
       </p:bgPr>
     </p:bg>
     <p:spTree>
       <p:nvGrpSpPr>
-        <p:cNvPr id="190" name="Shape 190"/>
+        <p:cNvPr id="1" name="Shape 190"/>
         <p:cNvGrpSpPr/>
         <p:nvPr/>
       </p:nvGrpSpPr>
@@ -10483,7 +10785,9 @@
       <p:sp>
         <p:nvSpPr>
           <p:cNvPr id="191" name="Google Shape;191;p33"/>
-          <p:cNvSpPr txBox="1"/>
+          <p:cNvSpPr txBox="1">
+            <a:spLocks noGrp="1"/>
+          </p:cNvSpPr>
           <p:nvPr>
             <p:ph type="title"/>
           </p:nvPr>
@@ -10498,12 +10802,12 @@
           </a:prstGeom>
         </p:spPr>
         <p:txBody>
-          <a:bodyPr anchorCtr="0" anchor="t" bIns="91425" lIns="91425" spcFirstLastPara="1" rIns="91425" wrap="square" tIns="91425">
+          <a:bodyPr spcFirstLastPara="1" wrap="square" lIns="91425" tIns="91425" rIns="91425" bIns="91425" anchor="t" anchorCtr="0">
             <a:noAutofit/>
           </a:bodyPr>
           <a:lstStyle/>
           <a:p>
-            <a:pPr indent="0" lvl="0" marL="0" rtl="0" algn="ctr">
+            <a:pPr marL="0" lvl="0" indent="0" algn="ctr" rtl="0">
               <a:spcBef>
                 <a:spcPts val="0"/>
               </a:spcBef>
@@ -10539,18 +10843,19 @@
 </file>
 
 <file path=ppt/slides/slide22.xml><?xml version="1.0" encoding="utf-8"?>
-<p:sld xmlns:a="http://schemas.openxmlformats.org/drawingml/2006/main" xmlns:r="http://schemas.openxmlformats.org/officeDocument/2006/relationships" xmlns:mc="http://schemas.openxmlformats.org/markup-compatibility/2006" xmlns:mv="urn:schemas-microsoft-com:mac:vml" xmlns:p="http://schemas.openxmlformats.org/presentationml/2006/main" xmlns:c="http://schemas.openxmlformats.org/drawingml/2006/chart" xmlns:dgm="http://schemas.openxmlformats.org/drawingml/2006/diagram" xmlns:o="urn:schemas-microsoft-com:office:office" xmlns:v="urn:schemas-microsoft-com:vml" xmlns:pvml="urn:schemas-microsoft-com:office:powerpoint" xmlns:com="http://schemas.openxmlformats.org/drawingml/2006/compatibility" xmlns:p14="http://schemas.microsoft.com/office/powerpoint/2010/main" xmlns:p15="http://schemas.microsoft.com/office/powerpoint/2012/main">
+<p:sld xmlns:a="http://schemas.openxmlformats.org/drawingml/2006/main" xmlns:r="http://schemas.openxmlformats.org/officeDocument/2006/relationships" xmlns:p="http://schemas.openxmlformats.org/presentationml/2006/main">
   <p:cSld>
     <p:bg>
       <p:bgPr>
         <a:solidFill>
           <a:srgbClr val="CCCCCC"/>
         </a:solidFill>
+        <a:effectLst/>
       </p:bgPr>
     </p:bg>
     <p:spTree>
       <p:nvGrpSpPr>
-        <p:cNvPr id="195" name="Shape 195"/>
+        <p:cNvPr id="1" name="Shape 195"/>
         <p:cNvGrpSpPr/>
         <p:nvPr/>
       </p:nvGrpSpPr>
@@ -10565,7 +10870,9 @@
       <p:sp>
         <p:nvSpPr>
           <p:cNvPr id="196" name="Google Shape;196;p34"/>
-          <p:cNvSpPr txBox="1"/>
+          <p:cNvSpPr txBox="1">
+            <a:spLocks noGrp="1"/>
+          </p:cNvSpPr>
           <p:nvPr>
             <p:ph type="title"/>
           </p:nvPr>
@@ -10580,12 +10887,12 @@
           </a:prstGeom>
         </p:spPr>
         <p:txBody>
-          <a:bodyPr anchorCtr="0" anchor="t" bIns="91425" lIns="91425" spcFirstLastPara="1" rIns="91425" wrap="square" tIns="91425">
+          <a:bodyPr spcFirstLastPara="1" wrap="square" lIns="91425" tIns="91425" rIns="91425" bIns="91425" anchor="t" anchorCtr="0">
             <a:noAutofit/>
           </a:bodyPr>
           <a:lstStyle/>
           <a:p>
-            <a:pPr indent="0" lvl="0" marL="0" rtl="0" algn="ctr">
+            <a:pPr marL="0" lvl="0" indent="0" algn="ctr" rtl="0">
               <a:spcBef>
                 <a:spcPts val="0"/>
               </a:spcBef>
@@ -10615,9 +10922,11 @@
       <p:sp>
         <p:nvSpPr>
           <p:cNvPr id="197" name="Google Shape;197;p34"/>
-          <p:cNvSpPr txBox="1"/>
+          <p:cNvSpPr txBox="1">
+            <a:spLocks noGrp="1"/>
+          </p:cNvSpPr>
           <p:nvPr>
-            <p:ph idx="1" type="body"/>
+            <p:ph type="body" idx="1"/>
           </p:nvPr>
         </p:nvSpPr>
         <p:spPr>
@@ -10630,12 +10939,12 @@
           </a:prstGeom>
         </p:spPr>
         <p:txBody>
-          <a:bodyPr anchorCtr="0" anchor="t" bIns="91425" lIns="91425" spcFirstLastPara="1" rIns="91425" wrap="square" tIns="91425">
+          <a:bodyPr spcFirstLastPara="1" wrap="square" lIns="91425" tIns="91425" rIns="91425" bIns="91425" anchor="t" anchorCtr="0">
             <a:noAutofit/>
           </a:bodyPr>
           <a:lstStyle/>
           <a:p>
-            <a:pPr indent="0" lvl="0" marL="0" rtl="0" algn="ctr">
+            <a:pPr marL="0" lvl="0" indent="0" algn="ctr" rtl="0">
               <a:spcBef>
                 <a:spcPts val="0"/>
               </a:spcBef>
@@ -10661,7 +10970,7 @@
             </a:endParaRPr>
           </a:p>
           <a:p>
-            <a:pPr indent="0" lvl="0" marL="0" rtl="0" algn="ctr">
+            <a:pPr marL="0" lvl="0" indent="0" algn="ctr" rtl="0">
               <a:spcBef>
                 <a:spcPts val="1600"/>
               </a:spcBef>
@@ -10670,9 +10979,6 @@
               </a:spcAft>
               <a:buNone/>
             </a:pPr>
-            <a:r>
-              <a:t/>
-            </a:r>
             <a:endParaRPr sz="2400">
               <a:latin typeface="Century Gothic"/>
               <a:ea typeface="Century Gothic"/>
@@ -10681,7 +10987,7 @@
             </a:endParaRPr>
           </a:p>
           <a:p>
-            <a:pPr indent="0" lvl="0" marL="0" rtl="0" algn="ctr">
+            <a:pPr marL="0" lvl="0" indent="0" algn="ctr" rtl="0">
               <a:spcBef>
                 <a:spcPts val="1600"/>
               </a:spcBef>
@@ -10707,7 +11013,7 @@
             </a:endParaRPr>
           </a:p>
           <a:p>
-            <a:pPr indent="0" lvl="0" marL="0" rtl="0" algn="ctr">
+            <a:pPr marL="0" lvl="0" indent="0" algn="ctr" rtl="0">
               <a:spcBef>
                 <a:spcPts val="1600"/>
               </a:spcBef>
@@ -10716,9 +11022,6 @@
               </a:spcAft>
               <a:buNone/>
             </a:pPr>
-            <a:r>
-              <a:t/>
-            </a:r>
             <a:endParaRPr sz="2400">
               <a:latin typeface="Century Gothic"/>
               <a:ea typeface="Century Gothic"/>
@@ -10727,7 +11030,7 @@
             </a:endParaRPr>
           </a:p>
           <a:p>
-            <a:pPr indent="0" lvl="0" marL="0" rtl="0" algn="ctr">
+            <a:pPr marL="0" lvl="0" indent="0" algn="ctr" rtl="0">
               <a:spcBef>
                 <a:spcPts val="1600"/>
               </a:spcBef>
@@ -10763,18 +11066,19 @@
 </file>
 
 <file path=ppt/slides/slide23.xml><?xml version="1.0" encoding="utf-8"?>
-<p:sld xmlns:a="http://schemas.openxmlformats.org/drawingml/2006/main" xmlns:r="http://schemas.openxmlformats.org/officeDocument/2006/relationships" xmlns:mc="http://schemas.openxmlformats.org/markup-compatibility/2006" xmlns:mv="urn:schemas-microsoft-com:mac:vml" xmlns:p="http://schemas.openxmlformats.org/presentationml/2006/main" xmlns:c="http://schemas.openxmlformats.org/drawingml/2006/chart" xmlns:dgm="http://schemas.openxmlformats.org/drawingml/2006/diagram" xmlns:o="urn:schemas-microsoft-com:office:office" xmlns:v="urn:schemas-microsoft-com:vml" xmlns:pvml="urn:schemas-microsoft-com:office:powerpoint" xmlns:com="http://schemas.openxmlformats.org/drawingml/2006/compatibility" xmlns:p14="http://schemas.microsoft.com/office/powerpoint/2010/main" xmlns:p15="http://schemas.microsoft.com/office/powerpoint/2012/main">
+<p:sld xmlns:a="http://schemas.openxmlformats.org/drawingml/2006/main" xmlns:r="http://schemas.openxmlformats.org/officeDocument/2006/relationships" xmlns:p="http://schemas.openxmlformats.org/presentationml/2006/main">
   <p:cSld>
     <p:bg>
       <p:bgPr>
         <a:solidFill>
           <a:srgbClr val="CCCCCC"/>
         </a:solidFill>
+        <a:effectLst/>
       </p:bgPr>
     </p:bg>
     <p:spTree>
       <p:nvGrpSpPr>
-        <p:cNvPr id="201" name="Shape 201"/>
+        <p:cNvPr id="1" name="Shape 201"/>
         <p:cNvGrpSpPr/>
         <p:nvPr/>
       </p:nvGrpSpPr>
@@ -10834,12 +11138,12 @@
           </a:ln>
         </p:spPr>
         <p:txBody>
-          <a:bodyPr anchorCtr="0" anchor="t" bIns="91425" lIns="91425" spcFirstLastPara="1" rIns="91425" wrap="square" tIns="91425">
+          <a:bodyPr spcFirstLastPara="1" wrap="square" lIns="91425" tIns="91425" rIns="91425" bIns="91425" anchor="t" anchorCtr="0">
             <a:noAutofit/>
           </a:bodyPr>
           <a:lstStyle/>
           <a:p>
-            <a:pPr indent="0" lvl="0" marL="0" rtl="0" algn="ctr">
+            <a:pPr marL="0" lvl="0" indent="0" algn="ctr" rtl="0">
               <a:spcBef>
                 <a:spcPts val="0"/>
               </a:spcBef>
@@ -10875,18 +11179,19 @@
 </file>
 
 <file path=ppt/slides/slide24.xml><?xml version="1.0" encoding="utf-8"?>
-<p:sld xmlns:a="http://schemas.openxmlformats.org/drawingml/2006/main" xmlns:r="http://schemas.openxmlformats.org/officeDocument/2006/relationships" xmlns:mc="http://schemas.openxmlformats.org/markup-compatibility/2006" xmlns:mv="urn:schemas-microsoft-com:mac:vml" xmlns:p="http://schemas.openxmlformats.org/presentationml/2006/main" xmlns:c="http://schemas.openxmlformats.org/drawingml/2006/chart" xmlns:dgm="http://schemas.openxmlformats.org/drawingml/2006/diagram" xmlns:o="urn:schemas-microsoft-com:office:office" xmlns:v="urn:schemas-microsoft-com:vml" xmlns:pvml="urn:schemas-microsoft-com:office:powerpoint" xmlns:com="http://schemas.openxmlformats.org/drawingml/2006/compatibility" xmlns:p14="http://schemas.microsoft.com/office/powerpoint/2010/main" xmlns:p15="http://schemas.microsoft.com/office/powerpoint/2012/main">
+<p:sld xmlns:a="http://schemas.openxmlformats.org/drawingml/2006/main" xmlns:r="http://schemas.openxmlformats.org/officeDocument/2006/relationships" xmlns:p="http://schemas.openxmlformats.org/presentationml/2006/main">
   <p:cSld>
     <p:bg>
       <p:bgPr>
         <a:solidFill>
           <a:srgbClr val="CCCCCC"/>
         </a:solidFill>
+        <a:effectLst/>
       </p:bgPr>
     </p:bg>
     <p:spTree>
       <p:nvGrpSpPr>
-        <p:cNvPr id="207" name="Shape 207"/>
+        <p:cNvPr id="1" name="Shape 207"/>
         <p:cNvGrpSpPr/>
         <p:nvPr/>
       </p:nvGrpSpPr>
@@ -10901,7 +11206,9 @@
       <p:sp>
         <p:nvSpPr>
           <p:cNvPr id="208" name="Google Shape;208;p36"/>
-          <p:cNvSpPr txBox="1"/>
+          <p:cNvSpPr txBox="1">
+            <a:spLocks noGrp="1"/>
+          </p:cNvSpPr>
           <p:nvPr>
             <p:ph type="title"/>
           </p:nvPr>
@@ -10916,12 +11223,12 @@
           </a:prstGeom>
         </p:spPr>
         <p:txBody>
-          <a:bodyPr anchorCtr="0" anchor="t" bIns="91425" lIns="91425" spcFirstLastPara="1" rIns="91425" wrap="square" tIns="91425">
+          <a:bodyPr spcFirstLastPara="1" wrap="square" lIns="91425" tIns="91425" rIns="91425" bIns="91425" anchor="t" anchorCtr="0">
             <a:noAutofit/>
           </a:bodyPr>
           <a:lstStyle/>
           <a:p>
-            <a:pPr indent="0" lvl="0" marL="0" rtl="0" algn="ctr">
+            <a:pPr marL="0" lvl="0" indent="0" algn="ctr" rtl="0">
               <a:spcBef>
                 <a:spcPts val="0"/>
               </a:spcBef>
@@ -10931,7 +11238,7 @@
               <a:buNone/>
             </a:pPr>
             <a:r>
-              <a:rPr b="1" i="1" lang="en">
+              <a:rPr lang="en" b="1" i="1">
                 <a:latin typeface="Century Gothic"/>
                 <a:ea typeface="Century Gothic"/>
                 <a:cs typeface="Century Gothic"/>
@@ -10951,9 +11258,11 @@
       <p:sp>
         <p:nvSpPr>
           <p:cNvPr id="209" name="Google Shape;209;p36"/>
-          <p:cNvSpPr txBox="1"/>
+          <p:cNvSpPr txBox="1">
+            <a:spLocks noGrp="1"/>
+          </p:cNvSpPr>
           <p:nvPr>
-            <p:ph idx="1" type="body"/>
+            <p:ph type="body" idx="1"/>
           </p:nvPr>
         </p:nvSpPr>
         <p:spPr>
@@ -10966,12 +11275,12 @@
           </a:prstGeom>
         </p:spPr>
         <p:txBody>
-          <a:bodyPr anchorCtr="0" anchor="t" bIns="91425" lIns="91425" spcFirstLastPara="1" rIns="91425" wrap="square" tIns="91425">
+          <a:bodyPr spcFirstLastPara="1" wrap="square" lIns="91425" tIns="91425" rIns="91425" bIns="91425" anchor="t" anchorCtr="0">
             <a:noAutofit/>
           </a:bodyPr>
           <a:lstStyle/>
           <a:p>
-            <a:pPr indent="0" lvl="0" marL="0" rtl="0" algn="ctr">
+            <a:pPr marL="0" lvl="0" indent="0" algn="ctr" rtl="0">
               <a:spcBef>
                 <a:spcPts val="0"/>
               </a:spcBef>
@@ -10997,7 +11306,7 @@
             </a:endParaRPr>
           </a:p>
           <a:p>
-            <a:pPr indent="0" lvl="0" marL="0" rtl="0" algn="ctr">
+            <a:pPr marL="0" lvl="0" indent="0" algn="ctr" rtl="0">
               <a:spcBef>
                 <a:spcPts val="1600"/>
               </a:spcBef>
@@ -11023,7 +11332,7 @@
             </a:endParaRPr>
           </a:p>
           <a:p>
-            <a:pPr indent="0" lvl="0" marL="0" rtl="0" algn="ctr">
+            <a:pPr marL="0" lvl="0" indent="0" algn="ctr" rtl="0">
               <a:spcBef>
                 <a:spcPts val="1600"/>
               </a:spcBef>
@@ -11049,7 +11358,7 @@
             </a:endParaRPr>
           </a:p>
           <a:p>
-            <a:pPr indent="0" lvl="0" marL="0" rtl="0" algn="ctr">
+            <a:pPr marL="0" lvl="0" indent="0" algn="ctr" rtl="0">
               <a:spcBef>
                 <a:spcPts val="1600"/>
               </a:spcBef>
@@ -11085,18 +11394,19 @@
 </file>
 
 <file path=ppt/slides/slide25.xml><?xml version="1.0" encoding="utf-8"?>
-<p:sld xmlns:a="http://schemas.openxmlformats.org/drawingml/2006/main" xmlns:r="http://schemas.openxmlformats.org/officeDocument/2006/relationships" xmlns:mc="http://schemas.openxmlformats.org/markup-compatibility/2006" xmlns:mv="urn:schemas-microsoft-com:mac:vml" xmlns:p="http://schemas.openxmlformats.org/presentationml/2006/main" xmlns:c="http://schemas.openxmlformats.org/drawingml/2006/chart" xmlns:dgm="http://schemas.openxmlformats.org/drawingml/2006/diagram" xmlns:o="urn:schemas-microsoft-com:office:office" xmlns:v="urn:schemas-microsoft-com:vml" xmlns:pvml="urn:schemas-microsoft-com:office:powerpoint" xmlns:com="http://schemas.openxmlformats.org/drawingml/2006/compatibility" xmlns:p14="http://schemas.microsoft.com/office/powerpoint/2010/main" xmlns:p15="http://schemas.microsoft.com/office/powerpoint/2012/main">
+<p:sld xmlns:a="http://schemas.openxmlformats.org/drawingml/2006/main" xmlns:r="http://schemas.openxmlformats.org/officeDocument/2006/relationships" xmlns:p="http://schemas.openxmlformats.org/presentationml/2006/main">
   <p:cSld>
     <p:bg>
       <p:bgPr>
         <a:solidFill>
           <a:srgbClr val="CCCCCC"/>
         </a:solidFill>
+        <a:effectLst/>
       </p:bgPr>
     </p:bg>
     <p:spTree>
       <p:nvGrpSpPr>
-        <p:cNvPr id="213" name="Shape 213"/>
+        <p:cNvPr id="1" name="Shape 213"/>
         <p:cNvGrpSpPr/>
         <p:nvPr/>
       </p:nvGrpSpPr>
@@ -11111,9 +11421,11 @@
       <p:sp>
         <p:nvSpPr>
           <p:cNvPr id="214" name="Google Shape;214;p37"/>
-          <p:cNvSpPr txBox="1"/>
+          <p:cNvSpPr txBox="1">
+            <a:spLocks noGrp="1"/>
+          </p:cNvSpPr>
           <p:nvPr>
-            <p:ph idx="1" type="body"/>
+            <p:ph type="body" idx="1"/>
           </p:nvPr>
         </p:nvSpPr>
         <p:spPr>
@@ -11126,12 +11438,12 @@
           </a:prstGeom>
         </p:spPr>
         <p:txBody>
-          <a:bodyPr anchorCtr="0" anchor="t" bIns="91425" lIns="91425" spcFirstLastPara="1" rIns="91425" wrap="square" tIns="91425">
+          <a:bodyPr spcFirstLastPara="1" wrap="square" lIns="91425" tIns="91425" rIns="91425" bIns="91425" anchor="t" anchorCtr="0">
             <a:noAutofit/>
           </a:bodyPr>
           <a:lstStyle/>
           <a:p>
-            <a:pPr indent="0" lvl="0" marL="0" rtl="0" algn="l">
+            <a:pPr marL="0" lvl="0" indent="0" algn="l" rtl="0">
               <a:spcBef>
                 <a:spcPts val="0"/>
               </a:spcBef>
@@ -11141,7 +11453,7 @@
               <a:buNone/>
             </a:pPr>
             <a:r>
-              <a:rPr i="1" lang="en" sz="4600">
+              <a:rPr lang="en" sz="4600" i="1">
                 <a:latin typeface="Century Gothic"/>
                 <a:ea typeface="Century Gothic"/>
                 <a:cs typeface="Century Gothic"/>
@@ -11149,7 +11461,7 @@
               </a:rPr>
               <a:t>“The most expensive part about going to the hospital in Canada is the parking bill”</a:t>
             </a:r>
-            <a:endParaRPr i="1" sz="4600">
+            <a:endParaRPr sz="4600" i="1">
               <a:latin typeface="Century Gothic"/>
               <a:ea typeface="Century Gothic"/>
               <a:cs typeface="Century Gothic"/>
@@ -11167,18 +11479,19 @@
 </file>
 
 <file path=ppt/slides/slide26.xml><?xml version="1.0" encoding="utf-8"?>
-<p:sld xmlns:a="http://schemas.openxmlformats.org/drawingml/2006/main" xmlns:r="http://schemas.openxmlformats.org/officeDocument/2006/relationships" xmlns:mc="http://schemas.openxmlformats.org/markup-compatibility/2006" xmlns:mv="urn:schemas-microsoft-com:mac:vml" xmlns:p="http://schemas.openxmlformats.org/presentationml/2006/main" xmlns:c="http://schemas.openxmlformats.org/drawingml/2006/chart" xmlns:dgm="http://schemas.openxmlformats.org/drawingml/2006/diagram" xmlns:o="urn:schemas-microsoft-com:office:office" xmlns:v="urn:schemas-microsoft-com:vml" xmlns:pvml="urn:schemas-microsoft-com:office:powerpoint" xmlns:com="http://schemas.openxmlformats.org/drawingml/2006/compatibility" xmlns:p14="http://schemas.microsoft.com/office/powerpoint/2010/main" xmlns:p15="http://schemas.microsoft.com/office/powerpoint/2012/main">
+<p:sld xmlns:a="http://schemas.openxmlformats.org/drawingml/2006/main" xmlns:r="http://schemas.openxmlformats.org/officeDocument/2006/relationships" xmlns:p="http://schemas.openxmlformats.org/presentationml/2006/main">
   <p:cSld>
     <p:bg>
       <p:bgPr>
         <a:solidFill>
           <a:srgbClr val="CCCCCC"/>
         </a:solidFill>
+        <a:effectLst/>
       </p:bgPr>
     </p:bg>
     <p:spTree>
       <p:nvGrpSpPr>
-        <p:cNvPr id="218" name="Shape 218"/>
+        <p:cNvPr id="1" name="Shape 218"/>
         <p:cNvGrpSpPr/>
         <p:nvPr/>
       </p:nvGrpSpPr>
@@ -11193,7 +11506,9 @@
       <p:sp>
         <p:nvSpPr>
           <p:cNvPr id="219" name="Google Shape;219;p38"/>
-          <p:cNvSpPr txBox="1"/>
+          <p:cNvSpPr txBox="1">
+            <a:spLocks noGrp="1"/>
+          </p:cNvSpPr>
           <p:nvPr>
             <p:ph type="title"/>
           </p:nvPr>
@@ -11208,12 +11523,12 @@
           </a:prstGeom>
         </p:spPr>
         <p:txBody>
-          <a:bodyPr anchorCtr="0" anchor="t" bIns="91425" lIns="91425" spcFirstLastPara="1" rIns="91425" wrap="square" tIns="91425">
+          <a:bodyPr spcFirstLastPara="1" wrap="square" lIns="91425" tIns="91425" rIns="91425" bIns="91425" anchor="t" anchorCtr="0">
             <a:noAutofit/>
           </a:bodyPr>
           <a:lstStyle/>
           <a:p>
-            <a:pPr indent="0" lvl="0" marL="0" rtl="0" algn="ctr">
+            <a:pPr marL="0" lvl="0" indent="0" algn="ctr" rtl="0">
               <a:spcBef>
                 <a:spcPts val="0"/>
               </a:spcBef>
@@ -11223,7 +11538,7 @@
               <a:buNone/>
             </a:pPr>
             <a:r>
-              <a:rPr b="1" i="1" lang="en">
+              <a:rPr lang="en" b="1" i="1">
                 <a:latin typeface="Century Gothic"/>
                 <a:ea typeface="Century Gothic"/>
                 <a:cs typeface="Century Gothic"/>
@@ -11243,9 +11558,11 @@
       <p:sp>
         <p:nvSpPr>
           <p:cNvPr id="220" name="Google Shape;220;p38"/>
-          <p:cNvSpPr txBox="1"/>
+          <p:cNvSpPr txBox="1">
+            <a:spLocks noGrp="1"/>
+          </p:cNvSpPr>
           <p:nvPr>
-            <p:ph idx="1" type="body"/>
+            <p:ph type="body" idx="1"/>
           </p:nvPr>
         </p:nvSpPr>
         <p:spPr>
@@ -11258,12 +11575,12 @@
           </a:prstGeom>
         </p:spPr>
         <p:txBody>
-          <a:bodyPr anchorCtr="0" anchor="t" bIns="91425" lIns="91425" spcFirstLastPara="1" rIns="91425" wrap="square" tIns="91425">
+          <a:bodyPr spcFirstLastPara="1" wrap="square" lIns="91425" tIns="91425" rIns="91425" bIns="91425" anchor="t" anchorCtr="0">
             <a:noAutofit/>
           </a:bodyPr>
           <a:lstStyle/>
           <a:p>
-            <a:pPr indent="0" lvl="0" marL="0" rtl="0" algn="ctr">
+            <a:pPr marL="0" lvl="0" indent="0" algn="ctr" rtl="0">
               <a:spcBef>
                 <a:spcPts val="0"/>
               </a:spcBef>
@@ -11289,7 +11606,7 @@
             </a:endParaRPr>
           </a:p>
           <a:p>
-            <a:pPr indent="0" lvl="0" marL="0" rtl="0" algn="ctr">
+            <a:pPr marL="0" lvl="0" indent="0" algn="ctr" rtl="0">
               <a:spcBef>
                 <a:spcPts val="1600"/>
               </a:spcBef>
@@ -11315,7 +11632,7 @@
             </a:endParaRPr>
           </a:p>
           <a:p>
-            <a:pPr indent="0" lvl="0" marL="0" rtl="0" algn="ctr">
+            <a:pPr marL="0" lvl="0" indent="0" algn="ctr" rtl="0">
               <a:spcBef>
                 <a:spcPts val="1600"/>
               </a:spcBef>
@@ -11341,7 +11658,7 @@
             </a:endParaRPr>
           </a:p>
           <a:p>
-            <a:pPr indent="0" lvl="0" marL="0" rtl="0" algn="ctr">
+            <a:pPr marL="0" lvl="0" indent="0" algn="ctr" rtl="0">
               <a:spcBef>
                 <a:spcPts val="1600"/>
               </a:spcBef>
@@ -11377,18 +11694,19 @@
 </file>
 
 <file path=ppt/slides/slide27.xml><?xml version="1.0" encoding="utf-8"?>
-<p:sld xmlns:a="http://schemas.openxmlformats.org/drawingml/2006/main" xmlns:r="http://schemas.openxmlformats.org/officeDocument/2006/relationships" xmlns:mc="http://schemas.openxmlformats.org/markup-compatibility/2006" xmlns:mv="urn:schemas-microsoft-com:mac:vml" xmlns:p="http://schemas.openxmlformats.org/presentationml/2006/main" xmlns:c="http://schemas.openxmlformats.org/drawingml/2006/chart" xmlns:dgm="http://schemas.openxmlformats.org/drawingml/2006/diagram" xmlns:o="urn:schemas-microsoft-com:office:office" xmlns:v="urn:schemas-microsoft-com:vml" xmlns:pvml="urn:schemas-microsoft-com:office:powerpoint" xmlns:com="http://schemas.openxmlformats.org/drawingml/2006/compatibility" xmlns:p14="http://schemas.microsoft.com/office/powerpoint/2010/main" xmlns:p15="http://schemas.microsoft.com/office/powerpoint/2012/main">
+<p:sld xmlns:a="http://schemas.openxmlformats.org/drawingml/2006/main" xmlns:r="http://schemas.openxmlformats.org/officeDocument/2006/relationships" xmlns:p="http://schemas.openxmlformats.org/presentationml/2006/main">
   <p:cSld>
     <p:bg>
       <p:bgPr>
         <a:solidFill>
           <a:srgbClr val="CCCCCC"/>
         </a:solidFill>
+        <a:effectLst/>
       </p:bgPr>
     </p:bg>
     <p:spTree>
       <p:nvGrpSpPr>
-        <p:cNvPr id="224" name="Shape 224"/>
+        <p:cNvPr id="1" name="Shape 224"/>
         <p:cNvGrpSpPr/>
         <p:nvPr/>
       </p:nvGrpSpPr>
@@ -11403,7 +11721,9 @@
       <p:sp>
         <p:nvSpPr>
           <p:cNvPr id="225" name="Google Shape;225;p39"/>
-          <p:cNvSpPr txBox="1"/>
+          <p:cNvSpPr txBox="1">
+            <a:spLocks noGrp="1"/>
+          </p:cNvSpPr>
           <p:nvPr>
             <p:ph type="title"/>
           </p:nvPr>
@@ -11418,12 +11738,12 @@
           </a:prstGeom>
         </p:spPr>
         <p:txBody>
-          <a:bodyPr anchorCtr="0" anchor="t" bIns="91425" lIns="91425" spcFirstLastPara="1" rIns="91425" wrap="square" tIns="91425">
+          <a:bodyPr spcFirstLastPara="1" wrap="square" lIns="91425" tIns="91425" rIns="91425" bIns="91425" anchor="t" anchorCtr="0">
             <a:noAutofit/>
           </a:bodyPr>
           <a:lstStyle/>
           <a:p>
-            <a:pPr indent="0" lvl="0" marL="0" rtl="0" algn="ctr">
+            <a:pPr marL="0" lvl="0" indent="0" algn="ctr" rtl="0">
               <a:spcBef>
                 <a:spcPts val="0"/>
               </a:spcBef>
@@ -11433,7 +11753,7 @@
               <a:buNone/>
             </a:pPr>
             <a:r>
-              <a:rPr b="1" i="1" lang="en" sz="3600">
+              <a:rPr lang="en" sz="3600" b="1" i="1">
                 <a:latin typeface="Century Gothic"/>
                 <a:ea typeface="Century Gothic"/>
                 <a:cs typeface="Century Gothic"/>
@@ -11441,7 +11761,7 @@
               </a:rPr>
               <a:t>What can The States learn from Canada?</a:t>
             </a:r>
-            <a:endParaRPr b="1" i="1" sz="3600">
+            <a:endParaRPr sz="3600" b="1" i="1">
               <a:latin typeface="Century Gothic"/>
               <a:ea typeface="Century Gothic"/>
               <a:cs typeface="Century Gothic"/>
@@ -11453,9 +11773,11 @@
       <p:sp>
         <p:nvSpPr>
           <p:cNvPr id="226" name="Google Shape;226;p39"/>
-          <p:cNvSpPr txBox="1"/>
+          <p:cNvSpPr txBox="1">
+            <a:spLocks noGrp="1"/>
+          </p:cNvSpPr>
           <p:nvPr>
-            <p:ph idx="1" type="body"/>
+            <p:ph type="body" idx="1"/>
           </p:nvPr>
         </p:nvSpPr>
         <p:spPr>
@@ -11468,12 +11790,12 @@
           </a:prstGeom>
         </p:spPr>
         <p:txBody>
-          <a:bodyPr anchorCtr="0" anchor="t" bIns="91425" lIns="91425" spcFirstLastPara="1" rIns="91425" wrap="square" tIns="91425">
+          <a:bodyPr spcFirstLastPara="1" wrap="square" lIns="91425" tIns="91425" rIns="91425" bIns="91425" anchor="t" anchorCtr="0">
             <a:noAutofit/>
           </a:bodyPr>
           <a:lstStyle/>
           <a:p>
-            <a:pPr indent="0" lvl="0" marL="0" rtl="0" algn="l">
+            <a:pPr marL="0" lvl="0" indent="0" algn="l" rtl="0">
               <a:spcBef>
                 <a:spcPts val="0"/>
               </a:spcBef>
@@ -11499,7 +11821,7 @@
             </a:endParaRPr>
           </a:p>
           <a:p>
-            <a:pPr indent="0" lvl="0" marL="0" rtl="0" algn="l">
+            <a:pPr marL="0" lvl="0" indent="0" algn="l" rtl="0">
               <a:spcBef>
                 <a:spcPts val="1600"/>
               </a:spcBef>
@@ -11508,9 +11830,6 @@
               </a:spcAft>
               <a:buNone/>
             </a:pPr>
-            <a:r>
-              <a:t/>
-            </a:r>
             <a:endParaRPr sz="2400">
               <a:latin typeface="Century Gothic"/>
               <a:ea typeface="Century Gothic"/>
@@ -11519,7 +11838,7 @@
             </a:endParaRPr>
           </a:p>
           <a:p>
-            <a:pPr indent="0" lvl="0" marL="0" rtl="0" algn="ctr">
+            <a:pPr marL="0" lvl="0" indent="0" algn="ctr" rtl="0">
               <a:spcBef>
                 <a:spcPts val="1600"/>
               </a:spcBef>
@@ -11529,7 +11848,7 @@
               <a:buNone/>
             </a:pPr>
             <a:r>
-              <a:rPr b="1" lang="en" sz="3000" u="sng">
+              <a:rPr lang="en" sz="3000" b="1" u="sng">
                 <a:latin typeface="Century Gothic"/>
                 <a:ea typeface="Century Gothic"/>
                 <a:cs typeface="Century Gothic"/>
@@ -11537,7 +11856,7 @@
               </a:rPr>
               <a:t>It is not a political conversation.</a:t>
             </a:r>
-            <a:endParaRPr b="1" sz="3000" u="sng">
+            <a:endParaRPr sz="3000" b="1" u="sng">
               <a:latin typeface="Century Gothic"/>
               <a:ea typeface="Century Gothic"/>
               <a:cs typeface="Century Gothic"/>
@@ -11555,18 +11874,19 @@
 </file>
 
 <file path=ppt/slides/slide28.xml><?xml version="1.0" encoding="utf-8"?>
-<p:sld xmlns:a="http://schemas.openxmlformats.org/drawingml/2006/main" xmlns:r="http://schemas.openxmlformats.org/officeDocument/2006/relationships" xmlns:mc="http://schemas.openxmlformats.org/markup-compatibility/2006" xmlns:mv="urn:schemas-microsoft-com:mac:vml" xmlns:p="http://schemas.openxmlformats.org/presentationml/2006/main" xmlns:c="http://schemas.openxmlformats.org/drawingml/2006/chart" xmlns:dgm="http://schemas.openxmlformats.org/drawingml/2006/diagram" xmlns:o="urn:schemas-microsoft-com:office:office" xmlns:v="urn:schemas-microsoft-com:vml" xmlns:pvml="urn:schemas-microsoft-com:office:powerpoint" xmlns:com="http://schemas.openxmlformats.org/drawingml/2006/compatibility" xmlns:p14="http://schemas.microsoft.com/office/powerpoint/2010/main" xmlns:p15="http://schemas.microsoft.com/office/powerpoint/2012/main">
+<p:sld xmlns:a="http://schemas.openxmlformats.org/drawingml/2006/main" xmlns:r="http://schemas.openxmlformats.org/officeDocument/2006/relationships" xmlns:p="http://schemas.openxmlformats.org/presentationml/2006/main">
   <p:cSld>
     <p:bg>
       <p:bgPr>
         <a:solidFill>
           <a:srgbClr val="CCCCCC"/>
         </a:solidFill>
+        <a:effectLst/>
       </p:bgPr>
     </p:bg>
     <p:spTree>
       <p:nvGrpSpPr>
-        <p:cNvPr id="230" name="Shape 230"/>
+        <p:cNvPr id="1" name="Shape 230"/>
         <p:cNvGrpSpPr/>
         <p:nvPr/>
       </p:nvGrpSpPr>
@@ -11581,7 +11901,9 @@
       <p:sp>
         <p:nvSpPr>
           <p:cNvPr id="231" name="Google Shape;231;p40"/>
-          <p:cNvSpPr txBox="1"/>
+          <p:cNvSpPr txBox="1">
+            <a:spLocks noGrp="1"/>
+          </p:cNvSpPr>
           <p:nvPr>
             <p:ph type="title"/>
           </p:nvPr>
@@ -11596,12 +11918,12 @@
           </a:prstGeom>
         </p:spPr>
         <p:txBody>
-          <a:bodyPr anchorCtr="0" anchor="t" bIns="91425" lIns="91425" spcFirstLastPara="1" rIns="91425" wrap="square" tIns="91425">
+          <a:bodyPr spcFirstLastPara="1" wrap="square" lIns="91425" tIns="91425" rIns="91425" bIns="91425" anchor="t" anchorCtr="0">
             <a:noAutofit/>
           </a:bodyPr>
           <a:lstStyle/>
           <a:p>
-            <a:pPr indent="0" lvl="0" marL="0" rtl="0" algn="ctr">
+            <a:pPr marL="0" lvl="0" indent="0" algn="ctr" rtl="0">
               <a:spcBef>
                 <a:spcPts val="0"/>
               </a:spcBef>
@@ -11611,15 +11933,15 @@
               <a:buNone/>
             </a:pPr>
             <a:r>
-              <a:rPr b="1" i="1" lang="en">
+              <a:rPr lang="en" b="1" i="1" dirty="0">
                 <a:latin typeface="Century Gothic"/>
                 <a:ea typeface="Century Gothic"/>
                 <a:cs typeface="Century Gothic"/>
                 <a:sym typeface="Century Gothic"/>
               </a:rPr>
-              <a:t>A single payer system</a:t>
+              <a:t>A single payer system appears superior</a:t>
             </a:r>
-            <a:endParaRPr b="1" i="1">
+            <a:endParaRPr b="1" i="1" dirty="0">
               <a:latin typeface="Century Gothic"/>
               <a:ea typeface="Century Gothic"/>
               <a:cs typeface="Century Gothic"/>
@@ -11631,9 +11953,11 @@
       <p:sp>
         <p:nvSpPr>
           <p:cNvPr id="232" name="Google Shape;232;p40"/>
-          <p:cNvSpPr txBox="1"/>
+          <p:cNvSpPr txBox="1">
+            <a:spLocks noGrp="1"/>
+          </p:cNvSpPr>
           <p:nvPr>
-            <p:ph idx="1" type="body"/>
+            <p:ph type="body" idx="1"/>
           </p:nvPr>
         </p:nvSpPr>
         <p:spPr>
@@ -11646,48 +11970,22 @@
           </a:prstGeom>
         </p:spPr>
         <p:txBody>
-          <a:bodyPr anchorCtr="0" anchor="t" bIns="91425" lIns="91425" spcFirstLastPara="1" rIns="91425" wrap="square" tIns="91425">
+          <a:bodyPr spcFirstLastPara="1" wrap="square" lIns="91425" tIns="91425" rIns="91425" bIns="91425" anchor="t" anchorCtr="0">
             <a:noAutofit/>
           </a:bodyPr>
           <a:lstStyle/>
           <a:p>
-            <a:pPr indent="0" lvl="0" marL="0" rtl="0" algn="l">
-              <a:spcBef>
-                <a:spcPts val="0"/>
-              </a:spcBef>
-              <a:spcAft>
-                <a:spcPts val="0"/>
+            <a:pPr marL="0" lvl="0" indent="0" algn="l" rtl="0">
+              <a:spcBef>
+                <a:spcPts val="1600"/>
+              </a:spcBef>
+              <a:spcAft>
+                <a:spcPts val="1600"/>
               </a:spcAft>
               <a:buNone/>
             </a:pPr>
             <a:r>
-              <a:rPr lang="en" sz="2400">
-                <a:latin typeface="Century Gothic"/>
-                <a:ea typeface="Century Gothic"/>
-                <a:cs typeface="Century Gothic"/>
-                <a:sym typeface="Century Gothic"/>
-              </a:rPr>
-              <a:t>It is my belief, based on the data we have gathered, that The United States should move slowly towards a single payer system.</a:t>
-            </a:r>
-            <a:endParaRPr sz="2400">
-              <a:latin typeface="Century Gothic"/>
-              <a:ea typeface="Century Gothic"/>
-              <a:cs typeface="Century Gothic"/>
-              <a:sym typeface="Century Gothic"/>
-            </a:endParaRPr>
-          </a:p>
-          <a:p>
-            <a:pPr indent="0" lvl="0" marL="0" rtl="0" algn="l">
-              <a:spcBef>
-                <a:spcPts val="1600"/>
-              </a:spcBef>
-              <a:spcAft>
-                <a:spcPts val="1600"/>
-              </a:spcAft>
-              <a:buNone/>
-            </a:pPr>
-            <a:r>
-              <a:rPr lang="en" sz="2400">
+              <a:rPr lang="en" sz="2400" dirty="0">
                 <a:latin typeface="Century Gothic"/>
                 <a:ea typeface="Century Gothic"/>
                 <a:cs typeface="Century Gothic"/>
@@ -11695,7 +11993,7 @@
               </a:rPr>
               <a:t>Most economists agree it is simply the most efficient method of funding healthcare while also producing a higher quality of life. </a:t>
             </a:r>
-            <a:endParaRPr sz="2400">
+            <a:endParaRPr sz="2400" dirty="0">
               <a:latin typeface="Century Gothic"/>
               <a:ea typeface="Century Gothic"/>
               <a:cs typeface="Century Gothic"/>
@@ -11713,18 +12011,19 @@
 </file>
 
 <file path=ppt/slides/slide29.xml><?xml version="1.0" encoding="utf-8"?>
-<p:sld xmlns:a="http://schemas.openxmlformats.org/drawingml/2006/main" xmlns:r="http://schemas.openxmlformats.org/officeDocument/2006/relationships" xmlns:mc="http://schemas.openxmlformats.org/markup-compatibility/2006" xmlns:mv="urn:schemas-microsoft-com:mac:vml" xmlns:p="http://schemas.openxmlformats.org/presentationml/2006/main" xmlns:c="http://schemas.openxmlformats.org/drawingml/2006/chart" xmlns:dgm="http://schemas.openxmlformats.org/drawingml/2006/diagram" xmlns:o="urn:schemas-microsoft-com:office:office" xmlns:v="urn:schemas-microsoft-com:vml" xmlns:pvml="urn:schemas-microsoft-com:office:powerpoint" xmlns:com="http://schemas.openxmlformats.org/drawingml/2006/compatibility" xmlns:p14="http://schemas.microsoft.com/office/powerpoint/2010/main" xmlns:p15="http://schemas.microsoft.com/office/powerpoint/2012/main">
+<p:sld xmlns:a="http://schemas.openxmlformats.org/drawingml/2006/main" xmlns:r="http://schemas.openxmlformats.org/officeDocument/2006/relationships" xmlns:p="http://schemas.openxmlformats.org/presentationml/2006/main">
   <p:cSld>
     <p:bg>
       <p:bgPr>
         <a:solidFill>
           <a:srgbClr val="CCCCCC"/>
         </a:solidFill>
+        <a:effectLst/>
       </p:bgPr>
     </p:bg>
     <p:spTree>
       <p:nvGrpSpPr>
-        <p:cNvPr id="236" name="Shape 236"/>
+        <p:cNvPr id="1" name="Shape 236"/>
         <p:cNvGrpSpPr/>
         <p:nvPr/>
       </p:nvGrpSpPr>
@@ -11739,7 +12038,9 @@
       <p:sp>
         <p:nvSpPr>
           <p:cNvPr id="237" name="Google Shape;237;p41"/>
-          <p:cNvSpPr txBox="1"/>
+          <p:cNvSpPr txBox="1">
+            <a:spLocks noGrp="1"/>
+          </p:cNvSpPr>
           <p:nvPr>
             <p:ph type="title"/>
           </p:nvPr>
@@ -11754,12 +12055,12 @@
           </a:prstGeom>
         </p:spPr>
         <p:txBody>
-          <a:bodyPr anchorCtr="0" anchor="t" bIns="91425" lIns="91425" spcFirstLastPara="1" rIns="91425" wrap="square" tIns="91425">
+          <a:bodyPr spcFirstLastPara="1" wrap="square" lIns="91425" tIns="91425" rIns="91425" bIns="91425" anchor="t" anchorCtr="0">
             <a:noAutofit/>
           </a:bodyPr>
           <a:lstStyle/>
           <a:p>
-            <a:pPr indent="0" lvl="0" marL="0" rtl="0" algn="l">
+            <a:pPr marL="0" lvl="0" indent="0" algn="l" rtl="0">
               <a:spcBef>
                 <a:spcPts val="0"/>
               </a:spcBef>
@@ -11769,7 +12070,7 @@
               <a:buNone/>
             </a:pPr>
             <a:r>
-              <a:rPr b="1" i="1" lang="en" sz="3600">
+              <a:rPr lang="en" sz="3600" b="1" i="1">
                 <a:latin typeface="Century Gothic"/>
                 <a:ea typeface="Century Gothic"/>
                 <a:cs typeface="Century Gothic"/>
@@ -11777,7 +12078,7 @@
               </a:rPr>
               <a:t>We already have something similar</a:t>
             </a:r>
-            <a:endParaRPr b="1" i="1" sz="3600">
+            <a:endParaRPr sz="3600" b="1" i="1">
               <a:latin typeface="Century Gothic"/>
               <a:ea typeface="Century Gothic"/>
               <a:cs typeface="Century Gothic"/>
@@ -11789,9 +12090,11 @@
       <p:sp>
         <p:nvSpPr>
           <p:cNvPr id="238" name="Google Shape;238;p41"/>
-          <p:cNvSpPr txBox="1"/>
+          <p:cNvSpPr txBox="1">
+            <a:spLocks noGrp="1"/>
+          </p:cNvSpPr>
           <p:nvPr>
-            <p:ph idx="1" type="body"/>
+            <p:ph type="body" idx="1"/>
           </p:nvPr>
         </p:nvSpPr>
         <p:spPr>
@@ -11804,12 +12107,12 @@
           </a:prstGeom>
         </p:spPr>
         <p:txBody>
-          <a:bodyPr anchorCtr="0" anchor="t" bIns="91425" lIns="91425" spcFirstLastPara="1" rIns="91425" wrap="square" tIns="91425">
+          <a:bodyPr spcFirstLastPara="1" wrap="square" lIns="91425" tIns="91425" rIns="91425" bIns="91425" anchor="t" anchorCtr="0">
             <a:noAutofit/>
           </a:bodyPr>
           <a:lstStyle/>
           <a:p>
-            <a:pPr indent="0" lvl="0" marL="0" rtl="0" algn="l">
+            <a:pPr marL="0" lvl="0" indent="0" algn="l" rtl="0">
               <a:spcBef>
                 <a:spcPts val="0"/>
               </a:spcBef>
@@ -11835,7 +12138,7 @@
             </a:endParaRPr>
           </a:p>
           <a:p>
-            <a:pPr indent="0" lvl="0" marL="0" rtl="0" algn="l">
+            <a:pPr marL="0" lvl="0" indent="0" algn="l" rtl="0">
               <a:spcBef>
                 <a:spcPts val="1600"/>
               </a:spcBef>
@@ -11871,11 +12174,11 @@
 </file>
 
 <file path=ppt/slides/slide3.xml><?xml version="1.0" encoding="utf-8"?>
-<p:sld xmlns:a="http://schemas.openxmlformats.org/drawingml/2006/main" xmlns:r="http://schemas.openxmlformats.org/officeDocument/2006/relationships" xmlns:mc="http://schemas.openxmlformats.org/markup-compatibility/2006" xmlns:mv="urn:schemas-microsoft-com:mac:vml" xmlns:p="http://schemas.openxmlformats.org/presentationml/2006/main" xmlns:c="http://schemas.openxmlformats.org/drawingml/2006/chart" xmlns:dgm="http://schemas.openxmlformats.org/drawingml/2006/diagram" xmlns:o="urn:schemas-microsoft-com:office:office" xmlns:v="urn:schemas-microsoft-com:vml" xmlns:pvml="urn:schemas-microsoft-com:office:powerpoint" xmlns:com="http://schemas.openxmlformats.org/drawingml/2006/compatibility" xmlns:p14="http://schemas.microsoft.com/office/powerpoint/2010/main" xmlns:p15="http://schemas.microsoft.com/office/powerpoint/2012/main">
+<p:sld xmlns:a="http://schemas.openxmlformats.org/drawingml/2006/main" xmlns:r="http://schemas.openxmlformats.org/officeDocument/2006/relationships" xmlns:p="http://schemas.openxmlformats.org/presentationml/2006/main">
   <p:cSld>
     <p:spTree>
       <p:nvGrpSpPr>
-        <p:cNvPr id="66" name="Shape 66"/>
+        <p:cNvPr id="1" name="Shape 66"/>
         <p:cNvGrpSpPr/>
         <p:nvPr/>
       </p:nvGrpSpPr>
@@ -11918,7 +12221,9 @@
       <p:sp>
         <p:nvSpPr>
           <p:cNvPr id="68" name="Google Shape;68;p15"/>
-          <p:cNvSpPr txBox="1"/>
+          <p:cNvSpPr txBox="1">
+            <a:spLocks noGrp="1"/>
+          </p:cNvSpPr>
           <p:nvPr>
             <p:ph type="title"/>
           </p:nvPr>
@@ -11933,12 +12238,12 @@
           </a:prstGeom>
         </p:spPr>
         <p:txBody>
-          <a:bodyPr anchorCtr="0" anchor="t" bIns="91425" lIns="91425" spcFirstLastPara="1" rIns="91425" wrap="square" tIns="91425">
+          <a:bodyPr spcFirstLastPara="1" wrap="square" lIns="91425" tIns="91425" rIns="91425" bIns="91425" anchor="t" anchorCtr="0">
             <a:noAutofit/>
           </a:bodyPr>
           <a:lstStyle/>
           <a:p>
-            <a:pPr indent="0" lvl="0" marL="0" rtl="0" algn="ctr">
+            <a:pPr marL="0" lvl="0" indent="0" algn="ctr" rtl="0">
               <a:spcBef>
                 <a:spcPts val="0"/>
               </a:spcBef>
@@ -11948,7 +12253,7 @@
               <a:buNone/>
             </a:pPr>
             <a:r>
-              <a:rPr b="1" lang="en" sz="4800">
+              <a:rPr lang="en" sz="4800" b="1">
                 <a:solidFill>
                   <a:srgbClr val="CCCCCC"/>
                 </a:solidFill>
@@ -11959,7 +12264,7 @@
               </a:rPr>
               <a:t>The Data</a:t>
             </a:r>
-            <a:endParaRPr b="1" sz="4800">
+            <a:endParaRPr sz="4800" b="1">
               <a:solidFill>
                 <a:srgbClr val="CCCCCC"/>
               </a:solidFill>
@@ -11980,18 +12285,19 @@
 </file>
 
 <file path=ppt/slides/slide30.xml><?xml version="1.0" encoding="utf-8"?>
-<p:sld xmlns:a="http://schemas.openxmlformats.org/drawingml/2006/main" xmlns:r="http://schemas.openxmlformats.org/officeDocument/2006/relationships" xmlns:mc="http://schemas.openxmlformats.org/markup-compatibility/2006" xmlns:mv="urn:schemas-microsoft-com:mac:vml" xmlns:p="http://schemas.openxmlformats.org/presentationml/2006/main" xmlns:c="http://schemas.openxmlformats.org/drawingml/2006/chart" xmlns:dgm="http://schemas.openxmlformats.org/drawingml/2006/diagram" xmlns:o="urn:schemas-microsoft-com:office:office" xmlns:v="urn:schemas-microsoft-com:vml" xmlns:pvml="urn:schemas-microsoft-com:office:powerpoint" xmlns:com="http://schemas.openxmlformats.org/drawingml/2006/compatibility" xmlns:p14="http://schemas.microsoft.com/office/powerpoint/2010/main" xmlns:p15="http://schemas.microsoft.com/office/powerpoint/2012/main">
+<p:sld xmlns:a="http://schemas.openxmlformats.org/drawingml/2006/main" xmlns:r="http://schemas.openxmlformats.org/officeDocument/2006/relationships" xmlns:p="http://schemas.openxmlformats.org/presentationml/2006/main">
   <p:cSld>
     <p:bg>
       <p:bgPr>
         <a:solidFill>
           <a:srgbClr val="CCCCCC"/>
         </a:solidFill>
+        <a:effectLst/>
       </p:bgPr>
     </p:bg>
     <p:spTree>
       <p:nvGrpSpPr>
-        <p:cNvPr id="242" name="Shape 242"/>
+        <p:cNvPr id="1" name="Shape 242"/>
         <p:cNvGrpSpPr/>
         <p:nvPr/>
       </p:nvGrpSpPr>
@@ -12006,7 +12312,9 @@
       <p:sp>
         <p:nvSpPr>
           <p:cNvPr id="243" name="Google Shape;243;p42"/>
-          <p:cNvSpPr txBox="1"/>
+          <p:cNvSpPr txBox="1">
+            <a:spLocks noGrp="1"/>
+          </p:cNvSpPr>
           <p:nvPr>
             <p:ph type="title"/>
           </p:nvPr>
@@ -12021,12 +12329,12 @@
           </a:prstGeom>
         </p:spPr>
         <p:txBody>
-          <a:bodyPr anchorCtr="0" anchor="t" bIns="91425" lIns="91425" spcFirstLastPara="1" rIns="91425" wrap="square" tIns="91425">
+          <a:bodyPr spcFirstLastPara="1" wrap="square" lIns="91425" tIns="91425" rIns="91425" bIns="91425" anchor="t" anchorCtr="0">
             <a:noAutofit/>
           </a:bodyPr>
           <a:lstStyle/>
           <a:p>
-            <a:pPr indent="0" lvl="0" marL="0" rtl="0" algn="ctr">
+            <a:pPr marL="0" lvl="0" indent="0" algn="ctr" rtl="0">
               <a:spcBef>
                 <a:spcPts val="0"/>
               </a:spcBef>
@@ -12036,7 +12344,7 @@
               <a:buNone/>
             </a:pPr>
             <a:r>
-              <a:rPr b="1" i="1" lang="en" sz="4800">
+              <a:rPr lang="en" sz="4800" b="1" i="1">
                 <a:latin typeface="Century Gothic"/>
                 <a:ea typeface="Century Gothic"/>
                 <a:cs typeface="Century Gothic"/>
@@ -12044,7 +12352,7 @@
               </a:rPr>
               <a:t>So, Canada won?</a:t>
             </a:r>
-            <a:endParaRPr b="1" i="1" sz="4800">
+            <a:endParaRPr sz="4800" b="1" i="1">
               <a:latin typeface="Century Gothic"/>
               <a:ea typeface="Century Gothic"/>
               <a:cs typeface="Century Gothic"/>
@@ -12056,9 +12364,11 @@
       <p:sp>
         <p:nvSpPr>
           <p:cNvPr id="244" name="Google Shape;244;p42"/>
-          <p:cNvSpPr txBox="1"/>
+          <p:cNvSpPr txBox="1">
+            <a:spLocks noGrp="1"/>
+          </p:cNvSpPr>
           <p:nvPr>
-            <p:ph idx="1" type="body"/>
+            <p:ph type="body" idx="1"/>
           </p:nvPr>
         </p:nvSpPr>
         <p:spPr>
@@ -12071,12 +12381,12 @@
           </a:prstGeom>
         </p:spPr>
         <p:txBody>
-          <a:bodyPr anchorCtr="0" anchor="t" bIns="91425" lIns="91425" spcFirstLastPara="1" rIns="91425" wrap="square" tIns="91425">
+          <a:bodyPr spcFirstLastPara="1" wrap="square" lIns="91425" tIns="91425" rIns="91425" bIns="91425" anchor="t" anchorCtr="0">
             <a:noAutofit/>
           </a:bodyPr>
           <a:lstStyle/>
           <a:p>
-            <a:pPr indent="0" lvl="0" marL="0" rtl="0" algn="l">
+            <a:pPr marL="0" lvl="0" indent="0" algn="l" rtl="0">
               <a:spcBef>
                 <a:spcPts val="0"/>
               </a:spcBef>
@@ -12085,13 +12395,10 @@
               </a:spcAft>
               <a:buNone/>
             </a:pPr>
-            <a:r>
-              <a:t/>
-            </a:r>
             <a:endParaRPr/>
           </a:p>
           <a:p>
-            <a:pPr indent="0" lvl="0" marL="0" rtl="0" algn="l">
+            <a:pPr marL="0" lvl="0" indent="0" algn="l" rtl="0">
               <a:spcBef>
                 <a:spcPts val="1600"/>
               </a:spcBef>
@@ -12117,7 +12424,7 @@
             </a:endParaRPr>
           </a:p>
           <a:p>
-            <a:pPr indent="0" lvl="0" marL="0" rtl="0" algn="l">
+            <a:pPr marL="0" lvl="0" indent="0" algn="l" rtl="0">
               <a:spcBef>
                 <a:spcPts val="1600"/>
               </a:spcBef>
@@ -12126,9 +12433,6 @@
               </a:spcAft>
               <a:buNone/>
             </a:pPr>
-            <a:r>
-              <a:t/>
-            </a:r>
             <a:endParaRPr sz="2400">
               <a:latin typeface="Century Gothic"/>
               <a:ea typeface="Century Gothic"/>
@@ -12147,11 +12451,11 @@
 </file>
 
 <file path=ppt/slides/slide31.xml><?xml version="1.0" encoding="utf-8"?>
-<p:sld xmlns:a="http://schemas.openxmlformats.org/drawingml/2006/main" xmlns:r="http://schemas.openxmlformats.org/officeDocument/2006/relationships" xmlns:mc="http://schemas.openxmlformats.org/markup-compatibility/2006" xmlns:mv="urn:schemas-microsoft-com:mac:vml" xmlns:p="http://schemas.openxmlformats.org/presentationml/2006/main" xmlns:c="http://schemas.openxmlformats.org/drawingml/2006/chart" xmlns:dgm="http://schemas.openxmlformats.org/drawingml/2006/diagram" xmlns:o="urn:schemas-microsoft-com:office:office" xmlns:v="urn:schemas-microsoft-com:vml" xmlns:pvml="urn:schemas-microsoft-com:office:powerpoint" xmlns:com="http://schemas.openxmlformats.org/drawingml/2006/compatibility" xmlns:p14="http://schemas.microsoft.com/office/powerpoint/2010/main" xmlns:p15="http://schemas.microsoft.com/office/powerpoint/2012/main">
+<p:sld xmlns:a="http://schemas.openxmlformats.org/drawingml/2006/main" xmlns:r="http://schemas.openxmlformats.org/officeDocument/2006/relationships" xmlns:p="http://schemas.openxmlformats.org/presentationml/2006/main">
   <p:cSld>
     <p:spTree>
       <p:nvGrpSpPr>
-        <p:cNvPr id="248" name="Shape 248"/>
+        <p:cNvPr id="1" name="Shape 248"/>
         <p:cNvGrpSpPr/>
         <p:nvPr/>
       </p:nvGrpSpPr>
@@ -12194,7 +12498,9 @@
       <p:sp>
         <p:nvSpPr>
           <p:cNvPr id="250" name="Google Shape;250;p43"/>
-          <p:cNvSpPr txBox="1"/>
+          <p:cNvSpPr txBox="1">
+            <a:spLocks noGrp="1"/>
+          </p:cNvSpPr>
           <p:nvPr>
             <p:ph type="title"/>
           </p:nvPr>
@@ -12209,12 +12515,12 @@
           </a:prstGeom>
         </p:spPr>
         <p:txBody>
-          <a:bodyPr anchorCtr="0" anchor="t" bIns="91425" lIns="91425" spcFirstLastPara="1" rIns="91425" wrap="square" tIns="91425">
+          <a:bodyPr spcFirstLastPara="1" wrap="square" lIns="91425" tIns="91425" rIns="91425" bIns="91425" anchor="t" anchorCtr="0">
             <a:noAutofit/>
           </a:bodyPr>
           <a:lstStyle/>
           <a:p>
-            <a:pPr indent="0" lvl="0" marL="0" rtl="0" algn="ctr">
+            <a:pPr marL="0" lvl="0" indent="0" algn="ctr" rtl="0">
               <a:spcBef>
                 <a:spcPts val="0"/>
               </a:spcBef>
@@ -12224,7 +12530,7 @@
               <a:buNone/>
             </a:pPr>
             <a:r>
-              <a:rPr b="1" i="1" lang="en" sz="5200">
+              <a:rPr lang="en" sz="5200" b="1" i="1">
                 <a:highlight>
                   <a:srgbClr val="FFF2CC"/>
                 </a:highlight>
@@ -12235,7 +12541,7 @@
               </a:rPr>
               <a:t>Thank you!</a:t>
             </a:r>
-            <a:endParaRPr b="1" i="1" sz="5200">
+            <a:endParaRPr sz="5200" b="1" i="1">
               <a:highlight>
                 <a:srgbClr val="FFF2CC"/>
               </a:highlight>
@@ -12250,9 +12556,11 @@
       <p:sp>
         <p:nvSpPr>
           <p:cNvPr id="251" name="Google Shape;251;p43"/>
-          <p:cNvSpPr txBox="1"/>
+          <p:cNvSpPr txBox="1">
+            <a:spLocks noGrp="1"/>
+          </p:cNvSpPr>
           <p:nvPr>
-            <p:ph idx="1" type="body"/>
+            <p:ph type="body" idx="1"/>
           </p:nvPr>
         </p:nvSpPr>
         <p:spPr>
@@ -12265,14 +12573,26 @@
           </a:prstGeom>
         </p:spPr>
         <p:txBody>
-          <a:bodyPr anchorCtr="0" anchor="t" bIns="91425" lIns="91425" spcFirstLastPara="1" rIns="91425" wrap="square" tIns="91425">
+          <a:bodyPr spcFirstLastPara="1" wrap="square" lIns="91425" tIns="91425" rIns="91425" bIns="91425" anchor="t" anchorCtr="0">
             <a:noAutofit/>
           </a:bodyPr>
           <a:lstStyle/>
           <a:p>
-            <a:pPr indent="0" lvl="0" marL="0" rtl="0" algn="l">
-              <a:spcBef>
-                <a:spcPts val="0"/>
+            <a:pPr marL="0" lvl="0" indent="0" algn="l" rtl="0">
+              <a:spcBef>
+                <a:spcPts val="0"/>
+              </a:spcBef>
+              <a:spcAft>
+                <a:spcPts val="0"/>
+              </a:spcAft>
+              <a:buNone/>
+            </a:pPr>
+            <a:endParaRPr/>
+          </a:p>
+          <a:p>
+            <a:pPr marL="0" lvl="0" indent="0" algn="ctr" rtl="0">
+              <a:spcBef>
+                <a:spcPts val="1600"/>
               </a:spcBef>
               <a:spcAft>
                 <a:spcPts val="0"/>
@@ -12280,22 +12600,7 @@
               <a:buNone/>
             </a:pPr>
             <a:r>
-              <a:t/>
-            </a:r>
-            <a:endParaRPr/>
-          </a:p>
-          <a:p>
-            <a:pPr indent="0" lvl="0" marL="0" rtl="0" algn="ctr">
-              <a:spcBef>
-                <a:spcPts val="1600"/>
-              </a:spcBef>
-              <a:spcAft>
-                <a:spcPts val="0"/>
-              </a:spcAft>
-              <a:buNone/>
-            </a:pPr>
-            <a:r>
-              <a:rPr b="1" lang="en" sz="2400" u="sng">
+              <a:rPr lang="en" sz="2400" b="1" u="sng">
                 <a:highlight>
                   <a:srgbClr val="FFF2CC"/>
                 </a:highlight>
@@ -12306,7 +12611,7 @@
               </a:rPr>
               <a:t>Project Members</a:t>
             </a:r>
-            <a:endParaRPr b="1" sz="2400" u="sng">
+            <a:endParaRPr sz="2400" b="1" u="sng">
               <a:highlight>
                 <a:srgbClr val="FFF2CC"/>
               </a:highlight>
@@ -12317,7 +12622,7 @@
             </a:endParaRPr>
           </a:p>
           <a:p>
-            <a:pPr indent="0" lvl="0" marL="0" rtl="0" algn="ctr">
+            <a:pPr marL="0" lvl="0" indent="0" algn="ctr" rtl="0">
               <a:spcBef>
                 <a:spcPts val="1600"/>
               </a:spcBef>
@@ -12327,7 +12632,7 @@
               <a:buNone/>
             </a:pPr>
             <a:r>
-              <a:rPr b="1" lang="en" sz="2400" u="sng">
+              <a:rPr lang="en" sz="2400" b="1" u="sng">
                 <a:highlight>
                   <a:srgbClr val="FFF2CC"/>
                 </a:highlight>
@@ -12338,7 +12643,7 @@
               </a:rPr>
               <a:t>Colin Prince</a:t>
             </a:r>
-            <a:endParaRPr b="1" sz="2400" u="sng">
+            <a:endParaRPr sz="2400" b="1" u="sng">
               <a:highlight>
                 <a:srgbClr val="FFF2CC"/>
               </a:highlight>
@@ -12349,7 +12654,7 @@
             </a:endParaRPr>
           </a:p>
           <a:p>
-            <a:pPr indent="0" lvl="0" marL="0" rtl="0" algn="ctr">
+            <a:pPr marL="0" lvl="0" indent="0" algn="ctr" rtl="0">
               <a:spcBef>
                 <a:spcPts val="1600"/>
               </a:spcBef>
@@ -12359,7 +12664,7 @@
               <a:buNone/>
             </a:pPr>
             <a:r>
-              <a:rPr b="1" lang="en" sz="2400" u="sng">
+              <a:rPr lang="en" sz="2400" b="1" u="sng">
                 <a:highlight>
                   <a:srgbClr val="FFF2CC"/>
                 </a:highlight>
@@ -12370,7 +12675,7 @@
               </a:rPr>
               <a:t>Jerry Reyes</a:t>
             </a:r>
-            <a:endParaRPr b="1" sz="2400" u="sng">
+            <a:endParaRPr sz="2400" b="1" u="sng">
               <a:highlight>
                 <a:srgbClr val="FFF2CC"/>
               </a:highlight>
@@ -12381,7 +12686,7 @@
             </a:endParaRPr>
           </a:p>
           <a:p>
-            <a:pPr indent="0" lvl="0" marL="0" rtl="0" algn="ctr">
+            <a:pPr marL="0" lvl="0" indent="0" algn="ctr" rtl="0">
               <a:spcBef>
                 <a:spcPts val="1600"/>
               </a:spcBef>
@@ -12391,7 +12696,7 @@
               <a:buNone/>
             </a:pPr>
             <a:r>
-              <a:rPr b="1" lang="en" sz="2400" u="sng">
+              <a:rPr lang="en" sz="2400" b="1" u="sng">
                 <a:highlight>
                   <a:srgbClr val="FFF2CC"/>
                 </a:highlight>
@@ -12402,7 +12707,7 @@
               </a:rPr>
               <a:t>Peter Lu</a:t>
             </a:r>
-            <a:endParaRPr b="1" sz="2400" u="sng">
+            <a:endParaRPr sz="2400" b="1" u="sng">
               <a:highlight>
                 <a:srgbClr val="FFF2CC"/>
               </a:highlight>
@@ -12413,7 +12718,7 @@
             </a:endParaRPr>
           </a:p>
           <a:p>
-            <a:pPr indent="0" lvl="0" marL="0" rtl="0" algn="ctr">
+            <a:pPr marL="0" lvl="0" indent="0" algn="ctr" rtl="0">
               <a:spcBef>
                 <a:spcPts val="1600"/>
               </a:spcBef>
@@ -12423,7 +12728,7 @@
               <a:buNone/>
             </a:pPr>
             <a:r>
-              <a:rPr b="1" lang="en" sz="2400" u="sng">
+              <a:rPr lang="en" sz="2400" b="1" u="sng">
                 <a:highlight>
                   <a:srgbClr val="FFF2CC"/>
                 </a:highlight>
@@ -12434,7 +12739,7 @@
               </a:rPr>
               <a:t>Logan Contreras</a:t>
             </a:r>
-            <a:endParaRPr b="1" sz="2400" u="sng">
+            <a:endParaRPr sz="2400" b="1" u="sng">
               <a:highlight>
                 <a:srgbClr val="FFF2CC"/>
               </a:highlight>
@@ -12445,7 +12750,7 @@
             </a:endParaRPr>
           </a:p>
           <a:p>
-            <a:pPr indent="0" lvl="0" marL="0" rtl="0" algn="ctr">
+            <a:pPr marL="0" lvl="0" indent="0" algn="ctr" rtl="0">
               <a:spcBef>
                 <a:spcPts val="1600"/>
               </a:spcBef>
@@ -12454,10 +12759,7 @@
               </a:spcAft>
               <a:buNone/>
             </a:pPr>
-            <a:r>
-              <a:t/>
-            </a:r>
-            <a:endParaRPr b="1" sz="2400" u="sng">
+            <a:endParaRPr sz="2400" b="1" u="sng">
               <a:latin typeface="Century Gothic"/>
               <a:ea typeface="Century Gothic"/>
               <a:cs typeface="Century Gothic"/>
@@ -12475,18 +12777,19 @@
 </file>
 
 <file path=ppt/slides/slide4.xml><?xml version="1.0" encoding="utf-8"?>
-<p:sld xmlns:a="http://schemas.openxmlformats.org/drawingml/2006/main" xmlns:r="http://schemas.openxmlformats.org/officeDocument/2006/relationships" xmlns:mc="http://schemas.openxmlformats.org/markup-compatibility/2006" xmlns:mv="urn:schemas-microsoft-com:mac:vml" xmlns:p="http://schemas.openxmlformats.org/presentationml/2006/main" xmlns:c="http://schemas.openxmlformats.org/drawingml/2006/chart" xmlns:dgm="http://schemas.openxmlformats.org/drawingml/2006/diagram" xmlns:o="urn:schemas-microsoft-com:office:office" xmlns:v="urn:schemas-microsoft-com:vml" xmlns:pvml="urn:schemas-microsoft-com:office:powerpoint" xmlns:com="http://schemas.openxmlformats.org/drawingml/2006/compatibility" xmlns:p14="http://schemas.microsoft.com/office/powerpoint/2010/main" xmlns:p15="http://schemas.microsoft.com/office/powerpoint/2012/main">
+<p:sld xmlns:a="http://schemas.openxmlformats.org/drawingml/2006/main" xmlns:r="http://schemas.openxmlformats.org/officeDocument/2006/relationships" xmlns:p="http://schemas.openxmlformats.org/presentationml/2006/main">
   <p:cSld>
     <p:bg>
       <p:bgPr>
         <a:solidFill>
           <a:srgbClr val="CCCCCC"/>
         </a:solidFill>
+        <a:effectLst/>
       </p:bgPr>
     </p:bg>
     <p:spTree>
       <p:nvGrpSpPr>
-        <p:cNvPr id="72" name="Shape 72"/>
+        <p:cNvPr id="1" name="Shape 72"/>
         <p:cNvGrpSpPr/>
         <p:nvPr/>
       </p:nvGrpSpPr>
@@ -12501,7 +12804,9 @@
       <p:sp>
         <p:nvSpPr>
           <p:cNvPr id="73" name="Google Shape;73;p16"/>
-          <p:cNvSpPr txBox="1"/>
+          <p:cNvSpPr txBox="1">
+            <a:spLocks noGrp="1"/>
+          </p:cNvSpPr>
           <p:nvPr>
             <p:ph type="title"/>
           </p:nvPr>
@@ -12516,12 +12821,12 @@
           </a:prstGeom>
         </p:spPr>
         <p:txBody>
-          <a:bodyPr anchorCtr="0" anchor="t" bIns="91425" lIns="91425" spcFirstLastPara="1" rIns="91425" wrap="square" tIns="91425">
+          <a:bodyPr spcFirstLastPara="1" wrap="square" lIns="91425" tIns="91425" rIns="91425" bIns="91425" anchor="t" anchorCtr="0">
             <a:noAutofit/>
           </a:bodyPr>
           <a:lstStyle/>
           <a:p>
-            <a:pPr indent="0" lvl="0" marL="0" rtl="0" algn="ctr">
+            <a:pPr marL="0" lvl="0" indent="0" algn="ctr" rtl="0">
               <a:spcBef>
                 <a:spcPts val="0"/>
               </a:spcBef>
@@ -12531,7 +12836,7 @@
               <a:buNone/>
             </a:pPr>
             <a:r>
-              <a:rPr b="1" i="1" lang="en" sz="4800">
+              <a:rPr lang="en" sz="4800" b="1" i="1">
                 <a:solidFill>
                   <a:srgbClr val="000000"/>
                 </a:solidFill>
@@ -12542,7 +12847,7 @@
               </a:rPr>
               <a:t>OECD</a:t>
             </a:r>
-            <a:endParaRPr b="1" i="1" sz="4800">
+            <a:endParaRPr sz="4800" b="1" i="1">
               <a:solidFill>
                 <a:srgbClr val="000000"/>
               </a:solidFill>
@@ -12557,9 +12862,11 @@
       <p:sp>
         <p:nvSpPr>
           <p:cNvPr id="74" name="Google Shape;74;p16"/>
-          <p:cNvSpPr txBox="1"/>
+          <p:cNvSpPr txBox="1">
+            <a:spLocks noGrp="1"/>
+          </p:cNvSpPr>
           <p:nvPr>
-            <p:ph idx="1" type="body"/>
+            <p:ph type="body" idx="1"/>
           </p:nvPr>
         </p:nvSpPr>
         <p:spPr>
@@ -12572,12 +12879,12 @@
           </a:prstGeom>
         </p:spPr>
         <p:txBody>
-          <a:bodyPr anchorCtr="0" anchor="t" bIns="91425" lIns="91425" spcFirstLastPara="1" rIns="91425" wrap="square" tIns="91425">
+          <a:bodyPr spcFirstLastPara="1" wrap="square" lIns="91425" tIns="91425" rIns="91425" bIns="91425" anchor="t" anchorCtr="0">
             <a:noAutofit/>
           </a:bodyPr>
           <a:lstStyle/>
           <a:p>
-            <a:pPr indent="0" lvl="0" marL="0" rtl="0" algn="l">
+            <a:pPr marL="0" lvl="0" indent="0" algn="l" rtl="0">
               <a:spcBef>
                 <a:spcPts val="0"/>
               </a:spcBef>
@@ -12592,7 +12899,7 @@
               <a:buNone/>
             </a:pPr>
             <a:r>
-              <a:rPr b="1" lang="en">
+              <a:rPr lang="en" b="1">
                 <a:solidFill>
                   <a:srgbClr val="000000"/>
                 </a:solidFill>
@@ -12614,7 +12921,7 @@
             </a:endParaRPr>
           </a:p>
           <a:p>
-            <a:pPr indent="0" lvl="0" marL="0" rtl="0" algn="l">
+            <a:pPr marL="0" lvl="0" indent="0" algn="l" rtl="0">
               <a:spcBef>
                 <a:spcPts val="1600"/>
               </a:spcBef>
@@ -12624,7 +12931,7 @@
               <a:buNone/>
             </a:pPr>
             <a:r>
-              <a:rPr b="1" lang="en">
+              <a:rPr lang="en" b="1">
                 <a:solidFill>
                   <a:srgbClr val="000000"/>
                 </a:solidFill>
@@ -12646,7 +12953,7 @@
             </a:endParaRPr>
           </a:p>
           <a:p>
-            <a:pPr indent="0" lvl="0" marL="0" rtl="0" algn="l">
+            <a:pPr marL="0" lvl="0" indent="0" algn="l" rtl="0">
               <a:spcBef>
                 <a:spcPts val="1600"/>
               </a:spcBef>
@@ -12656,7 +12963,7 @@
               <a:buNone/>
             </a:pPr>
             <a:r>
-              <a:rPr b="1" lang="en">
+              <a:rPr lang="en" b="1">
                 <a:solidFill>
                   <a:srgbClr val="000000"/>
                 </a:solidFill>
@@ -12678,7 +12985,7 @@
             </a:endParaRPr>
           </a:p>
           <a:p>
-            <a:pPr indent="0" lvl="0" marL="0" rtl="0" algn="l">
+            <a:pPr marL="0" lvl="0" indent="0" algn="l" rtl="0">
               <a:spcBef>
                 <a:spcPts val="1600"/>
               </a:spcBef>
@@ -12688,7 +12995,7 @@
               <a:buNone/>
             </a:pPr>
             <a:r>
-              <a:rPr b="1" lang="en">
+              <a:rPr lang="en" b="1">
                 <a:solidFill>
                   <a:srgbClr val="000000"/>
                 </a:solidFill>
@@ -12710,7 +13017,7 @@
             </a:endParaRPr>
           </a:p>
           <a:p>
-            <a:pPr indent="0" lvl="0" marL="0" rtl="0" algn="l">
+            <a:pPr marL="0" lvl="0" indent="0" algn="l" rtl="0">
               <a:spcBef>
                 <a:spcPts val="1600"/>
               </a:spcBef>
@@ -12719,9 +13026,6 @@
               </a:spcAft>
               <a:buNone/>
             </a:pPr>
-            <a:r>
-              <a:t/>
-            </a:r>
             <a:endParaRPr/>
           </a:p>
         </p:txBody>
@@ -12735,18 +13039,19 @@
 </file>
 
 <file path=ppt/slides/slide5.xml><?xml version="1.0" encoding="utf-8"?>
-<p:sld xmlns:a="http://schemas.openxmlformats.org/drawingml/2006/main" xmlns:r="http://schemas.openxmlformats.org/officeDocument/2006/relationships" xmlns:mc="http://schemas.openxmlformats.org/markup-compatibility/2006" xmlns:mv="urn:schemas-microsoft-com:mac:vml" xmlns:p="http://schemas.openxmlformats.org/presentationml/2006/main" xmlns:c="http://schemas.openxmlformats.org/drawingml/2006/chart" xmlns:dgm="http://schemas.openxmlformats.org/drawingml/2006/diagram" xmlns:o="urn:schemas-microsoft-com:office:office" xmlns:v="urn:schemas-microsoft-com:vml" xmlns:pvml="urn:schemas-microsoft-com:office:powerpoint" xmlns:com="http://schemas.openxmlformats.org/drawingml/2006/compatibility" xmlns:p14="http://schemas.microsoft.com/office/powerpoint/2010/main" xmlns:p15="http://schemas.microsoft.com/office/powerpoint/2012/main">
+<p:sld xmlns:a="http://schemas.openxmlformats.org/drawingml/2006/main" xmlns:r="http://schemas.openxmlformats.org/officeDocument/2006/relationships" xmlns:p="http://schemas.openxmlformats.org/presentationml/2006/main">
   <p:cSld>
     <p:bg>
       <p:bgPr>
         <a:solidFill>
           <a:srgbClr val="CCCCCC"/>
         </a:solidFill>
+        <a:effectLst/>
       </p:bgPr>
     </p:bg>
     <p:spTree>
       <p:nvGrpSpPr>
-        <p:cNvPr id="78" name="Shape 78"/>
+        <p:cNvPr id="1" name="Shape 78"/>
         <p:cNvGrpSpPr/>
         <p:nvPr/>
       </p:nvGrpSpPr>
@@ -12761,7 +13066,9 @@
       <p:sp>
         <p:nvSpPr>
           <p:cNvPr id="79" name="Google Shape;79;p17"/>
-          <p:cNvSpPr txBox="1"/>
+          <p:cNvSpPr txBox="1">
+            <a:spLocks noGrp="1"/>
+          </p:cNvSpPr>
           <p:nvPr>
             <p:ph type="title"/>
           </p:nvPr>
@@ -12776,12 +13083,12 @@
           </a:prstGeom>
         </p:spPr>
         <p:txBody>
-          <a:bodyPr anchorCtr="0" anchor="t" bIns="91425" lIns="91425" spcFirstLastPara="1" rIns="91425" wrap="square" tIns="91425">
+          <a:bodyPr spcFirstLastPara="1" wrap="square" lIns="91425" tIns="91425" rIns="91425" bIns="91425" anchor="t" anchorCtr="0">
             <a:noAutofit/>
           </a:bodyPr>
           <a:lstStyle/>
           <a:p>
-            <a:pPr indent="0" lvl="0" marL="0" rtl="0" algn="ctr">
+            <a:pPr marL="0" lvl="0" indent="0" algn="ctr" rtl="0">
               <a:spcBef>
                 <a:spcPts val="0"/>
               </a:spcBef>
@@ -12791,7 +13098,7 @@
               <a:buNone/>
             </a:pPr>
             <a:r>
-              <a:rPr b="1" lang="en"/>
+              <a:rPr lang="en" b="1"/>
               <a:t>Now that we had identified our source, it was time to parse and clean the data. </a:t>
             </a:r>
             <a:endParaRPr b="1"/>
@@ -12801,9 +13108,11 @@
       <p:sp>
         <p:nvSpPr>
           <p:cNvPr id="80" name="Google Shape;80;p17"/>
-          <p:cNvSpPr txBox="1"/>
+          <p:cNvSpPr txBox="1">
+            <a:spLocks noGrp="1"/>
+          </p:cNvSpPr>
           <p:nvPr>
-            <p:ph idx="1" type="body"/>
+            <p:ph type="body" idx="1"/>
           </p:nvPr>
         </p:nvSpPr>
         <p:spPr>
@@ -12816,12 +13125,12 @@
           </a:prstGeom>
         </p:spPr>
         <p:txBody>
-          <a:bodyPr anchorCtr="0" anchor="t" bIns="91425" lIns="91425" spcFirstLastPara="1" rIns="91425" wrap="square" tIns="91425">
+          <a:bodyPr spcFirstLastPara="1" wrap="square" lIns="91425" tIns="91425" rIns="91425" bIns="91425" anchor="t" anchorCtr="0">
             <a:noAutofit/>
           </a:bodyPr>
           <a:lstStyle/>
           <a:p>
-            <a:pPr indent="0" lvl="0" marL="0" rtl="0" algn="l">
+            <a:pPr marL="0" lvl="0" indent="0" algn="l" rtl="0">
               <a:spcBef>
                 <a:spcPts val="0"/>
               </a:spcBef>
@@ -12830,13 +13139,10 @@
               </a:spcAft>
               <a:buNone/>
             </a:pPr>
-            <a:r>
-              <a:t/>
-            </a:r>
             <a:endParaRPr/>
           </a:p>
           <a:p>
-            <a:pPr indent="0" lvl="0" marL="0" rtl="0" algn="l">
+            <a:pPr marL="0" lvl="0" indent="0" algn="l" rtl="0">
               <a:spcBef>
                 <a:spcPts val="1600"/>
               </a:spcBef>
@@ -12878,18 +13184,19 @@
 </file>
 
 <file path=ppt/slides/slide6.xml><?xml version="1.0" encoding="utf-8"?>
-<p:sld xmlns:a="http://schemas.openxmlformats.org/drawingml/2006/main" xmlns:r="http://schemas.openxmlformats.org/officeDocument/2006/relationships" xmlns:mc="http://schemas.openxmlformats.org/markup-compatibility/2006" xmlns:mv="urn:schemas-microsoft-com:mac:vml" xmlns:p="http://schemas.openxmlformats.org/presentationml/2006/main" xmlns:c="http://schemas.openxmlformats.org/drawingml/2006/chart" xmlns:dgm="http://schemas.openxmlformats.org/drawingml/2006/diagram" xmlns:o="urn:schemas-microsoft-com:office:office" xmlns:v="urn:schemas-microsoft-com:vml" xmlns:pvml="urn:schemas-microsoft-com:office:powerpoint" xmlns:com="http://schemas.openxmlformats.org/drawingml/2006/compatibility" xmlns:p14="http://schemas.microsoft.com/office/powerpoint/2010/main" xmlns:p15="http://schemas.microsoft.com/office/powerpoint/2012/main">
+<p:sld xmlns:a="http://schemas.openxmlformats.org/drawingml/2006/main" xmlns:r="http://schemas.openxmlformats.org/officeDocument/2006/relationships" xmlns:p="http://schemas.openxmlformats.org/presentationml/2006/main">
   <p:cSld>
     <p:bg>
       <p:bgPr>
         <a:solidFill>
           <a:srgbClr val="CCCCCC"/>
         </a:solidFill>
+        <a:effectLst/>
       </p:bgPr>
     </p:bg>
     <p:spTree>
       <p:nvGrpSpPr>
-        <p:cNvPr id="84" name="Shape 84"/>
+        <p:cNvPr id="1" name="Shape 84"/>
         <p:cNvGrpSpPr/>
         <p:nvPr/>
       </p:nvGrpSpPr>
@@ -12904,7 +13211,9 @@
       <p:sp>
         <p:nvSpPr>
           <p:cNvPr id="85" name="Google Shape;85;p18"/>
-          <p:cNvSpPr txBox="1"/>
+          <p:cNvSpPr txBox="1">
+            <a:spLocks noGrp="1"/>
+          </p:cNvSpPr>
           <p:nvPr>
             <p:ph type="title"/>
           </p:nvPr>
@@ -12919,12 +13228,12 @@
           </a:prstGeom>
         </p:spPr>
         <p:txBody>
-          <a:bodyPr anchorCtr="0" anchor="t" bIns="91425" lIns="91425" spcFirstLastPara="1" rIns="91425" wrap="square" tIns="91425">
+          <a:bodyPr spcFirstLastPara="1" wrap="square" lIns="91425" tIns="91425" rIns="91425" bIns="91425" anchor="t" anchorCtr="0">
             <a:noAutofit/>
           </a:bodyPr>
           <a:lstStyle/>
           <a:p>
-            <a:pPr indent="0" lvl="0" marL="0" rtl="0" algn="ctr">
+            <a:pPr marL="0" lvl="0" indent="0" algn="ctr" rtl="0">
               <a:spcBef>
                 <a:spcPts val="0"/>
               </a:spcBef>
@@ -12954,9 +13263,11 @@
       <p:sp>
         <p:nvSpPr>
           <p:cNvPr id="86" name="Google Shape;86;p18"/>
-          <p:cNvSpPr txBox="1"/>
+          <p:cNvSpPr txBox="1">
+            <a:spLocks noGrp="1"/>
+          </p:cNvSpPr>
           <p:nvPr>
-            <p:ph idx="1" type="body"/>
+            <p:ph type="body" idx="1"/>
           </p:nvPr>
         </p:nvSpPr>
         <p:spPr>
@@ -12969,12 +13280,12 @@
           </a:prstGeom>
         </p:spPr>
         <p:txBody>
-          <a:bodyPr anchorCtr="0" anchor="t" bIns="91425" lIns="91425" spcFirstLastPara="1" rIns="91425" wrap="square" tIns="91425">
+          <a:bodyPr spcFirstLastPara="1" wrap="square" lIns="91425" tIns="91425" rIns="91425" bIns="91425" anchor="t" anchorCtr="0">
             <a:noAutofit/>
           </a:bodyPr>
           <a:lstStyle/>
           <a:p>
-            <a:pPr indent="0" lvl="0" marL="0" rtl="0" algn="ctr">
+            <a:pPr marL="0" lvl="0" indent="0" algn="ctr" rtl="0">
               <a:spcBef>
                 <a:spcPts val="0"/>
               </a:spcBef>
@@ -12983,13 +13294,10 @@
               </a:spcAft>
               <a:buNone/>
             </a:pPr>
-            <a:r>
-              <a:t/>
-            </a:r>
             <a:endParaRPr/>
           </a:p>
           <a:p>
-            <a:pPr indent="0" lvl="0" marL="0" rtl="0" algn="ctr">
+            <a:pPr marL="0" lvl="0" indent="0" algn="ctr" rtl="0">
               <a:spcBef>
                 <a:spcPts val="1600"/>
               </a:spcBef>
@@ -12998,13 +13306,10 @@
               </a:spcAft>
               <a:buNone/>
             </a:pPr>
-            <a:r>
-              <a:t/>
-            </a:r>
             <a:endParaRPr/>
           </a:p>
           <a:p>
-            <a:pPr indent="0" lvl="0" marL="0" rtl="0" algn="ctr">
+            <a:pPr marL="0" lvl="0" indent="0" algn="ctr" rtl="0">
               <a:spcBef>
                 <a:spcPts val="1600"/>
               </a:spcBef>
@@ -13013,13 +13318,10 @@
               </a:spcAft>
               <a:buNone/>
             </a:pPr>
-            <a:r>
-              <a:t/>
-            </a:r>
             <a:endParaRPr u="sng"/>
           </a:p>
           <a:p>
-            <a:pPr indent="0" lvl="0" marL="0" rtl="0" algn="ctr">
+            <a:pPr marL="0" lvl="0" indent="0" algn="ctr" rtl="0">
               <a:spcBef>
                 <a:spcPts val="1600"/>
               </a:spcBef>
@@ -13028,9 +13330,6 @@
               </a:spcAft>
               <a:buNone/>
             </a:pPr>
-            <a:r>
-              <a:t/>
-            </a:r>
             <a:endParaRPr u="sng"/>
           </a:p>
         </p:txBody>
@@ -13044,18 +13343,19 @@
 </file>
 
 <file path=ppt/slides/slide7.xml><?xml version="1.0" encoding="utf-8"?>
-<p:sld xmlns:a="http://schemas.openxmlformats.org/drawingml/2006/main" xmlns:r="http://schemas.openxmlformats.org/officeDocument/2006/relationships" xmlns:mc="http://schemas.openxmlformats.org/markup-compatibility/2006" xmlns:mv="urn:schemas-microsoft-com:mac:vml" xmlns:p="http://schemas.openxmlformats.org/presentationml/2006/main" xmlns:c="http://schemas.openxmlformats.org/drawingml/2006/chart" xmlns:dgm="http://schemas.openxmlformats.org/drawingml/2006/diagram" xmlns:o="urn:schemas-microsoft-com:office:office" xmlns:v="urn:schemas-microsoft-com:vml" xmlns:pvml="urn:schemas-microsoft-com:office:powerpoint" xmlns:com="http://schemas.openxmlformats.org/drawingml/2006/compatibility" xmlns:p14="http://schemas.microsoft.com/office/powerpoint/2010/main" xmlns:p15="http://schemas.microsoft.com/office/powerpoint/2012/main">
+<p:sld xmlns:a="http://schemas.openxmlformats.org/drawingml/2006/main" xmlns:r="http://schemas.openxmlformats.org/officeDocument/2006/relationships" xmlns:p="http://schemas.openxmlformats.org/presentationml/2006/main">
   <p:cSld>
     <p:bg>
       <p:bgPr>
         <a:solidFill>
           <a:srgbClr val="CCCCCC"/>
         </a:solidFill>
+        <a:effectLst/>
       </p:bgPr>
     </p:bg>
     <p:spTree>
       <p:nvGrpSpPr>
-        <p:cNvPr id="90" name="Shape 90"/>
+        <p:cNvPr id="1" name="Shape 90"/>
         <p:cNvGrpSpPr/>
         <p:nvPr/>
       </p:nvGrpSpPr>
@@ -13070,7 +13370,9 @@
       <p:sp>
         <p:nvSpPr>
           <p:cNvPr id="91" name="Google Shape;91;p19"/>
-          <p:cNvSpPr txBox="1"/>
+          <p:cNvSpPr txBox="1">
+            <a:spLocks noGrp="1"/>
+          </p:cNvSpPr>
           <p:nvPr>
             <p:ph type="title"/>
           </p:nvPr>
@@ -13085,12 +13387,12 @@
           </a:prstGeom>
         </p:spPr>
         <p:txBody>
-          <a:bodyPr anchorCtr="0" anchor="t" bIns="91425" lIns="91425" spcFirstLastPara="1" rIns="91425" wrap="square" tIns="91425">
+          <a:bodyPr spcFirstLastPara="1" wrap="square" lIns="91425" tIns="91425" rIns="91425" bIns="91425" anchor="t" anchorCtr="0">
             <a:noAutofit/>
           </a:bodyPr>
           <a:lstStyle/>
           <a:p>
-            <a:pPr indent="0" lvl="0" marL="0" rtl="0" algn="ctr">
+            <a:pPr marL="0" lvl="0" indent="0" algn="ctr" rtl="0">
               <a:spcBef>
                 <a:spcPts val="0"/>
               </a:spcBef>
@@ -13100,7 +13402,7 @@
               <a:buNone/>
             </a:pPr>
             <a:r>
-              <a:rPr b="1" i="1" lang="en">
+              <a:rPr lang="en" b="1" i="1">
                 <a:latin typeface="Century Gothic"/>
                 <a:ea typeface="Century Gothic"/>
                 <a:cs typeface="Century Gothic"/>
@@ -13120,9 +13422,11 @@
       <p:sp>
         <p:nvSpPr>
           <p:cNvPr id="92" name="Google Shape;92;p19"/>
-          <p:cNvSpPr txBox="1"/>
+          <p:cNvSpPr txBox="1">
+            <a:spLocks noGrp="1"/>
+          </p:cNvSpPr>
           <p:nvPr>
-            <p:ph idx="1" type="body"/>
+            <p:ph type="body" idx="1"/>
           </p:nvPr>
         </p:nvSpPr>
         <p:spPr>
@@ -13135,12 +13439,12 @@
           </a:prstGeom>
         </p:spPr>
         <p:txBody>
-          <a:bodyPr anchorCtr="0" anchor="t" bIns="91425" lIns="91425" spcFirstLastPara="1" rIns="91425" wrap="square" tIns="91425">
+          <a:bodyPr spcFirstLastPara="1" wrap="square" lIns="91425" tIns="91425" rIns="91425" bIns="91425" anchor="t" anchorCtr="0">
             <a:noAutofit/>
           </a:bodyPr>
           <a:lstStyle/>
           <a:p>
-            <a:pPr indent="0" lvl="0" marL="0" rtl="0" algn="l">
+            <a:pPr marL="0" lvl="0" indent="0" algn="l" rtl="0">
               <a:spcBef>
                 <a:spcPts val="0"/>
               </a:spcBef>
@@ -13169,7 +13473,7 @@
             </a:endParaRPr>
           </a:p>
           <a:p>
-            <a:pPr indent="0" lvl="0" marL="0" rtl="0" algn="l">
+            <a:pPr marL="0" lvl="0" indent="0" algn="l" rtl="0">
               <a:spcBef>
                 <a:spcPts val="1600"/>
               </a:spcBef>
@@ -13183,9 +13487,6 @@
               <a:buFont typeface="Arial"/>
               <a:buNone/>
             </a:pPr>
-            <a:r>
-              <a:t/>
-            </a:r>
             <a:endParaRPr>
               <a:solidFill>
                 <a:srgbClr val="000000"/>
@@ -13193,7 +13494,7 @@
             </a:endParaRPr>
           </a:p>
           <a:p>
-            <a:pPr indent="0" lvl="0" marL="0" rtl="0" algn="l">
+            <a:pPr marL="0" lvl="0" indent="0" algn="l" rtl="0">
               <a:spcBef>
                 <a:spcPts val="1600"/>
               </a:spcBef>
@@ -13207,9 +13508,6 @@
               <a:buFont typeface="Arial"/>
               <a:buNone/>
             </a:pPr>
-            <a:r>
-              <a:t/>
-            </a:r>
             <a:endParaRPr>
               <a:solidFill>
                 <a:srgbClr val="000000"/>
@@ -13217,7 +13515,7 @@
             </a:endParaRPr>
           </a:p>
           <a:p>
-            <a:pPr indent="0" lvl="0" marL="0" rtl="0" algn="l">
+            <a:pPr marL="0" lvl="0" indent="0" algn="l" rtl="0">
               <a:spcBef>
                 <a:spcPts val="1600"/>
               </a:spcBef>
@@ -13231,9 +13529,6 @@
               <a:buFont typeface="Arial"/>
               <a:buNone/>
             </a:pPr>
-            <a:r>
-              <a:t/>
-            </a:r>
             <a:endParaRPr>
               <a:solidFill>
                 <a:srgbClr val="000000"/>
@@ -13241,7 +13536,7 @@
             </a:endParaRPr>
           </a:p>
           <a:p>
-            <a:pPr indent="0" lvl="0" marL="0" rtl="0" algn="l">
+            <a:pPr marL="0" lvl="0" indent="0" algn="l" rtl="0">
               <a:spcBef>
                 <a:spcPts val="1600"/>
               </a:spcBef>
@@ -13255,9 +13550,6 @@
               <a:buFont typeface="Arial"/>
               <a:buNone/>
             </a:pPr>
-            <a:r>
-              <a:t/>
-            </a:r>
             <a:endParaRPr>
               <a:solidFill>
                 <a:srgbClr val="000000"/>
@@ -13265,7 +13557,7 @@
             </a:endParaRPr>
           </a:p>
           <a:p>
-            <a:pPr indent="0" lvl="0" marL="0" rtl="0" algn="l">
+            <a:pPr marL="0" lvl="0" indent="0" algn="l" rtl="0">
               <a:spcBef>
                 <a:spcPts val="1600"/>
               </a:spcBef>
@@ -13427,12 +13719,12 @@
           </a:ln>
         </p:spPr>
         <p:txBody>
-          <a:bodyPr anchorCtr="0" anchor="t" bIns="91425" lIns="91425" spcFirstLastPara="1" rIns="91425" wrap="square" tIns="91425">
+          <a:bodyPr spcFirstLastPara="1" wrap="square" lIns="91425" tIns="91425" rIns="91425" bIns="91425" anchor="t" anchorCtr="0">
             <a:noAutofit/>
           </a:bodyPr>
           <a:lstStyle/>
           <a:p>
-            <a:pPr indent="0" lvl="0" marL="0" rtl="0" algn="l">
+            <a:pPr marL="0" lvl="0" indent="0" algn="l" rtl="0">
               <a:lnSpc>
                 <a:spcPct val="115000"/>
               </a:lnSpc>
@@ -13461,7 +13753,7 @@
             </a:endParaRPr>
           </a:p>
           <a:p>
-            <a:pPr indent="457200" lvl="0" marL="457200" rtl="0" algn="l">
+            <a:pPr marL="457200" lvl="0" indent="457200" algn="l" rtl="0">
               <a:lnSpc>
                 <a:spcPct val="115000"/>
               </a:lnSpc>
@@ -13490,7 +13782,7 @@
             </a:endParaRPr>
           </a:p>
           <a:p>
-            <a:pPr indent="457200" lvl="0" marL="457200" rtl="0" algn="l">
+            <a:pPr marL="457200" lvl="0" indent="457200" algn="l" rtl="0">
               <a:lnSpc>
                 <a:spcPct val="115000"/>
               </a:lnSpc>
@@ -13519,7 +13811,7 @@
             </a:endParaRPr>
           </a:p>
           <a:p>
-            <a:pPr indent="457200" lvl="0" marL="457200" rtl="0" algn="l">
+            <a:pPr marL="457200" lvl="0" indent="457200" algn="l" rtl="0">
               <a:lnSpc>
                 <a:spcPct val="115000"/>
               </a:lnSpc>
@@ -13558,18 +13850,19 @@
 </file>
 
 <file path=ppt/slides/slide8.xml><?xml version="1.0" encoding="utf-8"?>
-<p:sld xmlns:a="http://schemas.openxmlformats.org/drawingml/2006/main" xmlns:r="http://schemas.openxmlformats.org/officeDocument/2006/relationships" xmlns:mc="http://schemas.openxmlformats.org/markup-compatibility/2006" xmlns:mv="urn:schemas-microsoft-com:mac:vml" xmlns:p="http://schemas.openxmlformats.org/presentationml/2006/main" xmlns:c="http://schemas.openxmlformats.org/drawingml/2006/chart" xmlns:dgm="http://schemas.openxmlformats.org/drawingml/2006/diagram" xmlns:o="urn:schemas-microsoft-com:office:office" xmlns:v="urn:schemas-microsoft-com:vml" xmlns:pvml="urn:schemas-microsoft-com:office:powerpoint" xmlns:com="http://schemas.openxmlformats.org/drawingml/2006/compatibility" xmlns:p14="http://schemas.microsoft.com/office/powerpoint/2010/main" xmlns:p15="http://schemas.microsoft.com/office/powerpoint/2012/main">
+<p:sld xmlns:a="http://schemas.openxmlformats.org/drawingml/2006/main" xmlns:r="http://schemas.openxmlformats.org/officeDocument/2006/relationships" xmlns:p="http://schemas.openxmlformats.org/presentationml/2006/main">
   <p:cSld>
     <p:bg>
       <p:bgPr>
         <a:solidFill>
           <a:srgbClr val="CCCCCC"/>
         </a:solidFill>
+        <a:effectLst/>
       </p:bgPr>
     </p:bg>
     <p:spTree>
       <p:nvGrpSpPr>
-        <p:cNvPr id="101" name="Shape 101"/>
+        <p:cNvPr id="1" name="Shape 101"/>
         <p:cNvGrpSpPr/>
         <p:nvPr/>
       </p:nvGrpSpPr>
@@ -13584,7 +13877,9 @@
       <p:sp>
         <p:nvSpPr>
           <p:cNvPr id="102" name="Google Shape;102;p20"/>
-          <p:cNvSpPr txBox="1"/>
+          <p:cNvSpPr txBox="1">
+            <a:spLocks noGrp="1"/>
+          </p:cNvSpPr>
           <p:nvPr>
             <p:ph type="title"/>
           </p:nvPr>
@@ -13599,12 +13894,12 @@
           </a:prstGeom>
         </p:spPr>
         <p:txBody>
-          <a:bodyPr anchorCtr="0" anchor="t" bIns="91425" lIns="91425" spcFirstLastPara="1" rIns="91425" wrap="square" tIns="91425">
+          <a:bodyPr spcFirstLastPara="1" wrap="square" lIns="91425" tIns="91425" rIns="91425" bIns="91425" anchor="t" anchorCtr="0">
             <a:noAutofit/>
           </a:bodyPr>
           <a:lstStyle/>
           <a:p>
-            <a:pPr indent="0" lvl="0" marL="0" rtl="0" algn="ctr">
+            <a:pPr marL="0" lvl="0" indent="0" algn="ctr" rtl="0">
               <a:spcBef>
                 <a:spcPts val="0"/>
               </a:spcBef>
@@ -13614,7 +13909,7 @@
               <a:buNone/>
             </a:pPr>
             <a:r>
-              <a:rPr b="1" i="1" lang="en">
+              <a:rPr lang="en" b="1" i="1">
                 <a:latin typeface="Century Gothic"/>
                 <a:ea typeface="Century Gothic"/>
                 <a:cs typeface="Century Gothic"/>
@@ -13634,9 +13929,11 @@
       <p:sp>
         <p:nvSpPr>
           <p:cNvPr id="103" name="Google Shape;103;p20"/>
-          <p:cNvSpPr txBox="1"/>
+          <p:cNvSpPr txBox="1">
+            <a:spLocks noGrp="1"/>
+          </p:cNvSpPr>
           <p:nvPr>
-            <p:ph idx="1" type="body"/>
+            <p:ph type="body" idx="1"/>
           </p:nvPr>
         </p:nvSpPr>
         <p:spPr>
@@ -13649,12 +13946,12 @@
           </a:prstGeom>
         </p:spPr>
         <p:txBody>
-          <a:bodyPr anchorCtr="0" anchor="t" bIns="91425" lIns="91425" spcFirstLastPara="1" rIns="91425" wrap="square" tIns="91425">
+          <a:bodyPr spcFirstLastPara="1" wrap="square" lIns="91425" tIns="91425" rIns="91425" bIns="91425" anchor="t" anchorCtr="0">
             <a:noAutofit/>
           </a:bodyPr>
           <a:lstStyle/>
           <a:p>
-            <a:pPr indent="0" lvl="0" marL="0" rtl="0" algn="l">
+            <a:pPr marL="0" lvl="0" indent="0" algn="l" rtl="0">
               <a:spcBef>
                 <a:spcPts val="0"/>
               </a:spcBef>
@@ -13747,12 +14044,12 @@
           </a:ln>
         </p:spPr>
         <p:txBody>
-          <a:bodyPr anchorCtr="0" anchor="t" bIns="91425" lIns="91425" spcFirstLastPara="1" rIns="91425" wrap="square" tIns="91425">
+          <a:bodyPr spcFirstLastPara="1" wrap="square" lIns="91425" tIns="91425" rIns="91425" bIns="91425" anchor="t" anchorCtr="0">
             <a:noAutofit/>
           </a:bodyPr>
           <a:lstStyle/>
           <a:p>
-            <a:pPr indent="0" lvl="0" marL="0" rtl="0" algn="l">
+            <a:pPr marL="0" lvl="0" indent="0" algn="l" rtl="0">
               <a:spcBef>
                 <a:spcPts val="0"/>
               </a:spcBef>
@@ -13761,9 +14058,6 @@
               </a:spcAft>
               <a:buNone/>
             </a:pPr>
-            <a:r>
-              <a:t/>
-            </a:r>
             <a:endParaRPr/>
           </a:p>
         </p:txBody>
@@ -13777,18 +14071,19 @@
 </file>
 
 <file path=ppt/slides/slide9.xml><?xml version="1.0" encoding="utf-8"?>
-<p:sld xmlns:a="http://schemas.openxmlformats.org/drawingml/2006/main" xmlns:r="http://schemas.openxmlformats.org/officeDocument/2006/relationships" xmlns:mc="http://schemas.openxmlformats.org/markup-compatibility/2006" xmlns:mv="urn:schemas-microsoft-com:mac:vml" xmlns:p="http://schemas.openxmlformats.org/presentationml/2006/main" xmlns:c="http://schemas.openxmlformats.org/drawingml/2006/chart" xmlns:dgm="http://schemas.openxmlformats.org/drawingml/2006/diagram" xmlns:o="urn:schemas-microsoft-com:office:office" xmlns:v="urn:schemas-microsoft-com:vml" xmlns:pvml="urn:schemas-microsoft-com:office:powerpoint" xmlns:com="http://schemas.openxmlformats.org/drawingml/2006/compatibility" xmlns:p14="http://schemas.microsoft.com/office/powerpoint/2010/main" xmlns:p15="http://schemas.microsoft.com/office/powerpoint/2012/main">
+<p:sld xmlns:a="http://schemas.openxmlformats.org/drawingml/2006/main" xmlns:r="http://schemas.openxmlformats.org/officeDocument/2006/relationships" xmlns:p="http://schemas.openxmlformats.org/presentationml/2006/main">
   <p:cSld>
     <p:bg>
       <p:bgPr>
         <a:solidFill>
           <a:srgbClr val="CCCCCC"/>
         </a:solidFill>
+        <a:effectLst/>
       </p:bgPr>
     </p:bg>
     <p:spTree>
       <p:nvGrpSpPr>
-        <p:cNvPr id="109" name="Shape 109"/>
+        <p:cNvPr id="1" name="Shape 109"/>
         <p:cNvGrpSpPr/>
         <p:nvPr/>
       </p:nvGrpSpPr>
@@ -13803,7 +14098,9 @@
       <p:sp>
         <p:nvSpPr>
           <p:cNvPr id="110" name="Google Shape;110;p21"/>
-          <p:cNvSpPr txBox="1"/>
+          <p:cNvSpPr txBox="1">
+            <a:spLocks noGrp="1"/>
+          </p:cNvSpPr>
           <p:nvPr>
             <p:ph type="title"/>
           </p:nvPr>
@@ -13818,12 +14115,12 @@
           </a:prstGeom>
         </p:spPr>
         <p:txBody>
-          <a:bodyPr anchorCtr="0" anchor="t" bIns="91425" lIns="91425" spcFirstLastPara="1" rIns="91425" wrap="square" tIns="91425">
+          <a:bodyPr spcFirstLastPara="1" wrap="square" lIns="91425" tIns="91425" rIns="91425" bIns="91425" anchor="t" anchorCtr="0">
             <a:noAutofit/>
           </a:bodyPr>
           <a:lstStyle/>
           <a:p>
-            <a:pPr indent="0" lvl="0" marL="0" rtl="0" algn="ctr">
+            <a:pPr marL="0" lvl="0" indent="0" algn="ctr" rtl="0">
               <a:spcBef>
                 <a:spcPts val="0"/>
               </a:spcBef>
@@ -13838,7 +14135,7 @@
               <a:buNone/>
             </a:pPr>
             <a:r>
-              <a:rPr b="1" i="1" lang="en">
+              <a:rPr lang="en" b="1" i="1">
                 <a:latin typeface="Century Gothic"/>
                 <a:ea typeface="Century Gothic"/>
                 <a:cs typeface="Century Gothic"/>
@@ -13853,9 +14150,11 @@
       <p:sp>
         <p:nvSpPr>
           <p:cNvPr id="111" name="Google Shape;111;p21"/>
-          <p:cNvSpPr txBox="1"/>
+          <p:cNvSpPr txBox="1">
+            <a:spLocks noGrp="1"/>
+          </p:cNvSpPr>
           <p:nvPr>
-            <p:ph idx="1" type="body"/>
+            <p:ph type="body" idx="1"/>
           </p:nvPr>
         </p:nvSpPr>
         <p:spPr>
@@ -13868,12 +14167,12 @@
           </a:prstGeom>
         </p:spPr>
         <p:txBody>
-          <a:bodyPr anchorCtr="0" anchor="t" bIns="91425" lIns="91425" spcFirstLastPara="1" rIns="91425" wrap="square" tIns="91425">
+          <a:bodyPr spcFirstLastPara="1" wrap="square" lIns="91425" tIns="91425" rIns="91425" bIns="91425" anchor="t" anchorCtr="0">
             <a:noAutofit/>
           </a:bodyPr>
           <a:lstStyle/>
           <a:p>
-            <a:pPr indent="0" lvl="0" marL="0" rtl="0" algn="l">
+            <a:pPr marL="0" lvl="0" indent="0" algn="l" rtl="0">
               <a:spcBef>
                 <a:spcPts val="0"/>
               </a:spcBef>
@@ -13943,7 +14242,288 @@
 </file>
 
 <file path=ppt/theme/theme1.xml><?xml version="1.0" encoding="utf-8"?>
-<a:theme xmlns:a="http://schemas.openxmlformats.org/drawingml/2006/main" xmlns:r="http://schemas.openxmlformats.org/officeDocument/2006/relationships">
+<a:theme xmlns:a="http://schemas.openxmlformats.org/drawingml/2006/main" name="Simple Light">
+  <a:themeElements>
+    <a:clrScheme name="Simple Light">
+      <a:dk1>
+        <a:srgbClr val="000000"/>
+      </a:dk1>
+      <a:lt1>
+        <a:srgbClr val="FFFFFF"/>
+      </a:lt1>
+      <a:dk2>
+        <a:srgbClr val="595959"/>
+      </a:dk2>
+      <a:lt2>
+        <a:srgbClr val="EEEEEE"/>
+      </a:lt2>
+      <a:accent1>
+        <a:srgbClr val="FFAB40"/>
+      </a:accent1>
+      <a:accent2>
+        <a:srgbClr val="212121"/>
+      </a:accent2>
+      <a:accent3>
+        <a:srgbClr val="78909C"/>
+      </a:accent3>
+      <a:accent4>
+        <a:srgbClr val="FFAB40"/>
+      </a:accent4>
+      <a:accent5>
+        <a:srgbClr val="0097A7"/>
+      </a:accent5>
+      <a:accent6>
+        <a:srgbClr val="EEFF41"/>
+      </a:accent6>
+      <a:hlink>
+        <a:srgbClr val="0097A7"/>
+      </a:hlink>
+      <a:folHlink>
+        <a:srgbClr val="0097A7"/>
+      </a:folHlink>
+    </a:clrScheme>
+    <a:fontScheme name="Office">
+      <a:majorFont>
+        <a:latin typeface="Arial"/>
+        <a:ea typeface=""/>
+        <a:cs typeface=""/>
+        <a:font script="Jpan" typeface="ＭＳ Ｐゴシック"/>
+        <a:font script="Hang" typeface="맑은 고딕"/>
+        <a:font script="Hans" typeface="宋体"/>
+        <a:font script="Hant" typeface="新細明體"/>
+        <a:font script="Arab" typeface="Times New Roman"/>
+        <a:font script="Hebr" typeface="Times New Roman"/>
+        <a:font script="Thai" typeface="Angsana New"/>
+        <a:font script="Ethi" typeface="Nyala"/>
+        <a:font script="Beng" typeface="Vrinda"/>
+        <a:font script="Gujr" typeface="Shruti"/>
+        <a:font script="Khmr" typeface="MoolBoran"/>
+        <a:font script="Knda" typeface="Tunga"/>
+        <a:font script="Guru" typeface="Raavi"/>
+        <a:font script="Cans" typeface="Euphemia"/>
+        <a:font script="Cher" typeface="Plantagenet Cherokee"/>
+        <a:font script="Yiii" typeface="Microsoft Yi Baiti"/>
+        <a:font script="Tibt" typeface="Microsoft Himalaya"/>
+        <a:font script="Thaa" typeface="MV Boli"/>
+        <a:font script="Deva" typeface="Mangal"/>
+        <a:font script="Telu" typeface="Gautami"/>
+        <a:font script="Taml" typeface="Latha"/>
+        <a:font script="Syrc" typeface="Estrangelo Edessa"/>
+        <a:font script="Orya" typeface="Kalinga"/>
+        <a:font script="Mlym" typeface="Kartika"/>
+        <a:font script="Laoo" typeface="DokChampa"/>
+        <a:font script="Sinh" typeface="Iskoola Pota"/>
+        <a:font script="Mong" typeface="Mongolian Baiti"/>
+        <a:font script="Viet" typeface="Times New Roman"/>
+        <a:font script="Uigh" typeface="Microsoft Uighur"/>
+        <a:font script="Geor" typeface="Sylfaen"/>
+      </a:majorFont>
+      <a:minorFont>
+        <a:latin typeface="Arial"/>
+        <a:ea typeface=""/>
+        <a:cs typeface=""/>
+        <a:font script="Jpan" typeface="ＭＳ Ｐゴシック"/>
+        <a:font script="Hang" typeface="맑은 고딕"/>
+        <a:font script="Hans" typeface="宋体"/>
+        <a:font script="Hant" typeface="新細明體"/>
+        <a:font script="Arab" typeface="Arial"/>
+        <a:font script="Hebr" typeface="Arial"/>
+        <a:font script="Thai" typeface="Cordia New"/>
+        <a:font script="Ethi" typeface="Nyala"/>
+        <a:font script="Beng" typeface="Vrinda"/>
+        <a:font script="Gujr" typeface="Shruti"/>
+        <a:font script="Khmr" typeface="DaunPenh"/>
+        <a:font script="Knda" typeface="Tunga"/>
+        <a:font script="Guru" typeface="Raavi"/>
+        <a:font script="Cans" typeface="Euphemia"/>
+        <a:font script="Cher" typeface="Plantagenet Cherokee"/>
+        <a:font script="Yiii" typeface="Microsoft Yi Baiti"/>
+        <a:font script="Tibt" typeface="Microsoft Himalaya"/>
+        <a:font script="Thaa" typeface="MV Boli"/>
+        <a:font script="Deva" typeface="Mangal"/>
+        <a:font script="Telu" typeface="Gautami"/>
+        <a:font script="Taml" typeface="Latha"/>
+        <a:font script="Syrc" typeface="Estrangelo Edessa"/>
+        <a:font script="Orya" typeface="Kalinga"/>
+        <a:font script="Mlym" typeface="Kartika"/>
+        <a:font script="Laoo" typeface="DokChampa"/>
+        <a:font script="Sinh" typeface="Iskoola Pota"/>
+        <a:font script="Mong" typeface="Mongolian Baiti"/>
+        <a:font script="Viet" typeface="Arial"/>
+        <a:font script="Uigh" typeface="Microsoft Uighur"/>
+        <a:font script="Geor" typeface="Sylfaen"/>
+      </a:minorFont>
+    </a:fontScheme>
+    <a:fmtScheme name="Office">
+      <a:fillStyleLst>
+        <a:solidFill>
+          <a:schemeClr val="phClr"/>
+        </a:solidFill>
+        <a:gradFill rotWithShape="1">
+          <a:gsLst>
+            <a:gs pos="0">
+              <a:schemeClr val="phClr">
+                <a:tint val="50000"/>
+                <a:satMod val="300000"/>
+              </a:schemeClr>
+            </a:gs>
+            <a:gs pos="35000">
+              <a:schemeClr val="phClr">
+                <a:tint val="37000"/>
+                <a:satMod val="300000"/>
+              </a:schemeClr>
+            </a:gs>
+            <a:gs pos="100000">
+              <a:schemeClr val="phClr">
+                <a:tint val="15000"/>
+                <a:satMod val="350000"/>
+              </a:schemeClr>
+            </a:gs>
+          </a:gsLst>
+          <a:lin ang="16200000" scaled="1"/>
+        </a:gradFill>
+        <a:gradFill rotWithShape="1">
+          <a:gsLst>
+            <a:gs pos="0">
+              <a:schemeClr val="phClr">
+                <a:tint val="100000"/>
+                <a:shade val="100000"/>
+                <a:satMod val="130000"/>
+              </a:schemeClr>
+            </a:gs>
+            <a:gs pos="100000">
+              <a:schemeClr val="phClr">
+                <a:tint val="50000"/>
+                <a:shade val="100000"/>
+                <a:satMod val="350000"/>
+              </a:schemeClr>
+            </a:gs>
+          </a:gsLst>
+          <a:lin ang="16200000" scaled="0"/>
+        </a:gradFill>
+      </a:fillStyleLst>
+      <a:lnStyleLst>
+        <a:ln w="9525" cap="flat" cmpd="sng" algn="ctr">
+          <a:solidFill>
+            <a:schemeClr val="phClr">
+              <a:shade val="95000"/>
+              <a:satMod val="105000"/>
+            </a:schemeClr>
+          </a:solidFill>
+          <a:prstDash val="solid"/>
+        </a:ln>
+        <a:ln w="25400" cap="flat" cmpd="sng" algn="ctr">
+          <a:solidFill>
+            <a:schemeClr val="phClr"/>
+          </a:solidFill>
+          <a:prstDash val="solid"/>
+        </a:ln>
+        <a:ln w="38100" cap="flat" cmpd="sng" algn="ctr">
+          <a:solidFill>
+            <a:schemeClr val="phClr"/>
+          </a:solidFill>
+          <a:prstDash val="solid"/>
+        </a:ln>
+      </a:lnStyleLst>
+      <a:effectStyleLst>
+        <a:effectStyle>
+          <a:effectLst>
+            <a:outerShdw blurRad="40000" dist="20000" dir="5400000" rotWithShape="0">
+              <a:srgbClr val="000000">
+                <a:alpha val="38000"/>
+              </a:srgbClr>
+            </a:outerShdw>
+          </a:effectLst>
+        </a:effectStyle>
+        <a:effectStyle>
+          <a:effectLst>
+            <a:outerShdw blurRad="40000" dist="23000" dir="5400000" rotWithShape="0">
+              <a:srgbClr val="000000">
+                <a:alpha val="35000"/>
+              </a:srgbClr>
+            </a:outerShdw>
+          </a:effectLst>
+        </a:effectStyle>
+        <a:effectStyle>
+          <a:effectLst>
+            <a:outerShdw blurRad="40000" dist="23000" dir="5400000" rotWithShape="0">
+              <a:srgbClr val="000000">
+                <a:alpha val="35000"/>
+              </a:srgbClr>
+            </a:outerShdw>
+          </a:effectLst>
+          <a:scene3d>
+            <a:camera prst="orthographicFront">
+              <a:rot lat="0" lon="0" rev="0"/>
+            </a:camera>
+            <a:lightRig rig="threePt" dir="t">
+              <a:rot lat="0" lon="0" rev="1200000"/>
+            </a:lightRig>
+          </a:scene3d>
+          <a:sp3d>
+            <a:bevelT w="63500" h="25400"/>
+          </a:sp3d>
+        </a:effectStyle>
+      </a:effectStyleLst>
+      <a:bgFillStyleLst>
+        <a:solidFill>
+          <a:schemeClr val="phClr"/>
+        </a:solidFill>
+        <a:gradFill rotWithShape="1">
+          <a:gsLst>
+            <a:gs pos="0">
+              <a:schemeClr val="phClr">
+                <a:tint val="40000"/>
+                <a:satMod val="350000"/>
+              </a:schemeClr>
+            </a:gs>
+            <a:gs pos="40000">
+              <a:schemeClr val="phClr">
+                <a:tint val="45000"/>
+                <a:shade val="99000"/>
+                <a:satMod val="350000"/>
+              </a:schemeClr>
+            </a:gs>
+            <a:gs pos="100000">
+              <a:schemeClr val="phClr">
+                <a:shade val="20000"/>
+                <a:satMod val="255000"/>
+              </a:schemeClr>
+            </a:gs>
+          </a:gsLst>
+          <a:path path="circle">
+            <a:fillToRect l="50000" t="-80000" r="50000" b="180000"/>
+          </a:path>
+        </a:gradFill>
+        <a:gradFill rotWithShape="1">
+          <a:gsLst>
+            <a:gs pos="0">
+              <a:schemeClr val="phClr">
+                <a:tint val="80000"/>
+                <a:satMod val="300000"/>
+              </a:schemeClr>
+            </a:gs>
+            <a:gs pos="100000">
+              <a:schemeClr val="phClr">
+                <a:shade val="30000"/>
+                <a:satMod val="200000"/>
+              </a:schemeClr>
+            </a:gs>
+          </a:gsLst>
+          <a:path path="circle">
+            <a:fillToRect l="50000" t="50000" r="50000" b="50000"/>
+          </a:path>
+        </a:gradFill>
+      </a:bgFillStyleLst>
+    </a:fmtScheme>
+  </a:themeElements>
+  <a:objectDefaults/>
+  <a:extraClrSchemeLst/>
+</a:theme>
+</file>
+
+<file path=ppt/theme/theme2.xml><?xml version="1.0" encoding="utf-8"?>
+<a:theme xmlns:a="http://schemas.openxmlformats.org/drawingml/2006/main">
   <a:themeElements>
     <a:clrScheme name="Default">
       <a:dk1>
@@ -14218,284 +14798,7 @@
       </a:bgFillStyleLst>
     </a:fmtScheme>
   </a:themeElements>
-</a:theme>
-</file>
-
-<file path=ppt/theme/theme2.xml><?xml version="1.0" encoding="utf-8"?>
-<a:theme xmlns:a="http://schemas.openxmlformats.org/drawingml/2006/main" xmlns:r="http://schemas.openxmlformats.org/officeDocument/2006/relationships" name="Simple Light">
-  <a:themeElements>
-    <a:clrScheme name="Simple Light">
-      <a:dk1>
-        <a:srgbClr val="000000"/>
-      </a:dk1>
-      <a:lt1>
-        <a:srgbClr val="FFFFFF"/>
-      </a:lt1>
-      <a:dk2>
-        <a:srgbClr val="595959"/>
-      </a:dk2>
-      <a:lt2>
-        <a:srgbClr val="EEEEEE"/>
-      </a:lt2>
-      <a:accent1>
-        <a:srgbClr val="FFAB40"/>
-      </a:accent1>
-      <a:accent2>
-        <a:srgbClr val="212121"/>
-      </a:accent2>
-      <a:accent3>
-        <a:srgbClr val="78909C"/>
-      </a:accent3>
-      <a:accent4>
-        <a:srgbClr val="FFAB40"/>
-      </a:accent4>
-      <a:accent5>
-        <a:srgbClr val="0097A7"/>
-      </a:accent5>
-      <a:accent6>
-        <a:srgbClr val="EEFF41"/>
-      </a:accent6>
-      <a:hlink>
-        <a:srgbClr val="0097A7"/>
-      </a:hlink>
-      <a:folHlink>
-        <a:srgbClr val="0097A7"/>
-      </a:folHlink>
-    </a:clrScheme>
-    <a:fontScheme name="Office">
-      <a:majorFont>
-        <a:latin typeface="Arial"/>
-        <a:ea typeface=""/>
-        <a:cs typeface=""/>
-        <a:font script="Jpan" typeface="ＭＳ Ｐゴシック"/>
-        <a:font script="Hang" typeface="맑은 고딕"/>
-        <a:font script="Hans" typeface="宋体"/>
-        <a:font script="Hant" typeface="新細明體"/>
-        <a:font script="Arab" typeface="Times New Roman"/>
-        <a:font script="Hebr" typeface="Times New Roman"/>
-        <a:font script="Thai" typeface="Angsana New"/>
-        <a:font script="Ethi" typeface="Nyala"/>
-        <a:font script="Beng" typeface="Vrinda"/>
-        <a:font script="Gujr" typeface="Shruti"/>
-        <a:font script="Khmr" typeface="MoolBoran"/>
-        <a:font script="Knda" typeface="Tunga"/>
-        <a:font script="Guru" typeface="Raavi"/>
-        <a:font script="Cans" typeface="Euphemia"/>
-        <a:font script="Cher" typeface="Plantagenet Cherokee"/>
-        <a:font script="Yiii" typeface="Microsoft Yi Baiti"/>
-        <a:font script="Tibt" typeface="Microsoft Himalaya"/>
-        <a:font script="Thaa" typeface="MV Boli"/>
-        <a:font script="Deva" typeface="Mangal"/>
-        <a:font script="Telu" typeface="Gautami"/>
-        <a:font script="Taml" typeface="Latha"/>
-        <a:font script="Syrc" typeface="Estrangelo Edessa"/>
-        <a:font script="Orya" typeface="Kalinga"/>
-        <a:font script="Mlym" typeface="Kartika"/>
-        <a:font script="Laoo" typeface="DokChampa"/>
-        <a:font script="Sinh" typeface="Iskoola Pota"/>
-        <a:font script="Mong" typeface="Mongolian Baiti"/>
-        <a:font script="Viet" typeface="Times New Roman"/>
-        <a:font script="Uigh" typeface="Microsoft Uighur"/>
-        <a:font script="Geor" typeface="Sylfaen"/>
-      </a:majorFont>
-      <a:minorFont>
-        <a:latin typeface="Arial"/>
-        <a:ea typeface=""/>
-        <a:cs typeface=""/>
-        <a:font script="Jpan" typeface="ＭＳ Ｐゴシック"/>
-        <a:font script="Hang" typeface="맑은 고딕"/>
-        <a:font script="Hans" typeface="宋体"/>
-        <a:font script="Hant" typeface="新細明體"/>
-        <a:font script="Arab" typeface="Arial"/>
-        <a:font script="Hebr" typeface="Arial"/>
-        <a:font script="Thai" typeface="Cordia New"/>
-        <a:font script="Ethi" typeface="Nyala"/>
-        <a:font script="Beng" typeface="Vrinda"/>
-        <a:font script="Gujr" typeface="Shruti"/>
-        <a:font script="Khmr" typeface="DaunPenh"/>
-        <a:font script="Knda" typeface="Tunga"/>
-        <a:font script="Guru" typeface="Raavi"/>
-        <a:font script="Cans" typeface="Euphemia"/>
-        <a:font script="Cher" typeface="Plantagenet Cherokee"/>
-        <a:font script="Yiii" typeface="Microsoft Yi Baiti"/>
-        <a:font script="Tibt" typeface="Microsoft Himalaya"/>
-        <a:font script="Thaa" typeface="MV Boli"/>
-        <a:font script="Deva" typeface="Mangal"/>
-        <a:font script="Telu" typeface="Gautami"/>
-        <a:font script="Taml" typeface="Latha"/>
-        <a:font script="Syrc" typeface="Estrangelo Edessa"/>
-        <a:font script="Orya" typeface="Kalinga"/>
-        <a:font script="Mlym" typeface="Kartika"/>
-        <a:font script="Laoo" typeface="DokChampa"/>
-        <a:font script="Sinh" typeface="Iskoola Pota"/>
-        <a:font script="Mong" typeface="Mongolian Baiti"/>
-        <a:font script="Viet" typeface="Arial"/>
-        <a:font script="Uigh" typeface="Microsoft Uighur"/>
-        <a:font script="Geor" typeface="Sylfaen"/>
-      </a:minorFont>
-    </a:fontScheme>
-    <a:fmtScheme name="Office">
-      <a:fillStyleLst>
-        <a:solidFill>
-          <a:schemeClr val="phClr"/>
-        </a:solidFill>
-        <a:gradFill rotWithShape="1">
-          <a:gsLst>
-            <a:gs pos="0">
-              <a:schemeClr val="phClr">
-                <a:tint val="50000"/>
-                <a:satMod val="300000"/>
-              </a:schemeClr>
-            </a:gs>
-            <a:gs pos="35000">
-              <a:schemeClr val="phClr">
-                <a:tint val="37000"/>
-                <a:satMod val="300000"/>
-              </a:schemeClr>
-            </a:gs>
-            <a:gs pos="100000">
-              <a:schemeClr val="phClr">
-                <a:tint val="15000"/>
-                <a:satMod val="350000"/>
-              </a:schemeClr>
-            </a:gs>
-          </a:gsLst>
-          <a:lin ang="16200000" scaled="1"/>
-        </a:gradFill>
-        <a:gradFill rotWithShape="1">
-          <a:gsLst>
-            <a:gs pos="0">
-              <a:schemeClr val="phClr">
-                <a:tint val="100000"/>
-                <a:shade val="100000"/>
-                <a:satMod val="130000"/>
-              </a:schemeClr>
-            </a:gs>
-            <a:gs pos="100000">
-              <a:schemeClr val="phClr">
-                <a:tint val="50000"/>
-                <a:shade val="100000"/>
-                <a:satMod val="350000"/>
-              </a:schemeClr>
-            </a:gs>
-          </a:gsLst>
-          <a:lin ang="16200000" scaled="0"/>
-        </a:gradFill>
-      </a:fillStyleLst>
-      <a:lnStyleLst>
-        <a:ln w="9525" cap="flat" cmpd="sng" algn="ctr">
-          <a:solidFill>
-            <a:schemeClr val="phClr">
-              <a:shade val="95000"/>
-              <a:satMod val="105000"/>
-            </a:schemeClr>
-          </a:solidFill>
-          <a:prstDash val="solid"/>
-        </a:ln>
-        <a:ln w="25400" cap="flat" cmpd="sng" algn="ctr">
-          <a:solidFill>
-            <a:schemeClr val="phClr"/>
-          </a:solidFill>
-          <a:prstDash val="solid"/>
-        </a:ln>
-        <a:ln w="38100" cap="flat" cmpd="sng" algn="ctr">
-          <a:solidFill>
-            <a:schemeClr val="phClr"/>
-          </a:solidFill>
-          <a:prstDash val="solid"/>
-        </a:ln>
-      </a:lnStyleLst>
-      <a:effectStyleLst>
-        <a:effectStyle>
-          <a:effectLst>
-            <a:outerShdw blurRad="40000" dist="20000" dir="5400000" rotWithShape="0">
-              <a:srgbClr val="000000">
-                <a:alpha val="38000"/>
-              </a:srgbClr>
-            </a:outerShdw>
-          </a:effectLst>
-        </a:effectStyle>
-        <a:effectStyle>
-          <a:effectLst>
-            <a:outerShdw blurRad="40000" dist="23000" dir="5400000" rotWithShape="0">
-              <a:srgbClr val="000000">
-                <a:alpha val="35000"/>
-              </a:srgbClr>
-            </a:outerShdw>
-          </a:effectLst>
-        </a:effectStyle>
-        <a:effectStyle>
-          <a:effectLst>
-            <a:outerShdw blurRad="40000" dist="23000" dir="5400000" rotWithShape="0">
-              <a:srgbClr val="000000">
-                <a:alpha val="35000"/>
-              </a:srgbClr>
-            </a:outerShdw>
-          </a:effectLst>
-          <a:scene3d>
-            <a:camera prst="orthographicFront">
-              <a:rot lat="0" lon="0" rev="0"/>
-            </a:camera>
-            <a:lightRig rig="threePt" dir="t">
-              <a:rot lat="0" lon="0" rev="1200000"/>
-            </a:lightRig>
-          </a:scene3d>
-          <a:sp3d>
-            <a:bevelT w="63500" h="25400"/>
-          </a:sp3d>
-        </a:effectStyle>
-      </a:effectStyleLst>
-      <a:bgFillStyleLst>
-        <a:solidFill>
-          <a:schemeClr val="phClr"/>
-        </a:solidFill>
-        <a:gradFill rotWithShape="1">
-          <a:gsLst>
-            <a:gs pos="0">
-              <a:schemeClr val="phClr">
-                <a:tint val="40000"/>
-                <a:satMod val="350000"/>
-              </a:schemeClr>
-            </a:gs>
-            <a:gs pos="40000">
-              <a:schemeClr val="phClr">
-                <a:tint val="45000"/>
-                <a:shade val="99000"/>
-                <a:satMod val="350000"/>
-              </a:schemeClr>
-            </a:gs>
-            <a:gs pos="100000">
-              <a:schemeClr val="phClr">
-                <a:shade val="20000"/>
-                <a:satMod val="255000"/>
-              </a:schemeClr>
-            </a:gs>
-          </a:gsLst>
-          <a:path path="circle">
-            <a:fillToRect l="50000" t="-80000" r="50000" b="180000"/>
-          </a:path>
-        </a:gradFill>
-        <a:gradFill rotWithShape="1">
-          <a:gsLst>
-            <a:gs pos="0">
-              <a:schemeClr val="phClr">
-                <a:tint val="80000"/>
-                <a:satMod val="300000"/>
-              </a:schemeClr>
-            </a:gs>
-            <a:gs pos="100000">
-              <a:schemeClr val="phClr">
-                <a:shade val="30000"/>
-                <a:satMod val="200000"/>
-              </a:schemeClr>
-            </a:gs>
-          </a:gsLst>
-          <a:path path="circle">
-            <a:fillToRect l="50000" t="50000" r="50000" b="50000"/>
-          </a:path>
-        </a:gradFill>
-      </a:bgFillStyleLst>
-    </a:fmtScheme>
-  </a:themeElements>
+  <a:objectDefaults/>
+  <a:extraClrSchemeLst/>
 </a:theme>
 </file>